--- a/Typescript.pptx
+++ b/Typescript.pptx
@@ -9,11 +9,12 @@
     <p:sldId id="266" r:id="rId3"/>
     <p:sldId id="257" r:id="rId4"/>
     <p:sldId id="259" r:id="rId5"/>
-    <p:sldId id="258" r:id="rId6"/>
+    <p:sldId id="267" r:id="rId6"/>
     <p:sldId id="262" r:id="rId7"/>
     <p:sldId id="264" r:id="rId8"/>
     <p:sldId id="263" r:id="rId9"/>
     <p:sldId id="265" r:id="rId10"/>
+    <p:sldId id="268" r:id="rId11"/>
   </p:sldIdLst>
   <p:sldSz cx="12192000" cy="6858000"/>
   <p:notesSz cx="6858000" cy="9144000"/>
@@ -133,7 +134,7 @@
         </p14:section>
         <p14:section name="Types – Part 1" id="{FC40A588-AE5F-495D-B336-7D287693925D}">
           <p14:sldIdLst>
-            <p14:sldId id="258"/>
+            <p14:sldId id="267"/>
             <p14:sldId id="262"/>
           </p14:sldIdLst>
         </p14:section>
@@ -146,6 +147,7 @@
           <p14:sldIdLst>
             <p14:sldId id="263"/>
             <p14:sldId id="265"/>
+            <p14:sldId id="268"/>
           </p14:sldIdLst>
         </p14:section>
       </p14:sectionLst>
@@ -3900,6 +3902,268 @@
 </p:sld>
 </file>
 
+<file path=ppt/slides/slide10.xml><?xml version="1.0" encoding="utf-8"?>
+<p:sld xmlns:a="http://schemas.openxmlformats.org/drawingml/2006/main" xmlns:r="http://schemas.openxmlformats.org/officeDocument/2006/relationships" xmlns:p="http://schemas.openxmlformats.org/presentationml/2006/main">
+  <p:cSld>
+    <p:spTree>
+      <p:nvGrpSpPr>
+        <p:cNvPr id="1" name=""/>
+        <p:cNvGrpSpPr/>
+        <p:nvPr/>
+      </p:nvGrpSpPr>
+      <p:grpSpPr>
+        <a:xfrm>
+          <a:off x="0" y="0"/>
+          <a:ext cx="0" cy="0"/>
+          <a:chOff x="0" y="0"/>
+          <a:chExt cx="0" cy="0"/>
+        </a:xfrm>
+      </p:grpSpPr>
+      <p:sp>
+        <p:nvSpPr>
+          <p:cNvPr id="2" name="Title 1"/>
+          <p:cNvSpPr>
+            <a:spLocks noGrp="1"/>
+          </p:cNvSpPr>
+          <p:nvPr>
+            <p:ph type="title"/>
+          </p:nvPr>
+        </p:nvSpPr>
+        <p:spPr/>
+        <p:txBody>
+          <a:bodyPr/>
+          <a:lstStyle/>
+          <a:p>
+            <a:r>
+              <a:rPr lang="en-GB" dirty="0"/>
+              <a:t>Truthy &amp; </a:t>
+            </a:r>
+            <a:r>
+              <a:rPr lang="en-GB" dirty="0" err="1"/>
+              <a:t>Falsy</a:t>
+            </a:r>
+            <a:endParaRPr lang="de-DE" dirty="0"/>
+          </a:p>
+        </p:txBody>
+      </p:sp>
+      <p:sp>
+        <p:nvSpPr>
+          <p:cNvPr id="3" name="Content Placeholder 2"/>
+          <p:cNvSpPr>
+            <a:spLocks noGrp="1"/>
+          </p:cNvSpPr>
+          <p:nvPr>
+            <p:ph sz="half" idx="1"/>
+          </p:nvPr>
+        </p:nvSpPr>
+        <p:spPr>
+          <a:xfrm>
+            <a:off x="1371600" y="2285999"/>
+            <a:ext cx="3032620" cy="3581401"/>
+          </a:xfrm>
+        </p:spPr>
+        <p:txBody>
+          <a:bodyPr anchor="ctr"/>
+          <a:lstStyle/>
+          <a:p>
+            <a:r>
+              <a:rPr lang="de-DE" dirty="0"/>
+              <a:t>Non-</a:t>
+            </a:r>
+            <a:r>
+              <a:rPr lang="de-DE" dirty="0" err="1"/>
+              <a:t>booleans</a:t>
+            </a:r>
+            <a:r>
+              <a:rPr lang="de-DE" dirty="0"/>
+              <a:t> </a:t>
+            </a:r>
+            <a:r>
+              <a:rPr lang="de-DE" dirty="0" err="1"/>
+              <a:t>are</a:t>
+            </a:r>
+            <a:r>
+              <a:rPr lang="de-DE" dirty="0"/>
+              <a:t> </a:t>
+            </a:r>
+            <a:r>
+              <a:rPr lang="de-DE" dirty="0" err="1"/>
+              <a:t>interpreted</a:t>
+            </a:r>
+            <a:r>
+              <a:rPr lang="de-DE" dirty="0"/>
+              <a:t> </a:t>
+            </a:r>
+            <a:r>
+              <a:rPr lang="de-DE" dirty="0" err="1"/>
+              <a:t>as</a:t>
+            </a:r>
+            <a:r>
+              <a:rPr lang="de-DE" dirty="0"/>
+              <a:t> </a:t>
+            </a:r>
+            <a:r>
+              <a:rPr lang="de-DE" dirty="0" err="1"/>
+              <a:t>booleans</a:t>
+            </a:r>
+            <a:endParaRPr lang="de-DE" dirty="0"/>
+          </a:p>
+          <a:p>
+            <a:r>
+              <a:rPr lang="de-DE" dirty="0" err="1"/>
+              <a:t>Allow</a:t>
+            </a:r>
+            <a:r>
+              <a:rPr lang="de-DE" dirty="0"/>
+              <a:t> </a:t>
+            </a:r>
+            <a:r>
+              <a:rPr lang="de-DE" dirty="0" err="1"/>
+              <a:t>for</a:t>
+            </a:r>
+            <a:r>
+              <a:rPr lang="de-DE" dirty="0"/>
+              <a:t> simple </a:t>
+            </a:r>
+            <a:r>
+              <a:rPr lang="de-DE" dirty="0" err="1"/>
+              <a:t>undefined</a:t>
+            </a:r>
+            <a:r>
+              <a:rPr lang="de-DE" dirty="0"/>
+              <a:t>/null </a:t>
+            </a:r>
+            <a:r>
+              <a:rPr lang="de-DE" dirty="0" err="1"/>
+              <a:t>checks</a:t>
+            </a:r>
+            <a:endParaRPr lang="de-DE" dirty="0"/>
+          </a:p>
+          <a:p>
+            <a:r>
+              <a:rPr lang="de-DE" dirty="0"/>
+              <a:t>Can </a:t>
+            </a:r>
+            <a:r>
+              <a:rPr lang="de-DE" dirty="0" err="1"/>
+              <a:t>be</a:t>
+            </a:r>
+            <a:r>
+              <a:rPr lang="de-DE" dirty="0"/>
+              <a:t> </a:t>
+            </a:r>
+            <a:r>
+              <a:rPr lang="de-DE" dirty="0" err="1"/>
+              <a:t>converted</a:t>
+            </a:r>
+            <a:r>
+              <a:rPr lang="de-DE" dirty="0"/>
+              <a:t> </a:t>
+            </a:r>
+            <a:r>
+              <a:rPr lang="de-DE" dirty="0" err="1"/>
+              <a:t>to</a:t>
+            </a:r>
+            <a:r>
+              <a:rPr lang="de-DE" dirty="0"/>
+              <a:t> real </a:t>
+            </a:r>
+            <a:r>
+              <a:rPr lang="de-DE" dirty="0" err="1"/>
+              <a:t>booleans</a:t>
+            </a:r>
+            <a:r>
+              <a:rPr lang="de-DE" dirty="0"/>
+              <a:t> </a:t>
+            </a:r>
+            <a:r>
+              <a:rPr lang="de-DE" dirty="0" err="1"/>
+              <a:t>by</a:t>
+            </a:r>
+            <a:r>
+              <a:rPr lang="de-DE" dirty="0"/>
+              <a:t> double </a:t>
+            </a:r>
+            <a:r>
+              <a:rPr lang="de-DE" dirty="0" err="1"/>
+              <a:t>negation</a:t>
+            </a:r>
+            <a:r>
+              <a:rPr lang="de-DE" dirty="0"/>
+              <a:t> (‚!!‘)</a:t>
+            </a:r>
+          </a:p>
+        </p:txBody>
+      </p:sp>
+      <p:sp>
+        <p:nvSpPr>
+          <p:cNvPr id="6" name="TextBox 5"/>
+          <p:cNvSpPr txBox="1"/>
+          <p:nvPr/>
+        </p:nvSpPr>
+        <p:spPr>
+          <a:xfrm>
+            <a:off x="706583" y="5938"/>
+            <a:ext cx="2054431" cy="400110"/>
+          </a:xfrm>
+          <a:prstGeom prst="rect">
+            <a:avLst/>
+          </a:prstGeom>
+          <a:noFill/>
+        </p:spPr>
+        <p:txBody>
+          <a:bodyPr wrap="square" rtlCol="0">
+            <a:spAutoFit/>
+          </a:bodyPr>
+          <a:lstStyle/>
+          <a:p>
+            <a:r>
+              <a:rPr lang="en-GB" sz="2000" dirty="0"/>
+              <a:t>Basics</a:t>
+            </a:r>
+            <a:endParaRPr lang="de-DE" dirty="0"/>
+          </a:p>
+        </p:txBody>
+      </p:sp>
+      <p:pic>
+        <p:nvPicPr>
+          <p:cNvPr id="10" name="Content Placeholder 9"/>
+          <p:cNvPicPr>
+            <a:picLocks noGrp="1" noChangeAspect="1"/>
+          </p:cNvPicPr>
+          <p:nvPr>
+            <p:ph sz="half" idx="2"/>
+          </p:nvPr>
+        </p:nvPicPr>
+        <p:blipFill>
+          <a:blip r:embed="rId2"/>
+          <a:stretch>
+            <a:fillRect/>
+          </a:stretch>
+        </p:blipFill>
+        <p:spPr>
+          <a:xfrm>
+            <a:off x="4513458" y="2617366"/>
+            <a:ext cx="7598054" cy="2918666"/>
+          </a:xfrm>
+          <a:prstGeom prst="rect">
+            <a:avLst/>
+          </a:prstGeom>
+        </p:spPr>
+      </p:pic>
+    </p:spTree>
+    <p:extLst>
+      <p:ext uri="{BB962C8B-B14F-4D97-AF65-F5344CB8AC3E}">
+        <p14:creationId xmlns:p14="http://schemas.microsoft.com/office/powerpoint/2010/main" val="1600216017"/>
+      </p:ext>
+    </p:extLst>
+  </p:cSld>
+  <p:clrMapOvr>
+    <a:masterClrMapping/>
+  </p:clrMapOvr>
+</p:sld>
+</file>
+
 <file path=ppt/slides/slide2.xml><?xml version="1.0" encoding="utf-8"?>
 <p:sld xmlns:a="http://schemas.openxmlformats.org/drawingml/2006/main" xmlns:r="http://schemas.openxmlformats.org/officeDocument/2006/relationships" xmlns:p="http://schemas.openxmlformats.org/presentationml/2006/main">
   <p:cSld>
@@ -4084,7 +4348,7 @@
             </p:grpSpPr>
             <p:pic>
               <p:nvPicPr>
-                <p:cNvPr id="6" name="Picture 6">
+                <p:cNvPr id="3" name="Picture 3">
                   <a:hlinkClick r:id="rId6" action="ppaction://hlinksldjump"/>
                 </p:cNvPr>
                 <p:cNvPicPr>
@@ -4115,7 +4379,7 @@
             </p:pic>
             <p:pic>
               <p:nvPicPr>
-                <p:cNvPr id="7" name="Picture 7">
+                <p:cNvPr id="4" name="Picture 4">
                   <a:hlinkClick r:id="rId7" action="ppaction://hlinksldjump"/>
                 </p:cNvPr>
                 <p:cNvPicPr>
@@ -4146,7 +4410,7 @@
             </p:pic>
             <p:pic>
               <p:nvPicPr>
-                <p:cNvPr id="8" name="Picture 8">
+                <p:cNvPr id="6" name="Picture 6">
                   <a:hlinkClick r:id="rId8" action="ppaction://hlinksldjump"/>
                 </p:cNvPr>
                 <p:cNvPicPr>
@@ -4177,7 +4441,7 @@
             </p:pic>
             <p:pic>
               <p:nvPicPr>
-                <p:cNvPr id="9" name="Picture 9">
+                <p:cNvPr id="7" name="Picture 7">
                   <a:hlinkClick r:id="rId9" action="ppaction://hlinksldjump"/>
                 </p:cNvPr>
                 <p:cNvPicPr>
@@ -4302,11 +4566,13 @@
       </p:sp>
       <p:pic>
         <p:nvPicPr>
-          <p:cNvPr id="10" name="Picture 9"/>
+          <p:cNvPr id="7" name="Content Placeholder 6"/>
           <p:cNvPicPr>
-            <a:picLocks noChangeAspect="1"/>
+            <a:picLocks noGrp="1" noChangeAspect="1"/>
           </p:cNvPicPr>
-          <p:nvPr/>
+          <p:nvPr>
+            <p:ph idx="1"/>
+          </p:nvPr>
         </p:nvPicPr>
         <p:blipFill>
           <a:blip r:embed="rId2"/>
@@ -4316,8 +4582,8 @@
         </p:blipFill>
         <p:spPr>
           <a:xfrm>
-            <a:off x="1371600" y="2707548"/>
-            <a:ext cx="9180722" cy="1897823"/>
+            <a:off x="1747220" y="3276488"/>
+            <a:ext cx="8849960" cy="1600423"/>
           </a:xfrm>
           <a:prstGeom prst="rect">
             <a:avLst/>
@@ -4696,7 +4962,7 @@
       </p:sp>
       <p:pic>
         <p:nvPicPr>
-          <p:cNvPr id="12" name="Content Placeholder 11"/>
+          <p:cNvPr id="6" name="Content Placeholder 5"/>
           <p:cNvPicPr>
             <a:picLocks noGrp="1" noChangeAspect="1"/>
           </p:cNvPicPr>
@@ -4712,8 +4978,8 @@
         </p:blipFill>
         <p:spPr>
           <a:xfrm>
-            <a:off x="6216732" y="2559444"/>
-            <a:ext cx="5063960" cy="3034512"/>
+            <a:off x="6148725" y="2558642"/>
+            <a:ext cx="5199976" cy="3036116"/>
           </a:xfrm>
           <a:prstGeom prst="rect">
             <a:avLst/>
@@ -4723,7 +4989,7 @@
     </p:spTree>
     <p:extLst>
       <p:ext uri="{BB962C8B-B14F-4D97-AF65-F5344CB8AC3E}">
-        <p14:creationId xmlns:p14="http://schemas.microsoft.com/office/powerpoint/2010/main" val="3842926407"/>
+        <p14:creationId xmlns:p14="http://schemas.microsoft.com/office/powerpoint/2010/main" val="1525262803"/>
       </p:ext>
     </p:extLst>
   </p:cSld>
@@ -4856,7 +5122,7 @@
       </p:sp>
       <p:pic>
         <p:nvPicPr>
-          <p:cNvPr id="6" name="Content Placeholder 5"/>
+          <p:cNvPr id="9" name="Content Placeholder 8"/>
           <p:cNvPicPr>
             <a:picLocks noGrp="1" noChangeAspect="1"/>
           </p:cNvPicPr>
@@ -4872,8 +5138,8 @@
         </p:blipFill>
         <p:spPr>
           <a:xfrm>
-            <a:off x="6182686" y="1625355"/>
-            <a:ext cx="5132052" cy="4902690"/>
+            <a:off x="5905483" y="1468073"/>
+            <a:ext cx="5686458" cy="5217254"/>
           </a:xfrm>
           <a:prstGeom prst="rect">
             <a:avLst/>
@@ -4973,9 +5239,39 @@
           </a:p>
         </p:txBody>
       </p:sp>
+      <p:sp>
+        <p:nvSpPr>
+          <p:cNvPr id="6" name="TextBox 5"/>
+          <p:cNvSpPr txBox="1"/>
+          <p:nvPr/>
+        </p:nvSpPr>
+        <p:spPr>
+          <a:xfrm>
+            <a:off x="706583" y="5938"/>
+            <a:ext cx="2054431" cy="400110"/>
+          </a:xfrm>
+          <a:prstGeom prst="rect">
+            <a:avLst/>
+          </a:prstGeom>
+          <a:noFill/>
+        </p:spPr>
+        <p:txBody>
+          <a:bodyPr wrap="square" rtlCol="0">
+            <a:spAutoFit/>
+          </a:bodyPr>
+          <a:lstStyle/>
+          <a:p>
+            <a:r>
+              <a:rPr lang="en-GB" sz="2000" dirty="0"/>
+              <a:t>Basics</a:t>
+            </a:r>
+            <a:endParaRPr lang="de-DE" dirty="0"/>
+          </a:p>
+        </p:txBody>
+      </p:sp>
       <p:pic>
         <p:nvPicPr>
-          <p:cNvPr id="5" name="Content Placeholder 4"/>
+          <p:cNvPr id="7" name="Content Placeholder 6"/>
           <p:cNvPicPr>
             <a:picLocks noGrp="1" noChangeAspect="1"/>
           </p:cNvPicPr>
@@ -4991,44 +5287,14 @@
         </p:blipFill>
         <p:spPr>
           <a:xfrm>
-            <a:off x="4962715" y="3129093"/>
-            <a:ext cx="6984766" cy="1895212"/>
+            <a:off x="4806892" y="3344464"/>
+            <a:ext cx="7078298" cy="1464472"/>
           </a:xfrm>
           <a:prstGeom prst="rect">
             <a:avLst/>
           </a:prstGeom>
         </p:spPr>
       </p:pic>
-      <p:sp>
-        <p:nvSpPr>
-          <p:cNvPr id="6" name="TextBox 5"/>
-          <p:cNvSpPr txBox="1"/>
-          <p:nvPr/>
-        </p:nvSpPr>
-        <p:spPr>
-          <a:xfrm>
-            <a:off x="706583" y="5938"/>
-            <a:ext cx="2054431" cy="400110"/>
-          </a:xfrm>
-          <a:prstGeom prst="rect">
-            <a:avLst/>
-          </a:prstGeom>
-          <a:noFill/>
-        </p:spPr>
-        <p:txBody>
-          <a:bodyPr wrap="square" rtlCol="0">
-            <a:spAutoFit/>
-          </a:bodyPr>
-          <a:lstStyle/>
-          <a:p>
-            <a:r>
-              <a:rPr lang="en-GB" sz="2000" dirty="0"/>
-              <a:t>Basics</a:t>
-            </a:r>
-            <a:endParaRPr lang="de-DE" dirty="0"/>
-          </a:p>
-        </p:txBody>
-      </p:sp>
     </p:spTree>
     <p:extLst>
       <p:ext uri="{BB962C8B-B14F-4D97-AF65-F5344CB8AC3E}">
@@ -5092,7 +5358,12 @@
             <p:ph sz="half" idx="1"/>
           </p:nvPr>
         </p:nvSpPr>
-        <p:spPr/>
+        <p:spPr>
+          <a:xfrm>
+            <a:off x="1371600" y="2285999"/>
+            <a:ext cx="2982286" cy="3581401"/>
+          </a:xfrm>
+        </p:spPr>
         <p:txBody>
           <a:bodyPr anchor="ctr"/>
           <a:lstStyle/>
@@ -5117,9 +5388,39 @@
           </a:p>
         </p:txBody>
       </p:sp>
+      <p:sp>
+        <p:nvSpPr>
+          <p:cNvPr id="6" name="TextBox 5"/>
+          <p:cNvSpPr txBox="1"/>
+          <p:nvPr/>
+        </p:nvSpPr>
+        <p:spPr>
+          <a:xfrm>
+            <a:off x="706583" y="5938"/>
+            <a:ext cx="2054431" cy="400110"/>
+          </a:xfrm>
+          <a:prstGeom prst="rect">
+            <a:avLst/>
+          </a:prstGeom>
+          <a:noFill/>
+        </p:spPr>
+        <p:txBody>
+          <a:bodyPr wrap="square" rtlCol="0">
+            <a:spAutoFit/>
+          </a:bodyPr>
+          <a:lstStyle/>
+          <a:p>
+            <a:r>
+              <a:rPr lang="en-GB" sz="2000" dirty="0"/>
+              <a:t>Basics</a:t>
+            </a:r>
+            <a:endParaRPr lang="de-DE" dirty="0"/>
+          </a:p>
+        </p:txBody>
+      </p:sp>
       <p:pic>
         <p:nvPicPr>
-          <p:cNvPr id="5" name="Content Placeholder 4"/>
+          <p:cNvPr id="7" name="Content Placeholder 6"/>
           <p:cNvPicPr>
             <a:picLocks noGrp="1" noChangeAspect="1"/>
           </p:cNvPicPr>
@@ -5135,44 +5436,14 @@
         </p:blipFill>
         <p:spPr>
           <a:xfrm>
-            <a:off x="5369437" y="1879134"/>
-            <a:ext cx="6758552" cy="4395132"/>
+            <a:off x="4798503" y="2417084"/>
+            <a:ext cx="7413858" cy="3319232"/>
           </a:xfrm>
           <a:prstGeom prst="rect">
             <a:avLst/>
           </a:prstGeom>
         </p:spPr>
       </p:pic>
-      <p:sp>
-        <p:nvSpPr>
-          <p:cNvPr id="6" name="TextBox 5"/>
-          <p:cNvSpPr txBox="1"/>
-          <p:nvPr/>
-        </p:nvSpPr>
-        <p:spPr>
-          <a:xfrm>
-            <a:off x="706583" y="5938"/>
-            <a:ext cx="2054431" cy="400110"/>
-          </a:xfrm>
-          <a:prstGeom prst="rect">
-            <a:avLst/>
-          </a:prstGeom>
-          <a:noFill/>
-        </p:spPr>
-        <p:txBody>
-          <a:bodyPr wrap="square" rtlCol="0">
-            <a:spAutoFit/>
-          </a:bodyPr>
-          <a:lstStyle/>
-          <a:p>
-            <a:r>
-              <a:rPr lang="en-GB" sz="2000" dirty="0"/>
-              <a:t>Basics</a:t>
-            </a:r>
-            <a:endParaRPr lang="de-DE" dirty="0"/>
-          </a:p>
-        </p:txBody>
-      </p:sp>
     </p:spTree>
     <p:extLst>
       <p:ext uri="{BB962C8B-B14F-4D97-AF65-F5344CB8AC3E}">
@@ -5298,7 +5569,7 @@
       </p:sp>
       <p:pic>
         <p:nvPicPr>
-          <p:cNvPr id="7" name="Content Placeholder 6"/>
+          <p:cNvPr id="5" name="Content Placeholder 4"/>
           <p:cNvPicPr>
             <a:picLocks noGrp="1" noChangeAspect="1"/>
           </p:cNvPicPr>
@@ -5314,8 +5585,8 @@
         </p:blipFill>
         <p:spPr>
           <a:xfrm>
-            <a:off x="4429387" y="3167641"/>
-            <a:ext cx="7601446" cy="1818116"/>
+            <a:off x="4504386" y="3246540"/>
+            <a:ext cx="7632976" cy="1660320"/>
           </a:xfrm>
           <a:prstGeom prst="rect">
             <a:avLst/>

--- a/Typescript.pptx
+++ b/Typescript.pptx
@@ -2,19 +2,57 @@
 <file path=ppt/presentation.xml><?xml version="1.0" encoding="utf-8"?>
 <p:presentation xmlns:a="http://schemas.openxmlformats.org/drawingml/2006/main" xmlns:r="http://schemas.openxmlformats.org/officeDocument/2006/relationships" xmlns:p="http://schemas.openxmlformats.org/presentationml/2006/main" autoCompressPictures="0">
   <p:sldMasterIdLst>
-    <p:sldMasterId id="2147483648" r:id="rId1"/>
+    <p:sldMasterId id="2147483840" r:id="rId1"/>
   </p:sldMasterIdLst>
   <p:sldIdLst>
     <p:sldId id="256" r:id="rId2"/>
-    <p:sldId id="266" r:id="rId3"/>
-    <p:sldId id="257" r:id="rId4"/>
-    <p:sldId id="259" r:id="rId5"/>
-    <p:sldId id="267" r:id="rId6"/>
-    <p:sldId id="262" r:id="rId7"/>
-    <p:sldId id="264" r:id="rId8"/>
-    <p:sldId id="263" r:id="rId9"/>
-    <p:sldId id="265" r:id="rId10"/>
-    <p:sldId id="268" r:id="rId11"/>
+    <p:sldId id="303" r:id="rId3"/>
+    <p:sldId id="308" r:id="rId4"/>
+    <p:sldId id="269" r:id="rId5"/>
+    <p:sldId id="257" r:id="rId6"/>
+    <p:sldId id="259" r:id="rId7"/>
+    <p:sldId id="267" r:id="rId8"/>
+    <p:sldId id="262" r:id="rId9"/>
+    <p:sldId id="311" r:id="rId10"/>
+    <p:sldId id="264" r:id="rId11"/>
+    <p:sldId id="263" r:id="rId12"/>
+    <p:sldId id="265" r:id="rId13"/>
+    <p:sldId id="268" r:id="rId14"/>
+    <p:sldId id="276" r:id="rId15"/>
+    <p:sldId id="270" r:id="rId16"/>
+    <p:sldId id="271" r:id="rId17"/>
+    <p:sldId id="273" r:id="rId18"/>
+    <p:sldId id="275" r:id="rId19"/>
+    <p:sldId id="272" r:id="rId20"/>
+    <p:sldId id="281" r:id="rId21"/>
+    <p:sldId id="277" r:id="rId22"/>
+    <p:sldId id="278" r:id="rId23"/>
+    <p:sldId id="279" r:id="rId24"/>
+    <p:sldId id="280" r:id="rId25"/>
+    <p:sldId id="285" r:id="rId26"/>
+    <p:sldId id="286" r:id="rId27"/>
+    <p:sldId id="288" r:id="rId28"/>
+    <p:sldId id="289" r:id="rId29"/>
+    <p:sldId id="310" r:id="rId30"/>
+    <p:sldId id="300" r:id="rId31"/>
+    <p:sldId id="291" r:id="rId32"/>
+    <p:sldId id="287" r:id="rId33"/>
+    <p:sldId id="290" r:id="rId34"/>
+    <p:sldId id="292" r:id="rId35"/>
+    <p:sldId id="301" r:id="rId36"/>
+    <p:sldId id="293" r:id="rId37"/>
+    <p:sldId id="283" r:id="rId38"/>
+    <p:sldId id="284" r:id="rId39"/>
+    <p:sldId id="294" r:id="rId40"/>
+    <p:sldId id="296" r:id="rId41"/>
+    <p:sldId id="297" r:id="rId42"/>
+    <p:sldId id="298" r:id="rId43"/>
+    <p:sldId id="299" r:id="rId44"/>
+    <p:sldId id="302" r:id="rId45"/>
+    <p:sldId id="295" r:id="rId46"/>
+    <p:sldId id="304" r:id="rId47"/>
+    <p:sldId id="305" r:id="rId48"/>
+    <p:sldId id="306" r:id="rId49"/>
   </p:sldIdLst>
   <p:sldSz cx="12192000" cy="6858000"/>
   <p:notesSz cx="6858000" cy="9144000"/>
@@ -119,11 +157,17 @@
         <p14:section name="Default Section" id="{DFCF124C-5AFE-49D5-BB84-7D20E5B033C4}">
           <p14:sldIdLst>
             <p14:sldId id="256"/>
+            <p14:sldId id="303"/>
           </p14:sldIdLst>
         </p14:section>
-        <p14:section name="Summary Section" id="{B2424766-107B-4871-ADA7-D4BBFAC60203}">
+        <p14:section name="Summary Section" id="{FC962BEB-3E83-41E1-A56D-D9F400005E1C}">
           <p14:sldIdLst>
-            <p14:sldId id="266"/>
+            <p14:sldId id="308"/>
+          </p14:sldIdLst>
+        </p14:section>
+        <p14:section name="_Basics" id="{3FDA1A42-9D8A-4EB7-9325-9494EE2103A6}">
+          <p14:sldIdLst>
+            <p14:sldId id="269"/>
           </p14:sldIdLst>
         </p14:section>
         <p14:section name="Declare variable" id="{181E29B0-F18C-4551-AB2A-BCD841CBADCD}">
@@ -136,10 +180,7 @@
           <p14:sldIdLst>
             <p14:sldId id="267"/>
             <p14:sldId id="262"/>
-          </p14:sldIdLst>
-        </p14:section>
-        <p14:section name="Undefined &amp; Null" id="{A6DF37EE-F1C1-4765-820A-F9D19CA5025C}">
-          <p14:sldIdLst>
+            <p14:sldId id="311"/>
             <p14:sldId id="264"/>
           </p14:sldIdLst>
         </p14:section>
@@ -147,7 +188,118 @@
           <p14:sldIdLst>
             <p14:sldId id="263"/>
             <p14:sldId id="265"/>
+          </p14:sldIdLst>
+        </p14:section>
+        <p14:section name="Truthy &amp; Falsy" id="{17F2CB21-DAB8-4FCD-AA54-380F6DC44B82}">
+          <p14:sldIdLst>
             <p14:sldId id="268"/>
+          </p14:sldIdLst>
+        </p14:section>
+        <p14:section name="_Operations" id="{1911C78B-51E3-4DD5-A36B-D4A7ACDEBBCE}">
+          <p14:sldIdLst>
+            <p14:sldId id="276"/>
+          </p14:sldIdLst>
+        </p14:section>
+        <p14:section name="Boolean Expressions" id="{3910ABA5-024F-44BF-BAB4-0E6816D359A1}">
+          <p14:sldIdLst>
+            <p14:sldId id="270"/>
+          </p14:sldIdLst>
+        </p14:section>
+        <p14:section name="Operations" id="{B858D946-C53A-4708-B422-12CE0E78A702}">
+          <p14:sldIdLst>
+            <p14:sldId id="271"/>
+            <p14:sldId id="273"/>
+            <p14:sldId id="275"/>
+          </p14:sldIdLst>
+        </p14:section>
+        <p14:section name="Loops" id="{F0BA19BB-1530-418C-AB6F-FB3A325142B5}">
+          <p14:sldIdLst>
+            <p14:sldId id="272"/>
+          </p14:sldIdLst>
+        </p14:section>
+        <p14:section name="_OOP" id="{AE89D0ED-BC0D-46FE-875F-397CC3B09DA4}">
+          <p14:sldIdLst>
+            <p14:sldId id="281"/>
+          </p14:sldIdLst>
+        </p14:section>
+        <p14:section name="Class" id="{1F34B62B-A216-477C-B3CB-127D7BAB8C5F}">
+          <p14:sldIdLst>
+            <p14:sldId id="277"/>
+            <p14:sldId id="278"/>
+            <p14:sldId id="279"/>
+          </p14:sldIdLst>
+        </p14:section>
+        <p14:section name="Interface" id="{C5D8CD8D-8FD5-4EEC-86B2-3A92DC7DA6DA}">
+          <p14:sldIdLst>
+            <p14:sldId id="280"/>
+          </p14:sldIdLst>
+        </p14:section>
+        <p14:section name="_Functions" id="{FA2D006A-90CB-48EC-919F-8385A1939BD7}">
+          <p14:sldIdLst>
+            <p14:sldId id="285"/>
+          </p14:sldIdLst>
+        </p14:section>
+        <p14:section name="Syntax" id="{7E4CB3D5-4115-4DA7-96C8-D3B2B1B3D791}">
+          <p14:sldIdLst>
+            <p14:sldId id="286"/>
+            <p14:sldId id="288"/>
+          </p14:sldIdLst>
+        </p14:section>
+        <p14:section name="Typing" id="{93DEBB8D-ECA1-4F89-BB41-46DAD797472D}">
+          <p14:sldIdLst>
+            <p14:sldId id="289"/>
+            <p14:sldId id="310"/>
+            <p14:sldId id="300"/>
+            <p14:sldId id="291"/>
+          </p14:sldIdLst>
+        </p14:section>
+        <p14:section name="Rest Parameters" id="{8599694B-A55B-4BD9-9ACA-F632C7D1925D}">
+          <p14:sldIdLst>
+            <p14:sldId id="287"/>
+            <p14:sldId id="290"/>
+          </p14:sldIdLst>
+        </p14:section>
+        <p14:section name="Lazy Generators (ES6 only!)" id="{106C052C-0C44-4E41-9330-8FE4C9B1E510}">
+          <p14:sldIdLst>
+            <p14:sldId id="292"/>
+            <p14:sldId id="301"/>
+            <p14:sldId id="293"/>
+          </p14:sldIdLst>
+        </p14:section>
+        <p14:section name="_Arrays" id="{8D399660-254B-4018-8AAE-4022D3519FBC}">
+          <p14:sldIdLst>
+            <p14:sldId id="283"/>
+          </p14:sldIdLst>
+        </p14:section>
+        <p14:section name="Operations" id="{53560B42-0755-411A-BE43-64585385B195}">
+          <p14:sldIdLst>
+            <p14:sldId id="284"/>
+            <p14:sldId id="294"/>
+            <p14:sldId id="296"/>
+          </p14:sldIdLst>
+        </p14:section>
+        <p14:section name="Filter" id="{D9040914-A825-45D3-A1B0-0F1F7B6DAA89}">
+          <p14:sldIdLst>
+            <p14:sldId id="297"/>
+          </p14:sldIdLst>
+        </p14:section>
+        <p14:section name="Map" id="{37FABDBF-9C64-496D-BE49-D1455AB6FE36}">
+          <p14:sldIdLst>
+            <p14:sldId id="298"/>
+          </p14:sldIdLst>
+        </p14:section>
+        <p14:section name="Reduce" id="{5FA8F333-0FFA-49E3-B70B-F988FB93C4CF}">
+          <p14:sldIdLst>
+            <p14:sldId id="299"/>
+          </p14:sldIdLst>
+        </p14:section>
+        <p14:section name="Exercises" id="{67F6FD5E-7F28-4A75-9591-70B24B5D76BC}">
+          <p14:sldIdLst>
+            <p14:sldId id="302"/>
+            <p14:sldId id="295"/>
+            <p14:sldId id="304"/>
+            <p14:sldId id="305"/>
+            <p14:sldId id="306"/>
           </p14:sldIdLst>
         </p14:section>
       </p14:sectionLst>
@@ -160,16 +312,8 @@
 </file>
 
 <file path=ppt/slideLayouts/slideLayout1.xml><?xml version="1.0" encoding="utf-8"?>
-<p:sldLayout xmlns:a="http://schemas.openxmlformats.org/drawingml/2006/main" xmlns:r="http://schemas.openxmlformats.org/officeDocument/2006/relationships" xmlns:p="http://schemas.openxmlformats.org/presentationml/2006/main" showMasterSp="0" type="title" preserve="1">
+<p:sldLayout xmlns:a="http://schemas.openxmlformats.org/drawingml/2006/main" xmlns:r="http://schemas.openxmlformats.org/officeDocument/2006/relationships" xmlns:p="http://schemas.openxmlformats.org/presentationml/2006/main" type="title" preserve="1">
   <p:cSld name="Title Slide">
-    <p:bg>
-      <p:bgPr>
-        <a:solidFill>
-          <a:schemeClr val="bg2"/>
-        </a:solidFill>
-        <a:effectLst/>
-      </p:bgPr>
-    </p:bg>
     <p:spTree>
       <p:nvGrpSpPr>
         <p:cNvPr id="1" name=""/>
@@ -254,7 +398,11 @@
                 <a:spcPts val="0"/>
               </a:spcAft>
               <a:buNone/>
-              <a:defRPr sz="2300"/>
+              <a:defRPr sz="2300">
+                <a:solidFill>
+                  <a:schemeClr val="bg2"/>
+                </a:solidFill>
+              </a:defRPr>
             </a:lvl1pPr>
             <a:lvl2pPr marL="457200" indent="0" algn="ctr">
               <a:buNone/>
@@ -327,9 +475,9 @@
           </a:lstStyle>
           <a:p>
             <a:fld id="{87DE6118-2437-4B30-8E3C-4D2BE6020583}" type="datetimeFigureOut">
-              <a:rPr lang="en-US" dirty="0"/>
+              <a:rPr lang="en-US" smtClean="0"/>
               <a:pPr/>
-              <a:t>6/22/2017</a:t>
+              <a:t>6/26/2017</a:t>
             </a:fld>
             <a:endParaRPr lang="en-US" dirty="0"/>
           </a:p>
@@ -396,7 +544,7 @@
           </a:lstStyle>
           <a:p>
             <a:fld id="{69E57DC2-970A-4B3E-BB1C-7A09969E49DF}" type="slidenum">
-              <a:rPr lang="en-US" dirty="0"/>
+              <a:rPr lang="en-US" smtClean="0"/>
               <a:pPr/>
               <a:t>‹#›</a:t>
             </a:fld>
@@ -406,7 +554,7 @@
       </p:sp>
       <p:grpSp>
         <p:nvGrpSpPr>
-          <p:cNvPr id="7" name="Group 6"/>
+          <p:cNvPr id="9" name="Group 8"/>
           <p:cNvGrpSpPr/>
           <p:nvPr/>
         </p:nvGrpSpPr>
@@ -534,9 +682,14 @@
         </p:sp>
       </p:grpSp>
     </p:spTree>
+    <p:extLst>
+      <p:ext uri="{BB962C8B-B14F-4D97-AF65-F5344CB8AC3E}">
+        <p14:creationId xmlns:p14="http://schemas.microsoft.com/office/powerpoint/2010/main" val="2692168584"/>
+      </p:ext>
+    </p:extLst>
   </p:cSld>
   <p:clrMapOvr>
-    <a:overrideClrMapping bg1="lt1" tx1="dk1" bg2="lt2" tx2="dk2" accent1="accent1" accent2="accent2" accent3="accent3" accent4="accent4" accent5="accent5" accent6="accent6" hlink="hlink" folHlink="folHlink"/>
+    <a:masterClrMapping/>
   </p:clrMapOvr>
 </p:sldLayout>
 </file>
@@ -654,8 +807,8 @@
           <a:lstStyle/>
           <a:p>
             <a:fld id="{87DE6118-2437-4B30-8E3C-4D2BE6020583}" type="datetimeFigureOut">
-              <a:rPr lang="en-US" dirty="0"/>
-              <a:t>6/22/2017</a:t>
+              <a:rPr lang="en-US" smtClean="0"/>
+              <a:t>6/26/2017</a:t>
             </a:fld>
             <a:endParaRPr lang="en-US" dirty="0"/>
           </a:p>
@@ -696,7 +849,7 @@
           <a:lstStyle/>
           <a:p>
             <a:fld id="{69E57DC2-970A-4B3E-BB1C-7A09969E49DF}" type="slidenum">
-              <a:rPr lang="en-US" dirty="0"/>
+              <a:rPr lang="en-US" smtClean="0"/>
               <a:t>‹#›</a:t>
             </a:fld>
             <a:endParaRPr lang="en-US" dirty="0"/>
@@ -704,6 +857,11 @@
         </p:txBody>
       </p:sp>
     </p:spTree>
+    <p:extLst>
+      <p:ext uri="{BB962C8B-B14F-4D97-AF65-F5344CB8AC3E}">
+        <p14:creationId xmlns:p14="http://schemas.microsoft.com/office/powerpoint/2010/main" val="2885895354"/>
+      </p:ext>
+    </p:extLst>
   </p:cSld>
   <p:clrMapOvr>
     <a:masterClrMapping/>
@@ -829,8 +987,8 @@
           <a:lstStyle/>
           <a:p>
             <a:fld id="{87DE6118-2437-4B30-8E3C-4D2BE6020583}" type="datetimeFigureOut">
-              <a:rPr lang="en-US" dirty="0"/>
-              <a:t>6/22/2017</a:t>
+              <a:rPr lang="en-US" smtClean="0"/>
+              <a:t>6/26/2017</a:t>
             </a:fld>
             <a:endParaRPr lang="en-US" dirty="0"/>
           </a:p>
@@ -871,7 +1029,7 @@
           <a:lstStyle/>
           <a:p>
             <a:fld id="{69E57DC2-970A-4B3E-BB1C-7A09969E49DF}" type="slidenum">
-              <a:rPr lang="en-US" dirty="0"/>
+              <a:rPr lang="en-US" smtClean="0"/>
               <a:t>‹#›</a:t>
             </a:fld>
             <a:endParaRPr lang="en-US" dirty="0"/>
@@ -879,6 +1037,11 @@
         </p:txBody>
       </p:sp>
     </p:spTree>
+    <p:extLst>
+      <p:ext uri="{BB962C8B-B14F-4D97-AF65-F5344CB8AC3E}">
+        <p14:creationId xmlns:p14="http://schemas.microsoft.com/office/powerpoint/2010/main" val="190551838"/>
+      </p:ext>
+    </p:extLst>
   </p:cSld>
   <p:clrMapOvr>
     <a:masterClrMapping/>
@@ -994,8 +1157,8 @@
           <a:lstStyle/>
           <a:p>
             <a:fld id="{87DE6118-2437-4B30-8E3C-4D2BE6020583}" type="datetimeFigureOut">
-              <a:rPr lang="en-US" dirty="0"/>
-              <a:t>6/22/2017</a:t>
+              <a:rPr lang="en-US" smtClean="0"/>
+              <a:t>6/26/2017</a:t>
             </a:fld>
             <a:endParaRPr lang="en-US" dirty="0"/>
           </a:p>
@@ -1036,7 +1199,7 @@
           <a:lstStyle/>
           <a:p>
             <a:fld id="{69E57DC2-970A-4B3E-BB1C-7A09969E49DF}" type="slidenum">
-              <a:rPr lang="en-US" dirty="0"/>
+              <a:rPr lang="en-US" smtClean="0"/>
               <a:t>‹#›</a:t>
             </a:fld>
             <a:endParaRPr lang="en-US" dirty="0"/>
@@ -1044,6 +1207,11 @@
         </p:txBody>
       </p:sp>
     </p:spTree>
+    <p:extLst>
+      <p:ext uri="{BB962C8B-B14F-4D97-AF65-F5344CB8AC3E}">
+        <p14:creationId xmlns:p14="http://schemas.microsoft.com/office/powerpoint/2010/main" val="2539572132"/>
+      </p:ext>
+    </p:extLst>
   </p:cSld>
   <p:clrMapOvr>
     <a:masterClrMapping/>
@@ -1052,13 +1220,8 @@
 </file>
 
 <file path=ppt/slideLayouts/slideLayout3.xml><?xml version="1.0" encoding="utf-8"?>
-<p:sldLayout xmlns:a="http://schemas.openxmlformats.org/drawingml/2006/main" xmlns:r="http://schemas.openxmlformats.org/officeDocument/2006/relationships" xmlns:p="http://schemas.openxmlformats.org/presentationml/2006/main" showMasterSp="0" type="secHead" preserve="1">
+<p:sldLayout xmlns:a="http://schemas.openxmlformats.org/drawingml/2006/main" xmlns:r="http://schemas.openxmlformats.org/officeDocument/2006/relationships" xmlns:p="http://schemas.openxmlformats.org/presentationml/2006/main" type="secHead" preserve="1">
   <p:cSld name="Section Header">
-    <p:bg>
-      <p:bgRef idx="1001">
-        <a:schemeClr val="bg2"/>
-      </p:bgRef>
-    </p:bg>
     <p:spTree>
       <p:nvGrpSpPr>
         <p:cNvPr id="1" name=""/>
@@ -1097,7 +1260,7 @@
             <a:lvl1pPr algn="r">
               <a:defRPr sz="7200" cap="all" baseline="0">
                 <a:solidFill>
-                  <a:schemeClr val="tx2"/>
+                  <a:schemeClr val="accent1"/>
                 </a:solidFill>
               </a:defRPr>
             </a:lvl1pPr>
@@ -1266,9 +1429,9 @@
           </a:lstStyle>
           <a:p>
             <a:fld id="{87DE6118-2437-4B30-8E3C-4D2BE6020583}" type="datetimeFigureOut">
-              <a:rPr lang="en-US" dirty="0"/>
+              <a:rPr lang="en-US" smtClean="0"/>
               <a:pPr/>
-              <a:t>6/22/2017</a:t>
+              <a:t>6/26/2017</a:t>
             </a:fld>
             <a:endParaRPr lang="en-US" dirty="0"/>
           </a:p>
@@ -1335,7 +1498,7 @@
           </a:lstStyle>
           <a:p>
             <a:fld id="{69E57DC2-970A-4B3E-BB1C-7A09969E49DF}" type="slidenum">
-              <a:rPr lang="en-US" dirty="0"/>
+              <a:rPr lang="en-US" smtClean="0"/>
               <a:pPr/>
               <a:t>‹#›</a:t>
             </a:fld>
@@ -1388,7 +1551,7 @@
             </a:pathLst>
           </a:custGeom>
           <a:solidFill>
-            <a:schemeClr val="tx2"/>
+            <a:schemeClr val="accent1"/>
           </a:solidFill>
           <a:ln w="0">
             <a:noFill/>
@@ -1400,6 +1563,11 @@
         </p:spPr>
       </p:sp>
     </p:spTree>
+    <p:extLst>
+      <p:ext uri="{BB962C8B-B14F-4D97-AF65-F5344CB8AC3E}">
+        <p14:creationId xmlns:p14="http://schemas.microsoft.com/office/powerpoint/2010/main" val="1987400695"/>
+      </p:ext>
+    </p:extLst>
   </p:cSld>
   <p:clrMapOvr>
     <a:overrideClrMapping bg1="dk1" tx1="lt1" bg2="dk2" tx2="lt2" accent1="accent1" accent2="accent2" accent3="accent3" accent4="accent4" accent5="accent5" accent6="accent6" hlink="hlink" folHlink="folHlink"/>
@@ -1657,8 +1825,8 @@
           <a:lstStyle/>
           <a:p>
             <a:fld id="{87DE6118-2437-4B30-8E3C-4D2BE6020583}" type="datetimeFigureOut">
-              <a:rPr lang="en-US" dirty="0"/>
-              <a:t>6/22/2017</a:t>
+              <a:rPr lang="en-US" smtClean="0"/>
+              <a:t>6/26/2017</a:t>
             </a:fld>
             <a:endParaRPr lang="en-US" dirty="0"/>
           </a:p>
@@ -1699,7 +1867,7 @@
           <a:lstStyle/>
           <a:p>
             <a:fld id="{69E57DC2-970A-4B3E-BB1C-7A09969E49DF}" type="slidenum">
-              <a:rPr lang="en-US" dirty="0"/>
+              <a:rPr lang="en-US" smtClean="0"/>
               <a:t>‹#›</a:t>
             </a:fld>
             <a:endParaRPr lang="en-US" dirty="0"/>
@@ -1707,6 +1875,11 @@
         </p:txBody>
       </p:sp>
     </p:spTree>
+    <p:extLst>
+      <p:ext uri="{BB962C8B-B14F-4D97-AF65-F5344CB8AC3E}">
+        <p14:creationId xmlns:p14="http://schemas.microsoft.com/office/powerpoint/2010/main" val="3008580607"/>
+      </p:ext>
+    </p:extLst>
   </p:cSld>
   <p:clrMapOvr>
     <a:masterClrMapping/>
@@ -2129,8 +2302,8 @@
           <a:lstStyle/>
           <a:p>
             <a:fld id="{87DE6118-2437-4B30-8E3C-4D2BE6020583}" type="datetimeFigureOut">
-              <a:rPr lang="en-US" dirty="0"/>
-              <a:t>6/22/2017</a:t>
+              <a:rPr lang="en-US" smtClean="0"/>
+              <a:t>6/26/2017</a:t>
             </a:fld>
             <a:endParaRPr lang="en-US" dirty="0"/>
           </a:p>
@@ -2171,7 +2344,7 @@
           <a:lstStyle/>
           <a:p>
             <a:fld id="{69E57DC2-970A-4B3E-BB1C-7A09969E49DF}" type="slidenum">
-              <a:rPr lang="en-US" dirty="0"/>
+              <a:rPr lang="en-US" smtClean="0"/>
               <a:t>‹#›</a:t>
             </a:fld>
             <a:endParaRPr lang="en-US" dirty="0"/>
@@ -2179,6 +2352,11 @@
         </p:txBody>
       </p:sp>
     </p:spTree>
+    <p:extLst>
+      <p:ext uri="{BB962C8B-B14F-4D97-AF65-F5344CB8AC3E}">
+        <p14:creationId xmlns:p14="http://schemas.microsoft.com/office/powerpoint/2010/main" val="1436651164"/>
+      </p:ext>
+    </p:extLst>
   </p:cSld>
   <p:clrMapOvr>
     <a:masterClrMapping/>
@@ -2242,8 +2420,8 @@
           <a:lstStyle/>
           <a:p>
             <a:fld id="{87DE6118-2437-4B30-8E3C-4D2BE6020583}" type="datetimeFigureOut">
-              <a:rPr lang="en-US" dirty="0"/>
-              <a:t>6/22/2017</a:t>
+              <a:rPr lang="en-US" smtClean="0"/>
+              <a:t>6/26/2017</a:t>
             </a:fld>
             <a:endParaRPr lang="en-US" dirty="0"/>
           </a:p>
@@ -2284,7 +2462,7 @@
           <a:lstStyle/>
           <a:p>
             <a:fld id="{69E57DC2-970A-4B3E-BB1C-7A09969E49DF}" type="slidenum">
-              <a:rPr lang="en-US" dirty="0"/>
+              <a:rPr lang="en-US" smtClean="0"/>
               <a:t>‹#›</a:t>
             </a:fld>
             <a:endParaRPr lang="en-US" dirty="0"/>
@@ -2292,6 +2470,11 @@
         </p:txBody>
       </p:sp>
     </p:spTree>
+    <p:extLst>
+      <p:ext uri="{BB962C8B-B14F-4D97-AF65-F5344CB8AC3E}">
+        <p14:creationId xmlns:p14="http://schemas.microsoft.com/office/powerpoint/2010/main" val="972296964"/>
+      </p:ext>
+    </p:extLst>
   </p:cSld>
   <p:clrMapOvr>
     <a:masterClrMapping/>
@@ -2332,8 +2515,8 @@
           <a:lstStyle/>
           <a:p>
             <a:fld id="{87DE6118-2437-4B30-8E3C-4D2BE6020583}" type="datetimeFigureOut">
-              <a:rPr lang="en-US" dirty="0"/>
-              <a:t>6/22/2017</a:t>
+              <a:rPr lang="en-US" smtClean="0"/>
+              <a:t>6/26/2017</a:t>
             </a:fld>
             <a:endParaRPr lang="en-US" dirty="0"/>
           </a:p>
@@ -2374,7 +2557,7 @@
           <a:lstStyle/>
           <a:p>
             <a:fld id="{69E57DC2-970A-4B3E-BB1C-7A09969E49DF}" type="slidenum">
-              <a:rPr lang="en-US" dirty="0"/>
+              <a:rPr lang="en-US" smtClean="0"/>
               <a:t>‹#›</a:t>
             </a:fld>
             <a:endParaRPr lang="en-US" dirty="0"/>
@@ -2382,6 +2565,11 @@
         </p:txBody>
       </p:sp>
     </p:spTree>
+    <p:extLst>
+      <p:ext uri="{BB962C8B-B14F-4D97-AF65-F5344CB8AC3E}">
+        <p14:creationId xmlns:p14="http://schemas.microsoft.com/office/powerpoint/2010/main" val="1814599835"/>
+      </p:ext>
+    </p:extLst>
   </p:cSld>
   <p:clrMapOvr>
     <a:masterClrMapping/>
@@ -2390,7 +2578,7 @@
 </file>
 
 <file path=ppt/slideLayouts/slideLayout8.xml><?xml version="1.0" encoding="utf-8"?>
-<p:sldLayout xmlns:a="http://schemas.openxmlformats.org/drawingml/2006/main" xmlns:r="http://schemas.openxmlformats.org/officeDocument/2006/relationships" xmlns:p="http://schemas.openxmlformats.org/presentationml/2006/main" showMasterSp="0" type="objTx" preserve="1">
+<p:sldLayout xmlns:a="http://schemas.openxmlformats.org/drawingml/2006/main" xmlns:r="http://schemas.openxmlformats.org/officeDocument/2006/relationships" xmlns:p="http://schemas.openxmlformats.org/presentationml/2006/main" type="objTx" preserve="1">
   <p:cSld name="Content with Caption">
     <p:spTree>
       <p:nvGrpSpPr>
@@ -2673,9 +2861,9 @@
           </a:lstStyle>
           <a:p>
             <a:fld id="{87DE6118-2437-4B30-8E3C-4D2BE6020583}" type="datetimeFigureOut">
-              <a:rPr lang="en-US" dirty="0"/>
+              <a:rPr lang="en-US" smtClean="0"/>
               <a:pPr/>
-              <a:t>6/22/2017</a:t>
+              <a:t>6/26/2017</a:t>
             </a:fld>
             <a:endParaRPr lang="en-US" dirty="0"/>
           </a:p>
@@ -2742,7 +2930,7 @@
           </a:lstStyle>
           <a:p>
             <a:fld id="{69E57DC2-970A-4B3E-BB1C-7A09969E49DF}" type="slidenum">
-              <a:rPr lang="en-US" dirty="0"/>
+              <a:rPr lang="en-US" smtClean="0"/>
               <a:pPr/>
               <a:t>‹#›</a:t>
             </a:fld>
@@ -2789,6 +2977,11 @@
         </p:style>
       </p:sp>
     </p:spTree>
+    <p:extLst>
+      <p:ext uri="{BB962C8B-B14F-4D97-AF65-F5344CB8AC3E}">
+        <p14:creationId xmlns:p14="http://schemas.microsoft.com/office/powerpoint/2010/main" val="136217375"/>
+      </p:ext>
+    </p:extLst>
   </p:cSld>
   <p:clrMapOvr>
     <a:masterClrMapping/>
@@ -2797,7 +2990,7 @@
 </file>
 
 <file path=ppt/slideLayouts/slideLayout9.xml><?xml version="1.0" encoding="utf-8"?>
-<p:sldLayout xmlns:a="http://schemas.openxmlformats.org/drawingml/2006/main" xmlns:r="http://schemas.openxmlformats.org/officeDocument/2006/relationships" xmlns:p="http://schemas.openxmlformats.org/presentationml/2006/main" showMasterSp="0" type="picTx" preserve="1">
+<p:sldLayout xmlns:a="http://schemas.openxmlformats.org/drawingml/2006/main" xmlns:r="http://schemas.openxmlformats.org/officeDocument/2006/relationships" xmlns:p="http://schemas.openxmlformats.org/presentationml/2006/main" type="picTx" preserve="1">
   <p:cSld name="Picture with Caption">
     <p:spTree>
       <p:nvGrpSpPr>
@@ -3058,9 +3251,9 @@
           </a:lstStyle>
           <a:p>
             <a:fld id="{87DE6118-2437-4B30-8E3C-4D2BE6020583}" type="datetimeFigureOut">
-              <a:rPr lang="en-US" dirty="0"/>
+              <a:rPr lang="en-US" smtClean="0"/>
               <a:pPr/>
-              <a:t>6/22/2017</a:t>
+              <a:t>6/26/2017</a:t>
             </a:fld>
             <a:endParaRPr lang="en-US" dirty="0"/>
           </a:p>
@@ -3127,7 +3320,7 @@
           </a:lstStyle>
           <a:p>
             <a:fld id="{69E57DC2-970A-4B3E-BB1C-7A09969E49DF}" type="slidenum">
-              <a:rPr lang="en-US" dirty="0"/>
+              <a:rPr lang="en-US" smtClean="0"/>
               <a:pPr/>
               <a:t>‹#›</a:t>
             </a:fld>
@@ -3174,6 +3367,11 @@
         </p:style>
       </p:sp>
     </p:spTree>
+    <p:extLst>
+      <p:ext uri="{BB962C8B-B14F-4D97-AF65-F5344CB8AC3E}">
+        <p14:creationId xmlns:p14="http://schemas.microsoft.com/office/powerpoint/2010/main" val="3450621728"/>
+      </p:ext>
+    </p:extLst>
   </p:cSld>
   <p:clrMapOvr>
     <a:masterClrMapping/>
@@ -3187,7 +3385,7 @@
     <p:bg>
       <p:bgPr>
         <a:solidFill>
-          <a:schemeClr val="bg2"/>
+          <a:srgbClr val="EFEDE3"/>
         </a:solidFill>
         <a:effectLst/>
       </p:bgPr>
@@ -3333,9 +3531,9 @@
           </a:lstStyle>
           <a:p>
             <a:fld id="{87DE6118-2437-4B30-8E3C-4D2BE6020583}" type="datetimeFigureOut">
-              <a:rPr lang="en-US" dirty="0"/>
+              <a:rPr lang="en-US" smtClean="0"/>
               <a:pPr/>
-              <a:t>6/22/2017</a:t>
+              <a:t>6/26/2017</a:t>
             </a:fld>
             <a:endParaRPr lang="en-US" dirty="0"/>
           </a:p>
@@ -3408,7 +3606,7 @@
           </a:lstStyle>
           <a:p>
             <a:fld id="{69E57DC2-970A-4B3E-BB1C-7A09969E49DF}" type="slidenum">
-              <a:rPr lang="en-US" dirty="0"/>
+              <a:rPr lang="en-US" smtClean="0"/>
               <a:pPr/>
               <a:t>‹#›</a:t>
             </a:fld>
@@ -3455,20 +3653,25 @@
         </p:style>
       </p:sp>
     </p:spTree>
+    <p:extLst>
+      <p:ext uri="{BB962C8B-B14F-4D97-AF65-F5344CB8AC3E}">
+        <p14:creationId xmlns:p14="http://schemas.microsoft.com/office/powerpoint/2010/main" val="892696927"/>
+      </p:ext>
+    </p:extLst>
   </p:cSld>
   <p:clrMap bg1="lt1" tx1="dk1" bg2="lt2" tx2="dk2" accent1="accent1" accent2="accent2" accent3="accent3" accent4="accent4" accent5="accent5" accent6="accent6" hlink="hlink" folHlink="folHlink"/>
   <p:sldLayoutIdLst>
-    <p:sldLayoutId id="2147483649" r:id="rId1"/>
-    <p:sldLayoutId id="2147483650" r:id="rId2"/>
-    <p:sldLayoutId id="2147483651" r:id="rId3"/>
-    <p:sldLayoutId id="2147483652" r:id="rId4"/>
-    <p:sldLayoutId id="2147483653" r:id="rId5"/>
-    <p:sldLayoutId id="2147483654" r:id="rId6"/>
-    <p:sldLayoutId id="2147483655" r:id="rId7"/>
-    <p:sldLayoutId id="2147483656" r:id="rId8"/>
-    <p:sldLayoutId id="2147483657" r:id="rId9"/>
-    <p:sldLayoutId id="2147483658" r:id="rId10"/>
-    <p:sldLayoutId id="2147483659" r:id="rId11"/>
+    <p:sldLayoutId id="2147483841" r:id="rId1"/>
+    <p:sldLayoutId id="2147483842" r:id="rId2"/>
+    <p:sldLayoutId id="2147483843" r:id="rId3"/>
+    <p:sldLayoutId id="2147483844" r:id="rId4"/>
+    <p:sldLayoutId id="2147483845" r:id="rId5"/>
+    <p:sldLayoutId id="2147483846" r:id="rId6"/>
+    <p:sldLayoutId id="2147483847" r:id="rId7"/>
+    <p:sldLayoutId id="2147483848" r:id="rId8"/>
+    <p:sldLayoutId id="2147483849" r:id="rId9"/>
+    <p:sldLayoutId id="2147483850" r:id="rId10"/>
+    <p:sldLayoutId id="2147483851" r:id="rId11"/>
   </p:sldLayoutIdLst>
   <p:txStyles>
     <p:titleStyle>
@@ -3882,9 +4085,45 @@
           <a:lstStyle/>
           <a:p>
             <a:r>
-              <a:rPr lang="en-GB" dirty="0"/>
+              <a:rPr lang="en-GB" dirty="0">
+                <a:solidFill>
+                  <a:schemeClr val="tx1"/>
+                </a:solidFill>
+              </a:rPr>
               <a:t>It’s JavaScript but not terrible</a:t>
             </a:r>
+            <a:endParaRPr lang="de-DE" dirty="0">
+              <a:solidFill>
+                <a:schemeClr val="tx1"/>
+              </a:solidFill>
+            </a:endParaRPr>
+          </a:p>
+        </p:txBody>
+      </p:sp>
+      <p:sp>
+        <p:nvSpPr>
+          <p:cNvPr id="4" name="TextBox 3"/>
+          <p:cNvSpPr txBox="1"/>
+          <p:nvPr/>
+        </p:nvSpPr>
+        <p:spPr>
+          <a:xfrm>
+            <a:off x="207390" y="-150829"/>
+            <a:ext cx="518474" cy="7475456"/>
+          </a:xfrm>
+          <a:prstGeom prst="rect">
+            <a:avLst/>
+          </a:prstGeom>
+          <a:solidFill>
+            <a:srgbClr val="EFEDE3"/>
+          </a:solidFill>
+        </p:spPr>
+        <p:txBody>
+          <a:bodyPr wrap="square" rtlCol="0">
+            <a:spAutoFit/>
+          </a:bodyPr>
+          <a:lstStyle/>
+          <a:p>
             <a:endParaRPr lang="de-DE" dirty="0"/>
           </a:p>
         </p:txBody>
@@ -3936,11 +4175,7 @@
           <a:p>
             <a:r>
               <a:rPr lang="en-GB" dirty="0"/>
-              <a:t>Truthy &amp; </a:t>
-            </a:r>
-            <a:r>
-              <a:rPr lang="en-GB" dirty="0" err="1"/>
-              <a:t>Falsy</a:t>
+              <a:t>Undefined &amp; Null</a:t>
             </a:r>
             <a:endParaRPr lang="de-DE" dirty="0"/>
           </a:p>
@@ -3959,7 +4194,7 @@
         <p:spPr>
           <a:xfrm>
             <a:off x="1371600" y="2285999"/>
-            <a:ext cx="3032620" cy="3581401"/>
+            <a:ext cx="3435292" cy="3581401"/>
           </a:xfrm>
         </p:spPr>
         <p:txBody>
@@ -3967,159 +4202,20 @@
           <a:lstStyle/>
           <a:p>
             <a:r>
-              <a:rPr lang="de-DE" dirty="0"/>
-              <a:t>Non-</a:t>
-            </a:r>
-            <a:r>
-              <a:rPr lang="de-DE" dirty="0" err="1"/>
-              <a:t>booleans</a:t>
-            </a:r>
-            <a:r>
-              <a:rPr lang="de-DE" dirty="0"/>
-              <a:t> </a:t>
-            </a:r>
-            <a:r>
-              <a:rPr lang="de-DE" dirty="0" err="1"/>
-              <a:t>are</a:t>
-            </a:r>
-            <a:r>
-              <a:rPr lang="de-DE" dirty="0"/>
-              <a:t> </a:t>
-            </a:r>
-            <a:r>
-              <a:rPr lang="de-DE" dirty="0" err="1"/>
-              <a:t>interpreted</a:t>
-            </a:r>
-            <a:r>
-              <a:rPr lang="de-DE" dirty="0"/>
-              <a:t> </a:t>
-            </a:r>
-            <a:r>
-              <a:rPr lang="de-DE" dirty="0" err="1"/>
-              <a:t>as</a:t>
-            </a:r>
-            <a:r>
-              <a:rPr lang="de-DE" dirty="0"/>
-              <a:t> </a:t>
-            </a:r>
-            <a:r>
-              <a:rPr lang="de-DE" dirty="0" err="1"/>
-              <a:t>booleans</a:t>
-            </a:r>
-            <a:endParaRPr lang="de-DE" dirty="0"/>
-          </a:p>
-          <a:p>
-            <a:r>
-              <a:rPr lang="de-DE" dirty="0" err="1"/>
-              <a:t>Allow</a:t>
-            </a:r>
-            <a:r>
-              <a:rPr lang="de-DE" dirty="0"/>
-              <a:t> </a:t>
-            </a:r>
-            <a:r>
-              <a:rPr lang="de-DE" dirty="0" err="1"/>
-              <a:t>for</a:t>
-            </a:r>
-            <a:r>
-              <a:rPr lang="de-DE" dirty="0"/>
-              <a:t> simple </a:t>
-            </a:r>
-            <a:r>
-              <a:rPr lang="de-DE" dirty="0" err="1"/>
-              <a:t>undefined</a:t>
-            </a:r>
-            <a:r>
-              <a:rPr lang="de-DE" dirty="0"/>
-              <a:t>/null </a:t>
-            </a:r>
-            <a:r>
-              <a:rPr lang="de-DE" dirty="0" err="1"/>
-              <a:t>checks</a:t>
-            </a:r>
-            <a:endParaRPr lang="de-DE" dirty="0"/>
-          </a:p>
-          <a:p>
-            <a:r>
-              <a:rPr lang="de-DE" dirty="0"/>
-              <a:t>Can </a:t>
-            </a:r>
-            <a:r>
-              <a:rPr lang="de-DE" dirty="0" err="1"/>
-              <a:t>be</a:t>
-            </a:r>
-            <a:r>
-              <a:rPr lang="de-DE" dirty="0"/>
-              <a:t> </a:t>
-            </a:r>
-            <a:r>
-              <a:rPr lang="de-DE" dirty="0" err="1"/>
-              <a:t>converted</a:t>
-            </a:r>
-            <a:r>
-              <a:rPr lang="de-DE" dirty="0"/>
-              <a:t> </a:t>
-            </a:r>
-            <a:r>
-              <a:rPr lang="de-DE" dirty="0" err="1"/>
-              <a:t>to</a:t>
-            </a:r>
-            <a:r>
-              <a:rPr lang="de-DE" dirty="0"/>
-              <a:t> real </a:t>
-            </a:r>
-            <a:r>
-              <a:rPr lang="de-DE" dirty="0" err="1"/>
-              <a:t>booleans</a:t>
-            </a:r>
-            <a:r>
-              <a:rPr lang="de-DE" dirty="0"/>
-              <a:t> </a:t>
-            </a:r>
-            <a:r>
-              <a:rPr lang="de-DE" dirty="0" err="1"/>
-              <a:t>by</a:t>
-            </a:r>
-            <a:r>
-              <a:rPr lang="de-DE" dirty="0"/>
-              <a:t> double </a:t>
-            </a:r>
-            <a:r>
-              <a:rPr lang="de-DE" dirty="0" err="1"/>
-              <a:t>negation</a:t>
-            </a:r>
-            <a:r>
-              <a:rPr lang="de-DE" dirty="0"/>
-              <a:t> (‚!!‘)</a:t>
-            </a:r>
-          </a:p>
-        </p:txBody>
-      </p:sp>
-      <p:sp>
-        <p:nvSpPr>
-          <p:cNvPr id="6" name="TextBox 5"/>
-          <p:cNvSpPr txBox="1"/>
-          <p:nvPr/>
-        </p:nvSpPr>
-        <p:spPr>
-          <a:xfrm>
-            <a:off x="706583" y="5938"/>
-            <a:ext cx="2054431" cy="400110"/>
-          </a:xfrm>
-          <a:prstGeom prst="rect">
-            <a:avLst/>
-          </a:prstGeom>
-          <a:noFill/>
-        </p:spPr>
-        <p:txBody>
-          <a:bodyPr wrap="square" rtlCol="0">
-            <a:spAutoFit/>
-          </a:bodyPr>
-          <a:lstStyle/>
-          <a:p>
-            <a:r>
-              <a:rPr lang="en-GB" sz="2000" dirty="0"/>
-              <a:t>Basics</a:t>
+              <a:rPr lang="en-GB" dirty="0"/>
+              <a:t>‘undefined’ is default value for variables</a:t>
+            </a:r>
+          </a:p>
+          <a:p>
+            <a:r>
+              <a:rPr lang="en-GB" dirty="0"/>
+              <a:t>Functions with no return value return ‘undefined’</a:t>
+            </a:r>
+          </a:p>
+          <a:p>
+            <a:r>
+              <a:rPr lang="en-GB" dirty="0"/>
+              <a:t>‘null’ is explicit no-value </a:t>
             </a:r>
             <a:endParaRPr lang="de-DE" dirty="0"/>
           </a:p>
@@ -4127,7 +4223,7 @@
       </p:sp>
       <p:pic>
         <p:nvPicPr>
-          <p:cNvPr id="10" name="Content Placeholder 9"/>
+          <p:cNvPr id="7" name="Content Placeholder 6"/>
           <p:cNvPicPr>
             <a:picLocks noGrp="1" noChangeAspect="1"/>
           </p:cNvPicPr>
@@ -4143,18 +4239,1732 @@
         </p:blipFill>
         <p:spPr>
           <a:xfrm>
-            <a:off x="4513458" y="2617366"/>
-            <a:ext cx="7598054" cy="2918666"/>
+            <a:off x="4806892" y="3344464"/>
+            <a:ext cx="7078298" cy="1464472"/>
           </a:xfrm>
           <a:prstGeom prst="rect">
             <a:avLst/>
           </a:prstGeom>
         </p:spPr>
       </p:pic>
+      <p:sp>
+        <p:nvSpPr>
+          <p:cNvPr id="8" name="TextBox 7">
+            <a:hlinkClick r:id="rId3" action="ppaction://hlinksldjump"/>
+          </p:cNvPr>
+          <p:cNvSpPr txBox="1"/>
+          <p:nvPr/>
+        </p:nvSpPr>
+        <p:spPr>
+          <a:xfrm>
+            <a:off x="712521" y="5938"/>
+            <a:ext cx="2054431" cy="400110"/>
+          </a:xfrm>
+          <a:prstGeom prst="rect">
+            <a:avLst/>
+          </a:prstGeom>
+          <a:noFill/>
+        </p:spPr>
+        <p:txBody>
+          <a:bodyPr wrap="square" rtlCol="0">
+            <a:spAutoFit/>
+          </a:bodyPr>
+          <a:lstStyle/>
+          <a:p>
+            <a:r>
+              <a:rPr lang="en-GB" sz="2000" dirty="0"/>
+              <a:t>Basics</a:t>
+            </a:r>
+            <a:endParaRPr lang="de-DE" sz="2000" dirty="0"/>
+          </a:p>
+        </p:txBody>
+      </p:sp>
+    </p:spTree>
+    <p:extLst>
+      <p:ext uri="{BB962C8B-B14F-4D97-AF65-F5344CB8AC3E}">
+        <p14:creationId xmlns:p14="http://schemas.microsoft.com/office/powerpoint/2010/main" val="2974398133"/>
+      </p:ext>
+    </p:extLst>
+  </p:cSld>
+  <p:clrMapOvr>
+    <a:masterClrMapping/>
+  </p:clrMapOvr>
+</p:sld>
+</file>
+
+<file path=ppt/slides/slide11.xml><?xml version="1.0" encoding="utf-8"?>
+<p:sld xmlns:a="http://schemas.openxmlformats.org/drawingml/2006/main" xmlns:r="http://schemas.openxmlformats.org/officeDocument/2006/relationships" xmlns:p="http://schemas.openxmlformats.org/presentationml/2006/main">
+  <p:cSld>
+    <p:spTree>
+      <p:nvGrpSpPr>
+        <p:cNvPr id="1" name=""/>
+        <p:cNvGrpSpPr/>
+        <p:nvPr/>
+      </p:nvGrpSpPr>
+      <p:grpSpPr>
+        <a:xfrm>
+          <a:off x="0" y="0"/>
+          <a:ext cx="0" cy="0"/>
+          <a:chOff x="0" y="0"/>
+          <a:chExt cx="0" cy="0"/>
+        </a:xfrm>
+      </p:grpSpPr>
+      <p:sp>
+        <p:nvSpPr>
+          <p:cNvPr id="2" name="Title 1"/>
+          <p:cNvSpPr>
+            <a:spLocks noGrp="1"/>
+          </p:cNvSpPr>
+          <p:nvPr>
+            <p:ph type="title"/>
+          </p:nvPr>
+        </p:nvSpPr>
+        <p:spPr/>
+        <p:txBody>
+          <a:bodyPr/>
+          <a:lstStyle/>
+          <a:p>
+            <a:r>
+              <a:rPr lang="en-GB" dirty="0"/>
+              <a:t>Objects</a:t>
+            </a:r>
+            <a:endParaRPr lang="de-DE" dirty="0"/>
+          </a:p>
+        </p:txBody>
+      </p:sp>
+      <p:sp>
+        <p:nvSpPr>
+          <p:cNvPr id="3" name="Content Placeholder 2"/>
+          <p:cNvSpPr>
+            <a:spLocks noGrp="1"/>
+          </p:cNvSpPr>
+          <p:nvPr>
+            <p:ph sz="half" idx="1"/>
+          </p:nvPr>
+        </p:nvSpPr>
+        <p:spPr>
+          <a:xfrm>
+            <a:off x="1371600" y="2285999"/>
+            <a:ext cx="2982286" cy="3581401"/>
+          </a:xfrm>
+        </p:spPr>
+        <p:txBody>
+          <a:bodyPr anchor="ctr"/>
+          <a:lstStyle/>
+          <a:p>
+            <a:r>
+              <a:rPr lang="en-GB" dirty="0"/>
+              <a:t>Curly brackets</a:t>
+            </a:r>
+          </a:p>
+          <a:p>
+            <a:r>
+              <a:rPr lang="en-GB" dirty="0"/>
+              <a:t>Access properties with dot or brackets</a:t>
+            </a:r>
+          </a:p>
+          <a:p>
+            <a:r>
+              <a:rPr lang="en-GB" dirty="0"/>
+              <a:t>If type “any”: modify &amp; add properties at will</a:t>
+            </a:r>
+            <a:endParaRPr lang="de-DE" dirty="0"/>
+          </a:p>
+        </p:txBody>
+      </p:sp>
+      <p:pic>
+        <p:nvPicPr>
+          <p:cNvPr id="7" name="Content Placeholder 6"/>
+          <p:cNvPicPr>
+            <a:picLocks noGrp="1" noChangeAspect="1"/>
+          </p:cNvPicPr>
+          <p:nvPr>
+            <p:ph sz="half" idx="2"/>
+          </p:nvPr>
+        </p:nvPicPr>
+        <p:blipFill>
+          <a:blip r:embed="rId2"/>
+          <a:stretch>
+            <a:fillRect/>
+          </a:stretch>
+        </p:blipFill>
+        <p:spPr>
+          <a:xfrm>
+            <a:off x="4798503" y="2417084"/>
+            <a:ext cx="7413858" cy="3319232"/>
+          </a:xfrm>
+          <a:prstGeom prst="rect">
+            <a:avLst/>
+          </a:prstGeom>
+        </p:spPr>
+      </p:pic>
+      <p:sp>
+        <p:nvSpPr>
+          <p:cNvPr id="8" name="TextBox 7">
+            <a:hlinkClick r:id="rId3" action="ppaction://hlinksldjump"/>
+          </p:cNvPr>
+          <p:cNvSpPr txBox="1"/>
+          <p:nvPr/>
+        </p:nvSpPr>
+        <p:spPr>
+          <a:xfrm>
+            <a:off x="712521" y="5938"/>
+            <a:ext cx="2054431" cy="400110"/>
+          </a:xfrm>
+          <a:prstGeom prst="rect">
+            <a:avLst/>
+          </a:prstGeom>
+          <a:noFill/>
+        </p:spPr>
+        <p:txBody>
+          <a:bodyPr wrap="square" rtlCol="0">
+            <a:spAutoFit/>
+          </a:bodyPr>
+          <a:lstStyle/>
+          <a:p>
+            <a:r>
+              <a:rPr lang="en-GB" sz="2000" dirty="0"/>
+              <a:t>Basics</a:t>
+            </a:r>
+            <a:endParaRPr lang="de-DE" sz="2000" dirty="0"/>
+          </a:p>
+        </p:txBody>
+      </p:sp>
+    </p:spTree>
+    <p:extLst>
+      <p:ext uri="{BB962C8B-B14F-4D97-AF65-F5344CB8AC3E}">
+        <p14:creationId xmlns:p14="http://schemas.microsoft.com/office/powerpoint/2010/main" val="3095172474"/>
+      </p:ext>
+    </p:extLst>
+  </p:cSld>
+  <p:clrMapOvr>
+    <a:masterClrMapping/>
+  </p:clrMapOvr>
+</p:sld>
+</file>
+
+<file path=ppt/slides/slide12.xml><?xml version="1.0" encoding="utf-8"?>
+<p:sld xmlns:a="http://schemas.openxmlformats.org/drawingml/2006/main" xmlns:r="http://schemas.openxmlformats.org/officeDocument/2006/relationships" xmlns:p="http://schemas.openxmlformats.org/presentationml/2006/main">
+  <p:cSld>
+    <p:spTree>
+      <p:nvGrpSpPr>
+        <p:cNvPr id="1" name=""/>
+        <p:cNvGrpSpPr/>
+        <p:nvPr/>
+      </p:nvGrpSpPr>
+      <p:grpSpPr>
+        <a:xfrm>
+          <a:off x="0" y="0"/>
+          <a:ext cx="0" cy="0"/>
+          <a:chOff x="0" y="0"/>
+          <a:chExt cx="0" cy="0"/>
+        </a:xfrm>
+      </p:grpSpPr>
+      <p:sp>
+        <p:nvSpPr>
+          <p:cNvPr id="2" name="Title 1"/>
+          <p:cNvSpPr>
+            <a:spLocks noGrp="1"/>
+          </p:cNvSpPr>
+          <p:nvPr>
+            <p:ph type="title"/>
+          </p:nvPr>
+        </p:nvSpPr>
+        <p:spPr/>
+        <p:txBody>
+          <a:bodyPr/>
+          <a:lstStyle/>
+          <a:p>
+            <a:r>
+              <a:rPr lang="en-GB" dirty="0"/>
+              <a:t>Maps</a:t>
+            </a:r>
+            <a:endParaRPr lang="de-DE" dirty="0"/>
+          </a:p>
+        </p:txBody>
+      </p:sp>
+      <p:sp>
+        <p:nvSpPr>
+          <p:cNvPr id="3" name="Content Placeholder 2"/>
+          <p:cNvSpPr>
+            <a:spLocks noGrp="1"/>
+          </p:cNvSpPr>
+          <p:nvPr>
+            <p:ph sz="half" idx="1"/>
+          </p:nvPr>
+        </p:nvSpPr>
+        <p:spPr>
+          <a:xfrm>
+            <a:off x="1371600" y="2285999"/>
+            <a:ext cx="2923563" cy="3581401"/>
+          </a:xfrm>
+        </p:spPr>
+        <p:txBody>
+          <a:bodyPr anchor="ctr"/>
+          <a:lstStyle/>
+          <a:p>
+            <a:r>
+              <a:rPr lang="en-GB" dirty="0"/>
+              <a:t>Actually just objects</a:t>
+            </a:r>
+          </a:p>
+          <a:p>
+            <a:r>
+              <a:rPr lang="en-GB" dirty="0"/>
+              <a:t>Strings or numbers can be key</a:t>
+            </a:r>
+          </a:p>
+          <a:p>
+            <a:r>
+              <a:rPr lang="en-GB" dirty="0"/>
+              <a:t>With ES6 nicer syntax</a:t>
+            </a:r>
+            <a:endParaRPr lang="de-DE" dirty="0"/>
+          </a:p>
+        </p:txBody>
+      </p:sp>
+      <p:pic>
+        <p:nvPicPr>
+          <p:cNvPr id="5" name="Content Placeholder 4"/>
+          <p:cNvPicPr>
+            <a:picLocks noGrp="1" noChangeAspect="1"/>
+          </p:cNvPicPr>
+          <p:nvPr>
+            <p:ph sz="half" idx="2"/>
+          </p:nvPr>
+        </p:nvPicPr>
+        <p:blipFill>
+          <a:blip r:embed="rId2"/>
+          <a:stretch>
+            <a:fillRect/>
+          </a:stretch>
+        </p:blipFill>
+        <p:spPr>
+          <a:xfrm>
+            <a:off x="4504386" y="3246540"/>
+            <a:ext cx="7632976" cy="1660320"/>
+          </a:xfrm>
+          <a:prstGeom prst="rect">
+            <a:avLst/>
+          </a:prstGeom>
+        </p:spPr>
+      </p:pic>
+      <p:sp>
+        <p:nvSpPr>
+          <p:cNvPr id="7" name="TextBox 6">
+            <a:hlinkClick r:id="rId3" action="ppaction://hlinksldjump"/>
+          </p:cNvPr>
+          <p:cNvSpPr txBox="1"/>
+          <p:nvPr/>
+        </p:nvSpPr>
+        <p:spPr>
+          <a:xfrm>
+            <a:off x="712521" y="5938"/>
+            <a:ext cx="2054431" cy="400110"/>
+          </a:xfrm>
+          <a:prstGeom prst="rect">
+            <a:avLst/>
+          </a:prstGeom>
+          <a:noFill/>
+        </p:spPr>
+        <p:txBody>
+          <a:bodyPr wrap="square" rtlCol="0">
+            <a:spAutoFit/>
+          </a:bodyPr>
+          <a:lstStyle/>
+          <a:p>
+            <a:r>
+              <a:rPr lang="en-GB" sz="2000" dirty="0"/>
+              <a:t>Basics</a:t>
+            </a:r>
+            <a:endParaRPr lang="de-DE" sz="2000" dirty="0"/>
+          </a:p>
+        </p:txBody>
+      </p:sp>
+    </p:spTree>
+    <p:extLst>
+      <p:ext uri="{BB962C8B-B14F-4D97-AF65-F5344CB8AC3E}">
+        <p14:creationId xmlns:p14="http://schemas.microsoft.com/office/powerpoint/2010/main" val="4022339484"/>
+      </p:ext>
+    </p:extLst>
+  </p:cSld>
+  <p:clrMapOvr>
+    <a:masterClrMapping/>
+  </p:clrMapOvr>
+</p:sld>
+</file>
+
+<file path=ppt/slides/slide13.xml><?xml version="1.0" encoding="utf-8"?>
+<p:sld xmlns:a="http://schemas.openxmlformats.org/drawingml/2006/main" xmlns:r="http://schemas.openxmlformats.org/officeDocument/2006/relationships" xmlns:p="http://schemas.openxmlformats.org/presentationml/2006/main">
+  <p:cSld>
+    <p:spTree>
+      <p:nvGrpSpPr>
+        <p:cNvPr id="1" name=""/>
+        <p:cNvGrpSpPr/>
+        <p:nvPr/>
+      </p:nvGrpSpPr>
+      <p:grpSpPr>
+        <a:xfrm>
+          <a:off x="0" y="0"/>
+          <a:ext cx="0" cy="0"/>
+          <a:chOff x="0" y="0"/>
+          <a:chExt cx="0" cy="0"/>
+        </a:xfrm>
+      </p:grpSpPr>
+      <p:sp>
+        <p:nvSpPr>
+          <p:cNvPr id="2" name="Title 1"/>
+          <p:cNvSpPr>
+            <a:spLocks noGrp="1"/>
+          </p:cNvSpPr>
+          <p:nvPr>
+            <p:ph type="title"/>
+          </p:nvPr>
+        </p:nvSpPr>
+        <p:spPr/>
+        <p:txBody>
+          <a:bodyPr/>
+          <a:lstStyle/>
+          <a:p>
+            <a:r>
+              <a:rPr lang="en-GB" dirty="0"/>
+              <a:t>Truthy &amp; </a:t>
+            </a:r>
+            <a:r>
+              <a:rPr lang="en-GB" dirty="0" err="1"/>
+              <a:t>Falsy</a:t>
+            </a:r>
+            <a:endParaRPr lang="de-DE" dirty="0"/>
+          </a:p>
+        </p:txBody>
+      </p:sp>
+      <p:sp>
+        <p:nvSpPr>
+          <p:cNvPr id="3" name="Content Placeholder 2"/>
+          <p:cNvSpPr>
+            <a:spLocks noGrp="1"/>
+          </p:cNvSpPr>
+          <p:nvPr>
+            <p:ph sz="half" idx="1"/>
+          </p:nvPr>
+        </p:nvSpPr>
+        <p:spPr>
+          <a:xfrm>
+            <a:off x="1371600" y="2285999"/>
+            <a:ext cx="3032620" cy="3581401"/>
+          </a:xfrm>
+        </p:spPr>
+        <p:txBody>
+          <a:bodyPr anchor="ctr"/>
+          <a:lstStyle/>
+          <a:p>
+            <a:r>
+              <a:rPr lang="de-DE" dirty="0"/>
+              <a:t>Non-</a:t>
+            </a:r>
+            <a:r>
+              <a:rPr lang="de-DE" dirty="0" err="1"/>
+              <a:t>booleans</a:t>
+            </a:r>
+            <a:r>
+              <a:rPr lang="de-DE" dirty="0"/>
+              <a:t> </a:t>
+            </a:r>
+            <a:r>
+              <a:rPr lang="de-DE" dirty="0" err="1"/>
+              <a:t>are</a:t>
+            </a:r>
+            <a:r>
+              <a:rPr lang="de-DE" dirty="0"/>
+              <a:t> </a:t>
+            </a:r>
+            <a:r>
+              <a:rPr lang="de-DE" dirty="0" err="1"/>
+              <a:t>interpreted</a:t>
+            </a:r>
+            <a:r>
+              <a:rPr lang="de-DE" dirty="0"/>
+              <a:t> </a:t>
+            </a:r>
+            <a:r>
+              <a:rPr lang="de-DE" dirty="0" err="1"/>
+              <a:t>as</a:t>
+            </a:r>
+            <a:r>
+              <a:rPr lang="de-DE" dirty="0"/>
+              <a:t> </a:t>
+            </a:r>
+            <a:r>
+              <a:rPr lang="de-DE" dirty="0" err="1"/>
+              <a:t>booleans</a:t>
+            </a:r>
+            <a:endParaRPr lang="de-DE" dirty="0"/>
+          </a:p>
+          <a:p>
+            <a:r>
+              <a:rPr lang="de-DE" dirty="0" err="1"/>
+              <a:t>Allow</a:t>
+            </a:r>
+            <a:r>
+              <a:rPr lang="de-DE" dirty="0"/>
+              <a:t> </a:t>
+            </a:r>
+            <a:r>
+              <a:rPr lang="de-DE" dirty="0" err="1"/>
+              <a:t>for</a:t>
+            </a:r>
+            <a:r>
+              <a:rPr lang="de-DE" dirty="0"/>
+              <a:t> simple </a:t>
+            </a:r>
+            <a:r>
+              <a:rPr lang="de-DE" dirty="0" err="1"/>
+              <a:t>undefined</a:t>
+            </a:r>
+            <a:r>
+              <a:rPr lang="de-DE" dirty="0"/>
+              <a:t>/null </a:t>
+            </a:r>
+            <a:r>
+              <a:rPr lang="de-DE" dirty="0" err="1"/>
+              <a:t>checks</a:t>
+            </a:r>
+            <a:endParaRPr lang="de-DE" dirty="0"/>
+          </a:p>
+          <a:p>
+            <a:r>
+              <a:rPr lang="de-DE" dirty="0"/>
+              <a:t>Can </a:t>
+            </a:r>
+            <a:r>
+              <a:rPr lang="de-DE" dirty="0" err="1"/>
+              <a:t>be</a:t>
+            </a:r>
+            <a:r>
+              <a:rPr lang="de-DE" dirty="0"/>
+              <a:t> </a:t>
+            </a:r>
+            <a:r>
+              <a:rPr lang="de-DE" dirty="0" err="1"/>
+              <a:t>converted</a:t>
+            </a:r>
+            <a:r>
+              <a:rPr lang="de-DE" dirty="0"/>
+              <a:t> </a:t>
+            </a:r>
+            <a:r>
+              <a:rPr lang="de-DE" dirty="0" err="1"/>
+              <a:t>to</a:t>
+            </a:r>
+            <a:r>
+              <a:rPr lang="de-DE" dirty="0"/>
+              <a:t> </a:t>
+            </a:r>
+            <a:r>
+              <a:rPr lang="de-DE" dirty="0" err="1"/>
+              <a:t>boolean</a:t>
+            </a:r>
+            <a:r>
+              <a:rPr lang="de-DE" dirty="0"/>
+              <a:t> </a:t>
+            </a:r>
+            <a:r>
+              <a:rPr lang="de-DE" dirty="0" err="1"/>
+              <a:t>by</a:t>
+            </a:r>
+            <a:r>
+              <a:rPr lang="de-DE" dirty="0"/>
+              <a:t> double </a:t>
+            </a:r>
+            <a:r>
+              <a:rPr lang="de-DE" dirty="0" err="1"/>
+              <a:t>negation</a:t>
+            </a:r>
+            <a:r>
+              <a:rPr lang="de-DE" dirty="0"/>
+              <a:t> (‚!!‘)</a:t>
+            </a:r>
+          </a:p>
+        </p:txBody>
+      </p:sp>
+      <p:pic>
+        <p:nvPicPr>
+          <p:cNvPr id="10" name="Content Placeholder 9"/>
+          <p:cNvPicPr>
+            <a:picLocks noGrp="1" noChangeAspect="1"/>
+          </p:cNvPicPr>
+          <p:nvPr>
+            <p:ph sz="half" idx="2"/>
+          </p:nvPr>
+        </p:nvPicPr>
+        <p:blipFill>
+          <a:blip r:embed="rId2"/>
+          <a:stretch>
+            <a:fillRect/>
+          </a:stretch>
+        </p:blipFill>
+        <p:spPr>
+          <a:xfrm>
+            <a:off x="4513458" y="2617366"/>
+            <a:ext cx="7598054" cy="2918666"/>
+          </a:xfrm>
+          <a:prstGeom prst="rect">
+            <a:avLst/>
+          </a:prstGeom>
+        </p:spPr>
+      </p:pic>
+      <p:sp>
+        <p:nvSpPr>
+          <p:cNvPr id="7" name="TextBox 6">
+            <a:hlinkClick r:id="rId3" action="ppaction://hlinksldjump"/>
+          </p:cNvPr>
+          <p:cNvSpPr txBox="1"/>
+          <p:nvPr/>
+        </p:nvSpPr>
+        <p:spPr>
+          <a:xfrm>
+            <a:off x="712521" y="5938"/>
+            <a:ext cx="2054431" cy="400110"/>
+          </a:xfrm>
+          <a:prstGeom prst="rect">
+            <a:avLst/>
+          </a:prstGeom>
+          <a:noFill/>
+        </p:spPr>
+        <p:txBody>
+          <a:bodyPr wrap="square" rtlCol="0">
+            <a:spAutoFit/>
+          </a:bodyPr>
+          <a:lstStyle/>
+          <a:p>
+            <a:r>
+              <a:rPr lang="en-GB" sz="2000" dirty="0"/>
+              <a:t>Basics</a:t>
+            </a:r>
+            <a:endParaRPr lang="de-DE" sz="2000" dirty="0"/>
+          </a:p>
+        </p:txBody>
+      </p:sp>
     </p:spTree>
     <p:extLst>
       <p:ext uri="{BB962C8B-B14F-4D97-AF65-F5344CB8AC3E}">
         <p14:creationId xmlns:p14="http://schemas.microsoft.com/office/powerpoint/2010/main" val="1600216017"/>
+      </p:ext>
+    </p:extLst>
+  </p:cSld>
+  <p:clrMapOvr>
+    <a:masterClrMapping/>
+  </p:clrMapOvr>
+</p:sld>
+</file>
+
+<file path=ppt/slides/slide14.xml><?xml version="1.0" encoding="utf-8"?>
+<p:sld xmlns:a="http://schemas.openxmlformats.org/drawingml/2006/main" xmlns:r="http://schemas.openxmlformats.org/officeDocument/2006/relationships" xmlns:p="http://schemas.openxmlformats.org/presentationml/2006/main">
+  <p:cSld>
+    <p:spTree>
+      <p:nvGrpSpPr>
+        <p:cNvPr id="1" name=""/>
+        <p:cNvGrpSpPr/>
+        <p:nvPr/>
+      </p:nvGrpSpPr>
+      <p:grpSpPr>
+        <a:xfrm>
+          <a:off x="0" y="0"/>
+          <a:ext cx="0" cy="0"/>
+          <a:chOff x="0" y="0"/>
+          <a:chExt cx="0" cy="0"/>
+        </a:xfrm>
+      </p:grpSpPr>
+      <p:sp>
+        <p:nvSpPr>
+          <p:cNvPr id="2" name="Title 1"/>
+          <p:cNvSpPr>
+            <a:spLocks noGrp="1"/>
+          </p:cNvSpPr>
+          <p:nvPr>
+            <p:ph type="title"/>
+          </p:nvPr>
+        </p:nvSpPr>
+        <p:spPr/>
+        <p:txBody>
+          <a:bodyPr/>
+          <a:lstStyle/>
+          <a:p>
+            <a:r>
+              <a:rPr lang="en-GB" dirty="0"/>
+              <a:t>Operations</a:t>
+            </a:r>
+            <a:endParaRPr lang="de-DE" dirty="0"/>
+          </a:p>
+        </p:txBody>
+      </p:sp>
+      <mc:AlternateContent xmlns:mc="http://schemas.openxmlformats.org/markup-compatibility/2006">
+        <mc:Choice xmlns:psuz="http://schemas.microsoft.com/office/powerpoint/2016/summaryzoom" Requires="psuz">
+          <p:graphicFrame>
+            <p:nvGraphicFramePr>
+              <p:cNvPr id="5" name="Summary Zoom 4"/>
+              <p:cNvGraphicFramePr>
+                <a:graphicFrameLocks noChangeAspect="1"/>
+              </p:cNvGraphicFramePr>
+              <p:nvPr>
+                <p:extLst>
+                  <p:ext uri="{D42A27DB-BD31-4B8C-83A1-F6EECF244321}">
+                    <p14:modId xmlns:p14="http://schemas.microsoft.com/office/powerpoint/2010/main" val="680427892"/>
+                  </p:ext>
+                </p:extLst>
+              </p:nvPr>
+            </p:nvGraphicFramePr>
+            <p:xfrm>
+              <a:off x="1371600" y="2286000"/>
+              <a:ext cx="9601200" cy="3581400"/>
+            </p:xfrm>
+            <a:graphic>
+              <a:graphicData uri="http://schemas.microsoft.com/office/powerpoint/2016/summaryzoom">
+                <psuz:summaryZm>
+                  <psuz:summaryZmObj sectionId="{3910ABA5-024F-44BF-BAB4-0E6816D359A1}">
+                    <psuz:zmPr id="{1A673881-454C-473C-8982-18DAE9210704}" transitionDur="1000">
+                      <p166:blipFill xmlns:p166="http://schemas.microsoft.com/office/powerpoint/2016/6/main">
+                        <a:blip r:embed="rId2"/>
+                        <a:stretch>
+                          <a:fillRect/>
+                        </a:stretch>
+                      </p166:blipFill>
+                      <p166:spPr xmlns:p166="http://schemas.microsoft.com/office/powerpoint/2016/6/main">
+                        <a:xfrm>
+                          <a:off x="372046" y="980599"/>
+                          <a:ext cx="2880360" cy="1620203"/>
+                        </a:xfrm>
+                        <a:prstGeom prst="rect">
+                          <a:avLst/>
+                        </a:prstGeom>
+                        <a:ln w="3175">
+                          <a:solidFill>
+                            <a:prstClr val="ltGray"/>
+                          </a:solidFill>
+                        </a:ln>
+                      </p166:spPr>
+                    </psuz:zmPr>
+                  </psuz:summaryZmObj>
+                  <psuz:summaryZmObj sectionId="{B858D946-C53A-4708-B422-12CE0E78A702}">
+                    <psuz:zmPr id="{57F2157F-1F6A-4DFC-84BC-EE6B2C3BEDFA}" transitionDur="1000">
+                      <p166:blipFill xmlns:p166="http://schemas.microsoft.com/office/powerpoint/2016/6/main">
+                        <a:blip r:embed="rId3"/>
+                        <a:stretch>
+                          <a:fillRect/>
+                        </a:stretch>
+                      </p166:blipFill>
+                      <p166:spPr xmlns:p166="http://schemas.microsoft.com/office/powerpoint/2016/6/main">
+                        <a:xfrm>
+                          <a:off x="3360420" y="980599"/>
+                          <a:ext cx="2880360" cy="1620203"/>
+                        </a:xfrm>
+                        <a:prstGeom prst="rect">
+                          <a:avLst/>
+                        </a:prstGeom>
+                        <a:ln w="3175">
+                          <a:solidFill>
+                            <a:prstClr val="ltGray"/>
+                          </a:solidFill>
+                        </a:ln>
+                      </p166:spPr>
+                    </psuz:zmPr>
+                  </psuz:summaryZmObj>
+                  <psuz:summaryZmObj sectionId="{F0BA19BB-1530-418C-AB6F-FB3A325142B5}">
+                    <psuz:zmPr id="{A7D8398C-71BB-45B7-8E8F-E01F01D55EF3}" transitionDur="1000">
+                      <p166:blipFill xmlns:p166="http://schemas.microsoft.com/office/powerpoint/2016/6/main">
+                        <a:blip r:embed="rId4"/>
+                        <a:stretch>
+                          <a:fillRect/>
+                        </a:stretch>
+                      </p166:blipFill>
+                      <p166:spPr xmlns:p166="http://schemas.microsoft.com/office/powerpoint/2016/6/main">
+                        <a:xfrm>
+                          <a:off x="6348794" y="980599"/>
+                          <a:ext cx="2880360" cy="1620203"/>
+                        </a:xfrm>
+                        <a:prstGeom prst="rect">
+                          <a:avLst/>
+                        </a:prstGeom>
+                        <a:ln w="3175">
+                          <a:solidFill>
+                            <a:prstClr val="ltGray"/>
+                          </a:solidFill>
+                        </a:ln>
+                      </p166:spPr>
+                    </psuz:zmPr>
+                  </psuz:summaryZmObj>
+                  <psuz:gridLayout/>
+                </psuz:summaryZm>
+              </a:graphicData>
+            </a:graphic>
+          </p:graphicFrame>
+        </mc:Choice>
+        <mc:Fallback>
+          <p:grpSp>
+            <p:nvGrpSpPr>
+              <p:cNvPr id="5" name="Summary Zoom 4"/>
+              <p:cNvGrpSpPr>
+                <a:grpSpLocks noGrp="1" noUngrp="1" noRot="1" noChangeAspect="1" noMove="1" noResize="1"/>
+              </p:cNvGrpSpPr>
+              <p:nvPr/>
+            </p:nvGrpSpPr>
+            <p:grpSpPr>
+              <a:xfrm>
+                <a:off x="1371600" y="2286000"/>
+                <a:ext cx="9601200" cy="3581400"/>
+                <a:chOff x="1371600" y="2286000"/>
+                <a:chExt cx="9601200" cy="3581400"/>
+              </a:xfrm>
+            </p:grpSpPr>
+            <p:pic>
+              <p:nvPicPr>
+                <p:cNvPr id="3" name="Picture 3">
+                  <a:hlinkClick r:id="rId5" action="ppaction://hlinksldjump"/>
+                </p:cNvPr>
+                <p:cNvPicPr>
+                  <a:picLocks noSelect="1" noRot="1" noChangeAspect="1" noMove="1" noResize="1" noEditPoints="1" noAdjustHandles="1" noChangeArrowheads="1" noChangeShapeType="1"/>
+                </p:cNvPicPr>
+                <p:nvPr/>
+              </p:nvPicPr>
+              <p:blipFill>
+                <a:blip r:embed="rId2"/>
+                <a:stretch>
+                  <a:fillRect/>
+                </a:stretch>
+              </p:blipFill>
+              <p:spPr>
+                <a:xfrm>
+                  <a:off x="1743646" y="3266599"/>
+                  <a:ext cx="2880360" cy="1620203"/>
+                </a:xfrm>
+                <a:prstGeom prst="rect">
+                  <a:avLst/>
+                </a:prstGeom>
+                <a:ln w="3175">
+                  <a:solidFill>
+                    <a:prstClr val="ltGray"/>
+                  </a:solidFill>
+                </a:ln>
+              </p:spPr>
+            </p:pic>
+            <p:pic>
+              <p:nvPicPr>
+                <p:cNvPr id="4" name="Picture 4">
+                  <a:hlinkClick r:id="rId6" action="ppaction://hlinksldjump"/>
+                </p:cNvPr>
+                <p:cNvPicPr>
+                  <a:picLocks noSelect="1" noRot="1" noChangeAspect="1" noMove="1" noResize="1" noEditPoints="1" noAdjustHandles="1" noChangeArrowheads="1" noChangeShapeType="1"/>
+                </p:cNvPicPr>
+                <p:nvPr/>
+              </p:nvPicPr>
+              <p:blipFill>
+                <a:blip r:embed="rId3"/>
+                <a:stretch>
+                  <a:fillRect/>
+                </a:stretch>
+              </p:blipFill>
+              <p:spPr>
+                <a:xfrm>
+                  <a:off x="4732020" y="3266599"/>
+                  <a:ext cx="2880360" cy="1620203"/>
+                </a:xfrm>
+                <a:prstGeom prst="rect">
+                  <a:avLst/>
+                </a:prstGeom>
+                <a:ln w="3175">
+                  <a:solidFill>
+                    <a:prstClr val="ltGray"/>
+                  </a:solidFill>
+                </a:ln>
+              </p:spPr>
+            </p:pic>
+            <p:pic>
+              <p:nvPicPr>
+                <p:cNvPr id="6" name="Picture 6">
+                  <a:hlinkClick r:id="rId7" action="ppaction://hlinksldjump"/>
+                </p:cNvPr>
+                <p:cNvPicPr>
+                  <a:picLocks noSelect="1" noRot="1" noChangeAspect="1" noMove="1" noResize="1" noEditPoints="1" noAdjustHandles="1" noChangeArrowheads="1" noChangeShapeType="1"/>
+                </p:cNvPicPr>
+                <p:nvPr/>
+              </p:nvPicPr>
+              <p:blipFill>
+                <a:blip r:embed="rId4"/>
+                <a:stretch>
+                  <a:fillRect/>
+                </a:stretch>
+              </p:blipFill>
+              <p:spPr>
+                <a:xfrm>
+                  <a:off x="7720394" y="3266599"/>
+                  <a:ext cx="2880360" cy="1620203"/>
+                </a:xfrm>
+                <a:prstGeom prst="rect">
+                  <a:avLst/>
+                </a:prstGeom>
+                <a:ln w="3175">
+                  <a:solidFill>
+                    <a:prstClr val="ltGray"/>
+                  </a:solidFill>
+                </a:ln>
+              </p:spPr>
+            </p:pic>
+          </p:grpSp>
+        </mc:Fallback>
+      </mc:AlternateContent>
+      <p:sp>
+        <p:nvSpPr>
+          <p:cNvPr id="7" name="TextBox 6">
+            <a:hlinkClick r:id="rId8" action="ppaction://hlinksldjump"/>
+          </p:cNvPr>
+          <p:cNvSpPr txBox="1"/>
+          <p:nvPr/>
+        </p:nvSpPr>
+        <p:spPr>
+          <a:xfrm>
+            <a:off x="712521" y="5938"/>
+            <a:ext cx="2054431" cy="400110"/>
+          </a:xfrm>
+          <a:prstGeom prst="rect">
+            <a:avLst/>
+          </a:prstGeom>
+          <a:noFill/>
+        </p:spPr>
+        <p:txBody>
+          <a:bodyPr wrap="square" rtlCol="0">
+            <a:spAutoFit/>
+          </a:bodyPr>
+          <a:lstStyle/>
+          <a:p>
+            <a:r>
+              <a:rPr lang="en-GB" sz="2000" dirty="0"/>
+              <a:t>Overview</a:t>
+            </a:r>
+            <a:endParaRPr lang="de-DE" sz="2000" dirty="0"/>
+          </a:p>
+        </p:txBody>
+      </p:sp>
+    </p:spTree>
+    <p:extLst>
+      <p:ext uri="{BB962C8B-B14F-4D97-AF65-F5344CB8AC3E}">
+        <p14:creationId xmlns:p14="http://schemas.microsoft.com/office/powerpoint/2010/main" val="263339467"/>
+      </p:ext>
+    </p:extLst>
+  </p:cSld>
+  <p:clrMapOvr>
+    <a:masterClrMapping/>
+  </p:clrMapOvr>
+</p:sld>
+</file>
+
+<file path=ppt/slides/slide15.xml><?xml version="1.0" encoding="utf-8"?>
+<p:sld xmlns:a="http://schemas.openxmlformats.org/drawingml/2006/main" xmlns:r="http://schemas.openxmlformats.org/officeDocument/2006/relationships" xmlns:p="http://schemas.openxmlformats.org/presentationml/2006/main">
+  <p:cSld>
+    <p:spTree>
+      <p:nvGrpSpPr>
+        <p:cNvPr id="1" name=""/>
+        <p:cNvGrpSpPr/>
+        <p:nvPr/>
+      </p:nvGrpSpPr>
+      <p:grpSpPr>
+        <a:xfrm>
+          <a:off x="0" y="0"/>
+          <a:ext cx="0" cy="0"/>
+          <a:chOff x="0" y="0"/>
+          <a:chExt cx="0" cy="0"/>
+        </a:xfrm>
+      </p:grpSpPr>
+      <p:sp>
+        <p:nvSpPr>
+          <p:cNvPr id="2" name="Title 1"/>
+          <p:cNvSpPr>
+            <a:spLocks noGrp="1"/>
+          </p:cNvSpPr>
+          <p:nvPr>
+            <p:ph type="title"/>
+          </p:nvPr>
+        </p:nvSpPr>
+        <p:spPr/>
+        <p:txBody>
+          <a:bodyPr/>
+          <a:lstStyle/>
+          <a:p>
+            <a:r>
+              <a:rPr lang="en-GB" dirty="0"/>
+              <a:t>Boolean Expressions</a:t>
+            </a:r>
+            <a:endParaRPr lang="de-DE" dirty="0"/>
+          </a:p>
+        </p:txBody>
+      </p:sp>
+      <p:sp>
+        <p:nvSpPr>
+          <p:cNvPr id="3" name="Content Placeholder 2"/>
+          <p:cNvSpPr>
+            <a:spLocks noGrp="1"/>
+          </p:cNvSpPr>
+          <p:nvPr>
+            <p:ph sz="half" idx="1"/>
+          </p:nvPr>
+        </p:nvSpPr>
+        <p:spPr>
+          <a:xfrm>
+            <a:off x="1371600" y="2285999"/>
+            <a:ext cx="3032620" cy="3581401"/>
+          </a:xfrm>
+        </p:spPr>
+        <p:txBody>
+          <a:bodyPr anchor="ctr"/>
+          <a:lstStyle/>
+          <a:p>
+            <a:r>
+              <a:rPr lang="en-GB" dirty="0"/>
+              <a:t>Triple equal checks!</a:t>
+            </a:r>
+          </a:p>
+          <a:p>
+            <a:r>
+              <a:rPr lang="en-GB" dirty="0"/>
+              <a:t>Boolean expressions can return non-Boolean values</a:t>
+            </a:r>
+          </a:p>
+          <a:p>
+            <a:endParaRPr lang="de-DE" dirty="0"/>
+          </a:p>
+        </p:txBody>
+      </p:sp>
+      <p:pic>
+        <p:nvPicPr>
+          <p:cNvPr id="8" name="Content Placeholder 7"/>
+          <p:cNvPicPr>
+            <a:picLocks noGrp="1" noChangeAspect="1"/>
+          </p:cNvPicPr>
+          <p:nvPr>
+            <p:ph sz="half" idx="2"/>
+          </p:nvPr>
+        </p:nvPicPr>
+        <p:blipFill>
+          <a:blip r:embed="rId2"/>
+          <a:stretch>
+            <a:fillRect/>
+          </a:stretch>
+        </p:blipFill>
+        <p:spPr>
+          <a:xfrm>
+            <a:off x="4258970" y="2038526"/>
+            <a:ext cx="7922472" cy="4076348"/>
+          </a:xfrm>
+          <a:prstGeom prst="rect">
+            <a:avLst/>
+          </a:prstGeom>
+        </p:spPr>
+      </p:pic>
+      <p:sp>
+        <p:nvSpPr>
+          <p:cNvPr id="6" name="TextBox 5">
+            <a:hlinkClick r:id="rId3" action="ppaction://hlinksldjump"/>
+          </p:cNvPr>
+          <p:cNvSpPr txBox="1"/>
+          <p:nvPr/>
+        </p:nvSpPr>
+        <p:spPr>
+          <a:xfrm>
+            <a:off x="706583" y="5938"/>
+            <a:ext cx="2054431" cy="400110"/>
+          </a:xfrm>
+          <a:prstGeom prst="rect">
+            <a:avLst/>
+          </a:prstGeom>
+          <a:noFill/>
+        </p:spPr>
+        <p:txBody>
+          <a:bodyPr wrap="square" rtlCol="0">
+            <a:spAutoFit/>
+          </a:bodyPr>
+          <a:lstStyle/>
+          <a:p>
+            <a:r>
+              <a:rPr lang="en-GB" sz="2000" dirty="0"/>
+              <a:t>Operations</a:t>
+            </a:r>
+            <a:endParaRPr lang="de-DE" dirty="0"/>
+          </a:p>
+        </p:txBody>
+      </p:sp>
+    </p:spTree>
+    <p:extLst>
+      <p:ext uri="{BB962C8B-B14F-4D97-AF65-F5344CB8AC3E}">
+        <p14:creationId xmlns:p14="http://schemas.microsoft.com/office/powerpoint/2010/main" val="1266424500"/>
+      </p:ext>
+    </p:extLst>
+  </p:cSld>
+  <p:clrMapOvr>
+    <a:masterClrMapping/>
+  </p:clrMapOvr>
+</p:sld>
+</file>
+
+<file path=ppt/slides/slide16.xml><?xml version="1.0" encoding="utf-8"?>
+<p:sld xmlns:a="http://schemas.openxmlformats.org/drawingml/2006/main" xmlns:r="http://schemas.openxmlformats.org/officeDocument/2006/relationships" xmlns:p="http://schemas.openxmlformats.org/presentationml/2006/main">
+  <p:cSld>
+    <p:spTree>
+      <p:nvGrpSpPr>
+        <p:cNvPr id="1" name=""/>
+        <p:cNvGrpSpPr/>
+        <p:nvPr/>
+      </p:nvGrpSpPr>
+      <p:grpSpPr>
+        <a:xfrm>
+          <a:off x="0" y="0"/>
+          <a:ext cx="0" cy="0"/>
+          <a:chOff x="0" y="0"/>
+          <a:chExt cx="0" cy="0"/>
+        </a:xfrm>
+      </p:grpSpPr>
+      <p:sp>
+        <p:nvSpPr>
+          <p:cNvPr id="9" name="Title 8"/>
+          <p:cNvSpPr>
+            <a:spLocks noGrp="1"/>
+          </p:cNvSpPr>
+          <p:nvPr>
+            <p:ph type="title"/>
+          </p:nvPr>
+        </p:nvSpPr>
+        <p:spPr/>
+        <p:txBody>
+          <a:bodyPr/>
+          <a:lstStyle/>
+          <a:p>
+            <a:r>
+              <a:rPr lang="en-GB" dirty="0"/>
+              <a:t>Operations – Part I</a:t>
+            </a:r>
+            <a:endParaRPr lang="de-DE" dirty="0"/>
+          </a:p>
+        </p:txBody>
+      </p:sp>
+      <p:sp>
+        <p:nvSpPr>
+          <p:cNvPr id="10" name="Text Placeholder 9"/>
+          <p:cNvSpPr>
+            <a:spLocks noGrp="1"/>
+          </p:cNvSpPr>
+          <p:nvPr>
+            <p:ph type="body" idx="1"/>
+          </p:nvPr>
+        </p:nvSpPr>
+        <p:spPr/>
+        <p:txBody>
+          <a:bodyPr/>
+          <a:lstStyle/>
+          <a:p>
+            <a:r>
+              <a:rPr lang="en-GB" dirty="0"/>
+              <a:t>Increment/Decrement</a:t>
+            </a:r>
+            <a:endParaRPr lang="de-DE" dirty="0"/>
+          </a:p>
+        </p:txBody>
+      </p:sp>
+      <p:pic>
+        <p:nvPicPr>
+          <p:cNvPr id="5" name="Content Placeholder 4"/>
+          <p:cNvPicPr>
+            <a:picLocks noGrp="1" noChangeAspect="1"/>
+          </p:cNvPicPr>
+          <p:nvPr>
+            <p:ph sz="half" idx="2"/>
+          </p:nvPr>
+        </p:nvPicPr>
+        <p:blipFill>
+          <a:blip r:embed="rId2"/>
+          <a:stretch>
+            <a:fillRect/>
+          </a:stretch>
+        </p:blipFill>
+        <p:spPr>
+          <a:xfrm>
+            <a:off x="2564463" y="3781312"/>
+            <a:ext cx="2057687" cy="1609950"/>
+          </a:xfrm>
+          <a:prstGeom prst="rect">
+            <a:avLst/>
+          </a:prstGeom>
+        </p:spPr>
+      </p:pic>
+      <p:sp>
+        <p:nvSpPr>
+          <p:cNvPr id="11" name="Text Placeholder 10"/>
+          <p:cNvSpPr>
+            <a:spLocks noGrp="1"/>
+          </p:cNvSpPr>
+          <p:nvPr>
+            <p:ph type="body" sz="quarter" idx="3"/>
+          </p:nvPr>
+        </p:nvSpPr>
+        <p:spPr/>
+        <p:txBody>
+          <a:bodyPr/>
+          <a:lstStyle/>
+          <a:p>
+            <a:r>
+              <a:rPr lang="en-GB" dirty="0"/>
+              <a:t>Swap Variables</a:t>
+            </a:r>
+            <a:endParaRPr lang="de-DE" dirty="0"/>
+          </a:p>
+        </p:txBody>
+      </p:sp>
+      <p:pic>
+        <p:nvPicPr>
+          <p:cNvPr id="6" name="Content Placeholder 5"/>
+          <p:cNvPicPr>
+            <a:picLocks noGrp="1" noChangeAspect="1"/>
+          </p:cNvPicPr>
+          <p:nvPr>
+            <p:ph sz="quarter" idx="4"/>
+          </p:nvPr>
+        </p:nvPicPr>
+        <p:blipFill>
+          <a:blip r:embed="rId3"/>
+          <a:stretch>
+            <a:fillRect/>
+          </a:stretch>
+        </p:blipFill>
+        <p:spPr>
+          <a:xfrm>
+            <a:off x="6524625" y="3969430"/>
+            <a:ext cx="4445000" cy="1233714"/>
+          </a:xfrm>
+          <a:prstGeom prst="rect">
+            <a:avLst/>
+          </a:prstGeom>
+        </p:spPr>
+      </p:pic>
+      <p:sp>
+        <p:nvSpPr>
+          <p:cNvPr id="13" name="TextBox 12">
+            <a:hlinkClick r:id="rId4" action="ppaction://hlinksldjump"/>
+          </p:cNvPr>
+          <p:cNvSpPr txBox="1"/>
+          <p:nvPr/>
+        </p:nvSpPr>
+        <p:spPr>
+          <a:xfrm>
+            <a:off x="706583" y="5938"/>
+            <a:ext cx="2054431" cy="400110"/>
+          </a:xfrm>
+          <a:prstGeom prst="rect">
+            <a:avLst/>
+          </a:prstGeom>
+          <a:noFill/>
+        </p:spPr>
+        <p:txBody>
+          <a:bodyPr wrap="square" rtlCol="0">
+            <a:spAutoFit/>
+          </a:bodyPr>
+          <a:lstStyle/>
+          <a:p>
+            <a:r>
+              <a:rPr lang="en-GB" sz="2000" dirty="0"/>
+              <a:t>Operations</a:t>
+            </a:r>
+            <a:endParaRPr lang="de-DE" dirty="0"/>
+          </a:p>
+        </p:txBody>
+      </p:sp>
+    </p:spTree>
+    <p:extLst>
+      <p:ext uri="{BB962C8B-B14F-4D97-AF65-F5344CB8AC3E}">
+        <p14:creationId xmlns:p14="http://schemas.microsoft.com/office/powerpoint/2010/main" val="91053461"/>
+      </p:ext>
+    </p:extLst>
+  </p:cSld>
+  <p:clrMapOvr>
+    <a:masterClrMapping/>
+  </p:clrMapOvr>
+</p:sld>
+</file>
+
+<file path=ppt/slides/slide17.xml><?xml version="1.0" encoding="utf-8"?>
+<p:sld xmlns:a="http://schemas.openxmlformats.org/drawingml/2006/main" xmlns:r="http://schemas.openxmlformats.org/officeDocument/2006/relationships" xmlns:p="http://schemas.openxmlformats.org/presentationml/2006/main">
+  <p:cSld>
+    <p:spTree>
+      <p:nvGrpSpPr>
+        <p:cNvPr id="1" name=""/>
+        <p:cNvGrpSpPr/>
+        <p:nvPr/>
+      </p:nvGrpSpPr>
+      <p:grpSpPr>
+        <a:xfrm>
+          <a:off x="0" y="0"/>
+          <a:ext cx="0" cy="0"/>
+          <a:chOff x="0" y="0"/>
+          <a:chExt cx="0" cy="0"/>
+        </a:xfrm>
+      </p:grpSpPr>
+      <p:sp>
+        <p:nvSpPr>
+          <p:cNvPr id="9" name="Title 8"/>
+          <p:cNvSpPr>
+            <a:spLocks noGrp="1"/>
+          </p:cNvSpPr>
+          <p:nvPr>
+            <p:ph type="title"/>
+          </p:nvPr>
+        </p:nvSpPr>
+        <p:spPr/>
+        <p:txBody>
+          <a:bodyPr/>
+          <a:lstStyle/>
+          <a:p>
+            <a:r>
+              <a:rPr lang="en-GB" dirty="0"/>
+              <a:t>Operations – Part II</a:t>
+            </a:r>
+            <a:endParaRPr lang="de-DE" dirty="0"/>
+          </a:p>
+        </p:txBody>
+      </p:sp>
+      <p:sp>
+        <p:nvSpPr>
+          <p:cNvPr id="10" name="Text Placeholder 9"/>
+          <p:cNvSpPr>
+            <a:spLocks noGrp="1"/>
+          </p:cNvSpPr>
+          <p:nvPr>
+            <p:ph type="body" idx="1"/>
+          </p:nvPr>
+        </p:nvSpPr>
+        <p:spPr/>
+        <p:txBody>
+          <a:bodyPr/>
+          <a:lstStyle/>
+          <a:p>
+            <a:r>
+              <a:rPr lang="en-GB" dirty="0"/>
+              <a:t>If-else</a:t>
+            </a:r>
+            <a:endParaRPr lang="de-DE" dirty="0"/>
+          </a:p>
+        </p:txBody>
+      </p:sp>
+      <p:pic>
+        <p:nvPicPr>
+          <p:cNvPr id="8" name="Content Placeholder 7"/>
+          <p:cNvPicPr>
+            <a:picLocks noGrp="1" noChangeAspect="1"/>
+          </p:cNvPicPr>
+          <p:nvPr>
+            <p:ph sz="half" idx="2"/>
+          </p:nvPr>
+        </p:nvPicPr>
+        <p:blipFill>
+          <a:blip r:embed="rId2"/>
+          <a:stretch>
+            <a:fillRect/>
+          </a:stretch>
+        </p:blipFill>
+        <p:spPr>
+          <a:xfrm>
+            <a:off x="1435593" y="4014707"/>
+            <a:ext cx="4315427" cy="1143160"/>
+          </a:xfrm>
+          <a:prstGeom prst="rect">
+            <a:avLst/>
+          </a:prstGeom>
+        </p:spPr>
+      </p:pic>
+      <p:sp>
+        <p:nvSpPr>
+          <p:cNvPr id="11" name="Text Placeholder 10"/>
+          <p:cNvSpPr>
+            <a:spLocks noGrp="1"/>
+          </p:cNvSpPr>
+          <p:nvPr>
+            <p:ph type="body" sz="quarter" idx="3"/>
+          </p:nvPr>
+        </p:nvSpPr>
+        <p:spPr/>
+        <p:txBody>
+          <a:bodyPr/>
+          <a:lstStyle/>
+          <a:p>
+            <a:r>
+              <a:rPr lang="en-GB" dirty="0"/>
+              <a:t>Ternary operator</a:t>
+            </a:r>
+            <a:endParaRPr lang="de-DE" dirty="0"/>
+          </a:p>
+        </p:txBody>
+      </p:sp>
+      <p:pic>
+        <p:nvPicPr>
+          <p:cNvPr id="14" name="Content Placeholder 13"/>
+          <p:cNvPicPr>
+            <a:picLocks noGrp="1" noChangeAspect="1"/>
+          </p:cNvPicPr>
+          <p:nvPr>
+            <p:ph sz="quarter" idx="4"/>
+          </p:nvPr>
+        </p:nvPicPr>
+        <p:blipFill>
+          <a:blip r:embed="rId3"/>
+          <a:stretch>
+            <a:fillRect/>
+          </a:stretch>
+        </p:blipFill>
+        <p:spPr>
+          <a:xfrm>
+            <a:off x="6979991" y="4090918"/>
+            <a:ext cx="3534268" cy="990738"/>
+          </a:xfrm>
+          <a:prstGeom prst="rect">
+            <a:avLst/>
+          </a:prstGeom>
+        </p:spPr>
+      </p:pic>
+      <p:sp>
+        <p:nvSpPr>
+          <p:cNvPr id="15" name="TextBox 14">
+            <a:hlinkClick r:id="rId4" action="ppaction://hlinksldjump"/>
+          </p:cNvPr>
+          <p:cNvSpPr txBox="1"/>
+          <p:nvPr/>
+        </p:nvSpPr>
+        <p:spPr>
+          <a:xfrm>
+            <a:off x="706583" y="5938"/>
+            <a:ext cx="2054431" cy="400110"/>
+          </a:xfrm>
+          <a:prstGeom prst="rect">
+            <a:avLst/>
+          </a:prstGeom>
+          <a:noFill/>
+        </p:spPr>
+        <p:txBody>
+          <a:bodyPr wrap="square" rtlCol="0">
+            <a:spAutoFit/>
+          </a:bodyPr>
+          <a:lstStyle/>
+          <a:p>
+            <a:r>
+              <a:rPr lang="en-GB" sz="2000" dirty="0"/>
+              <a:t>Operations</a:t>
+            </a:r>
+            <a:endParaRPr lang="de-DE" dirty="0"/>
+          </a:p>
+        </p:txBody>
+      </p:sp>
+    </p:spTree>
+    <p:extLst>
+      <p:ext uri="{BB962C8B-B14F-4D97-AF65-F5344CB8AC3E}">
+        <p14:creationId xmlns:p14="http://schemas.microsoft.com/office/powerpoint/2010/main" val="681437163"/>
+      </p:ext>
+    </p:extLst>
+  </p:cSld>
+  <p:clrMapOvr>
+    <a:masterClrMapping/>
+  </p:clrMapOvr>
+</p:sld>
+</file>
+
+<file path=ppt/slides/slide18.xml><?xml version="1.0" encoding="utf-8"?>
+<p:sld xmlns:a="http://schemas.openxmlformats.org/drawingml/2006/main" xmlns:r="http://schemas.openxmlformats.org/officeDocument/2006/relationships" xmlns:p="http://schemas.openxmlformats.org/presentationml/2006/main">
+  <p:cSld>
+    <p:spTree>
+      <p:nvGrpSpPr>
+        <p:cNvPr id="1" name=""/>
+        <p:cNvGrpSpPr/>
+        <p:nvPr/>
+      </p:nvGrpSpPr>
+      <p:grpSpPr>
+        <a:xfrm>
+          <a:off x="0" y="0"/>
+          <a:ext cx="0" cy="0"/>
+          <a:chOff x="0" y="0"/>
+          <a:chExt cx="0" cy="0"/>
+        </a:xfrm>
+      </p:grpSpPr>
+      <p:sp>
+        <p:nvSpPr>
+          <p:cNvPr id="9" name="Title 8"/>
+          <p:cNvSpPr>
+            <a:spLocks noGrp="1"/>
+          </p:cNvSpPr>
+          <p:nvPr>
+            <p:ph type="title"/>
+          </p:nvPr>
+        </p:nvSpPr>
+        <p:spPr/>
+        <p:txBody>
+          <a:bodyPr/>
+          <a:lstStyle/>
+          <a:p>
+            <a:r>
+              <a:rPr lang="en-GB" dirty="0"/>
+              <a:t>Operations – Part III</a:t>
+            </a:r>
+            <a:endParaRPr lang="de-DE" dirty="0"/>
+          </a:p>
+        </p:txBody>
+      </p:sp>
+      <p:pic>
+        <p:nvPicPr>
+          <p:cNvPr id="4" name="Content Placeholder 3"/>
+          <p:cNvPicPr>
+            <a:picLocks noGrp="1" noChangeAspect="1"/>
+          </p:cNvPicPr>
+          <p:nvPr>
+            <p:ph idx="1"/>
+          </p:nvPr>
+        </p:nvPicPr>
+        <p:blipFill>
+          <a:blip r:embed="rId2"/>
+          <a:stretch>
+            <a:fillRect/>
+          </a:stretch>
+        </p:blipFill>
+        <p:spPr>
+          <a:xfrm>
+            <a:off x="1371600" y="2171700"/>
+            <a:ext cx="4798380" cy="3581400"/>
+          </a:xfrm>
+          <a:prstGeom prst="rect">
+            <a:avLst/>
+          </a:prstGeom>
+        </p:spPr>
+      </p:pic>
+      <p:sp>
+        <p:nvSpPr>
+          <p:cNvPr id="13" name="TextBox 12">
+            <a:hlinkClick r:id="rId3" action="ppaction://hlinksldjump"/>
+          </p:cNvPr>
+          <p:cNvSpPr txBox="1"/>
+          <p:nvPr/>
+        </p:nvSpPr>
+        <p:spPr>
+          <a:xfrm>
+            <a:off x="706583" y="5938"/>
+            <a:ext cx="2054431" cy="400110"/>
+          </a:xfrm>
+          <a:prstGeom prst="rect">
+            <a:avLst/>
+          </a:prstGeom>
+          <a:noFill/>
+        </p:spPr>
+        <p:txBody>
+          <a:bodyPr wrap="square" rtlCol="0">
+            <a:spAutoFit/>
+          </a:bodyPr>
+          <a:lstStyle/>
+          <a:p>
+            <a:r>
+              <a:rPr lang="en-GB" sz="2000" dirty="0"/>
+              <a:t>Operations</a:t>
+            </a:r>
+            <a:endParaRPr lang="de-DE" dirty="0"/>
+          </a:p>
+        </p:txBody>
+      </p:sp>
+    </p:spTree>
+    <p:extLst>
+      <p:ext uri="{BB962C8B-B14F-4D97-AF65-F5344CB8AC3E}">
+        <p14:creationId xmlns:p14="http://schemas.microsoft.com/office/powerpoint/2010/main" val="694557473"/>
+      </p:ext>
+    </p:extLst>
+  </p:cSld>
+  <p:clrMapOvr>
+    <a:masterClrMapping/>
+  </p:clrMapOvr>
+</p:sld>
+</file>
+
+<file path=ppt/slides/slide19.xml><?xml version="1.0" encoding="utf-8"?>
+<p:sld xmlns:a="http://schemas.openxmlformats.org/drawingml/2006/main" xmlns:r="http://schemas.openxmlformats.org/officeDocument/2006/relationships" xmlns:p="http://schemas.openxmlformats.org/presentationml/2006/main">
+  <p:cSld>
+    <p:spTree>
+      <p:nvGrpSpPr>
+        <p:cNvPr id="1" name=""/>
+        <p:cNvGrpSpPr/>
+        <p:nvPr/>
+      </p:nvGrpSpPr>
+      <p:grpSpPr>
+        <a:xfrm>
+          <a:off x="0" y="0"/>
+          <a:ext cx="0" cy="0"/>
+          <a:chOff x="0" y="0"/>
+          <a:chExt cx="0" cy="0"/>
+        </a:xfrm>
+      </p:grpSpPr>
+      <p:sp>
+        <p:nvSpPr>
+          <p:cNvPr id="2" name="Title 1"/>
+          <p:cNvSpPr>
+            <a:spLocks noGrp="1"/>
+          </p:cNvSpPr>
+          <p:nvPr>
+            <p:ph type="title"/>
+          </p:nvPr>
+        </p:nvSpPr>
+        <p:spPr/>
+        <p:txBody>
+          <a:bodyPr/>
+          <a:lstStyle/>
+          <a:p>
+            <a:r>
+              <a:rPr lang="en-GB" dirty="0"/>
+              <a:t>Loops</a:t>
+            </a:r>
+            <a:endParaRPr lang="de-DE" dirty="0"/>
+          </a:p>
+        </p:txBody>
+      </p:sp>
+      <p:sp>
+        <p:nvSpPr>
+          <p:cNvPr id="3" name="Text Placeholder 2"/>
+          <p:cNvSpPr>
+            <a:spLocks noGrp="1"/>
+          </p:cNvSpPr>
+          <p:nvPr>
+            <p:ph type="body" idx="1"/>
+          </p:nvPr>
+        </p:nvSpPr>
+        <p:spPr>
+          <a:xfrm>
+            <a:off x="1371029" y="1829135"/>
+            <a:ext cx="4443984" cy="823912"/>
+          </a:xfrm>
+        </p:spPr>
+        <p:txBody>
+          <a:bodyPr/>
+          <a:lstStyle/>
+          <a:p>
+            <a:r>
+              <a:rPr lang="en-GB" dirty="0"/>
+              <a:t>For</a:t>
+            </a:r>
+            <a:endParaRPr lang="de-DE" dirty="0"/>
+          </a:p>
+        </p:txBody>
+      </p:sp>
+      <p:pic>
+        <p:nvPicPr>
+          <p:cNvPr id="7" name="Content Placeholder 6"/>
+          <p:cNvPicPr>
+            <a:picLocks noGrp="1" noChangeAspect="1"/>
+          </p:cNvPicPr>
+          <p:nvPr>
+            <p:ph sz="half" idx="2"/>
+          </p:nvPr>
+        </p:nvPicPr>
+        <p:blipFill>
+          <a:blip r:embed="rId2"/>
+          <a:stretch>
+            <a:fillRect/>
+          </a:stretch>
+        </p:blipFill>
+        <p:spPr>
+          <a:xfrm>
+            <a:off x="1371600" y="3705326"/>
+            <a:ext cx="4443413" cy="1761922"/>
+          </a:xfrm>
+          <a:prstGeom prst="rect">
+            <a:avLst/>
+          </a:prstGeom>
+        </p:spPr>
+      </p:pic>
+      <p:sp>
+        <p:nvSpPr>
+          <p:cNvPr id="5" name="Text Placeholder 4"/>
+          <p:cNvSpPr>
+            <a:spLocks noGrp="1"/>
+          </p:cNvSpPr>
+          <p:nvPr>
+            <p:ph type="body" sz="quarter" idx="3"/>
+          </p:nvPr>
+        </p:nvSpPr>
+        <p:spPr>
+          <a:xfrm>
+            <a:off x="6525014" y="1829135"/>
+            <a:ext cx="4443984" cy="823912"/>
+          </a:xfrm>
+        </p:spPr>
+        <p:txBody>
+          <a:bodyPr/>
+          <a:lstStyle/>
+          <a:p>
+            <a:r>
+              <a:rPr lang="en-GB" dirty="0"/>
+              <a:t>While</a:t>
+            </a:r>
+            <a:endParaRPr lang="de-DE" dirty="0"/>
+          </a:p>
+        </p:txBody>
+      </p:sp>
+      <p:pic>
+        <p:nvPicPr>
+          <p:cNvPr id="9" name="Content Placeholder 8"/>
+          <p:cNvPicPr>
+            <a:picLocks noGrp="1" noChangeAspect="1"/>
+          </p:cNvPicPr>
+          <p:nvPr>
+            <p:ph sz="quarter" idx="4"/>
+          </p:nvPr>
+        </p:nvPicPr>
+        <p:blipFill>
+          <a:blip r:embed="rId3"/>
+          <a:stretch>
+            <a:fillRect/>
+          </a:stretch>
+        </p:blipFill>
+        <p:spPr>
+          <a:xfrm>
+            <a:off x="7056201" y="3333575"/>
+            <a:ext cx="3381847" cy="2505425"/>
+          </a:xfrm>
+          <a:prstGeom prst="rect">
+            <a:avLst/>
+          </a:prstGeom>
+        </p:spPr>
+      </p:pic>
+      <p:sp>
+        <p:nvSpPr>
+          <p:cNvPr id="10" name="TextBox 9">
+            <a:hlinkClick r:id="rId4" action="ppaction://hlinksldjump"/>
+          </p:cNvPr>
+          <p:cNvSpPr txBox="1"/>
+          <p:nvPr/>
+        </p:nvSpPr>
+        <p:spPr>
+          <a:xfrm>
+            <a:off x="706583" y="5938"/>
+            <a:ext cx="2054431" cy="400110"/>
+          </a:xfrm>
+          <a:prstGeom prst="rect">
+            <a:avLst/>
+          </a:prstGeom>
+          <a:noFill/>
+        </p:spPr>
+        <p:txBody>
+          <a:bodyPr wrap="square" rtlCol="0">
+            <a:spAutoFit/>
+          </a:bodyPr>
+          <a:lstStyle/>
+          <a:p>
+            <a:r>
+              <a:rPr lang="en-GB" sz="2000" dirty="0"/>
+              <a:t>Operations</a:t>
+            </a:r>
+            <a:endParaRPr lang="de-DE" dirty="0"/>
+          </a:p>
+        </p:txBody>
+      </p:sp>
+    </p:spTree>
+    <p:extLst>
+      <p:ext uri="{BB962C8B-B14F-4D97-AF65-F5344CB8AC3E}">
+        <p14:creationId xmlns:p14="http://schemas.microsoft.com/office/powerpoint/2010/main" val="1695921126"/>
       </p:ext>
     </p:extLst>
   </p:cSld>
@@ -4197,8 +6007,212 @@
           <a:lstStyle/>
           <a:p>
             <a:r>
+              <a:rPr lang="de-DE" dirty="0" err="1"/>
+              <a:t>TypeScript</a:t>
+            </a:r>
+            <a:endParaRPr lang="de-DE" dirty="0"/>
+          </a:p>
+        </p:txBody>
+      </p:sp>
+      <p:sp>
+        <p:nvSpPr>
+          <p:cNvPr id="3" name="Content Placeholder 2"/>
+          <p:cNvSpPr>
+            <a:spLocks noGrp="1"/>
+          </p:cNvSpPr>
+          <p:nvPr>
+            <p:ph idx="1"/>
+          </p:nvPr>
+        </p:nvSpPr>
+        <p:spPr/>
+        <p:txBody>
+          <a:bodyPr anchor="ctr"/>
+          <a:lstStyle/>
+          <a:p>
+            <a:r>
+              <a:rPr lang="de-DE" dirty="0" err="1"/>
+              <a:t>OpenSource</a:t>
+            </a:r>
+            <a:r>
+              <a:rPr lang="de-DE" dirty="0"/>
+              <a:t> Project </a:t>
+            </a:r>
+            <a:r>
+              <a:rPr lang="de-DE" dirty="0" err="1"/>
+              <a:t>by</a:t>
+            </a:r>
+            <a:r>
+              <a:rPr lang="de-DE" dirty="0"/>
+              <a:t> Microsoft</a:t>
+            </a:r>
+          </a:p>
+          <a:p>
+            <a:r>
+              <a:rPr lang="de-DE" dirty="0" err="1"/>
+              <a:t>Compiles</a:t>
+            </a:r>
+            <a:r>
+              <a:rPr lang="de-DE" dirty="0"/>
+              <a:t> </a:t>
+            </a:r>
+            <a:r>
+              <a:rPr lang="de-DE" dirty="0" err="1"/>
+              <a:t>to</a:t>
+            </a:r>
+            <a:r>
+              <a:rPr lang="de-DE" dirty="0"/>
+              <a:t> JavaScript</a:t>
+            </a:r>
+          </a:p>
+          <a:p>
+            <a:pPr lvl="1"/>
+            <a:r>
+              <a:rPr lang="de-DE" dirty="0"/>
+              <a:t>ES5 </a:t>
+            </a:r>
+            <a:r>
+              <a:rPr lang="de-DE" dirty="0" err="1"/>
+              <a:t>vs</a:t>
+            </a:r>
+            <a:r>
+              <a:rPr lang="de-DE" dirty="0"/>
+              <a:t> ES6</a:t>
+            </a:r>
+          </a:p>
+          <a:p>
+            <a:r>
+              <a:rPr lang="de-DE" dirty="0" err="1"/>
+              <a:t>Designed</a:t>
+            </a:r>
+            <a:r>
+              <a:rPr lang="de-DE" dirty="0"/>
+              <a:t> </a:t>
+            </a:r>
+            <a:r>
+              <a:rPr lang="de-DE" dirty="0" err="1"/>
+              <a:t>to</a:t>
+            </a:r>
+            <a:r>
+              <a:rPr lang="de-DE" dirty="0"/>
+              <a:t> </a:t>
+            </a:r>
+            <a:r>
+              <a:rPr lang="de-DE" dirty="0" err="1"/>
+              <a:t>compensate</a:t>
+            </a:r>
+            <a:r>
+              <a:rPr lang="de-DE" dirty="0"/>
+              <a:t> JS </a:t>
+            </a:r>
+            <a:r>
+              <a:rPr lang="de-DE" dirty="0" err="1"/>
+              <a:t>weaknesses</a:t>
+            </a:r>
+            <a:endParaRPr lang="de-DE" dirty="0"/>
+          </a:p>
+          <a:p>
+            <a:pPr lvl="1"/>
+            <a:r>
+              <a:rPr lang="de-DE" dirty="0" err="1"/>
+              <a:t>Static</a:t>
+            </a:r>
+            <a:r>
+              <a:rPr lang="de-DE" dirty="0"/>
+              <a:t> </a:t>
+            </a:r>
+            <a:r>
+              <a:rPr lang="de-DE" dirty="0" err="1"/>
+              <a:t>typing</a:t>
+            </a:r>
+            <a:endParaRPr lang="de-DE" dirty="0"/>
+          </a:p>
+          <a:p>
+            <a:pPr lvl="1"/>
+            <a:r>
+              <a:rPr lang="de-DE" dirty="0"/>
+              <a:t>Large </a:t>
+            </a:r>
+            <a:r>
+              <a:rPr lang="de-DE" dirty="0" err="1"/>
+              <a:t>scale</a:t>
+            </a:r>
+            <a:r>
+              <a:rPr lang="de-DE" dirty="0"/>
+              <a:t> </a:t>
+            </a:r>
+            <a:r>
+              <a:rPr lang="de-DE" dirty="0" err="1"/>
+              <a:t>applications</a:t>
+            </a:r>
+            <a:endParaRPr lang="de-DE" dirty="0"/>
+          </a:p>
+          <a:p>
+            <a:r>
+              <a:rPr lang="de-DE" dirty="0"/>
+              <a:t>Adoption rate </a:t>
+            </a:r>
+            <a:r>
+              <a:rPr lang="de-DE" dirty="0" err="1"/>
+              <a:t>rising</a:t>
+            </a:r>
+            <a:r>
+              <a:rPr lang="de-DE" dirty="0"/>
+              <a:t> (Angular 2)</a:t>
+            </a:r>
+          </a:p>
+          <a:p>
+            <a:endParaRPr lang="de-DE" dirty="0"/>
+          </a:p>
+        </p:txBody>
+      </p:sp>
+    </p:spTree>
+    <p:extLst>
+      <p:ext uri="{BB962C8B-B14F-4D97-AF65-F5344CB8AC3E}">
+        <p14:creationId xmlns:p14="http://schemas.microsoft.com/office/powerpoint/2010/main" val="221735484"/>
+      </p:ext>
+    </p:extLst>
+  </p:cSld>
+  <p:clrMapOvr>
+    <a:masterClrMapping/>
+  </p:clrMapOvr>
+</p:sld>
+</file>
+
+<file path=ppt/slides/slide20.xml><?xml version="1.0" encoding="utf-8"?>
+<p:sld xmlns:a="http://schemas.openxmlformats.org/drawingml/2006/main" xmlns:r="http://schemas.openxmlformats.org/officeDocument/2006/relationships" xmlns:p="http://schemas.openxmlformats.org/presentationml/2006/main">
+  <p:cSld>
+    <p:spTree>
+      <p:nvGrpSpPr>
+        <p:cNvPr id="1" name=""/>
+        <p:cNvGrpSpPr/>
+        <p:nvPr/>
+      </p:nvGrpSpPr>
+      <p:grpSpPr>
+        <a:xfrm>
+          <a:off x="0" y="0"/>
+          <a:ext cx="0" cy="0"/>
+          <a:chOff x="0" y="0"/>
+          <a:chExt cx="0" cy="0"/>
+        </a:xfrm>
+      </p:grpSpPr>
+      <p:sp>
+        <p:nvSpPr>
+          <p:cNvPr id="2" name="Title 1"/>
+          <p:cNvSpPr>
+            <a:spLocks noGrp="1"/>
+          </p:cNvSpPr>
+          <p:nvPr>
+            <p:ph type="title"/>
+          </p:nvPr>
+        </p:nvSpPr>
+        <p:spPr/>
+        <p:txBody>
+          <a:bodyPr/>
+          <a:lstStyle/>
+          <a:p>
+            <a:r>
               <a:rPr lang="en-GB" dirty="0"/>
-              <a:t>Basics</a:t>
+              <a:t>Object oriented programming	</a:t>
             </a:r>
             <a:endParaRPr lang="de-DE" dirty="0"/>
           </a:p>
@@ -4215,7 +6229,4653 @@
               <p:nvPr>
                 <p:extLst>
                   <p:ext uri="{D42A27DB-BD31-4B8C-83A1-F6EECF244321}">
-                    <p14:modId xmlns:p14="http://schemas.microsoft.com/office/powerpoint/2010/main" val="85473928"/>
+                    <p14:modId xmlns:p14="http://schemas.microsoft.com/office/powerpoint/2010/main" val="982935975"/>
+                  </p:ext>
+                </p:extLst>
+              </p:nvPr>
+            </p:nvGraphicFramePr>
+            <p:xfrm>
+              <a:off x="1371600" y="2286000"/>
+              <a:ext cx="9601200" cy="3581400"/>
+            </p:xfrm>
+            <a:graphic>
+              <a:graphicData uri="http://schemas.microsoft.com/office/powerpoint/2016/summaryzoom">
+                <psuz:summaryZm>
+                  <psuz:summaryZmObj sectionId="{1F34B62B-A216-477C-B3CB-127D7BAB8C5F}">
+                    <psuz:zmPr id="{94413019-833C-4F41-AF88-A1B53BDC9149}" transitionDur="1000">
+                      <p166:blipFill xmlns:p166="http://schemas.microsoft.com/office/powerpoint/2016/6/main">
+                        <a:blip r:embed="rId2"/>
+                        <a:stretch>
+                          <a:fillRect/>
+                        </a:stretch>
+                      </p166:blipFill>
+                      <p166:spPr xmlns:p166="http://schemas.microsoft.com/office/powerpoint/2016/6/main">
+                        <a:xfrm>
+                          <a:off x="399050" y="575549"/>
+                          <a:ext cx="4320540" cy="2430303"/>
+                        </a:xfrm>
+                        <a:prstGeom prst="rect">
+                          <a:avLst/>
+                        </a:prstGeom>
+                        <a:ln w="3175">
+                          <a:solidFill>
+                            <a:prstClr val="ltGray"/>
+                          </a:solidFill>
+                        </a:ln>
+                      </p166:spPr>
+                    </psuz:zmPr>
+                  </psuz:summaryZmObj>
+                  <psuz:summaryZmObj sectionId="{C5D8CD8D-8FD5-4EEC-86B2-3A92DC7DA6DA}">
+                    <psuz:zmPr id="{E34F02DA-37B5-4054-82B1-B5AC3EDF6312}" transitionDur="1000">
+                      <p166:blipFill xmlns:p166="http://schemas.microsoft.com/office/powerpoint/2016/6/main">
+                        <a:blip r:embed="rId3"/>
+                        <a:stretch>
+                          <a:fillRect/>
+                        </a:stretch>
+                      </p166:blipFill>
+                      <p166:spPr xmlns:p166="http://schemas.microsoft.com/office/powerpoint/2016/6/main">
+                        <a:xfrm>
+                          <a:off x="4881610" y="575549"/>
+                          <a:ext cx="4320540" cy="2430303"/>
+                        </a:xfrm>
+                        <a:prstGeom prst="rect">
+                          <a:avLst/>
+                        </a:prstGeom>
+                        <a:ln w="3175">
+                          <a:solidFill>
+                            <a:prstClr val="ltGray"/>
+                          </a:solidFill>
+                        </a:ln>
+                      </p166:spPr>
+                    </psuz:zmPr>
+                  </psuz:summaryZmObj>
+                  <psuz:gridLayout/>
+                </psuz:summaryZm>
+              </a:graphicData>
+            </a:graphic>
+          </p:graphicFrame>
+        </mc:Choice>
+        <mc:Fallback>
+          <p:grpSp>
+            <p:nvGrpSpPr>
+              <p:cNvPr id="5" name="Summary Zoom 4"/>
+              <p:cNvGrpSpPr>
+                <a:grpSpLocks noGrp="1" noUngrp="1" noRot="1" noChangeAspect="1" noMove="1" noResize="1"/>
+              </p:cNvGrpSpPr>
+              <p:nvPr/>
+            </p:nvGrpSpPr>
+            <p:grpSpPr>
+              <a:xfrm>
+                <a:off x="1371600" y="2286000"/>
+                <a:ext cx="9601200" cy="3581400"/>
+                <a:chOff x="1371600" y="2286000"/>
+                <a:chExt cx="9601200" cy="3581400"/>
+              </a:xfrm>
+            </p:grpSpPr>
+            <p:pic>
+              <p:nvPicPr>
+                <p:cNvPr id="3" name="Picture 3">
+                  <a:hlinkClick r:id="rId4" action="ppaction://hlinksldjump"/>
+                </p:cNvPr>
+                <p:cNvPicPr>
+                  <a:picLocks noSelect="1" noRot="1" noChangeAspect="1" noMove="1" noResize="1" noEditPoints="1" noAdjustHandles="1" noChangeArrowheads="1" noChangeShapeType="1"/>
+                </p:cNvPicPr>
+                <p:nvPr/>
+              </p:nvPicPr>
+              <p:blipFill>
+                <a:blip r:embed="rId2"/>
+                <a:stretch>
+                  <a:fillRect/>
+                </a:stretch>
+              </p:blipFill>
+              <p:spPr>
+                <a:xfrm>
+                  <a:off x="1770650" y="2861549"/>
+                  <a:ext cx="4320540" cy="2430303"/>
+                </a:xfrm>
+                <a:prstGeom prst="rect">
+                  <a:avLst/>
+                </a:prstGeom>
+                <a:ln w="3175">
+                  <a:solidFill>
+                    <a:prstClr val="ltGray"/>
+                  </a:solidFill>
+                </a:ln>
+              </p:spPr>
+            </p:pic>
+            <p:pic>
+              <p:nvPicPr>
+                <p:cNvPr id="4" name="Picture 4">
+                  <a:hlinkClick r:id="rId5" action="ppaction://hlinksldjump"/>
+                </p:cNvPr>
+                <p:cNvPicPr>
+                  <a:picLocks noSelect="1" noRot="1" noChangeAspect="1" noMove="1" noResize="1" noEditPoints="1" noAdjustHandles="1" noChangeArrowheads="1" noChangeShapeType="1"/>
+                </p:cNvPicPr>
+                <p:nvPr/>
+              </p:nvPicPr>
+              <p:blipFill>
+                <a:blip r:embed="rId3"/>
+                <a:stretch>
+                  <a:fillRect/>
+                </a:stretch>
+              </p:blipFill>
+              <p:spPr>
+                <a:xfrm>
+                  <a:off x="6253210" y="2861549"/>
+                  <a:ext cx="4320540" cy="2430303"/>
+                </a:xfrm>
+                <a:prstGeom prst="rect">
+                  <a:avLst/>
+                </a:prstGeom>
+                <a:ln w="3175">
+                  <a:solidFill>
+                    <a:prstClr val="ltGray"/>
+                  </a:solidFill>
+                </a:ln>
+              </p:spPr>
+            </p:pic>
+          </p:grpSp>
+        </mc:Fallback>
+      </mc:AlternateContent>
+      <p:sp>
+        <p:nvSpPr>
+          <p:cNvPr id="6" name="TextBox 5">
+            <a:hlinkClick r:id="rId6" action="ppaction://hlinksldjump"/>
+          </p:cNvPr>
+          <p:cNvSpPr txBox="1"/>
+          <p:nvPr/>
+        </p:nvSpPr>
+        <p:spPr>
+          <a:xfrm>
+            <a:off x="712521" y="5938"/>
+            <a:ext cx="2054431" cy="400110"/>
+          </a:xfrm>
+          <a:prstGeom prst="rect">
+            <a:avLst/>
+          </a:prstGeom>
+          <a:noFill/>
+        </p:spPr>
+        <p:txBody>
+          <a:bodyPr wrap="square" rtlCol="0">
+            <a:spAutoFit/>
+          </a:bodyPr>
+          <a:lstStyle/>
+          <a:p>
+            <a:r>
+              <a:rPr lang="en-GB" sz="2000" dirty="0"/>
+              <a:t>Overview</a:t>
+            </a:r>
+            <a:endParaRPr lang="de-DE" sz="2000" dirty="0"/>
+          </a:p>
+        </p:txBody>
+      </p:sp>
+    </p:spTree>
+    <p:extLst>
+      <p:ext uri="{BB962C8B-B14F-4D97-AF65-F5344CB8AC3E}">
+        <p14:creationId xmlns:p14="http://schemas.microsoft.com/office/powerpoint/2010/main" val="3028637363"/>
+      </p:ext>
+    </p:extLst>
+  </p:cSld>
+  <p:clrMapOvr>
+    <a:masterClrMapping/>
+  </p:clrMapOvr>
+</p:sld>
+</file>
+
+<file path=ppt/slides/slide21.xml><?xml version="1.0" encoding="utf-8"?>
+<p:sld xmlns:a="http://schemas.openxmlformats.org/drawingml/2006/main" xmlns:r="http://schemas.openxmlformats.org/officeDocument/2006/relationships" xmlns:p="http://schemas.openxmlformats.org/presentationml/2006/main">
+  <p:cSld>
+    <p:spTree>
+      <p:nvGrpSpPr>
+        <p:cNvPr id="1" name=""/>
+        <p:cNvGrpSpPr/>
+        <p:nvPr/>
+      </p:nvGrpSpPr>
+      <p:grpSpPr>
+        <a:xfrm>
+          <a:off x="0" y="0"/>
+          <a:ext cx="0" cy="0"/>
+          <a:chOff x="0" y="0"/>
+          <a:chExt cx="0" cy="0"/>
+        </a:xfrm>
+      </p:grpSpPr>
+      <p:sp>
+        <p:nvSpPr>
+          <p:cNvPr id="2" name="Title 1"/>
+          <p:cNvSpPr>
+            <a:spLocks noGrp="1"/>
+          </p:cNvSpPr>
+          <p:nvPr>
+            <p:ph type="title"/>
+          </p:nvPr>
+        </p:nvSpPr>
+        <p:spPr/>
+        <p:txBody>
+          <a:bodyPr/>
+          <a:lstStyle/>
+          <a:p>
+            <a:r>
+              <a:rPr lang="en-GB" dirty="0"/>
+              <a:t>Classes &amp; features</a:t>
+            </a:r>
+            <a:endParaRPr lang="de-DE" dirty="0"/>
+          </a:p>
+        </p:txBody>
+      </p:sp>
+      <p:sp>
+        <p:nvSpPr>
+          <p:cNvPr id="7" name="Content Placeholder 6"/>
+          <p:cNvSpPr>
+            <a:spLocks noGrp="1"/>
+          </p:cNvSpPr>
+          <p:nvPr>
+            <p:ph sz="half" idx="1"/>
+          </p:nvPr>
+        </p:nvSpPr>
+        <p:spPr>
+          <a:xfrm>
+            <a:off x="1371600" y="1772133"/>
+            <a:ext cx="4447786" cy="3581401"/>
+          </a:xfrm>
+        </p:spPr>
+        <p:txBody>
+          <a:bodyPr anchor="ctr"/>
+          <a:lstStyle/>
+          <a:p>
+            <a:r>
+              <a:rPr lang="en-GB" dirty="0"/>
+              <a:t>Inheritance</a:t>
+            </a:r>
+          </a:p>
+          <a:p>
+            <a:r>
+              <a:rPr lang="en-GB" dirty="0"/>
+              <a:t>Access restriction (private, public &amp; protected)</a:t>
+            </a:r>
+          </a:p>
+          <a:p>
+            <a:r>
+              <a:rPr lang="en-GB" dirty="0"/>
+              <a:t>Abstract classes, abstract methods</a:t>
+            </a:r>
+            <a:endParaRPr lang="de-DE" dirty="0"/>
+          </a:p>
+        </p:txBody>
+      </p:sp>
+      <p:pic>
+        <p:nvPicPr>
+          <p:cNvPr id="10" name="Content Placeholder 9"/>
+          <p:cNvPicPr>
+            <a:picLocks noGrp="1" noChangeAspect="1"/>
+          </p:cNvPicPr>
+          <p:nvPr>
+            <p:ph sz="half" idx="2"/>
+          </p:nvPr>
+        </p:nvPicPr>
+        <p:blipFill>
+          <a:blip r:embed="rId2"/>
+          <a:stretch>
+            <a:fillRect/>
+          </a:stretch>
+        </p:blipFill>
+        <p:spPr>
+          <a:xfrm>
+            <a:off x="6524625" y="2440023"/>
+            <a:ext cx="4448175" cy="2245620"/>
+          </a:xfrm>
+          <a:prstGeom prst="rect">
+            <a:avLst/>
+          </a:prstGeom>
+        </p:spPr>
+      </p:pic>
+      <p:sp>
+        <p:nvSpPr>
+          <p:cNvPr id="9" name="TextBox 8">
+            <a:hlinkClick r:id="rId3" action="ppaction://hlinksldjump"/>
+          </p:cNvPr>
+          <p:cNvSpPr txBox="1"/>
+          <p:nvPr/>
+        </p:nvSpPr>
+        <p:spPr>
+          <a:xfrm>
+            <a:off x="706583" y="5938"/>
+            <a:ext cx="2054431" cy="400110"/>
+          </a:xfrm>
+          <a:prstGeom prst="rect">
+            <a:avLst/>
+          </a:prstGeom>
+          <a:noFill/>
+        </p:spPr>
+        <p:txBody>
+          <a:bodyPr wrap="square" rtlCol="0">
+            <a:spAutoFit/>
+          </a:bodyPr>
+          <a:lstStyle/>
+          <a:p>
+            <a:r>
+              <a:rPr lang="en-GB" sz="2000" dirty="0"/>
+              <a:t>OOP</a:t>
+            </a:r>
+            <a:endParaRPr lang="de-DE" dirty="0"/>
+          </a:p>
+        </p:txBody>
+      </p:sp>
+      <p:pic>
+        <p:nvPicPr>
+          <p:cNvPr id="11" name="Picture 10"/>
+          <p:cNvPicPr>
+            <a:picLocks noChangeAspect="1"/>
+          </p:cNvPicPr>
+          <p:nvPr/>
+        </p:nvPicPr>
+        <p:blipFill>
+          <a:blip r:embed="rId4"/>
+          <a:stretch>
+            <a:fillRect/>
+          </a:stretch>
+        </p:blipFill>
+        <p:spPr>
+          <a:xfrm>
+            <a:off x="2052358" y="5507559"/>
+            <a:ext cx="8239295" cy="948279"/>
+          </a:xfrm>
+          <a:prstGeom prst="rect">
+            <a:avLst/>
+          </a:prstGeom>
+        </p:spPr>
+      </p:pic>
+    </p:spTree>
+    <p:extLst>
+      <p:ext uri="{BB962C8B-B14F-4D97-AF65-F5344CB8AC3E}">
+        <p14:creationId xmlns:p14="http://schemas.microsoft.com/office/powerpoint/2010/main" val="215555329"/>
+      </p:ext>
+    </p:extLst>
+  </p:cSld>
+  <p:clrMapOvr>
+    <a:masterClrMapping/>
+  </p:clrMapOvr>
+</p:sld>
+</file>
+
+<file path=ppt/slides/slide22.xml><?xml version="1.0" encoding="utf-8"?>
+<p:sld xmlns:a="http://schemas.openxmlformats.org/drawingml/2006/main" xmlns:r="http://schemas.openxmlformats.org/officeDocument/2006/relationships" xmlns:p="http://schemas.openxmlformats.org/presentationml/2006/main">
+  <p:cSld>
+    <p:spTree>
+      <p:nvGrpSpPr>
+        <p:cNvPr id="1" name=""/>
+        <p:cNvGrpSpPr/>
+        <p:nvPr/>
+      </p:nvGrpSpPr>
+      <p:grpSpPr>
+        <a:xfrm>
+          <a:off x="0" y="0"/>
+          <a:ext cx="0" cy="0"/>
+          <a:chOff x="0" y="0"/>
+          <a:chExt cx="0" cy="0"/>
+        </a:xfrm>
+      </p:grpSpPr>
+      <p:sp>
+        <p:nvSpPr>
+          <p:cNvPr id="2" name="Title 1"/>
+          <p:cNvSpPr>
+            <a:spLocks noGrp="1"/>
+          </p:cNvSpPr>
+          <p:nvPr>
+            <p:ph type="title"/>
+          </p:nvPr>
+        </p:nvSpPr>
+        <p:spPr/>
+        <p:txBody>
+          <a:bodyPr/>
+          <a:lstStyle/>
+          <a:p>
+            <a:r>
+              <a:rPr lang="en-GB" dirty="0"/>
+              <a:t>Getter &amp; Setter</a:t>
+            </a:r>
+            <a:endParaRPr lang="de-DE" dirty="0"/>
+          </a:p>
+        </p:txBody>
+      </p:sp>
+      <p:pic>
+        <p:nvPicPr>
+          <p:cNvPr id="11" name="Content Placeholder 10"/>
+          <p:cNvPicPr>
+            <a:picLocks noGrp="1" noChangeAspect="1"/>
+          </p:cNvPicPr>
+          <p:nvPr>
+            <p:ph sz="half" idx="1"/>
+          </p:nvPr>
+        </p:nvPicPr>
+        <p:blipFill>
+          <a:blip r:embed="rId2"/>
+          <a:stretch>
+            <a:fillRect/>
+          </a:stretch>
+        </p:blipFill>
+        <p:spPr>
+          <a:xfrm>
+            <a:off x="1371600" y="2514169"/>
+            <a:ext cx="4448175" cy="3125062"/>
+          </a:xfrm>
+          <a:prstGeom prst="rect">
+            <a:avLst/>
+          </a:prstGeom>
+        </p:spPr>
+      </p:pic>
+      <p:pic>
+        <p:nvPicPr>
+          <p:cNvPr id="13" name="Content Placeholder 12"/>
+          <p:cNvPicPr>
+            <a:picLocks noGrp="1" noChangeAspect="1"/>
+          </p:cNvPicPr>
+          <p:nvPr>
+            <p:ph sz="half" idx="2"/>
+          </p:nvPr>
+        </p:nvPicPr>
+        <p:blipFill>
+          <a:blip r:embed="rId3"/>
+          <a:stretch>
+            <a:fillRect/>
+          </a:stretch>
+        </p:blipFill>
+        <p:spPr>
+          <a:xfrm>
+            <a:off x="6556701" y="2286000"/>
+            <a:ext cx="4384023" cy="3581400"/>
+          </a:xfrm>
+          <a:prstGeom prst="rect">
+            <a:avLst/>
+          </a:prstGeom>
+        </p:spPr>
+      </p:pic>
+      <p:sp>
+        <p:nvSpPr>
+          <p:cNvPr id="16" name="TextBox 15">
+            <a:hlinkClick r:id="rId4" action="ppaction://hlinksldjump"/>
+          </p:cNvPr>
+          <p:cNvSpPr txBox="1"/>
+          <p:nvPr/>
+        </p:nvSpPr>
+        <p:spPr>
+          <a:xfrm>
+            <a:off x="706583" y="5938"/>
+            <a:ext cx="2054431" cy="400110"/>
+          </a:xfrm>
+          <a:prstGeom prst="rect">
+            <a:avLst/>
+          </a:prstGeom>
+          <a:noFill/>
+        </p:spPr>
+        <p:txBody>
+          <a:bodyPr wrap="square" rtlCol="0">
+            <a:spAutoFit/>
+          </a:bodyPr>
+          <a:lstStyle/>
+          <a:p>
+            <a:r>
+              <a:rPr lang="en-GB" sz="2000" dirty="0"/>
+              <a:t>OOP</a:t>
+            </a:r>
+            <a:endParaRPr lang="de-DE" dirty="0"/>
+          </a:p>
+        </p:txBody>
+      </p:sp>
+    </p:spTree>
+    <p:extLst>
+      <p:ext uri="{BB962C8B-B14F-4D97-AF65-F5344CB8AC3E}">
+        <p14:creationId xmlns:p14="http://schemas.microsoft.com/office/powerpoint/2010/main" val="3695883987"/>
+      </p:ext>
+    </p:extLst>
+  </p:cSld>
+  <p:clrMapOvr>
+    <a:masterClrMapping/>
+  </p:clrMapOvr>
+</p:sld>
+</file>
+
+<file path=ppt/slides/slide23.xml><?xml version="1.0" encoding="utf-8"?>
+<p:sld xmlns:a="http://schemas.openxmlformats.org/drawingml/2006/main" xmlns:r="http://schemas.openxmlformats.org/officeDocument/2006/relationships" xmlns:p="http://schemas.openxmlformats.org/presentationml/2006/main">
+  <p:cSld>
+    <p:spTree>
+      <p:nvGrpSpPr>
+        <p:cNvPr id="1" name=""/>
+        <p:cNvGrpSpPr/>
+        <p:nvPr/>
+      </p:nvGrpSpPr>
+      <p:grpSpPr>
+        <a:xfrm>
+          <a:off x="0" y="0"/>
+          <a:ext cx="0" cy="0"/>
+          <a:chOff x="0" y="0"/>
+          <a:chExt cx="0" cy="0"/>
+        </a:xfrm>
+      </p:grpSpPr>
+      <p:sp>
+        <p:nvSpPr>
+          <p:cNvPr id="2" name="Title 1"/>
+          <p:cNvSpPr>
+            <a:spLocks noGrp="1"/>
+          </p:cNvSpPr>
+          <p:nvPr>
+            <p:ph type="title"/>
+          </p:nvPr>
+        </p:nvSpPr>
+        <p:spPr/>
+        <p:txBody>
+          <a:bodyPr/>
+          <a:lstStyle/>
+          <a:p>
+            <a:r>
+              <a:rPr lang="en-GB" dirty="0"/>
+              <a:t>Class - Getter &amp; Setter</a:t>
+            </a:r>
+            <a:endParaRPr lang="de-DE" dirty="0"/>
+          </a:p>
+        </p:txBody>
+      </p:sp>
+      <p:pic>
+        <p:nvPicPr>
+          <p:cNvPr id="5" name="Content Placeholder 4"/>
+          <p:cNvPicPr>
+            <a:picLocks noGrp="1" noChangeAspect="1"/>
+          </p:cNvPicPr>
+          <p:nvPr>
+            <p:ph sz="half" idx="1"/>
+          </p:nvPr>
+        </p:nvPicPr>
+        <p:blipFill>
+          <a:blip r:embed="rId2"/>
+          <a:stretch>
+            <a:fillRect/>
+          </a:stretch>
+        </p:blipFill>
+        <p:spPr>
+          <a:xfrm>
+            <a:off x="1371600" y="2496250"/>
+            <a:ext cx="4448175" cy="3160900"/>
+          </a:xfrm>
+          <a:prstGeom prst="rect">
+            <a:avLst/>
+          </a:prstGeom>
+        </p:spPr>
+      </p:pic>
+      <p:pic>
+        <p:nvPicPr>
+          <p:cNvPr id="6" name="Content Placeholder 5"/>
+          <p:cNvPicPr>
+            <a:picLocks noGrp="1" noChangeAspect="1"/>
+          </p:cNvPicPr>
+          <p:nvPr>
+            <p:ph sz="half" idx="2"/>
+          </p:nvPr>
+        </p:nvPicPr>
+        <p:blipFill>
+          <a:blip r:embed="rId3"/>
+          <a:stretch>
+            <a:fillRect/>
+          </a:stretch>
+        </p:blipFill>
+        <p:spPr>
+          <a:xfrm>
+            <a:off x="6524625" y="3500602"/>
+            <a:ext cx="4448175" cy="1152195"/>
+          </a:xfrm>
+          <a:prstGeom prst="rect">
+            <a:avLst/>
+          </a:prstGeom>
+        </p:spPr>
+      </p:pic>
+      <p:sp>
+        <p:nvSpPr>
+          <p:cNvPr id="9" name="TextBox 8">
+            <a:hlinkClick r:id="rId4" action="ppaction://hlinksldjump"/>
+          </p:cNvPr>
+          <p:cNvSpPr txBox="1"/>
+          <p:nvPr/>
+        </p:nvSpPr>
+        <p:spPr>
+          <a:xfrm>
+            <a:off x="706583" y="5938"/>
+            <a:ext cx="2054431" cy="400110"/>
+          </a:xfrm>
+          <a:prstGeom prst="rect">
+            <a:avLst/>
+          </a:prstGeom>
+          <a:noFill/>
+        </p:spPr>
+        <p:txBody>
+          <a:bodyPr wrap="square" rtlCol="0">
+            <a:spAutoFit/>
+          </a:bodyPr>
+          <a:lstStyle/>
+          <a:p>
+            <a:r>
+              <a:rPr lang="en-GB" sz="2000" dirty="0"/>
+              <a:t>OOP</a:t>
+            </a:r>
+            <a:endParaRPr lang="de-DE" dirty="0"/>
+          </a:p>
+        </p:txBody>
+      </p:sp>
+    </p:spTree>
+    <p:extLst>
+      <p:ext uri="{BB962C8B-B14F-4D97-AF65-F5344CB8AC3E}">
+        <p14:creationId xmlns:p14="http://schemas.microsoft.com/office/powerpoint/2010/main" val="686037847"/>
+      </p:ext>
+    </p:extLst>
+  </p:cSld>
+  <p:clrMapOvr>
+    <a:masterClrMapping/>
+  </p:clrMapOvr>
+</p:sld>
+</file>
+
+<file path=ppt/slides/slide24.xml><?xml version="1.0" encoding="utf-8"?>
+<p:sld xmlns:a="http://schemas.openxmlformats.org/drawingml/2006/main" xmlns:r="http://schemas.openxmlformats.org/officeDocument/2006/relationships" xmlns:p="http://schemas.openxmlformats.org/presentationml/2006/main">
+  <p:cSld>
+    <p:spTree>
+      <p:nvGrpSpPr>
+        <p:cNvPr id="1" name=""/>
+        <p:cNvGrpSpPr/>
+        <p:nvPr/>
+      </p:nvGrpSpPr>
+      <p:grpSpPr>
+        <a:xfrm>
+          <a:off x="0" y="0"/>
+          <a:ext cx="0" cy="0"/>
+          <a:chOff x="0" y="0"/>
+          <a:chExt cx="0" cy="0"/>
+        </a:xfrm>
+      </p:grpSpPr>
+      <p:sp>
+        <p:nvSpPr>
+          <p:cNvPr id="10" name="Title 9"/>
+          <p:cNvSpPr>
+            <a:spLocks noGrp="1"/>
+          </p:cNvSpPr>
+          <p:nvPr>
+            <p:ph type="title"/>
+          </p:nvPr>
+        </p:nvSpPr>
+        <p:spPr/>
+        <p:txBody>
+          <a:bodyPr/>
+          <a:lstStyle/>
+          <a:p>
+            <a:r>
+              <a:rPr lang="en-GB" dirty="0"/>
+              <a:t>Interface</a:t>
+            </a:r>
+            <a:endParaRPr lang="de-DE" dirty="0"/>
+          </a:p>
+        </p:txBody>
+      </p:sp>
+      <p:pic>
+        <p:nvPicPr>
+          <p:cNvPr id="13" name="Content Placeholder 12"/>
+          <p:cNvPicPr>
+            <a:picLocks noGrp="1" noChangeAspect="1"/>
+          </p:cNvPicPr>
+          <p:nvPr>
+            <p:ph idx="1"/>
+          </p:nvPr>
+        </p:nvPicPr>
+        <p:blipFill>
+          <a:blip r:embed="rId2"/>
+          <a:stretch>
+            <a:fillRect/>
+          </a:stretch>
+        </p:blipFill>
+        <p:spPr>
+          <a:xfrm>
+            <a:off x="2143125" y="2286000"/>
+            <a:ext cx="8058149" cy="3581400"/>
+          </a:xfrm>
+          <a:prstGeom prst="rect">
+            <a:avLst/>
+          </a:prstGeom>
+        </p:spPr>
+      </p:pic>
+      <p:sp>
+        <p:nvSpPr>
+          <p:cNvPr id="15" name="TextBox 14">
+            <a:hlinkClick r:id="rId3" action="ppaction://hlinksldjump"/>
+          </p:cNvPr>
+          <p:cNvSpPr txBox="1"/>
+          <p:nvPr/>
+        </p:nvSpPr>
+        <p:spPr>
+          <a:xfrm>
+            <a:off x="706583" y="5938"/>
+            <a:ext cx="2054431" cy="400110"/>
+          </a:xfrm>
+          <a:prstGeom prst="rect">
+            <a:avLst/>
+          </a:prstGeom>
+          <a:noFill/>
+        </p:spPr>
+        <p:txBody>
+          <a:bodyPr wrap="square" rtlCol="0">
+            <a:spAutoFit/>
+          </a:bodyPr>
+          <a:lstStyle/>
+          <a:p>
+            <a:r>
+              <a:rPr lang="en-GB" sz="2000" dirty="0"/>
+              <a:t>OOP</a:t>
+            </a:r>
+            <a:endParaRPr lang="de-DE" dirty="0"/>
+          </a:p>
+        </p:txBody>
+      </p:sp>
+    </p:spTree>
+    <p:extLst>
+      <p:ext uri="{BB962C8B-B14F-4D97-AF65-F5344CB8AC3E}">
+        <p14:creationId xmlns:p14="http://schemas.microsoft.com/office/powerpoint/2010/main" val="2531439091"/>
+      </p:ext>
+    </p:extLst>
+  </p:cSld>
+  <p:clrMapOvr>
+    <a:masterClrMapping/>
+  </p:clrMapOvr>
+</p:sld>
+</file>
+
+<file path=ppt/slides/slide25.xml><?xml version="1.0" encoding="utf-8"?>
+<p:sld xmlns:a="http://schemas.openxmlformats.org/drawingml/2006/main" xmlns:r="http://schemas.openxmlformats.org/officeDocument/2006/relationships" xmlns:p="http://schemas.openxmlformats.org/presentationml/2006/main">
+  <p:cSld>
+    <p:spTree>
+      <p:nvGrpSpPr>
+        <p:cNvPr id="1" name=""/>
+        <p:cNvGrpSpPr/>
+        <p:nvPr/>
+      </p:nvGrpSpPr>
+      <p:grpSpPr>
+        <a:xfrm>
+          <a:off x="0" y="0"/>
+          <a:ext cx="0" cy="0"/>
+          <a:chOff x="0" y="0"/>
+          <a:chExt cx="0" cy="0"/>
+        </a:xfrm>
+      </p:grpSpPr>
+      <p:sp>
+        <p:nvSpPr>
+          <p:cNvPr id="2" name="Title 1"/>
+          <p:cNvSpPr>
+            <a:spLocks noGrp="1"/>
+          </p:cNvSpPr>
+          <p:nvPr>
+            <p:ph type="title"/>
+          </p:nvPr>
+        </p:nvSpPr>
+        <p:spPr/>
+        <p:txBody>
+          <a:bodyPr/>
+          <a:lstStyle/>
+          <a:p>
+            <a:r>
+              <a:rPr lang="en-GB" dirty="0"/>
+              <a:t>Functions</a:t>
+            </a:r>
+            <a:endParaRPr lang="de-DE" dirty="0"/>
+          </a:p>
+        </p:txBody>
+      </p:sp>
+      <mc:AlternateContent xmlns:mc="http://schemas.openxmlformats.org/markup-compatibility/2006">
+        <mc:Choice xmlns:psuz="http://schemas.microsoft.com/office/powerpoint/2016/summaryzoom" Requires="psuz">
+          <p:graphicFrame>
+            <p:nvGraphicFramePr>
+              <p:cNvPr id="4" name="Content Placeholder 3"/>
+              <p:cNvGraphicFramePr>
+                <a:graphicFrameLocks noGrp="1" noChangeAspect="1"/>
+              </p:cNvGraphicFramePr>
+              <p:nvPr>
+                <p:ph idx="1"/>
+                <p:extLst>
+                  <p:ext uri="{D42A27DB-BD31-4B8C-83A1-F6EECF244321}">
+                    <p14:modId xmlns:p14="http://schemas.microsoft.com/office/powerpoint/2010/main" val="1563637907"/>
+                  </p:ext>
+                </p:extLst>
+              </p:nvPr>
+            </p:nvGraphicFramePr>
+            <p:xfrm>
+              <a:off x="1371600" y="2286000"/>
+              <a:ext cx="9601200" cy="3581400"/>
+            </p:xfrm>
+            <a:graphic>
+              <a:graphicData uri="http://schemas.microsoft.com/office/powerpoint/2016/summaryzoom">
+                <psuz:summaryZm>
+                  <psuz:summaryZmObj sectionId="{7E4CB3D5-4115-4DA7-96C8-D3B2B1B3D791}">
+                    <psuz:zmPr id="{18EF9BCE-5C96-49FC-B82B-5BB799392BA4}" transitionDur="1000">
+                      <p166:blipFill xmlns:p166="http://schemas.microsoft.com/office/powerpoint/2016/6/main">
+                        <a:blip r:embed="rId2"/>
+                        <a:stretch>
+                          <a:fillRect/>
+                        </a:stretch>
+                      </p166:blipFill>
+                      <p166:spPr xmlns:p166="http://schemas.microsoft.com/office/powerpoint/2016/6/main">
+                        <a:xfrm>
+                          <a:off x="1881760" y="125349"/>
+                          <a:ext cx="2865119" cy="1611630"/>
+                        </a:xfrm>
+                        <a:prstGeom prst="rect">
+                          <a:avLst/>
+                        </a:prstGeom>
+                        <a:ln w="3175">
+                          <a:solidFill>
+                            <a:prstClr val="ltGray"/>
+                          </a:solidFill>
+                        </a:ln>
+                      </p166:spPr>
+                    </psuz:zmPr>
+                  </psuz:summaryZmObj>
+                  <psuz:summaryZmObj sectionId="{93DEBB8D-ECA1-4F89-BB41-46DAD797472D}">
+                    <psuz:zmPr id="{64892CAE-9F5F-467F-851C-C157164CC5BD}" transitionDur="1000">
+                      <p166:blipFill xmlns:p166="http://schemas.microsoft.com/office/powerpoint/2016/6/main">
+                        <a:blip r:embed="rId3"/>
+                        <a:stretch>
+                          <a:fillRect/>
+                        </a:stretch>
+                      </p166:blipFill>
+                      <p166:spPr xmlns:p166="http://schemas.microsoft.com/office/powerpoint/2016/6/main">
+                        <a:xfrm>
+                          <a:off x="4854321" y="125349"/>
+                          <a:ext cx="2865119" cy="1611630"/>
+                        </a:xfrm>
+                        <a:prstGeom prst="rect">
+                          <a:avLst/>
+                        </a:prstGeom>
+                        <a:ln w="3175">
+                          <a:solidFill>
+                            <a:prstClr val="ltGray"/>
+                          </a:solidFill>
+                        </a:ln>
+                      </p166:spPr>
+                    </psuz:zmPr>
+                  </psuz:summaryZmObj>
+                  <psuz:summaryZmObj sectionId="{8599694B-A55B-4BD9-9ACA-F632C7D1925D}">
+                    <psuz:zmPr id="{37848C8E-0DA1-4315-94EF-C3993237CB29}" transitionDur="1000">
+                      <p166:blipFill xmlns:p166="http://schemas.microsoft.com/office/powerpoint/2016/6/main">
+                        <a:blip r:embed="rId4"/>
+                        <a:stretch>
+                          <a:fillRect/>
+                        </a:stretch>
+                      </p166:blipFill>
+                      <p166:spPr xmlns:p166="http://schemas.microsoft.com/office/powerpoint/2016/6/main">
+                        <a:xfrm>
+                          <a:off x="1881760" y="1844421"/>
+                          <a:ext cx="2865119" cy="1611630"/>
+                        </a:xfrm>
+                        <a:prstGeom prst="rect">
+                          <a:avLst/>
+                        </a:prstGeom>
+                        <a:ln w="3175">
+                          <a:solidFill>
+                            <a:prstClr val="ltGray"/>
+                          </a:solidFill>
+                        </a:ln>
+                      </p166:spPr>
+                    </psuz:zmPr>
+                  </psuz:summaryZmObj>
+                  <psuz:summaryZmObj sectionId="{106C052C-0C44-4E41-9330-8FE4C9B1E510}">
+                    <psuz:zmPr id="{3B7F634A-F2D0-455C-AC4B-20719AD8BF30}" transitionDur="1000">
+                      <p166:blipFill xmlns:p166="http://schemas.microsoft.com/office/powerpoint/2016/6/main">
+                        <a:blip r:embed="rId5"/>
+                        <a:stretch>
+                          <a:fillRect/>
+                        </a:stretch>
+                      </p166:blipFill>
+                      <p166:spPr xmlns:p166="http://schemas.microsoft.com/office/powerpoint/2016/6/main">
+                        <a:xfrm>
+                          <a:off x="4854321" y="1844421"/>
+                          <a:ext cx="2865119" cy="1611630"/>
+                        </a:xfrm>
+                        <a:prstGeom prst="rect">
+                          <a:avLst/>
+                        </a:prstGeom>
+                        <a:ln w="3175">
+                          <a:solidFill>
+                            <a:prstClr val="ltGray"/>
+                          </a:solidFill>
+                        </a:ln>
+                      </p166:spPr>
+                    </psuz:zmPr>
+                  </psuz:summaryZmObj>
+                  <psuz:gridLayout/>
+                </psuz:summaryZm>
+              </a:graphicData>
+            </a:graphic>
+          </p:graphicFrame>
+        </mc:Choice>
+        <mc:Fallback>
+          <p:grpSp>
+            <p:nvGrpSpPr>
+              <p:cNvPr id="4" name="Content Placeholder 3"/>
+              <p:cNvGrpSpPr>
+                <a:grpSpLocks noGrp="1" noUngrp="1" noRot="1" noChangeAspect="1" noMove="1" noResize="1"/>
+              </p:cNvGrpSpPr>
+              <p:nvPr/>
+            </p:nvGrpSpPr>
+            <p:grpSpPr>
+              <a:xfrm>
+                <a:off x="1371600" y="2286000"/>
+                <a:ext cx="9601200" cy="3581400"/>
+                <a:chOff x="1371600" y="2286000"/>
+                <a:chExt cx="9601200" cy="3581400"/>
+              </a:xfrm>
+            </p:grpSpPr>
+            <p:pic>
+              <p:nvPicPr>
+                <p:cNvPr id="3" name="Picture 3">
+                  <a:hlinkClick r:id="rId6" action="ppaction://hlinksldjump"/>
+                </p:cNvPr>
+                <p:cNvPicPr>
+                  <a:picLocks noSelect="1" noRot="1" noChangeAspect="1" noMove="1" noResize="1" noEditPoints="1" noAdjustHandles="1" noChangeArrowheads="1" noChangeShapeType="1"/>
+                </p:cNvPicPr>
+                <p:nvPr/>
+              </p:nvPicPr>
+              <p:blipFill>
+                <a:blip r:embed="rId2"/>
+                <a:stretch>
+                  <a:fillRect/>
+                </a:stretch>
+              </p:blipFill>
+              <p:spPr>
+                <a:xfrm>
+                  <a:off x="3253360" y="2411349"/>
+                  <a:ext cx="2865119" cy="1611630"/>
+                </a:xfrm>
+                <a:prstGeom prst="rect">
+                  <a:avLst/>
+                </a:prstGeom>
+                <a:ln w="3175">
+                  <a:solidFill>
+                    <a:prstClr val="ltGray"/>
+                  </a:solidFill>
+                </a:ln>
+              </p:spPr>
+            </p:pic>
+            <p:pic>
+              <p:nvPicPr>
+                <p:cNvPr id="5" name="Picture 5">
+                  <a:hlinkClick r:id="rId7" action="ppaction://hlinksldjump"/>
+                </p:cNvPr>
+                <p:cNvPicPr>
+                  <a:picLocks noSelect="1" noRot="1" noChangeAspect="1" noMove="1" noResize="1" noEditPoints="1" noAdjustHandles="1" noChangeArrowheads="1" noChangeShapeType="1"/>
+                </p:cNvPicPr>
+                <p:nvPr/>
+              </p:nvPicPr>
+              <p:blipFill>
+                <a:blip r:embed="rId3"/>
+                <a:stretch>
+                  <a:fillRect/>
+                </a:stretch>
+              </p:blipFill>
+              <p:spPr>
+                <a:xfrm>
+                  <a:off x="6225921" y="2411349"/>
+                  <a:ext cx="2865119" cy="1611630"/>
+                </a:xfrm>
+                <a:prstGeom prst="rect">
+                  <a:avLst/>
+                </a:prstGeom>
+                <a:ln w="3175">
+                  <a:solidFill>
+                    <a:prstClr val="ltGray"/>
+                  </a:solidFill>
+                </a:ln>
+              </p:spPr>
+            </p:pic>
+            <p:pic>
+              <p:nvPicPr>
+                <p:cNvPr id="6" name="Picture 6">
+                  <a:hlinkClick r:id="rId8" action="ppaction://hlinksldjump"/>
+                </p:cNvPr>
+                <p:cNvPicPr>
+                  <a:picLocks noSelect="1" noRot="1" noChangeAspect="1" noMove="1" noResize="1" noEditPoints="1" noAdjustHandles="1" noChangeArrowheads="1" noChangeShapeType="1"/>
+                </p:cNvPicPr>
+                <p:nvPr/>
+              </p:nvPicPr>
+              <p:blipFill>
+                <a:blip r:embed="rId4"/>
+                <a:stretch>
+                  <a:fillRect/>
+                </a:stretch>
+              </p:blipFill>
+              <p:spPr>
+                <a:xfrm>
+                  <a:off x="3253360" y="4130421"/>
+                  <a:ext cx="2865119" cy="1611630"/>
+                </a:xfrm>
+                <a:prstGeom prst="rect">
+                  <a:avLst/>
+                </a:prstGeom>
+                <a:ln w="3175">
+                  <a:solidFill>
+                    <a:prstClr val="ltGray"/>
+                  </a:solidFill>
+                </a:ln>
+              </p:spPr>
+            </p:pic>
+            <p:pic>
+              <p:nvPicPr>
+                <p:cNvPr id="7" name="Picture 7">
+                  <a:hlinkClick r:id="rId9" action="ppaction://hlinksldjump"/>
+                </p:cNvPr>
+                <p:cNvPicPr>
+                  <a:picLocks noSelect="1" noRot="1" noChangeAspect="1" noMove="1" noResize="1" noEditPoints="1" noAdjustHandles="1" noChangeArrowheads="1" noChangeShapeType="1"/>
+                </p:cNvPicPr>
+                <p:nvPr/>
+              </p:nvPicPr>
+              <p:blipFill>
+                <a:blip r:embed="rId5"/>
+                <a:stretch>
+                  <a:fillRect/>
+                </a:stretch>
+              </p:blipFill>
+              <p:spPr>
+                <a:xfrm>
+                  <a:off x="6225921" y="4130421"/>
+                  <a:ext cx="2865119" cy="1611630"/>
+                </a:xfrm>
+                <a:prstGeom prst="rect">
+                  <a:avLst/>
+                </a:prstGeom>
+                <a:ln w="3175">
+                  <a:solidFill>
+                    <a:prstClr val="ltGray"/>
+                  </a:solidFill>
+                </a:ln>
+              </p:spPr>
+            </p:pic>
+          </p:grpSp>
+        </mc:Fallback>
+      </mc:AlternateContent>
+      <p:sp>
+        <p:nvSpPr>
+          <p:cNvPr id="8" name="TextBox 7">
+            <a:hlinkClick r:id="rId10" action="ppaction://hlinksldjump"/>
+          </p:cNvPr>
+          <p:cNvSpPr txBox="1"/>
+          <p:nvPr/>
+        </p:nvSpPr>
+        <p:spPr>
+          <a:xfrm>
+            <a:off x="712521" y="5938"/>
+            <a:ext cx="2054431" cy="400110"/>
+          </a:xfrm>
+          <a:prstGeom prst="rect">
+            <a:avLst/>
+          </a:prstGeom>
+          <a:noFill/>
+        </p:spPr>
+        <p:txBody>
+          <a:bodyPr wrap="square" rtlCol="0">
+            <a:spAutoFit/>
+          </a:bodyPr>
+          <a:lstStyle/>
+          <a:p>
+            <a:r>
+              <a:rPr lang="en-GB" sz="2000" dirty="0"/>
+              <a:t>Overview</a:t>
+            </a:r>
+            <a:endParaRPr lang="de-DE" sz="2000" dirty="0"/>
+          </a:p>
+        </p:txBody>
+      </p:sp>
+    </p:spTree>
+    <p:extLst>
+      <p:ext uri="{BB962C8B-B14F-4D97-AF65-F5344CB8AC3E}">
+        <p14:creationId xmlns:p14="http://schemas.microsoft.com/office/powerpoint/2010/main" val="2647437413"/>
+      </p:ext>
+    </p:extLst>
+  </p:cSld>
+  <p:clrMapOvr>
+    <a:masterClrMapping/>
+  </p:clrMapOvr>
+</p:sld>
+</file>
+
+<file path=ppt/slides/slide26.xml><?xml version="1.0" encoding="utf-8"?>
+<p:sld xmlns:a="http://schemas.openxmlformats.org/drawingml/2006/main" xmlns:r="http://schemas.openxmlformats.org/officeDocument/2006/relationships" xmlns:p="http://schemas.openxmlformats.org/presentationml/2006/main">
+  <p:cSld>
+    <p:spTree>
+      <p:nvGrpSpPr>
+        <p:cNvPr id="1" name=""/>
+        <p:cNvGrpSpPr/>
+        <p:nvPr/>
+      </p:nvGrpSpPr>
+      <p:grpSpPr>
+        <a:xfrm>
+          <a:off x="0" y="0"/>
+          <a:ext cx="0" cy="0"/>
+          <a:chOff x="0" y="0"/>
+          <a:chExt cx="0" cy="0"/>
+        </a:xfrm>
+      </p:grpSpPr>
+      <p:sp>
+        <p:nvSpPr>
+          <p:cNvPr id="10" name="Title 9"/>
+          <p:cNvSpPr>
+            <a:spLocks noGrp="1"/>
+          </p:cNvSpPr>
+          <p:nvPr>
+            <p:ph type="title"/>
+          </p:nvPr>
+        </p:nvSpPr>
+        <p:spPr/>
+        <p:txBody>
+          <a:bodyPr/>
+          <a:lstStyle/>
+          <a:p>
+            <a:r>
+              <a:rPr lang="en-GB" dirty="0"/>
+              <a:t>Syntax </a:t>
+            </a:r>
+            <a:endParaRPr lang="de-DE" dirty="0"/>
+          </a:p>
+        </p:txBody>
+      </p:sp>
+      <p:pic>
+        <p:nvPicPr>
+          <p:cNvPr id="6" name="Content Placeholder 5"/>
+          <p:cNvPicPr>
+            <a:picLocks noGrp="1" noChangeAspect="1"/>
+          </p:cNvPicPr>
+          <p:nvPr>
+            <p:ph sz="half" idx="1"/>
+          </p:nvPr>
+        </p:nvPicPr>
+        <p:blipFill>
+          <a:blip r:embed="rId2"/>
+          <a:stretch>
+            <a:fillRect/>
+          </a:stretch>
+        </p:blipFill>
+        <p:spPr>
+          <a:xfrm>
+            <a:off x="1371600" y="2562137"/>
+            <a:ext cx="4448175" cy="3029125"/>
+          </a:xfrm>
+          <a:prstGeom prst="rect">
+            <a:avLst/>
+          </a:prstGeom>
+        </p:spPr>
+      </p:pic>
+      <p:pic>
+        <p:nvPicPr>
+          <p:cNvPr id="11" name="Content Placeholder 10"/>
+          <p:cNvPicPr>
+            <a:picLocks noGrp="1" noChangeAspect="1"/>
+          </p:cNvPicPr>
+          <p:nvPr>
+            <p:ph sz="half" idx="2"/>
+          </p:nvPr>
+        </p:nvPicPr>
+        <p:blipFill>
+          <a:blip r:embed="rId3"/>
+          <a:stretch>
+            <a:fillRect/>
+          </a:stretch>
+        </p:blipFill>
+        <p:spPr>
+          <a:xfrm>
+            <a:off x="6524625" y="3527176"/>
+            <a:ext cx="4448175" cy="1099048"/>
+          </a:xfrm>
+          <a:prstGeom prst="rect">
+            <a:avLst/>
+          </a:prstGeom>
+        </p:spPr>
+      </p:pic>
+      <p:sp>
+        <p:nvSpPr>
+          <p:cNvPr id="15" name="TextBox 14">
+            <a:hlinkClick r:id="rId4" action="ppaction://hlinksldjump"/>
+          </p:cNvPr>
+          <p:cNvSpPr txBox="1"/>
+          <p:nvPr/>
+        </p:nvSpPr>
+        <p:spPr>
+          <a:xfrm>
+            <a:off x="706583" y="5938"/>
+            <a:ext cx="2054431" cy="400110"/>
+          </a:xfrm>
+          <a:prstGeom prst="rect">
+            <a:avLst/>
+          </a:prstGeom>
+          <a:noFill/>
+        </p:spPr>
+        <p:txBody>
+          <a:bodyPr wrap="square" rtlCol="0">
+            <a:spAutoFit/>
+          </a:bodyPr>
+          <a:lstStyle/>
+          <a:p>
+            <a:r>
+              <a:rPr lang="en-GB" sz="2000" dirty="0"/>
+              <a:t>Functions</a:t>
+            </a:r>
+            <a:endParaRPr lang="de-DE" dirty="0"/>
+          </a:p>
+        </p:txBody>
+      </p:sp>
+    </p:spTree>
+    <p:extLst>
+      <p:ext uri="{BB962C8B-B14F-4D97-AF65-F5344CB8AC3E}">
+        <p14:creationId xmlns:p14="http://schemas.microsoft.com/office/powerpoint/2010/main" val="2746188592"/>
+      </p:ext>
+    </p:extLst>
+  </p:cSld>
+  <p:clrMapOvr>
+    <a:masterClrMapping/>
+  </p:clrMapOvr>
+</p:sld>
+</file>
+
+<file path=ppt/slides/slide27.xml><?xml version="1.0" encoding="utf-8"?>
+<p:sld xmlns:a="http://schemas.openxmlformats.org/drawingml/2006/main" xmlns:r="http://schemas.openxmlformats.org/officeDocument/2006/relationships" xmlns:p="http://schemas.openxmlformats.org/presentationml/2006/main">
+  <p:cSld>
+    <p:spTree>
+      <p:nvGrpSpPr>
+        <p:cNvPr id="1" name=""/>
+        <p:cNvGrpSpPr/>
+        <p:nvPr/>
+      </p:nvGrpSpPr>
+      <p:grpSpPr>
+        <a:xfrm>
+          <a:off x="0" y="0"/>
+          <a:ext cx="0" cy="0"/>
+          <a:chOff x="0" y="0"/>
+          <a:chExt cx="0" cy="0"/>
+        </a:xfrm>
+      </p:grpSpPr>
+      <p:sp>
+        <p:nvSpPr>
+          <p:cNvPr id="10" name="Title 9"/>
+          <p:cNvSpPr>
+            <a:spLocks noGrp="1"/>
+          </p:cNvSpPr>
+          <p:nvPr>
+            <p:ph type="title"/>
+          </p:nvPr>
+        </p:nvSpPr>
+        <p:spPr/>
+        <p:txBody>
+          <a:bodyPr/>
+          <a:lstStyle/>
+          <a:p>
+            <a:r>
+              <a:rPr lang="en-GB" dirty="0"/>
+              <a:t>Immediately invoked functions </a:t>
+            </a:r>
+            <a:endParaRPr lang="de-DE" dirty="0"/>
+          </a:p>
+        </p:txBody>
+      </p:sp>
+      <p:pic>
+        <p:nvPicPr>
+          <p:cNvPr id="3" name="Content Placeholder 2"/>
+          <p:cNvPicPr>
+            <a:picLocks noGrp="1" noChangeAspect="1"/>
+          </p:cNvPicPr>
+          <p:nvPr>
+            <p:ph idx="1"/>
+          </p:nvPr>
+        </p:nvPicPr>
+        <p:blipFill>
+          <a:blip r:embed="rId2"/>
+          <a:stretch>
+            <a:fillRect/>
+          </a:stretch>
+        </p:blipFill>
+        <p:spPr>
+          <a:xfrm>
+            <a:off x="4066881" y="3252672"/>
+            <a:ext cx="4210638" cy="1648055"/>
+          </a:xfrm>
+          <a:prstGeom prst="rect">
+            <a:avLst/>
+          </a:prstGeom>
+        </p:spPr>
+      </p:pic>
+      <p:sp>
+        <p:nvSpPr>
+          <p:cNvPr id="15" name="TextBox 14">
+            <a:hlinkClick r:id="rId3" action="ppaction://hlinksldjump"/>
+          </p:cNvPr>
+          <p:cNvSpPr txBox="1"/>
+          <p:nvPr/>
+        </p:nvSpPr>
+        <p:spPr>
+          <a:xfrm>
+            <a:off x="706583" y="5938"/>
+            <a:ext cx="2054431" cy="400110"/>
+          </a:xfrm>
+          <a:prstGeom prst="rect">
+            <a:avLst/>
+          </a:prstGeom>
+          <a:noFill/>
+        </p:spPr>
+        <p:txBody>
+          <a:bodyPr wrap="square" rtlCol="0">
+            <a:spAutoFit/>
+          </a:bodyPr>
+          <a:lstStyle/>
+          <a:p>
+            <a:r>
+              <a:rPr lang="en-GB" sz="2000" dirty="0"/>
+              <a:t>Functions</a:t>
+            </a:r>
+            <a:endParaRPr lang="de-DE" dirty="0"/>
+          </a:p>
+        </p:txBody>
+      </p:sp>
+    </p:spTree>
+    <p:extLst>
+      <p:ext uri="{BB962C8B-B14F-4D97-AF65-F5344CB8AC3E}">
+        <p14:creationId xmlns:p14="http://schemas.microsoft.com/office/powerpoint/2010/main" val="1857966305"/>
+      </p:ext>
+    </p:extLst>
+  </p:cSld>
+  <p:clrMapOvr>
+    <a:masterClrMapping/>
+  </p:clrMapOvr>
+</p:sld>
+</file>
+
+<file path=ppt/slides/slide28.xml><?xml version="1.0" encoding="utf-8"?>
+<p:sld xmlns:a="http://schemas.openxmlformats.org/drawingml/2006/main" xmlns:r="http://schemas.openxmlformats.org/officeDocument/2006/relationships" xmlns:p="http://schemas.openxmlformats.org/presentationml/2006/main">
+  <p:cSld>
+    <p:spTree>
+      <p:nvGrpSpPr>
+        <p:cNvPr id="1" name=""/>
+        <p:cNvGrpSpPr/>
+        <p:nvPr/>
+      </p:nvGrpSpPr>
+      <p:grpSpPr>
+        <a:xfrm>
+          <a:off x="0" y="0"/>
+          <a:ext cx="0" cy="0"/>
+          <a:chOff x="0" y="0"/>
+          <a:chExt cx="0" cy="0"/>
+        </a:xfrm>
+      </p:grpSpPr>
+      <p:sp>
+        <p:nvSpPr>
+          <p:cNvPr id="10" name="Title 9"/>
+          <p:cNvSpPr>
+            <a:spLocks noGrp="1"/>
+          </p:cNvSpPr>
+          <p:nvPr>
+            <p:ph type="title"/>
+          </p:nvPr>
+        </p:nvSpPr>
+        <p:spPr/>
+        <p:txBody>
+          <a:bodyPr/>
+          <a:lstStyle/>
+          <a:p>
+            <a:r>
+              <a:rPr lang="en-GB" dirty="0"/>
+              <a:t>Typing</a:t>
+            </a:r>
+            <a:endParaRPr lang="de-DE" dirty="0"/>
+          </a:p>
+        </p:txBody>
+      </p:sp>
+      <p:pic>
+        <p:nvPicPr>
+          <p:cNvPr id="4" name="Content Placeholder 3"/>
+          <p:cNvPicPr>
+            <a:picLocks noGrp="1" noChangeAspect="1"/>
+          </p:cNvPicPr>
+          <p:nvPr>
+            <p:ph idx="1"/>
+          </p:nvPr>
+        </p:nvPicPr>
+        <p:blipFill>
+          <a:blip r:embed="rId2"/>
+          <a:stretch>
+            <a:fillRect/>
+          </a:stretch>
+        </p:blipFill>
+        <p:spPr>
+          <a:xfrm>
+            <a:off x="1371601" y="2171700"/>
+            <a:ext cx="10691604" cy="1818586"/>
+          </a:xfrm>
+          <a:prstGeom prst="rect">
+            <a:avLst/>
+          </a:prstGeom>
+        </p:spPr>
+      </p:pic>
+      <p:sp>
+        <p:nvSpPr>
+          <p:cNvPr id="15" name="TextBox 14">
+            <a:hlinkClick r:id="rId3" action="ppaction://hlinksldjump"/>
+          </p:cNvPr>
+          <p:cNvSpPr txBox="1"/>
+          <p:nvPr/>
+        </p:nvSpPr>
+        <p:spPr>
+          <a:xfrm>
+            <a:off x="706583" y="5938"/>
+            <a:ext cx="2054431" cy="400110"/>
+          </a:xfrm>
+          <a:prstGeom prst="rect">
+            <a:avLst/>
+          </a:prstGeom>
+          <a:noFill/>
+        </p:spPr>
+        <p:txBody>
+          <a:bodyPr wrap="square" rtlCol="0">
+            <a:spAutoFit/>
+          </a:bodyPr>
+          <a:lstStyle/>
+          <a:p>
+            <a:r>
+              <a:rPr lang="en-GB" sz="2000" dirty="0"/>
+              <a:t>Functions</a:t>
+            </a:r>
+            <a:endParaRPr lang="de-DE" dirty="0"/>
+          </a:p>
+        </p:txBody>
+      </p:sp>
+      <p:sp>
+        <p:nvSpPr>
+          <p:cNvPr id="5" name="TextBox 4"/>
+          <p:cNvSpPr txBox="1"/>
+          <p:nvPr/>
+        </p:nvSpPr>
+        <p:spPr>
+          <a:xfrm>
+            <a:off x="1916804" y="5216556"/>
+            <a:ext cx="1484722" cy="369332"/>
+          </a:xfrm>
+          <a:prstGeom prst="rect">
+            <a:avLst/>
+          </a:prstGeom>
+          <a:solidFill>
+            <a:srgbClr val="FFFF00">
+              <a:alpha val="25000"/>
+            </a:srgbClr>
+          </a:solidFill>
+        </p:spPr>
+        <p:txBody>
+          <a:bodyPr wrap="square" rtlCol="0">
+            <a:spAutoFit/>
+          </a:bodyPr>
+          <a:lstStyle/>
+          <a:p>
+            <a:r>
+              <a:rPr lang="en-GB" dirty="0"/>
+              <a:t>Variable</a:t>
+            </a:r>
+            <a:endParaRPr lang="de-DE" dirty="0"/>
+          </a:p>
+        </p:txBody>
+      </p:sp>
+      <p:sp>
+        <p:nvSpPr>
+          <p:cNvPr id="8" name="TextBox 7"/>
+          <p:cNvSpPr txBox="1"/>
+          <p:nvPr/>
+        </p:nvSpPr>
+        <p:spPr>
+          <a:xfrm>
+            <a:off x="1916804" y="5698894"/>
+            <a:ext cx="1484722" cy="369332"/>
+          </a:xfrm>
+          <a:prstGeom prst="rect">
+            <a:avLst/>
+          </a:prstGeom>
+          <a:solidFill>
+            <a:srgbClr val="92D050">
+              <a:alpha val="25000"/>
+            </a:srgbClr>
+          </a:solidFill>
+        </p:spPr>
+        <p:txBody>
+          <a:bodyPr wrap="square" rtlCol="0">
+            <a:spAutoFit/>
+          </a:bodyPr>
+          <a:lstStyle/>
+          <a:p>
+            <a:r>
+              <a:rPr lang="en-GB" dirty="0"/>
+              <a:t>Function</a:t>
+            </a:r>
+            <a:endParaRPr lang="de-DE" dirty="0"/>
+          </a:p>
+        </p:txBody>
+      </p:sp>
+      <p:sp>
+        <p:nvSpPr>
+          <p:cNvPr id="9" name="TextBox 8"/>
+          <p:cNvSpPr txBox="1"/>
+          <p:nvPr/>
+        </p:nvSpPr>
+        <p:spPr>
+          <a:xfrm>
+            <a:off x="1371600" y="2213427"/>
+            <a:ext cx="9825891" cy="307777"/>
+          </a:xfrm>
+          <a:prstGeom prst="rect">
+            <a:avLst/>
+          </a:prstGeom>
+          <a:solidFill>
+            <a:srgbClr val="FFFF00">
+              <a:alpha val="25000"/>
+            </a:srgbClr>
+          </a:solidFill>
+        </p:spPr>
+        <p:txBody>
+          <a:bodyPr wrap="square" rtlCol="0">
+            <a:spAutoFit/>
+          </a:bodyPr>
+          <a:lstStyle/>
+          <a:p>
+            <a:endParaRPr lang="de-DE" sz="1400" dirty="0"/>
+          </a:p>
+        </p:txBody>
+      </p:sp>
+      <p:sp>
+        <p:nvSpPr>
+          <p:cNvPr id="11" name="TextBox 10"/>
+          <p:cNvSpPr txBox="1"/>
+          <p:nvPr/>
+        </p:nvSpPr>
+        <p:spPr>
+          <a:xfrm>
+            <a:off x="1371600" y="3066245"/>
+            <a:ext cx="8249023" cy="307777"/>
+          </a:xfrm>
+          <a:prstGeom prst="rect">
+            <a:avLst/>
+          </a:prstGeom>
+          <a:solidFill>
+            <a:srgbClr val="FFFF00">
+              <a:alpha val="25000"/>
+            </a:srgbClr>
+          </a:solidFill>
+        </p:spPr>
+        <p:txBody>
+          <a:bodyPr wrap="square" rtlCol="0">
+            <a:spAutoFit/>
+          </a:bodyPr>
+          <a:lstStyle/>
+          <a:p>
+            <a:endParaRPr lang="de-DE" sz="1400" dirty="0"/>
+          </a:p>
+        </p:txBody>
+      </p:sp>
+      <p:sp>
+        <p:nvSpPr>
+          <p:cNvPr id="12" name="TextBox 11"/>
+          <p:cNvSpPr txBox="1"/>
+          <p:nvPr/>
+        </p:nvSpPr>
+        <p:spPr>
+          <a:xfrm>
+            <a:off x="1371601" y="3671302"/>
+            <a:ext cx="1697728" cy="307777"/>
+          </a:xfrm>
+          <a:prstGeom prst="rect">
+            <a:avLst/>
+          </a:prstGeom>
+          <a:solidFill>
+            <a:srgbClr val="FFFF00">
+              <a:alpha val="25000"/>
+            </a:srgbClr>
+          </a:solidFill>
+        </p:spPr>
+        <p:txBody>
+          <a:bodyPr wrap="square" rtlCol="0">
+            <a:spAutoFit/>
+          </a:bodyPr>
+          <a:lstStyle/>
+          <a:p>
+            <a:endParaRPr lang="de-DE" sz="1400" dirty="0"/>
+          </a:p>
+        </p:txBody>
+      </p:sp>
+      <p:sp>
+        <p:nvSpPr>
+          <p:cNvPr id="13" name="TextBox 12"/>
+          <p:cNvSpPr txBox="1"/>
+          <p:nvPr/>
+        </p:nvSpPr>
+        <p:spPr>
+          <a:xfrm>
+            <a:off x="1908005" y="2521204"/>
+            <a:ext cx="5548537" cy="307777"/>
+          </a:xfrm>
+          <a:prstGeom prst="rect">
+            <a:avLst/>
+          </a:prstGeom>
+          <a:solidFill>
+            <a:srgbClr val="92D050">
+              <a:alpha val="25000"/>
+            </a:srgbClr>
+          </a:solidFill>
+        </p:spPr>
+        <p:txBody>
+          <a:bodyPr wrap="square" rtlCol="0">
+            <a:spAutoFit/>
+          </a:bodyPr>
+          <a:lstStyle/>
+          <a:p>
+            <a:endParaRPr lang="de-DE" sz="1400" dirty="0"/>
+          </a:p>
+        </p:txBody>
+      </p:sp>
+      <p:sp>
+        <p:nvSpPr>
+          <p:cNvPr id="14" name="TextBox 13"/>
+          <p:cNvSpPr txBox="1"/>
+          <p:nvPr/>
+        </p:nvSpPr>
+        <p:spPr>
+          <a:xfrm>
+            <a:off x="3401526" y="3665348"/>
+            <a:ext cx="5497102" cy="307777"/>
+          </a:xfrm>
+          <a:prstGeom prst="rect">
+            <a:avLst/>
+          </a:prstGeom>
+          <a:solidFill>
+            <a:srgbClr val="92D050">
+              <a:alpha val="25000"/>
+            </a:srgbClr>
+          </a:solidFill>
+        </p:spPr>
+        <p:txBody>
+          <a:bodyPr wrap="square" rtlCol="0">
+            <a:spAutoFit/>
+          </a:bodyPr>
+          <a:lstStyle/>
+          <a:p>
+            <a:endParaRPr lang="de-DE" sz="1400" dirty="0"/>
+          </a:p>
+        </p:txBody>
+      </p:sp>
+      <p:sp>
+        <p:nvSpPr>
+          <p:cNvPr id="16" name="TextBox 15"/>
+          <p:cNvSpPr txBox="1"/>
+          <p:nvPr/>
+        </p:nvSpPr>
+        <p:spPr>
+          <a:xfrm>
+            <a:off x="9974953" y="3066244"/>
+            <a:ext cx="2088252" cy="307777"/>
+          </a:xfrm>
+          <a:prstGeom prst="rect">
+            <a:avLst/>
+          </a:prstGeom>
+          <a:solidFill>
+            <a:srgbClr val="92D050">
+              <a:alpha val="25000"/>
+            </a:srgbClr>
+          </a:solidFill>
+        </p:spPr>
+        <p:txBody>
+          <a:bodyPr wrap="square" rtlCol="0">
+            <a:spAutoFit/>
+          </a:bodyPr>
+          <a:lstStyle/>
+          <a:p>
+            <a:endParaRPr lang="de-DE" sz="1400" dirty="0"/>
+          </a:p>
+        </p:txBody>
+      </p:sp>
+    </p:spTree>
+    <p:extLst>
+      <p:ext uri="{BB962C8B-B14F-4D97-AF65-F5344CB8AC3E}">
+        <p14:creationId xmlns:p14="http://schemas.microsoft.com/office/powerpoint/2010/main" val="2002011730"/>
+      </p:ext>
+    </p:extLst>
+  </p:cSld>
+  <p:clrMapOvr>
+    <a:masterClrMapping/>
+  </p:clrMapOvr>
+  <p:timing>
+    <p:tnLst>
+      <p:par>
+        <p:cTn id="1" dur="indefinite" restart="never" nodeType="tmRoot">
+          <p:childTnLst>
+            <p:seq concurrent="1" nextAc="seek">
+              <p:cTn id="2" dur="indefinite" nodeType="mainSeq">
+                <p:childTnLst>
+                  <p:par>
+                    <p:cTn id="3" fill="hold">
+                      <p:stCondLst>
+                        <p:cond delay="indefinite"/>
+                      </p:stCondLst>
+                      <p:childTnLst>
+                        <p:par>
+                          <p:cTn id="4" fill="hold">
+                            <p:stCondLst>
+                              <p:cond delay="0"/>
+                            </p:stCondLst>
+                            <p:childTnLst>
+                              <p:par>
+                                <p:cTn id="5" presetID="1" presetClass="entr" presetSubtype="0" fill="hold" grpId="0" nodeType="clickEffect">
+                                  <p:stCondLst>
+                                    <p:cond delay="0"/>
+                                  </p:stCondLst>
+                                  <p:childTnLst>
+                                    <p:set>
+                                      <p:cBhvr>
+                                        <p:cTn id="6" dur="1" fill="hold">
+                                          <p:stCondLst>
+                                            <p:cond delay="0"/>
+                                          </p:stCondLst>
+                                        </p:cTn>
+                                        <p:tgtEl>
+                                          <p:spTgt spid="8"/>
+                                        </p:tgtEl>
+                                        <p:attrNameLst>
+                                          <p:attrName>style.visibility</p:attrName>
+                                        </p:attrNameLst>
+                                      </p:cBhvr>
+                                      <p:to>
+                                        <p:strVal val="visible"/>
+                                      </p:to>
+                                    </p:set>
+                                  </p:childTnLst>
+                                </p:cTn>
+                              </p:par>
+                              <p:par>
+                                <p:cTn id="7" presetID="1" presetClass="entr" presetSubtype="0" fill="hold" grpId="0" nodeType="withEffect">
+                                  <p:stCondLst>
+                                    <p:cond delay="0"/>
+                                  </p:stCondLst>
+                                  <p:childTnLst>
+                                    <p:set>
+                                      <p:cBhvr>
+                                        <p:cTn id="8" dur="1" fill="hold">
+                                          <p:stCondLst>
+                                            <p:cond delay="0"/>
+                                          </p:stCondLst>
+                                        </p:cTn>
+                                        <p:tgtEl>
+                                          <p:spTgt spid="5"/>
+                                        </p:tgtEl>
+                                        <p:attrNameLst>
+                                          <p:attrName>style.visibility</p:attrName>
+                                        </p:attrNameLst>
+                                      </p:cBhvr>
+                                      <p:to>
+                                        <p:strVal val="visible"/>
+                                      </p:to>
+                                    </p:set>
+                                  </p:childTnLst>
+                                </p:cTn>
+                              </p:par>
+                              <p:par>
+                                <p:cTn id="9" presetID="1" presetClass="entr" presetSubtype="0" fill="hold" grpId="0" nodeType="withEffect">
+                                  <p:stCondLst>
+                                    <p:cond delay="0"/>
+                                  </p:stCondLst>
+                                  <p:childTnLst>
+                                    <p:set>
+                                      <p:cBhvr>
+                                        <p:cTn id="10" dur="1" fill="hold">
+                                          <p:stCondLst>
+                                            <p:cond delay="0"/>
+                                          </p:stCondLst>
+                                        </p:cTn>
+                                        <p:tgtEl>
+                                          <p:spTgt spid="12"/>
+                                        </p:tgtEl>
+                                        <p:attrNameLst>
+                                          <p:attrName>style.visibility</p:attrName>
+                                        </p:attrNameLst>
+                                      </p:cBhvr>
+                                      <p:to>
+                                        <p:strVal val="visible"/>
+                                      </p:to>
+                                    </p:set>
+                                  </p:childTnLst>
+                                </p:cTn>
+                              </p:par>
+                              <p:par>
+                                <p:cTn id="11" presetID="1" presetClass="entr" presetSubtype="0" fill="hold" grpId="0" nodeType="withEffect">
+                                  <p:stCondLst>
+                                    <p:cond delay="0"/>
+                                  </p:stCondLst>
+                                  <p:childTnLst>
+                                    <p:set>
+                                      <p:cBhvr>
+                                        <p:cTn id="12" dur="1" fill="hold">
+                                          <p:stCondLst>
+                                            <p:cond delay="0"/>
+                                          </p:stCondLst>
+                                        </p:cTn>
+                                        <p:tgtEl>
+                                          <p:spTgt spid="14"/>
+                                        </p:tgtEl>
+                                        <p:attrNameLst>
+                                          <p:attrName>style.visibility</p:attrName>
+                                        </p:attrNameLst>
+                                      </p:cBhvr>
+                                      <p:to>
+                                        <p:strVal val="visible"/>
+                                      </p:to>
+                                    </p:set>
+                                  </p:childTnLst>
+                                </p:cTn>
+                              </p:par>
+                              <p:par>
+                                <p:cTn id="13" presetID="1" presetClass="entr" presetSubtype="0" fill="hold" grpId="0" nodeType="withEffect">
+                                  <p:stCondLst>
+                                    <p:cond delay="0"/>
+                                  </p:stCondLst>
+                                  <p:childTnLst>
+                                    <p:set>
+                                      <p:cBhvr>
+                                        <p:cTn id="14" dur="1" fill="hold">
+                                          <p:stCondLst>
+                                            <p:cond delay="0"/>
+                                          </p:stCondLst>
+                                        </p:cTn>
+                                        <p:tgtEl>
+                                          <p:spTgt spid="11"/>
+                                        </p:tgtEl>
+                                        <p:attrNameLst>
+                                          <p:attrName>style.visibility</p:attrName>
+                                        </p:attrNameLst>
+                                      </p:cBhvr>
+                                      <p:to>
+                                        <p:strVal val="visible"/>
+                                      </p:to>
+                                    </p:set>
+                                  </p:childTnLst>
+                                </p:cTn>
+                              </p:par>
+                              <p:par>
+                                <p:cTn id="15" presetID="1" presetClass="entr" presetSubtype="0" fill="hold" grpId="0" nodeType="withEffect">
+                                  <p:stCondLst>
+                                    <p:cond delay="0"/>
+                                  </p:stCondLst>
+                                  <p:childTnLst>
+                                    <p:set>
+                                      <p:cBhvr>
+                                        <p:cTn id="16" dur="1" fill="hold">
+                                          <p:stCondLst>
+                                            <p:cond delay="0"/>
+                                          </p:stCondLst>
+                                        </p:cTn>
+                                        <p:tgtEl>
+                                          <p:spTgt spid="13"/>
+                                        </p:tgtEl>
+                                        <p:attrNameLst>
+                                          <p:attrName>style.visibility</p:attrName>
+                                        </p:attrNameLst>
+                                      </p:cBhvr>
+                                      <p:to>
+                                        <p:strVal val="visible"/>
+                                      </p:to>
+                                    </p:set>
+                                  </p:childTnLst>
+                                </p:cTn>
+                              </p:par>
+                              <p:par>
+                                <p:cTn id="17" presetID="1" presetClass="entr" presetSubtype="0" fill="hold" grpId="0" nodeType="withEffect">
+                                  <p:stCondLst>
+                                    <p:cond delay="0"/>
+                                  </p:stCondLst>
+                                  <p:childTnLst>
+                                    <p:set>
+                                      <p:cBhvr>
+                                        <p:cTn id="18" dur="1" fill="hold">
+                                          <p:stCondLst>
+                                            <p:cond delay="0"/>
+                                          </p:stCondLst>
+                                        </p:cTn>
+                                        <p:tgtEl>
+                                          <p:spTgt spid="9"/>
+                                        </p:tgtEl>
+                                        <p:attrNameLst>
+                                          <p:attrName>style.visibility</p:attrName>
+                                        </p:attrNameLst>
+                                      </p:cBhvr>
+                                      <p:to>
+                                        <p:strVal val="visible"/>
+                                      </p:to>
+                                    </p:set>
+                                  </p:childTnLst>
+                                </p:cTn>
+                              </p:par>
+                              <p:par>
+                                <p:cTn id="19" presetID="1" presetClass="entr" presetSubtype="0" fill="hold" grpId="0" nodeType="withEffect">
+                                  <p:stCondLst>
+                                    <p:cond delay="0"/>
+                                  </p:stCondLst>
+                                  <p:childTnLst>
+                                    <p:set>
+                                      <p:cBhvr>
+                                        <p:cTn id="20" dur="1" fill="hold">
+                                          <p:stCondLst>
+                                            <p:cond delay="0"/>
+                                          </p:stCondLst>
+                                        </p:cTn>
+                                        <p:tgtEl>
+                                          <p:spTgt spid="16"/>
+                                        </p:tgtEl>
+                                        <p:attrNameLst>
+                                          <p:attrName>style.visibility</p:attrName>
+                                        </p:attrNameLst>
+                                      </p:cBhvr>
+                                      <p:to>
+                                        <p:strVal val="visible"/>
+                                      </p:to>
+                                    </p:set>
+                                  </p:childTnLst>
+                                </p:cTn>
+                              </p:par>
+                            </p:childTnLst>
+                          </p:cTn>
+                        </p:par>
+                      </p:childTnLst>
+                    </p:cTn>
+                  </p:par>
+                </p:childTnLst>
+              </p:cTn>
+              <p:prevCondLst>
+                <p:cond evt="onPrev" delay="0">
+                  <p:tgtEl>
+                    <p:sldTgt/>
+                  </p:tgtEl>
+                </p:cond>
+              </p:prevCondLst>
+              <p:nextCondLst>
+                <p:cond evt="onNext" delay="0">
+                  <p:tgtEl>
+                    <p:sldTgt/>
+                  </p:tgtEl>
+                </p:cond>
+              </p:nextCondLst>
+            </p:seq>
+          </p:childTnLst>
+        </p:cTn>
+      </p:par>
+    </p:tnLst>
+    <p:bldLst>
+      <p:bldP spid="5" grpId="0" animBg="1"/>
+      <p:bldP spid="8" grpId="0" animBg="1"/>
+      <p:bldP spid="9" grpId="0" animBg="1"/>
+      <p:bldP spid="11" grpId="0" animBg="1"/>
+      <p:bldP spid="12" grpId="0" animBg="1"/>
+      <p:bldP spid="13" grpId="0" animBg="1"/>
+      <p:bldP spid="14" grpId="0" animBg="1"/>
+      <p:bldP spid="16" grpId="0" animBg="1"/>
+    </p:bldLst>
+  </p:timing>
+</p:sld>
+</file>
+
+<file path=ppt/slides/slide29.xml><?xml version="1.0" encoding="utf-8"?>
+<p:sld xmlns:a="http://schemas.openxmlformats.org/drawingml/2006/main" xmlns:r="http://schemas.openxmlformats.org/officeDocument/2006/relationships" xmlns:p="http://schemas.openxmlformats.org/presentationml/2006/main">
+  <p:cSld>
+    <p:spTree>
+      <p:nvGrpSpPr>
+        <p:cNvPr id="1" name=""/>
+        <p:cNvGrpSpPr/>
+        <p:nvPr/>
+      </p:nvGrpSpPr>
+      <p:grpSpPr>
+        <a:xfrm>
+          <a:off x="0" y="0"/>
+          <a:ext cx="0" cy="0"/>
+          <a:chOff x="0" y="0"/>
+          <a:chExt cx="0" cy="0"/>
+        </a:xfrm>
+      </p:grpSpPr>
+      <p:sp>
+        <p:nvSpPr>
+          <p:cNvPr id="10" name="Title 9"/>
+          <p:cNvSpPr>
+            <a:spLocks noGrp="1"/>
+          </p:cNvSpPr>
+          <p:nvPr>
+            <p:ph type="title"/>
+          </p:nvPr>
+        </p:nvSpPr>
+        <p:spPr/>
+        <p:txBody>
+          <a:bodyPr/>
+          <a:lstStyle/>
+          <a:p>
+            <a:r>
+              <a:rPr lang="en-GB" dirty="0"/>
+              <a:t>Higher Order Function</a:t>
+            </a:r>
+            <a:endParaRPr lang="de-DE" dirty="0"/>
+          </a:p>
+        </p:txBody>
+      </p:sp>
+      <p:sp>
+        <p:nvSpPr>
+          <p:cNvPr id="15" name="TextBox 14">
+            <a:hlinkClick r:id="rId2" action="ppaction://hlinksldjump"/>
+          </p:cNvPr>
+          <p:cNvSpPr txBox="1"/>
+          <p:nvPr/>
+        </p:nvSpPr>
+        <p:spPr>
+          <a:xfrm>
+            <a:off x="706583" y="5938"/>
+            <a:ext cx="2054431" cy="400110"/>
+          </a:xfrm>
+          <a:prstGeom prst="rect">
+            <a:avLst/>
+          </a:prstGeom>
+          <a:noFill/>
+        </p:spPr>
+        <p:txBody>
+          <a:bodyPr wrap="square" rtlCol="0">
+            <a:spAutoFit/>
+          </a:bodyPr>
+          <a:lstStyle/>
+          <a:p>
+            <a:r>
+              <a:rPr lang="en-GB" sz="2000" dirty="0"/>
+              <a:t>Functions</a:t>
+            </a:r>
+            <a:endParaRPr lang="de-DE" dirty="0"/>
+          </a:p>
+        </p:txBody>
+      </p:sp>
+      <p:pic>
+        <p:nvPicPr>
+          <p:cNvPr id="6" name="Content Placeholder 5"/>
+          <p:cNvPicPr>
+            <a:picLocks noGrp="1" noChangeAspect="1"/>
+          </p:cNvPicPr>
+          <p:nvPr>
+            <p:ph idx="1"/>
+          </p:nvPr>
+        </p:nvPicPr>
+        <p:blipFill>
+          <a:blip r:embed="rId3"/>
+          <a:stretch>
+            <a:fillRect/>
+          </a:stretch>
+        </p:blipFill>
+        <p:spPr>
+          <a:xfrm>
+            <a:off x="1371600" y="3186166"/>
+            <a:ext cx="9601200" cy="1781068"/>
+          </a:xfrm>
+          <a:prstGeom prst="rect">
+            <a:avLst/>
+          </a:prstGeom>
+        </p:spPr>
+      </p:pic>
+    </p:spTree>
+    <p:extLst>
+      <p:ext uri="{BB962C8B-B14F-4D97-AF65-F5344CB8AC3E}">
+        <p14:creationId xmlns:p14="http://schemas.microsoft.com/office/powerpoint/2010/main" val="330997984"/>
+      </p:ext>
+    </p:extLst>
+  </p:cSld>
+  <p:clrMapOvr>
+    <a:masterClrMapping/>
+  </p:clrMapOvr>
+</p:sld>
+</file>
+
+<file path=ppt/slides/slide3.xml><?xml version="1.0" encoding="utf-8"?>
+<p:sld xmlns:a="http://schemas.openxmlformats.org/drawingml/2006/main" xmlns:r="http://schemas.openxmlformats.org/officeDocument/2006/relationships" xmlns:p="http://schemas.openxmlformats.org/presentationml/2006/main">
+  <p:cSld>
+    <p:spTree>
+      <p:nvGrpSpPr>
+        <p:cNvPr id="1" name=""/>
+        <p:cNvGrpSpPr/>
+        <p:nvPr/>
+      </p:nvGrpSpPr>
+      <p:grpSpPr>
+        <a:xfrm>
+          <a:off x="0" y="0"/>
+          <a:ext cx="0" cy="0"/>
+          <a:chOff x="0" y="0"/>
+          <a:chExt cx="0" cy="0"/>
+        </a:xfrm>
+      </p:grpSpPr>
+      <p:sp>
+        <p:nvSpPr>
+          <p:cNvPr id="2" name="Title 1"/>
+          <p:cNvSpPr>
+            <a:spLocks noGrp="1"/>
+          </p:cNvSpPr>
+          <p:nvPr>
+            <p:ph type="title"/>
+          </p:nvPr>
+        </p:nvSpPr>
+        <p:spPr/>
+        <p:txBody>
+          <a:bodyPr/>
+          <a:lstStyle/>
+          <a:p>
+            <a:r>
+              <a:rPr lang="de-DE" dirty="0" err="1"/>
+              <a:t>Overview</a:t>
+            </a:r>
+            <a:endParaRPr lang="de-DE" dirty="0"/>
+          </a:p>
+        </p:txBody>
+      </p:sp>
+      <mc:AlternateContent xmlns:mc="http://schemas.openxmlformats.org/markup-compatibility/2006">
+        <mc:Choice xmlns:psuz="http://schemas.microsoft.com/office/powerpoint/2016/summaryzoom" Requires="psuz">
+          <p:graphicFrame>
+            <p:nvGraphicFramePr>
+              <p:cNvPr id="5" name="Summary Zoom 4"/>
+              <p:cNvGraphicFramePr>
+                <a:graphicFrameLocks noChangeAspect="1"/>
+              </p:cNvGraphicFramePr>
+              <p:nvPr>
+                <p:extLst>
+                  <p:ext uri="{D42A27DB-BD31-4B8C-83A1-F6EECF244321}">
+                    <p14:modId xmlns:p14="http://schemas.microsoft.com/office/powerpoint/2010/main" val="532360900"/>
+                  </p:ext>
+                </p:extLst>
+              </p:nvPr>
+            </p:nvGraphicFramePr>
+            <p:xfrm>
+              <a:off x="1371600" y="2286000"/>
+              <a:ext cx="9601200" cy="3581400"/>
+            </p:xfrm>
+            <a:graphic>
+              <a:graphicData uri="http://schemas.microsoft.com/office/powerpoint/2016/summaryzoom">
+                <psuz:summaryZm>
+                  <psuz:summaryZmObj sectionId="{3FDA1A42-9D8A-4EB7-9325-9494EE2103A6}">
+                    <psuz:zmPr id="{3395519D-45FF-44FF-B105-A7A5EFE13F75}" transitionDur="1000">
+                      <p166:blipFill xmlns:p166="http://schemas.microsoft.com/office/powerpoint/2016/6/main">
+                        <a:blip r:embed="rId2"/>
+                        <a:stretch>
+                          <a:fillRect/>
+                        </a:stretch>
+                      </p166:blipFill>
+                      <p166:spPr xmlns:p166="http://schemas.microsoft.com/office/powerpoint/2016/6/main">
+                        <a:xfrm>
+                          <a:off x="395480" y="125349"/>
+                          <a:ext cx="2865119" cy="1611630"/>
+                        </a:xfrm>
+                        <a:prstGeom prst="rect">
+                          <a:avLst/>
+                        </a:prstGeom>
+                        <a:ln w="3175">
+                          <a:solidFill>
+                            <a:prstClr val="ltGray"/>
+                          </a:solidFill>
+                        </a:ln>
+                      </p166:spPr>
+                    </psuz:zmPr>
+                  </psuz:summaryZmObj>
+                  <psuz:summaryZmObj sectionId="{1911C78B-51E3-4DD5-A36B-D4A7ACDEBBCE}">
+                    <psuz:zmPr id="{3933968F-3311-4347-BA0B-A76EC9C87CBD}" transitionDur="1000">
+                      <p166:blipFill xmlns:p166="http://schemas.microsoft.com/office/powerpoint/2016/6/main">
+                        <a:blip r:embed="rId3"/>
+                        <a:stretch>
+                          <a:fillRect/>
+                        </a:stretch>
+                      </p166:blipFill>
+                      <p166:spPr xmlns:p166="http://schemas.microsoft.com/office/powerpoint/2016/6/main">
+                        <a:xfrm>
+                          <a:off x="3368041" y="125349"/>
+                          <a:ext cx="2865119" cy="1611630"/>
+                        </a:xfrm>
+                        <a:prstGeom prst="rect">
+                          <a:avLst/>
+                        </a:prstGeom>
+                        <a:ln w="3175">
+                          <a:solidFill>
+                            <a:prstClr val="ltGray"/>
+                          </a:solidFill>
+                        </a:ln>
+                      </p166:spPr>
+                    </psuz:zmPr>
+                  </psuz:summaryZmObj>
+                  <psuz:summaryZmObj sectionId="{AE89D0ED-BC0D-46FE-875F-397CC3B09DA4}">
+                    <psuz:zmPr id="{44A75D2B-7990-40B8-82D9-B2D2AEAC7E55}" transitionDur="1000">
+                      <p166:blipFill xmlns:p166="http://schemas.microsoft.com/office/powerpoint/2016/6/main">
+                        <a:blip r:embed="rId4"/>
+                        <a:stretch>
+                          <a:fillRect/>
+                        </a:stretch>
+                      </p166:blipFill>
+                      <p166:spPr xmlns:p166="http://schemas.microsoft.com/office/powerpoint/2016/6/main">
+                        <a:xfrm>
+                          <a:off x="6340602" y="125349"/>
+                          <a:ext cx="2865119" cy="1611630"/>
+                        </a:xfrm>
+                        <a:prstGeom prst="rect">
+                          <a:avLst/>
+                        </a:prstGeom>
+                        <a:ln w="3175">
+                          <a:solidFill>
+                            <a:prstClr val="ltGray"/>
+                          </a:solidFill>
+                        </a:ln>
+                      </p166:spPr>
+                    </psuz:zmPr>
+                  </psuz:summaryZmObj>
+                  <psuz:summaryZmObj sectionId="{FA2D006A-90CB-48EC-919F-8385A1939BD7}">
+                    <psuz:zmPr id="{5018C5BE-94C1-4A34-88EB-52133848311C}" transitionDur="1000">
+                      <p166:blipFill xmlns:p166="http://schemas.microsoft.com/office/powerpoint/2016/6/main">
+                        <a:blip r:embed="rId5"/>
+                        <a:stretch>
+                          <a:fillRect/>
+                        </a:stretch>
+                      </p166:blipFill>
+                      <p166:spPr xmlns:p166="http://schemas.microsoft.com/office/powerpoint/2016/6/main">
+                        <a:xfrm>
+                          <a:off x="395480" y="1844421"/>
+                          <a:ext cx="2865119" cy="1611630"/>
+                        </a:xfrm>
+                        <a:prstGeom prst="rect">
+                          <a:avLst/>
+                        </a:prstGeom>
+                        <a:ln w="3175">
+                          <a:solidFill>
+                            <a:prstClr val="ltGray"/>
+                          </a:solidFill>
+                        </a:ln>
+                      </p166:spPr>
+                    </psuz:zmPr>
+                  </psuz:summaryZmObj>
+                  <psuz:summaryZmObj sectionId="{8D399660-254B-4018-8AAE-4022D3519FBC}">
+                    <psuz:zmPr id="{49658197-A2DC-4105-A546-CFD444D86FCA}" transitionDur="1000">
+                      <p166:blipFill xmlns:p166="http://schemas.microsoft.com/office/powerpoint/2016/6/main">
+                        <a:blip r:embed="rId6"/>
+                        <a:stretch>
+                          <a:fillRect/>
+                        </a:stretch>
+                      </p166:blipFill>
+                      <p166:spPr xmlns:p166="http://schemas.microsoft.com/office/powerpoint/2016/6/main">
+                        <a:xfrm>
+                          <a:off x="3368041" y="1844421"/>
+                          <a:ext cx="2865119" cy="1611630"/>
+                        </a:xfrm>
+                        <a:prstGeom prst="rect">
+                          <a:avLst/>
+                        </a:prstGeom>
+                        <a:ln w="3175">
+                          <a:solidFill>
+                            <a:prstClr val="ltGray"/>
+                          </a:solidFill>
+                        </a:ln>
+                      </p166:spPr>
+                    </psuz:zmPr>
+                  </psuz:summaryZmObj>
+                  <psuz:gridLayout/>
+                </psuz:summaryZm>
+              </a:graphicData>
+            </a:graphic>
+          </p:graphicFrame>
+        </mc:Choice>
+        <mc:Fallback>
+          <p:grpSp>
+            <p:nvGrpSpPr>
+              <p:cNvPr id="5" name="Summary Zoom 4"/>
+              <p:cNvGrpSpPr>
+                <a:grpSpLocks noGrp="1" noUngrp="1" noRot="1" noChangeAspect="1" noMove="1" noResize="1"/>
+              </p:cNvGrpSpPr>
+              <p:nvPr/>
+            </p:nvGrpSpPr>
+            <p:grpSpPr>
+              <a:xfrm>
+                <a:off x="1371600" y="2286000"/>
+                <a:ext cx="9601200" cy="3581400"/>
+                <a:chOff x="1371600" y="2286000"/>
+                <a:chExt cx="9601200" cy="3581400"/>
+              </a:xfrm>
+            </p:grpSpPr>
+            <p:pic>
+              <p:nvPicPr>
+                <p:cNvPr id="3" name="Picture 3">
+                  <a:hlinkClick r:id="rId7" action="ppaction://hlinksldjump"/>
+                </p:cNvPr>
+                <p:cNvPicPr>
+                  <a:picLocks noSelect="1" noRot="1" noChangeAspect="1" noMove="1" noResize="1" noEditPoints="1" noAdjustHandles="1" noChangeArrowheads="1" noChangeShapeType="1"/>
+                </p:cNvPicPr>
+                <p:nvPr/>
+              </p:nvPicPr>
+              <p:blipFill>
+                <a:blip r:embed="rId2"/>
+                <a:stretch>
+                  <a:fillRect/>
+                </a:stretch>
+              </p:blipFill>
+              <p:spPr>
+                <a:xfrm>
+                  <a:off x="1767080" y="2411349"/>
+                  <a:ext cx="2865119" cy="1611630"/>
+                </a:xfrm>
+                <a:prstGeom prst="rect">
+                  <a:avLst/>
+                </a:prstGeom>
+                <a:ln w="3175">
+                  <a:solidFill>
+                    <a:prstClr val="ltGray"/>
+                  </a:solidFill>
+                </a:ln>
+              </p:spPr>
+            </p:pic>
+            <p:pic>
+              <p:nvPicPr>
+                <p:cNvPr id="4" name="Picture 4">
+                  <a:hlinkClick r:id="rId8" action="ppaction://hlinksldjump"/>
+                </p:cNvPr>
+                <p:cNvPicPr>
+                  <a:picLocks noSelect="1" noRot="1" noChangeAspect="1" noMove="1" noResize="1" noEditPoints="1" noAdjustHandles="1" noChangeArrowheads="1" noChangeShapeType="1"/>
+                </p:cNvPicPr>
+                <p:nvPr/>
+              </p:nvPicPr>
+              <p:blipFill>
+                <a:blip r:embed="rId3"/>
+                <a:stretch>
+                  <a:fillRect/>
+                </a:stretch>
+              </p:blipFill>
+              <p:spPr>
+                <a:xfrm>
+                  <a:off x="4739641" y="2411349"/>
+                  <a:ext cx="2865119" cy="1611630"/>
+                </a:xfrm>
+                <a:prstGeom prst="rect">
+                  <a:avLst/>
+                </a:prstGeom>
+                <a:ln w="3175">
+                  <a:solidFill>
+                    <a:prstClr val="ltGray"/>
+                  </a:solidFill>
+                </a:ln>
+              </p:spPr>
+            </p:pic>
+            <p:pic>
+              <p:nvPicPr>
+                <p:cNvPr id="6" name="Picture 6">
+                  <a:hlinkClick r:id="rId9" action="ppaction://hlinksldjump"/>
+                </p:cNvPr>
+                <p:cNvPicPr>
+                  <a:picLocks noSelect="1" noRot="1" noChangeAspect="1" noMove="1" noResize="1" noEditPoints="1" noAdjustHandles="1" noChangeArrowheads="1" noChangeShapeType="1"/>
+                </p:cNvPicPr>
+                <p:nvPr/>
+              </p:nvPicPr>
+              <p:blipFill>
+                <a:blip r:embed="rId4"/>
+                <a:stretch>
+                  <a:fillRect/>
+                </a:stretch>
+              </p:blipFill>
+              <p:spPr>
+                <a:xfrm>
+                  <a:off x="7712202" y="2411349"/>
+                  <a:ext cx="2865119" cy="1611630"/>
+                </a:xfrm>
+                <a:prstGeom prst="rect">
+                  <a:avLst/>
+                </a:prstGeom>
+                <a:ln w="3175">
+                  <a:solidFill>
+                    <a:prstClr val="ltGray"/>
+                  </a:solidFill>
+                </a:ln>
+              </p:spPr>
+            </p:pic>
+            <p:pic>
+              <p:nvPicPr>
+                <p:cNvPr id="7" name="Picture 7">
+                  <a:hlinkClick r:id="rId10" action="ppaction://hlinksldjump"/>
+                </p:cNvPr>
+                <p:cNvPicPr>
+                  <a:picLocks noSelect="1" noRot="1" noChangeAspect="1" noMove="1" noResize="1" noEditPoints="1" noAdjustHandles="1" noChangeArrowheads="1" noChangeShapeType="1"/>
+                </p:cNvPicPr>
+                <p:nvPr/>
+              </p:nvPicPr>
+              <p:blipFill>
+                <a:blip r:embed="rId5"/>
+                <a:stretch>
+                  <a:fillRect/>
+                </a:stretch>
+              </p:blipFill>
+              <p:spPr>
+                <a:xfrm>
+                  <a:off x="1767080" y="4130421"/>
+                  <a:ext cx="2865119" cy="1611630"/>
+                </a:xfrm>
+                <a:prstGeom prst="rect">
+                  <a:avLst/>
+                </a:prstGeom>
+                <a:ln w="3175">
+                  <a:solidFill>
+                    <a:prstClr val="ltGray"/>
+                  </a:solidFill>
+                </a:ln>
+              </p:spPr>
+            </p:pic>
+            <p:pic>
+              <p:nvPicPr>
+                <p:cNvPr id="8" name="Picture 8">
+                  <a:hlinkClick r:id="rId11" action="ppaction://hlinksldjump"/>
+                </p:cNvPr>
+                <p:cNvPicPr>
+                  <a:picLocks noSelect="1" noRot="1" noChangeAspect="1" noMove="1" noResize="1" noEditPoints="1" noAdjustHandles="1" noChangeArrowheads="1" noChangeShapeType="1"/>
+                </p:cNvPicPr>
+                <p:nvPr/>
+              </p:nvPicPr>
+              <p:blipFill>
+                <a:blip r:embed="rId6"/>
+                <a:stretch>
+                  <a:fillRect/>
+                </a:stretch>
+              </p:blipFill>
+              <p:spPr>
+                <a:xfrm>
+                  <a:off x="4739641" y="4130421"/>
+                  <a:ext cx="2865119" cy="1611630"/>
+                </a:xfrm>
+                <a:prstGeom prst="rect">
+                  <a:avLst/>
+                </a:prstGeom>
+                <a:ln w="3175">
+                  <a:solidFill>
+                    <a:prstClr val="ltGray"/>
+                  </a:solidFill>
+                </a:ln>
+              </p:spPr>
+            </p:pic>
+          </p:grpSp>
+        </mc:Fallback>
+      </mc:AlternateContent>
+    </p:spTree>
+    <p:extLst>
+      <p:ext uri="{BB962C8B-B14F-4D97-AF65-F5344CB8AC3E}">
+        <p14:creationId xmlns:p14="http://schemas.microsoft.com/office/powerpoint/2010/main" val="406192126"/>
+      </p:ext>
+    </p:extLst>
+  </p:cSld>
+  <p:clrMapOvr>
+    <a:masterClrMapping/>
+  </p:clrMapOvr>
+</p:sld>
+</file>
+
+<file path=ppt/slides/slide30.xml><?xml version="1.0" encoding="utf-8"?>
+<p:sld xmlns:a="http://schemas.openxmlformats.org/drawingml/2006/main" xmlns:r="http://schemas.openxmlformats.org/officeDocument/2006/relationships" xmlns:p="http://schemas.openxmlformats.org/presentationml/2006/main">
+  <p:cSld>
+    <p:spTree>
+      <p:nvGrpSpPr>
+        <p:cNvPr id="1" name=""/>
+        <p:cNvGrpSpPr/>
+        <p:nvPr/>
+      </p:nvGrpSpPr>
+      <p:grpSpPr>
+        <a:xfrm>
+          <a:off x="0" y="0"/>
+          <a:ext cx="0" cy="0"/>
+          <a:chOff x="0" y="0"/>
+          <a:chExt cx="0" cy="0"/>
+        </a:xfrm>
+      </p:grpSpPr>
+      <p:sp>
+        <p:nvSpPr>
+          <p:cNvPr id="4" name="Title 3"/>
+          <p:cNvSpPr>
+            <a:spLocks noGrp="1"/>
+          </p:cNvSpPr>
+          <p:nvPr>
+            <p:ph type="title"/>
+          </p:nvPr>
+        </p:nvSpPr>
+        <p:spPr>
+          <a:xfrm>
+            <a:off x="1457324" y="342900"/>
+            <a:ext cx="10058401" cy="1514476"/>
+          </a:xfrm>
+        </p:spPr>
+        <p:txBody>
+          <a:bodyPr>
+            <a:normAutofit/>
+          </a:bodyPr>
+          <a:lstStyle/>
+          <a:p>
+            <a:pPr algn="l"/>
+            <a:r>
+              <a:rPr lang="en-GB" dirty="0"/>
+              <a:t>Exercise: Fibonacci I</a:t>
+            </a:r>
+            <a:endParaRPr lang="de-DE" dirty="0"/>
+          </a:p>
+        </p:txBody>
+      </p:sp>
+      <p:sp>
+        <p:nvSpPr>
+          <p:cNvPr id="5" name="Text Placeholder 4"/>
+          <p:cNvSpPr>
+            <a:spLocks noGrp="1"/>
+          </p:cNvSpPr>
+          <p:nvPr>
+            <p:ph type="body" idx="1"/>
+          </p:nvPr>
+        </p:nvSpPr>
+        <p:spPr>
+          <a:xfrm>
+            <a:off x="1457325" y="1981200"/>
+            <a:ext cx="8920671" cy="3378452"/>
+          </a:xfrm>
+        </p:spPr>
+        <p:txBody>
+          <a:bodyPr>
+            <a:normAutofit/>
+          </a:bodyPr>
+          <a:lstStyle/>
+          <a:p>
+            <a:pPr marL="342900" indent="-342900" algn="l">
+              <a:buFont typeface="Wingdings" panose="05000000000000000000" pitchFamily="2" charset="2"/>
+              <a:buChar char="§"/>
+            </a:pPr>
+            <a:r>
+              <a:rPr lang="en-GB" dirty="0"/>
+              <a:t>Write a recursive Fibonacci function</a:t>
+            </a:r>
+          </a:p>
+          <a:p>
+            <a:pPr marL="342900" indent="-342900" algn="l">
+              <a:buFont typeface="Wingdings" panose="05000000000000000000" pitchFamily="2" charset="2"/>
+              <a:buChar char="§"/>
+            </a:pPr>
+            <a:r>
+              <a:rPr lang="en-GB" dirty="0"/>
+              <a:t>Typed!</a:t>
+            </a:r>
+          </a:p>
+          <a:p>
+            <a:pPr marL="342900" indent="-342900" algn="l">
+              <a:buFont typeface="Wingdings" panose="05000000000000000000" pitchFamily="2" charset="2"/>
+              <a:buChar char="§"/>
+            </a:pPr>
+            <a:r>
+              <a:rPr lang="en-GB" dirty="0"/>
+              <a:t>Extra challenge: Make it tail recursive</a:t>
+            </a:r>
+            <a:endParaRPr lang="de-DE" dirty="0"/>
+          </a:p>
+          <a:p>
+            <a:pPr marL="342900" indent="-342900" algn="l">
+              <a:buFont typeface="Wingdings" panose="05000000000000000000" pitchFamily="2" charset="2"/>
+              <a:buChar char="§"/>
+            </a:pPr>
+            <a:endParaRPr lang="de-DE" dirty="0"/>
+          </a:p>
+        </p:txBody>
+      </p:sp>
+    </p:spTree>
+    <p:extLst>
+      <p:ext uri="{BB962C8B-B14F-4D97-AF65-F5344CB8AC3E}">
+        <p14:creationId xmlns:p14="http://schemas.microsoft.com/office/powerpoint/2010/main" val="4154428956"/>
+      </p:ext>
+    </p:extLst>
+  </p:cSld>
+  <p:clrMapOvr>
+    <a:masterClrMapping/>
+  </p:clrMapOvr>
+</p:sld>
+</file>
+
+<file path=ppt/slides/slide31.xml><?xml version="1.0" encoding="utf-8"?>
+<p:sld xmlns:a="http://schemas.openxmlformats.org/drawingml/2006/main" xmlns:r="http://schemas.openxmlformats.org/officeDocument/2006/relationships" xmlns:p="http://schemas.openxmlformats.org/presentationml/2006/main">
+  <p:cSld>
+    <p:spTree>
+      <p:nvGrpSpPr>
+        <p:cNvPr id="1" name=""/>
+        <p:cNvGrpSpPr/>
+        <p:nvPr/>
+      </p:nvGrpSpPr>
+      <p:grpSpPr>
+        <a:xfrm>
+          <a:off x="0" y="0"/>
+          <a:ext cx="0" cy="0"/>
+          <a:chOff x="0" y="0"/>
+          <a:chExt cx="0" cy="0"/>
+        </a:xfrm>
+      </p:grpSpPr>
+      <p:sp>
+        <p:nvSpPr>
+          <p:cNvPr id="2" name="Title 1"/>
+          <p:cNvSpPr>
+            <a:spLocks noGrp="1"/>
+          </p:cNvSpPr>
+          <p:nvPr>
+            <p:ph type="title"/>
+          </p:nvPr>
+        </p:nvSpPr>
+        <p:spPr/>
+        <p:txBody>
+          <a:bodyPr/>
+          <a:lstStyle/>
+          <a:p>
+            <a:r>
+              <a:rPr lang="en-GB" dirty="0"/>
+              <a:t>Exercise: Fibonacci I</a:t>
+            </a:r>
+            <a:endParaRPr lang="de-DE" dirty="0"/>
+          </a:p>
+        </p:txBody>
+      </p:sp>
+      <p:pic>
+        <p:nvPicPr>
+          <p:cNvPr id="4" name="Picture 3"/>
+          <p:cNvPicPr>
+            <a:picLocks noChangeAspect="1"/>
+          </p:cNvPicPr>
+          <p:nvPr/>
+        </p:nvPicPr>
+        <p:blipFill>
+          <a:blip r:embed="rId2"/>
+          <a:stretch>
+            <a:fillRect/>
+          </a:stretch>
+        </p:blipFill>
+        <p:spPr>
+          <a:xfrm>
+            <a:off x="1371600" y="2171700"/>
+            <a:ext cx="10801350" cy="324568"/>
+          </a:xfrm>
+          <a:prstGeom prst="rect">
+            <a:avLst/>
+          </a:prstGeom>
+        </p:spPr>
+      </p:pic>
+      <p:sp>
+        <p:nvSpPr>
+          <p:cNvPr id="5" name="TextBox 4"/>
+          <p:cNvSpPr txBox="1"/>
+          <p:nvPr/>
+        </p:nvSpPr>
+        <p:spPr>
+          <a:xfrm>
+            <a:off x="1371600" y="3288268"/>
+            <a:ext cx="1990724" cy="369332"/>
+          </a:xfrm>
+          <a:prstGeom prst="rect">
+            <a:avLst/>
+          </a:prstGeom>
+          <a:solidFill>
+            <a:srgbClr val="92D050">
+              <a:alpha val="25000"/>
+            </a:srgbClr>
+          </a:solidFill>
+        </p:spPr>
+        <p:txBody>
+          <a:bodyPr wrap="square" rtlCol="0">
+            <a:spAutoFit/>
+          </a:bodyPr>
+          <a:lstStyle/>
+          <a:p>
+            <a:r>
+              <a:rPr lang="en-GB" dirty="0"/>
+              <a:t>Function Body</a:t>
+            </a:r>
+            <a:endParaRPr lang="de-DE" dirty="0"/>
+          </a:p>
+        </p:txBody>
+      </p:sp>
+      <p:sp>
+        <p:nvSpPr>
+          <p:cNvPr id="6" name="TextBox 5"/>
+          <p:cNvSpPr txBox="1"/>
+          <p:nvPr/>
+        </p:nvSpPr>
+        <p:spPr>
+          <a:xfrm>
+            <a:off x="7162800" y="2126936"/>
+            <a:ext cx="5043487" cy="369332"/>
+          </a:xfrm>
+          <a:prstGeom prst="rect">
+            <a:avLst/>
+          </a:prstGeom>
+          <a:solidFill>
+            <a:srgbClr val="92D050">
+              <a:alpha val="25000"/>
+            </a:srgbClr>
+          </a:solidFill>
+        </p:spPr>
+        <p:txBody>
+          <a:bodyPr wrap="square" rtlCol="0">
+            <a:spAutoFit/>
+          </a:bodyPr>
+          <a:lstStyle/>
+          <a:p>
+            <a:endParaRPr lang="de-DE" dirty="0"/>
+          </a:p>
+        </p:txBody>
+      </p:sp>
+      <p:sp>
+        <p:nvSpPr>
+          <p:cNvPr id="7" name="TextBox 6"/>
+          <p:cNvSpPr txBox="1"/>
+          <p:nvPr/>
+        </p:nvSpPr>
+        <p:spPr>
+          <a:xfrm>
+            <a:off x="1371600" y="2805930"/>
+            <a:ext cx="1484722" cy="369332"/>
+          </a:xfrm>
+          <a:prstGeom prst="rect">
+            <a:avLst/>
+          </a:prstGeom>
+          <a:solidFill>
+            <a:srgbClr val="FFFF00">
+              <a:alpha val="25000"/>
+            </a:srgbClr>
+          </a:solidFill>
+        </p:spPr>
+        <p:txBody>
+          <a:bodyPr wrap="square" rtlCol="0">
+            <a:spAutoFit/>
+          </a:bodyPr>
+          <a:lstStyle/>
+          <a:p>
+            <a:r>
+              <a:rPr lang="en-GB" dirty="0"/>
+              <a:t>Parameters</a:t>
+            </a:r>
+            <a:endParaRPr lang="de-DE" dirty="0"/>
+          </a:p>
+        </p:txBody>
+      </p:sp>
+      <p:sp>
+        <p:nvSpPr>
+          <p:cNvPr id="8" name="TextBox 7"/>
+          <p:cNvSpPr txBox="1"/>
+          <p:nvPr/>
+        </p:nvSpPr>
+        <p:spPr>
+          <a:xfrm>
+            <a:off x="3589747" y="2126936"/>
+            <a:ext cx="3125377" cy="369332"/>
+          </a:xfrm>
+          <a:prstGeom prst="rect">
+            <a:avLst/>
+          </a:prstGeom>
+          <a:solidFill>
+            <a:srgbClr val="FFFF00">
+              <a:alpha val="25000"/>
+            </a:srgbClr>
+          </a:solidFill>
+        </p:spPr>
+        <p:txBody>
+          <a:bodyPr wrap="square" rtlCol="0">
+            <a:spAutoFit/>
+          </a:bodyPr>
+          <a:lstStyle/>
+          <a:p>
+            <a:endParaRPr lang="de-DE" dirty="0"/>
+          </a:p>
+        </p:txBody>
+      </p:sp>
+      <p:pic>
+        <p:nvPicPr>
+          <p:cNvPr id="9" name="Picture 8"/>
+          <p:cNvPicPr>
+            <a:picLocks noChangeAspect="1"/>
+          </p:cNvPicPr>
+          <p:nvPr/>
+        </p:nvPicPr>
+        <p:blipFill>
+          <a:blip r:embed="rId3"/>
+          <a:stretch>
+            <a:fillRect/>
+          </a:stretch>
+        </p:blipFill>
+        <p:spPr>
+          <a:xfrm>
+            <a:off x="1371600" y="4449600"/>
+            <a:ext cx="4990244" cy="302204"/>
+          </a:xfrm>
+          <a:prstGeom prst="rect">
+            <a:avLst/>
+          </a:prstGeom>
+        </p:spPr>
+      </p:pic>
+    </p:spTree>
+    <p:extLst>
+      <p:ext uri="{BB962C8B-B14F-4D97-AF65-F5344CB8AC3E}">
+        <p14:creationId xmlns:p14="http://schemas.microsoft.com/office/powerpoint/2010/main" val="165278132"/>
+      </p:ext>
+    </p:extLst>
+  </p:cSld>
+  <p:clrMapOvr>
+    <a:masterClrMapping/>
+  </p:clrMapOvr>
+  <p:timing>
+    <p:tnLst>
+      <p:par>
+        <p:cTn id="1" dur="indefinite" restart="never" nodeType="tmRoot">
+          <p:childTnLst>
+            <p:seq concurrent="1" nextAc="seek">
+              <p:cTn id="2" dur="indefinite" nodeType="mainSeq">
+                <p:childTnLst>
+                  <p:par>
+                    <p:cTn id="3" fill="hold">
+                      <p:stCondLst>
+                        <p:cond delay="indefinite"/>
+                      </p:stCondLst>
+                      <p:childTnLst>
+                        <p:par>
+                          <p:cTn id="4" fill="hold">
+                            <p:stCondLst>
+                              <p:cond delay="0"/>
+                            </p:stCondLst>
+                            <p:childTnLst>
+                              <p:par>
+                                <p:cTn id="5" presetID="1" presetClass="entr" presetSubtype="0" fill="hold" nodeType="clickEffect">
+                                  <p:stCondLst>
+                                    <p:cond delay="0"/>
+                                  </p:stCondLst>
+                                  <p:childTnLst>
+                                    <p:set>
+                                      <p:cBhvr>
+                                        <p:cTn id="6" dur="1" fill="hold">
+                                          <p:stCondLst>
+                                            <p:cond delay="0"/>
+                                          </p:stCondLst>
+                                        </p:cTn>
+                                        <p:tgtEl>
+                                          <p:spTgt spid="4"/>
+                                        </p:tgtEl>
+                                        <p:attrNameLst>
+                                          <p:attrName>style.visibility</p:attrName>
+                                        </p:attrNameLst>
+                                      </p:cBhvr>
+                                      <p:to>
+                                        <p:strVal val="visible"/>
+                                      </p:to>
+                                    </p:set>
+                                  </p:childTnLst>
+                                </p:cTn>
+                              </p:par>
+                            </p:childTnLst>
+                          </p:cTn>
+                        </p:par>
+                      </p:childTnLst>
+                    </p:cTn>
+                  </p:par>
+                  <p:par>
+                    <p:cTn id="7" fill="hold">
+                      <p:stCondLst>
+                        <p:cond delay="indefinite"/>
+                      </p:stCondLst>
+                      <p:childTnLst>
+                        <p:par>
+                          <p:cTn id="8" fill="hold">
+                            <p:stCondLst>
+                              <p:cond delay="0"/>
+                            </p:stCondLst>
+                            <p:childTnLst>
+                              <p:par>
+                                <p:cTn id="9" presetID="1" presetClass="entr" presetSubtype="0" fill="hold" grpId="0" nodeType="clickEffect">
+                                  <p:stCondLst>
+                                    <p:cond delay="0"/>
+                                  </p:stCondLst>
+                                  <p:childTnLst>
+                                    <p:set>
+                                      <p:cBhvr>
+                                        <p:cTn id="10" dur="1" fill="hold">
+                                          <p:stCondLst>
+                                            <p:cond delay="0"/>
+                                          </p:stCondLst>
+                                        </p:cTn>
+                                        <p:tgtEl>
+                                          <p:spTgt spid="5"/>
+                                        </p:tgtEl>
+                                        <p:attrNameLst>
+                                          <p:attrName>style.visibility</p:attrName>
+                                        </p:attrNameLst>
+                                      </p:cBhvr>
+                                      <p:to>
+                                        <p:strVal val="visible"/>
+                                      </p:to>
+                                    </p:set>
+                                  </p:childTnLst>
+                                </p:cTn>
+                              </p:par>
+                              <p:par>
+                                <p:cTn id="11" presetID="1" presetClass="entr" presetSubtype="0" fill="hold" grpId="0" nodeType="withEffect">
+                                  <p:stCondLst>
+                                    <p:cond delay="0"/>
+                                  </p:stCondLst>
+                                  <p:childTnLst>
+                                    <p:set>
+                                      <p:cBhvr>
+                                        <p:cTn id="12" dur="1" fill="hold">
+                                          <p:stCondLst>
+                                            <p:cond delay="0"/>
+                                          </p:stCondLst>
+                                        </p:cTn>
+                                        <p:tgtEl>
+                                          <p:spTgt spid="6"/>
+                                        </p:tgtEl>
+                                        <p:attrNameLst>
+                                          <p:attrName>style.visibility</p:attrName>
+                                        </p:attrNameLst>
+                                      </p:cBhvr>
+                                      <p:to>
+                                        <p:strVal val="visible"/>
+                                      </p:to>
+                                    </p:set>
+                                  </p:childTnLst>
+                                </p:cTn>
+                              </p:par>
+                              <p:par>
+                                <p:cTn id="13" presetID="1" presetClass="entr" presetSubtype="0" fill="hold" grpId="0" nodeType="withEffect">
+                                  <p:stCondLst>
+                                    <p:cond delay="0"/>
+                                  </p:stCondLst>
+                                  <p:childTnLst>
+                                    <p:set>
+                                      <p:cBhvr>
+                                        <p:cTn id="14" dur="1" fill="hold">
+                                          <p:stCondLst>
+                                            <p:cond delay="0"/>
+                                          </p:stCondLst>
+                                        </p:cTn>
+                                        <p:tgtEl>
+                                          <p:spTgt spid="7"/>
+                                        </p:tgtEl>
+                                        <p:attrNameLst>
+                                          <p:attrName>style.visibility</p:attrName>
+                                        </p:attrNameLst>
+                                      </p:cBhvr>
+                                      <p:to>
+                                        <p:strVal val="visible"/>
+                                      </p:to>
+                                    </p:set>
+                                  </p:childTnLst>
+                                </p:cTn>
+                              </p:par>
+                              <p:par>
+                                <p:cTn id="15" presetID="1" presetClass="entr" presetSubtype="0" fill="hold" grpId="0" nodeType="withEffect">
+                                  <p:stCondLst>
+                                    <p:cond delay="0"/>
+                                  </p:stCondLst>
+                                  <p:childTnLst>
+                                    <p:set>
+                                      <p:cBhvr>
+                                        <p:cTn id="16" dur="1" fill="hold">
+                                          <p:stCondLst>
+                                            <p:cond delay="0"/>
+                                          </p:stCondLst>
+                                        </p:cTn>
+                                        <p:tgtEl>
+                                          <p:spTgt spid="8"/>
+                                        </p:tgtEl>
+                                        <p:attrNameLst>
+                                          <p:attrName>style.visibility</p:attrName>
+                                        </p:attrNameLst>
+                                      </p:cBhvr>
+                                      <p:to>
+                                        <p:strVal val="visible"/>
+                                      </p:to>
+                                    </p:set>
+                                  </p:childTnLst>
+                                </p:cTn>
+                              </p:par>
+                            </p:childTnLst>
+                          </p:cTn>
+                        </p:par>
+                      </p:childTnLst>
+                    </p:cTn>
+                  </p:par>
+                  <p:par>
+                    <p:cTn id="17" fill="hold">
+                      <p:stCondLst>
+                        <p:cond delay="indefinite"/>
+                      </p:stCondLst>
+                      <p:childTnLst>
+                        <p:par>
+                          <p:cTn id="18" fill="hold">
+                            <p:stCondLst>
+                              <p:cond delay="0"/>
+                            </p:stCondLst>
+                            <p:childTnLst>
+                              <p:par>
+                                <p:cTn id="19" presetID="1" presetClass="entr" presetSubtype="0" fill="hold" nodeType="clickEffect">
+                                  <p:stCondLst>
+                                    <p:cond delay="0"/>
+                                  </p:stCondLst>
+                                  <p:childTnLst>
+                                    <p:set>
+                                      <p:cBhvr>
+                                        <p:cTn id="20" dur="1" fill="hold">
+                                          <p:stCondLst>
+                                            <p:cond delay="0"/>
+                                          </p:stCondLst>
+                                        </p:cTn>
+                                        <p:tgtEl>
+                                          <p:spTgt spid="9"/>
+                                        </p:tgtEl>
+                                        <p:attrNameLst>
+                                          <p:attrName>style.visibility</p:attrName>
+                                        </p:attrNameLst>
+                                      </p:cBhvr>
+                                      <p:to>
+                                        <p:strVal val="visible"/>
+                                      </p:to>
+                                    </p:set>
+                                  </p:childTnLst>
+                                </p:cTn>
+                              </p:par>
+                            </p:childTnLst>
+                          </p:cTn>
+                        </p:par>
+                      </p:childTnLst>
+                    </p:cTn>
+                  </p:par>
+                </p:childTnLst>
+              </p:cTn>
+              <p:prevCondLst>
+                <p:cond evt="onPrev" delay="0">
+                  <p:tgtEl>
+                    <p:sldTgt/>
+                  </p:tgtEl>
+                </p:cond>
+              </p:prevCondLst>
+              <p:nextCondLst>
+                <p:cond evt="onNext" delay="0">
+                  <p:tgtEl>
+                    <p:sldTgt/>
+                  </p:tgtEl>
+                </p:cond>
+              </p:nextCondLst>
+            </p:seq>
+          </p:childTnLst>
+        </p:cTn>
+      </p:par>
+    </p:tnLst>
+    <p:bldLst>
+      <p:bldP spid="5" grpId="0" animBg="1"/>
+      <p:bldP spid="6" grpId="0" animBg="1"/>
+      <p:bldP spid="7" grpId="0" animBg="1"/>
+      <p:bldP spid="8" grpId="0" animBg="1"/>
+    </p:bldLst>
+  </p:timing>
+</p:sld>
+</file>
+
+<file path=ppt/slides/slide32.xml><?xml version="1.0" encoding="utf-8"?>
+<p:sld xmlns:a="http://schemas.openxmlformats.org/drawingml/2006/main" xmlns:r="http://schemas.openxmlformats.org/officeDocument/2006/relationships" xmlns:p="http://schemas.openxmlformats.org/presentationml/2006/main">
+  <p:cSld>
+    <p:spTree>
+      <p:nvGrpSpPr>
+        <p:cNvPr id="1" name=""/>
+        <p:cNvGrpSpPr/>
+        <p:nvPr/>
+      </p:nvGrpSpPr>
+      <p:grpSpPr>
+        <a:xfrm>
+          <a:off x="0" y="0"/>
+          <a:ext cx="0" cy="0"/>
+          <a:chOff x="0" y="0"/>
+          <a:chExt cx="0" cy="0"/>
+        </a:xfrm>
+      </p:grpSpPr>
+      <p:sp>
+        <p:nvSpPr>
+          <p:cNvPr id="5" name="Title 4"/>
+          <p:cNvSpPr>
+            <a:spLocks noGrp="1"/>
+          </p:cNvSpPr>
+          <p:nvPr>
+            <p:ph type="title"/>
+          </p:nvPr>
+        </p:nvSpPr>
+        <p:spPr/>
+        <p:txBody>
+          <a:bodyPr/>
+          <a:lstStyle/>
+          <a:p>
+            <a:r>
+              <a:rPr lang="en-GB" dirty="0"/>
+              <a:t>Rest Parameters</a:t>
+            </a:r>
+            <a:endParaRPr lang="de-DE" dirty="0"/>
+          </a:p>
+        </p:txBody>
+      </p:sp>
+      <p:pic>
+        <p:nvPicPr>
+          <p:cNvPr id="14" name="Content Placeholder 13"/>
+          <p:cNvPicPr>
+            <a:picLocks noGrp="1" noChangeAspect="1"/>
+          </p:cNvPicPr>
+          <p:nvPr>
+            <p:ph idx="1"/>
+          </p:nvPr>
+        </p:nvPicPr>
+        <p:blipFill>
+          <a:blip r:embed="rId2"/>
+          <a:stretch>
+            <a:fillRect/>
+          </a:stretch>
+        </p:blipFill>
+        <p:spPr>
+          <a:xfrm>
+            <a:off x="1371600" y="2197100"/>
+            <a:ext cx="9601200" cy="1296008"/>
+          </a:xfrm>
+          <a:prstGeom prst="rect">
+            <a:avLst/>
+          </a:prstGeom>
+        </p:spPr>
+      </p:pic>
+      <p:sp>
+        <p:nvSpPr>
+          <p:cNvPr id="8" name="TextBox 7">
+            <a:hlinkClick r:id="rId3" action="ppaction://hlinksldjump"/>
+          </p:cNvPr>
+          <p:cNvSpPr txBox="1"/>
+          <p:nvPr/>
+        </p:nvSpPr>
+        <p:spPr>
+          <a:xfrm>
+            <a:off x="706583" y="5938"/>
+            <a:ext cx="2054431" cy="400110"/>
+          </a:xfrm>
+          <a:prstGeom prst="rect">
+            <a:avLst/>
+          </a:prstGeom>
+          <a:noFill/>
+        </p:spPr>
+        <p:txBody>
+          <a:bodyPr wrap="square" rtlCol="0">
+            <a:spAutoFit/>
+          </a:bodyPr>
+          <a:lstStyle/>
+          <a:p>
+            <a:r>
+              <a:rPr lang="en-GB" sz="2000" dirty="0"/>
+              <a:t>Functions</a:t>
+            </a:r>
+            <a:endParaRPr lang="de-DE" dirty="0"/>
+          </a:p>
+        </p:txBody>
+      </p:sp>
+      <p:sp>
+        <p:nvSpPr>
+          <p:cNvPr id="9" name="TextBox 8"/>
+          <p:cNvSpPr txBox="1"/>
+          <p:nvPr/>
+        </p:nvSpPr>
+        <p:spPr>
+          <a:xfrm>
+            <a:off x="7831455" y="2171700"/>
+            <a:ext cx="2667000" cy="261610"/>
+          </a:xfrm>
+          <a:prstGeom prst="rect">
+            <a:avLst/>
+          </a:prstGeom>
+          <a:solidFill>
+            <a:schemeClr val="tx2">
+              <a:lumMod val="50000"/>
+              <a:lumOff val="50000"/>
+              <a:alpha val="25000"/>
+            </a:schemeClr>
+          </a:solidFill>
+        </p:spPr>
+        <p:txBody>
+          <a:bodyPr wrap="square" rtlCol="0">
+            <a:spAutoFit/>
+          </a:bodyPr>
+          <a:lstStyle/>
+          <a:p>
+            <a:endParaRPr lang="de-DE" sz="1100" dirty="0"/>
+          </a:p>
+        </p:txBody>
+      </p:sp>
+      <p:sp>
+        <p:nvSpPr>
+          <p:cNvPr id="11" name="TextBox 10"/>
+          <p:cNvSpPr txBox="1"/>
+          <p:nvPr/>
+        </p:nvSpPr>
+        <p:spPr>
+          <a:xfrm>
+            <a:off x="4953000" y="2954543"/>
+            <a:ext cx="2240280" cy="261610"/>
+          </a:xfrm>
+          <a:prstGeom prst="rect">
+            <a:avLst/>
+          </a:prstGeom>
+          <a:solidFill>
+            <a:schemeClr val="tx2">
+              <a:lumMod val="50000"/>
+              <a:lumOff val="50000"/>
+              <a:alpha val="25000"/>
+            </a:schemeClr>
+          </a:solidFill>
+        </p:spPr>
+        <p:txBody>
+          <a:bodyPr wrap="square" rtlCol="0">
+            <a:spAutoFit/>
+          </a:bodyPr>
+          <a:lstStyle/>
+          <a:p>
+            <a:endParaRPr lang="de-DE" sz="1100" dirty="0"/>
+          </a:p>
+        </p:txBody>
+      </p:sp>
+    </p:spTree>
+    <p:extLst>
+      <p:ext uri="{BB962C8B-B14F-4D97-AF65-F5344CB8AC3E}">
+        <p14:creationId xmlns:p14="http://schemas.microsoft.com/office/powerpoint/2010/main" val="2182288474"/>
+      </p:ext>
+    </p:extLst>
+  </p:cSld>
+  <p:clrMapOvr>
+    <a:masterClrMapping/>
+  </p:clrMapOvr>
+  <p:timing>
+    <p:tnLst>
+      <p:par>
+        <p:cTn id="1" dur="indefinite" restart="never" nodeType="tmRoot">
+          <p:childTnLst>
+            <p:seq concurrent="1" nextAc="seek">
+              <p:cTn id="2" dur="indefinite" nodeType="mainSeq">
+                <p:childTnLst>
+                  <p:par>
+                    <p:cTn id="3" fill="hold">
+                      <p:stCondLst>
+                        <p:cond delay="indefinite"/>
+                      </p:stCondLst>
+                      <p:childTnLst>
+                        <p:par>
+                          <p:cTn id="4" fill="hold">
+                            <p:stCondLst>
+                              <p:cond delay="0"/>
+                            </p:stCondLst>
+                            <p:childTnLst>
+                              <p:par>
+                                <p:cTn id="5" presetID="1" presetClass="entr" presetSubtype="0" fill="hold" grpId="0" nodeType="clickEffect">
+                                  <p:stCondLst>
+                                    <p:cond delay="0"/>
+                                  </p:stCondLst>
+                                  <p:childTnLst>
+                                    <p:set>
+                                      <p:cBhvr>
+                                        <p:cTn id="6" dur="1" fill="hold">
+                                          <p:stCondLst>
+                                            <p:cond delay="0"/>
+                                          </p:stCondLst>
+                                        </p:cTn>
+                                        <p:tgtEl>
+                                          <p:spTgt spid="11"/>
+                                        </p:tgtEl>
+                                        <p:attrNameLst>
+                                          <p:attrName>style.visibility</p:attrName>
+                                        </p:attrNameLst>
+                                      </p:cBhvr>
+                                      <p:to>
+                                        <p:strVal val="visible"/>
+                                      </p:to>
+                                    </p:set>
+                                  </p:childTnLst>
+                                </p:cTn>
+                              </p:par>
+                              <p:par>
+                                <p:cTn id="7" presetID="1" presetClass="entr" presetSubtype="0" fill="hold" grpId="0" nodeType="withEffect">
+                                  <p:stCondLst>
+                                    <p:cond delay="0"/>
+                                  </p:stCondLst>
+                                  <p:childTnLst>
+                                    <p:set>
+                                      <p:cBhvr>
+                                        <p:cTn id="8" dur="1" fill="hold">
+                                          <p:stCondLst>
+                                            <p:cond delay="0"/>
+                                          </p:stCondLst>
+                                        </p:cTn>
+                                        <p:tgtEl>
+                                          <p:spTgt spid="9"/>
+                                        </p:tgtEl>
+                                        <p:attrNameLst>
+                                          <p:attrName>style.visibility</p:attrName>
+                                        </p:attrNameLst>
+                                      </p:cBhvr>
+                                      <p:to>
+                                        <p:strVal val="visible"/>
+                                      </p:to>
+                                    </p:set>
+                                  </p:childTnLst>
+                                </p:cTn>
+                              </p:par>
+                            </p:childTnLst>
+                          </p:cTn>
+                        </p:par>
+                      </p:childTnLst>
+                    </p:cTn>
+                  </p:par>
+                </p:childTnLst>
+              </p:cTn>
+              <p:prevCondLst>
+                <p:cond evt="onPrev" delay="0">
+                  <p:tgtEl>
+                    <p:sldTgt/>
+                  </p:tgtEl>
+                </p:cond>
+              </p:prevCondLst>
+              <p:nextCondLst>
+                <p:cond evt="onNext" delay="0">
+                  <p:tgtEl>
+                    <p:sldTgt/>
+                  </p:tgtEl>
+                </p:cond>
+              </p:nextCondLst>
+            </p:seq>
+          </p:childTnLst>
+        </p:cTn>
+      </p:par>
+    </p:tnLst>
+    <p:bldLst>
+      <p:bldP spid="9" grpId="0" animBg="1"/>
+      <p:bldP spid="11" grpId="0" animBg="1"/>
+    </p:bldLst>
+  </p:timing>
+</p:sld>
+</file>
+
+<file path=ppt/slides/slide33.xml><?xml version="1.0" encoding="utf-8"?>
+<p:sld xmlns:a="http://schemas.openxmlformats.org/drawingml/2006/main" xmlns:r="http://schemas.openxmlformats.org/officeDocument/2006/relationships" xmlns:p="http://schemas.openxmlformats.org/presentationml/2006/main">
+  <p:cSld>
+    <p:spTree>
+      <p:nvGrpSpPr>
+        <p:cNvPr id="1" name=""/>
+        <p:cNvGrpSpPr/>
+        <p:nvPr/>
+      </p:nvGrpSpPr>
+      <p:grpSpPr>
+        <a:xfrm>
+          <a:off x="0" y="0"/>
+          <a:ext cx="0" cy="0"/>
+          <a:chOff x="0" y="0"/>
+          <a:chExt cx="0" cy="0"/>
+        </a:xfrm>
+      </p:grpSpPr>
+      <p:sp>
+        <p:nvSpPr>
+          <p:cNvPr id="5" name="Title 4"/>
+          <p:cNvSpPr>
+            <a:spLocks noGrp="1"/>
+          </p:cNvSpPr>
+          <p:nvPr>
+            <p:ph type="title"/>
+          </p:nvPr>
+        </p:nvSpPr>
+        <p:spPr/>
+        <p:txBody>
+          <a:bodyPr/>
+          <a:lstStyle/>
+          <a:p>
+            <a:r>
+              <a:rPr lang="en-GB" dirty="0"/>
+              <a:t>Optional Parameters</a:t>
+            </a:r>
+            <a:endParaRPr lang="de-DE" dirty="0"/>
+          </a:p>
+        </p:txBody>
+      </p:sp>
+      <p:pic>
+        <p:nvPicPr>
+          <p:cNvPr id="6" name="Content Placeholder 5"/>
+          <p:cNvPicPr>
+            <a:picLocks noGrp="1" noChangeAspect="1"/>
+          </p:cNvPicPr>
+          <p:nvPr>
+            <p:ph idx="1"/>
+          </p:nvPr>
+        </p:nvPicPr>
+        <p:blipFill>
+          <a:blip r:embed="rId2"/>
+          <a:stretch>
+            <a:fillRect/>
+          </a:stretch>
+        </p:blipFill>
+        <p:spPr>
+          <a:xfrm>
+            <a:off x="1371600" y="2171700"/>
+            <a:ext cx="10325194" cy="2422538"/>
+          </a:xfrm>
+          <a:prstGeom prst="rect">
+            <a:avLst/>
+          </a:prstGeom>
+        </p:spPr>
+      </p:pic>
+      <p:sp>
+        <p:nvSpPr>
+          <p:cNvPr id="8" name="TextBox 7">
+            <a:hlinkClick r:id="rId3" action="ppaction://hlinksldjump"/>
+          </p:cNvPr>
+          <p:cNvSpPr txBox="1"/>
+          <p:nvPr/>
+        </p:nvSpPr>
+        <p:spPr>
+          <a:xfrm>
+            <a:off x="706583" y="5938"/>
+            <a:ext cx="2054431" cy="400110"/>
+          </a:xfrm>
+          <a:prstGeom prst="rect">
+            <a:avLst/>
+          </a:prstGeom>
+          <a:noFill/>
+        </p:spPr>
+        <p:txBody>
+          <a:bodyPr wrap="square" rtlCol="0">
+            <a:spAutoFit/>
+          </a:bodyPr>
+          <a:lstStyle/>
+          <a:p>
+            <a:r>
+              <a:rPr lang="en-GB" sz="2000" dirty="0"/>
+              <a:t>Functions</a:t>
+            </a:r>
+            <a:endParaRPr lang="de-DE" dirty="0"/>
+          </a:p>
+        </p:txBody>
+      </p:sp>
+      <p:sp>
+        <p:nvSpPr>
+          <p:cNvPr id="10" name="TextBox 9"/>
+          <p:cNvSpPr txBox="1"/>
+          <p:nvPr/>
+        </p:nvSpPr>
+        <p:spPr>
+          <a:xfrm>
+            <a:off x="3514725" y="2171700"/>
+            <a:ext cx="1673225" cy="261610"/>
+          </a:xfrm>
+          <a:prstGeom prst="rect">
+            <a:avLst/>
+          </a:prstGeom>
+          <a:solidFill>
+            <a:schemeClr val="tx2">
+              <a:lumMod val="50000"/>
+              <a:lumOff val="50000"/>
+              <a:alpha val="25000"/>
+            </a:schemeClr>
+          </a:solidFill>
+        </p:spPr>
+        <p:txBody>
+          <a:bodyPr wrap="square" rtlCol="0">
+            <a:spAutoFit/>
+          </a:bodyPr>
+          <a:lstStyle/>
+          <a:p>
+            <a:endParaRPr lang="de-DE" sz="1100" dirty="0"/>
+          </a:p>
+        </p:txBody>
+      </p:sp>
+      <p:sp>
+        <p:nvSpPr>
+          <p:cNvPr id="11" name="TextBox 10"/>
+          <p:cNvSpPr txBox="1"/>
+          <p:nvPr/>
+        </p:nvSpPr>
+        <p:spPr>
+          <a:xfrm>
+            <a:off x="5373083" y="3759871"/>
+            <a:ext cx="2640618" cy="261610"/>
+          </a:xfrm>
+          <a:prstGeom prst="rect">
+            <a:avLst/>
+          </a:prstGeom>
+          <a:solidFill>
+            <a:schemeClr val="tx2">
+              <a:lumMod val="50000"/>
+              <a:lumOff val="50000"/>
+              <a:alpha val="25000"/>
+            </a:schemeClr>
+          </a:solidFill>
+        </p:spPr>
+        <p:txBody>
+          <a:bodyPr wrap="square" rtlCol="0">
+            <a:spAutoFit/>
+          </a:bodyPr>
+          <a:lstStyle/>
+          <a:p>
+            <a:endParaRPr lang="de-DE" sz="1100" dirty="0"/>
+          </a:p>
+        </p:txBody>
+      </p:sp>
+    </p:spTree>
+    <p:extLst>
+      <p:ext uri="{BB962C8B-B14F-4D97-AF65-F5344CB8AC3E}">
+        <p14:creationId xmlns:p14="http://schemas.microsoft.com/office/powerpoint/2010/main" val="2353907847"/>
+      </p:ext>
+    </p:extLst>
+  </p:cSld>
+  <p:clrMapOvr>
+    <a:masterClrMapping/>
+  </p:clrMapOvr>
+  <p:timing>
+    <p:tnLst>
+      <p:par>
+        <p:cTn id="1" dur="indefinite" restart="never" nodeType="tmRoot">
+          <p:childTnLst>
+            <p:seq concurrent="1" nextAc="seek">
+              <p:cTn id="2" dur="indefinite" nodeType="mainSeq">
+                <p:childTnLst>
+                  <p:par>
+                    <p:cTn id="3" fill="hold">
+                      <p:stCondLst>
+                        <p:cond delay="indefinite"/>
+                      </p:stCondLst>
+                      <p:childTnLst>
+                        <p:par>
+                          <p:cTn id="4" fill="hold">
+                            <p:stCondLst>
+                              <p:cond delay="0"/>
+                            </p:stCondLst>
+                            <p:childTnLst>
+                              <p:par>
+                                <p:cTn id="5" presetID="1" presetClass="entr" presetSubtype="0" fill="hold" grpId="0" nodeType="clickEffect">
+                                  <p:stCondLst>
+                                    <p:cond delay="0"/>
+                                  </p:stCondLst>
+                                  <p:childTnLst>
+                                    <p:set>
+                                      <p:cBhvr>
+                                        <p:cTn id="6" dur="1" fill="hold">
+                                          <p:stCondLst>
+                                            <p:cond delay="0"/>
+                                          </p:stCondLst>
+                                        </p:cTn>
+                                        <p:tgtEl>
+                                          <p:spTgt spid="11"/>
+                                        </p:tgtEl>
+                                        <p:attrNameLst>
+                                          <p:attrName>style.visibility</p:attrName>
+                                        </p:attrNameLst>
+                                      </p:cBhvr>
+                                      <p:to>
+                                        <p:strVal val="visible"/>
+                                      </p:to>
+                                    </p:set>
+                                  </p:childTnLst>
+                                </p:cTn>
+                              </p:par>
+                              <p:par>
+                                <p:cTn id="7" presetID="1" presetClass="entr" presetSubtype="0" fill="hold" grpId="0" nodeType="withEffect">
+                                  <p:stCondLst>
+                                    <p:cond delay="0"/>
+                                  </p:stCondLst>
+                                  <p:childTnLst>
+                                    <p:set>
+                                      <p:cBhvr>
+                                        <p:cTn id="8" dur="1" fill="hold">
+                                          <p:stCondLst>
+                                            <p:cond delay="0"/>
+                                          </p:stCondLst>
+                                        </p:cTn>
+                                        <p:tgtEl>
+                                          <p:spTgt spid="10"/>
+                                        </p:tgtEl>
+                                        <p:attrNameLst>
+                                          <p:attrName>style.visibility</p:attrName>
+                                        </p:attrNameLst>
+                                      </p:cBhvr>
+                                      <p:to>
+                                        <p:strVal val="visible"/>
+                                      </p:to>
+                                    </p:set>
+                                  </p:childTnLst>
+                                </p:cTn>
+                              </p:par>
+                            </p:childTnLst>
+                          </p:cTn>
+                        </p:par>
+                      </p:childTnLst>
+                    </p:cTn>
+                  </p:par>
+                </p:childTnLst>
+              </p:cTn>
+              <p:prevCondLst>
+                <p:cond evt="onPrev" delay="0">
+                  <p:tgtEl>
+                    <p:sldTgt/>
+                  </p:tgtEl>
+                </p:cond>
+              </p:prevCondLst>
+              <p:nextCondLst>
+                <p:cond evt="onNext" delay="0">
+                  <p:tgtEl>
+                    <p:sldTgt/>
+                  </p:tgtEl>
+                </p:cond>
+              </p:nextCondLst>
+            </p:seq>
+          </p:childTnLst>
+        </p:cTn>
+      </p:par>
+    </p:tnLst>
+    <p:bldLst>
+      <p:bldP spid="10" grpId="0" animBg="1"/>
+      <p:bldP spid="11" grpId="0" animBg="1"/>
+    </p:bldLst>
+  </p:timing>
+</p:sld>
+</file>
+
+<file path=ppt/slides/slide34.xml><?xml version="1.0" encoding="utf-8"?>
+<p:sld xmlns:a="http://schemas.openxmlformats.org/drawingml/2006/main" xmlns:r="http://schemas.openxmlformats.org/officeDocument/2006/relationships" xmlns:p="http://schemas.openxmlformats.org/presentationml/2006/main">
+  <p:cSld>
+    <p:spTree>
+      <p:nvGrpSpPr>
+        <p:cNvPr id="1" name=""/>
+        <p:cNvGrpSpPr/>
+        <p:nvPr/>
+      </p:nvGrpSpPr>
+      <p:grpSpPr>
+        <a:xfrm>
+          <a:off x="0" y="0"/>
+          <a:ext cx="0" cy="0"/>
+          <a:chOff x="0" y="0"/>
+          <a:chExt cx="0" cy="0"/>
+        </a:xfrm>
+      </p:grpSpPr>
+      <p:sp>
+        <p:nvSpPr>
+          <p:cNvPr id="2" name="Title 1"/>
+          <p:cNvSpPr>
+            <a:spLocks noGrp="1"/>
+          </p:cNvSpPr>
+          <p:nvPr>
+            <p:ph type="title"/>
+          </p:nvPr>
+        </p:nvSpPr>
+        <p:spPr/>
+        <p:txBody>
+          <a:bodyPr/>
+          <a:lstStyle/>
+          <a:p>
+            <a:r>
+              <a:rPr lang="en-GB" dirty="0"/>
+              <a:t>Lazy Generators (ES6 only!)</a:t>
+            </a:r>
+            <a:endParaRPr lang="de-DE" dirty="0"/>
+          </a:p>
+        </p:txBody>
+      </p:sp>
+      <p:pic>
+        <p:nvPicPr>
+          <p:cNvPr id="6" name="Content Placeholder 5"/>
+          <p:cNvPicPr>
+            <a:picLocks noGrp="1" noChangeAspect="1"/>
+          </p:cNvPicPr>
+          <p:nvPr>
+            <p:ph idx="1"/>
+          </p:nvPr>
+        </p:nvPicPr>
+        <p:blipFill>
+          <a:blip r:embed="rId2"/>
+          <a:stretch>
+            <a:fillRect/>
+          </a:stretch>
+        </p:blipFill>
+        <p:spPr>
+          <a:xfrm>
+            <a:off x="1371600" y="2171700"/>
+            <a:ext cx="8497486" cy="3524742"/>
+          </a:xfrm>
+          <a:prstGeom prst="rect">
+            <a:avLst/>
+          </a:prstGeom>
+        </p:spPr>
+      </p:pic>
+    </p:spTree>
+    <p:extLst>
+      <p:ext uri="{BB962C8B-B14F-4D97-AF65-F5344CB8AC3E}">
+        <p14:creationId xmlns:p14="http://schemas.microsoft.com/office/powerpoint/2010/main" val="1325353720"/>
+      </p:ext>
+    </p:extLst>
+  </p:cSld>
+  <p:clrMapOvr>
+    <a:masterClrMapping/>
+  </p:clrMapOvr>
+</p:sld>
+</file>
+
+<file path=ppt/slides/slide35.xml><?xml version="1.0" encoding="utf-8"?>
+<p:sld xmlns:a="http://schemas.openxmlformats.org/drawingml/2006/main" xmlns:r="http://schemas.openxmlformats.org/officeDocument/2006/relationships" xmlns:p="http://schemas.openxmlformats.org/presentationml/2006/main">
+  <p:cSld>
+    <p:spTree>
+      <p:nvGrpSpPr>
+        <p:cNvPr id="1" name=""/>
+        <p:cNvGrpSpPr/>
+        <p:nvPr/>
+      </p:nvGrpSpPr>
+      <p:grpSpPr>
+        <a:xfrm>
+          <a:off x="0" y="0"/>
+          <a:ext cx="0" cy="0"/>
+          <a:chOff x="0" y="0"/>
+          <a:chExt cx="0" cy="0"/>
+        </a:xfrm>
+      </p:grpSpPr>
+      <p:sp>
+        <p:nvSpPr>
+          <p:cNvPr id="4" name="Title 3"/>
+          <p:cNvSpPr>
+            <a:spLocks noGrp="1"/>
+          </p:cNvSpPr>
+          <p:nvPr>
+            <p:ph type="title"/>
+          </p:nvPr>
+        </p:nvSpPr>
+        <p:spPr>
+          <a:xfrm>
+            <a:off x="1457324" y="342900"/>
+            <a:ext cx="9515476" cy="1514476"/>
+          </a:xfrm>
+        </p:spPr>
+        <p:txBody>
+          <a:bodyPr>
+            <a:normAutofit/>
+          </a:bodyPr>
+          <a:lstStyle/>
+          <a:p>
+            <a:pPr algn="l"/>
+            <a:r>
+              <a:rPr lang="en-GB" dirty="0"/>
+              <a:t>Exercise: Fibonacci II</a:t>
+            </a:r>
+            <a:endParaRPr lang="de-DE" dirty="0"/>
+          </a:p>
+        </p:txBody>
+      </p:sp>
+      <p:sp>
+        <p:nvSpPr>
+          <p:cNvPr id="5" name="Text Placeholder 4"/>
+          <p:cNvSpPr>
+            <a:spLocks noGrp="1"/>
+          </p:cNvSpPr>
+          <p:nvPr>
+            <p:ph type="body" idx="1"/>
+          </p:nvPr>
+        </p:nvSpPr>
+        <p:spPr>
+          <a:xfrm>
+            <a:off x="1457325" y="1981200"/>
+            <a:ext cx="8920671" cy="3378452"/>
+          </a:xfrm>
+        </p:spPr>
+        <p:txBody>
+          <a:bodyPr>
+            <a:normAutofit/>
+          </a:bodyPr>
+          <a:lstStyle/>
+          <a:p>
+            <a:pPr marL="342900" indent="-342900" algn="l">
+              <a:buFont typeface="Wingdings" panose="05000000000000000000" pitchFamily="2" charset="2"/>
+              <a:buChar char="§"/>
+            </a:pPr>
+            <a:r>
+              <a:rPr lang="en-GB" dirty="0"/>
+              <a:t>Write a Fibonacci generator</a:t>
+            </a:r>
+            <a:endParaRPr lang="de-DE" dirty="0"/>
+          </a:p>
+        </p:txBody>
+      </p:sp>
+    </p:spTree>
+    <p:extLst>
+      <p:ext uri="{BB962C8B-B14F-4D97-AF65-F5344CB8AC3E}">
+        <p14:creationId xmlns:p14="http://schemas.microsoft.com/office/powerpoint/2010/main" val="1476563899"/>
+      </p:ext>
+    </p:extLst>
+  </p:cSld>
+  <p:clrMapOvr>
+    <a:masterClrMapping/>
+  </p:clrMapOvr>
+</p:sld>
+</file>
+
+<file path=ppt/slides/slide36.xml><?xml version="1.0" encoding="utf-8"?>
+<p:sld xmlns:a="http://schemas.openxmlformats.org/drawingml/2006/main" xmlns:r="http://schemas.openxmlformats.org/officeDocument/2006/relationships" xmlns:p="http://schemas.openxmlformats.org/presentationml/2006/main">
+  <p:cSld>
+    <p:spTree>
+      <p:nvGrpSpPr>
+        <p:cNvPr id="1" name=""/>
+        <p:cNvGrpSpPr/>
+        <p:nvPr/>
+      </p:nvGrpSpPr>
+      <p:grpSpPr>
+        <a:xfrm>
+          <a:off x="0" y="0"/>
+          <a:ext cx="0" cy="0"/>
+          <a:chOff x="0" y="0"/>
+          <a:chExt cx="0" cy="0"/>
+        </a:xfrm>
+      </p:grpSpPr>
+      <p:sp>
+        <p:nvSpPr>
+          <p:cNvPr id="2" name="Title 1"/>
+          <p:cNvSpPr>
+            <a:spLocks noGrp="1"/>
+          </p:cNvSpPr>
+          <p:nvPr>
+            <p:ph type="title"/>
+          </p:nvPr>
+        </p:nvSpPr>
+        <p:spPr/>
+        <p:txBody>
+          <a:bodyPr/>
+          <a:lstStyle/>
+          <a:p>
+            <a:r>
+              <a:rPr lang="en-GB" dirty="0"/>
+              <a:t>Exercise: Fibonacci II</a:t>
+            </a:r>
+            <a:endParaRPr lang="de-DE" dirty="0"/>
+          </a:p>
+        </p:txBody>
+      </p:sp>
+      <p:pic>
+        <p:nvPicPr>
+          <p:cNvPr id="15" name="Content Placeholder 14"/>
+          <p:cNvPicPr>
+            <a:picLocks noGrp="1" noChangeAspect="1"/>
+          </p:cNvPicPr>
+          <p:nvPr>
+            <p:ph idx="1"/>
+          </p:nvPr>
+        </p:nvPicPr>
+        <p:blipFill>
+          <a:blip r:embed="rId2"/>
+          <a:stretch>
+            <a:fillRect/>
+          </a:stretch>
+        </p:blipFill>
+        <p:spPr>
+          <a:xfrm>
+            <a:off x="1371600" y="2171700"/>
+            <a:ext cx="9601200" cy="3000924"/>
+          </a:xfrm>
+          <a:prstGeom prst="rect">
+            <a:avLst/>
+          </a:prstGeom>
+        </p:spPr>
+      </p:pic>
+    </p:spTree>
+    <p:extLst>
+      <p:ext uri="{BB962C8B-B14F-4D97-AF65-F5344CB8AC3E}">
+        <p14:creationId xmlns:p14="http://schemas.microsoft.com/office/powerpoint/2010/main" val="2930773693"/>
+      </p:ext>
+    </p:extLst>
+  </p:cSld>
+  <p:clrMapOvr>
+    <a:masterClrMapping/>
+  </p:clrMapOvr>
+  <p:timing>
+    <p:tnLst>
+      <p:par>
+        <p:cTn id="1" dur="indefinite" restart="never" nodeType="tmRoot">
+          <p:childTnLst>
+            <p:seq concurrent="1" nextAc="seek">
+              <p:cTn id="2" dur="indefinite" nodeType="mainSeq">
+                <p:childTnLst>
+                  <p:par>
+                    <p:cTn id="3" fill="hold">
+                      <p:stCondLst>
+                        <p:cond delay="indefinite"/>
+                      </p:stCondLst>
+                      <p:childTnLst>
+                        <p:par>
+                          <p:cTn id="4" fill="hold">
+                            <p:stCondLst>
+                              <p:cond delay="0"/>
+                            </p:stCondLst>
+                            <p:childTnLst>
+                              <p:par>
+                                <p:cTn id="5" presetID="1" presetClass="entr" presetSubtype="0" fill="hold" nodeType="clickEffect">
+                                  <p:stCondLst>
+                                    <p:cond delay="0"/>
+                                  </p:stCondLst>
+                                  <p:childTnLst>
+                                    <p:set>
+                                      <p:cBhvr>
+                                        <p:cTn id="6" dur="1" fill="hold">
+                                          <p:stCondLst>
+                                            <p:cond delay="0"/>
+                                          </p:stCondLst>
+                                        </p:cTn>
+                                        <p:tgtEl>
+                                          <p:spTgt spid="15"/>
+                                        </p:tgtEl>
+                                        <p:attrNameLst>
+                                          <p:attrName>style.visibility</p:attrName>
+                                        </p:attrNameLst>
+                                      </p:cBhvr>
+                                      <p:to>
+                                        <p:strVal val="visible"/>
+                                      </p:to>
+                                    </p:set>
+                                  </p:childTnLst>
+                                </p:cTn>
+                              </p:par>
+                            </p:childTnLst>
+                          </p:cTn>
+                        </p:par>
+                      </p:childTnLst>
+                    </p:cTn>
+                  </p:par>
+                </p:childTnLst>
+              </p:cTn>
+              <p:prevCondLst>
+                <p:cond evt="onPrev" delay="0">
+                  <p:tgtEl>
+                    <p:sldTgt/>
+                  </p:tgtEl>
+                </p:cond>
+              </p:prevCondLst>
+              <p:nextCondLst>
+                <p:cond evt="onNext" delay="0">
+                  <p:tgtEl>
+                    <p:sldTgt/>
+                  </p:tgtEl>
+                </p:cond>
+              </p:nextCondLst>
+            </p:seq>
+          </p:childTnLst>
+        </p:cTn>
+      </p:par>
+    </p:tnLst>
+  </p:timing>
+</p:sld>
+</file>
+
+<file path=ppt/slides/slide37.xml><?xml version="1.0" encoding="utf-8"?>
+<p:sld xmlns:a="http://schemas.openxmlformats.org/drawingml/2006/main" xmlns:r="http://schemas.openxmlformats.org/officeDocument/2006/relationships" xmlns:p="http://schemas.openxmlformats.org/presentationml/2006/main">
+  <p:cSld>
+    <p:spTree>
+      <p:nvGrpSpPr>
+        <p:cNvPr id="1" name=""/>
+        <p:cNvGrpSpPr/>
+        <p:nvPr/>
+      </p:nvGrpSpPr>
+      <p:grpSpPr>
+        <a:xfrm>
+          <a:off x="0" y="0"/>
+          <a:ext cx="0" cy="0"/>
+          <a:chOff x="0" y="0"/>
+          <a:chExt cx="0" cy="0"/>
+        </a:xfrm>
+      </p:grpSpPr>
+      <p:sp>
+        <p:nvSpPr>
+          <p:cNvPr id="2" name="Title 1"/>
+          <p:cNvSpPr>
+            <a:spLocks noGrp="1"/>
+          </p:cNvSpPr>
+          <p:nvPr>
+            <p:ph type="title"/>
+          </p:nvPr>
+        </p:nvSpPr>
+        <p:spPr/>
+        <p:txBody>
+          <a:bodyPr/>
+          <a:lstStyle/>
+          <a:p>
+            <a:r>
+              <a:rPr lang="en-GB" dirty="0"/>
+              <a:t>Arrays</a:t>
+            </a:r>
+            <a:endParaRPr lang="de-DE" dirty="0"/>
+          </a:p>
+        </p:txBody>
+      </p:sp>
+      <mc:AlternateContent xmlns:mc="http://schemas.openxmlformats.org/markup-compatibility/2006">
+        <mc:Choice xmlns:psuz="http://schemas.microsoft.com/office/powerpoint/2016/summaryzoom" Requires="psuz">
+          <p:graphicFrame>
+            <p:nvGraphicFramePr>
+              <p:cNvPr id="4" name="Summary Zoom 3"/>
+              <p:cNvGraphicFramePr>
+                <a:graphicFrameLocks noChangeAspect="1"/>
+              </p:cNvGraphicFramePr>
+              <p:nvPr>
+                <p:extLst>
+                  <p:ext uri="{D42A27DB-BD31-4B8C-83A1-F6EECF244321}">
+                    <p14:modId xmlns:p14="http://schemas.microsoft.com/office/powerpoint/2010/main" val="2543602497"/>
+                  </p:ext>
+                </p:extLst>
+              </p:nvPr>
+            </p:nvGraphicFramePr>
+            <p:xfrm>
+              <a:off x="1371600" y="2286000"/>
+              <a:ext cx="9601200" cy="3581400"/>
+            </p:xfrm>
+            <a:graphic>
+              <a:graphicData uri="http://schemas.microsoft.com/office/powerpoint/2016/summaryzoom">
+                <psuz:summaryZm>
+                  <psuz:gridLayout/>
+                </psuz:summaryZm>
+              </a:graphicData>
+            </a:graphic>
+          </p:graphicFrame>
+        </mc:Choice>
+        <mc:Fallback>
+          <p:grpSp>
+            <p:nvGrpSpPr>
+              <p:cNvPr id="4" name="Summary Zoom 3"/>
+              <p:cNvGrpSpPr>
+                <a:grpSpLocks noGrp="1" noUngrp="1" noRot="1" noChangeAspect="1" noMove="1" noResize="1"/>
+              </p:cNvGrpSpPr>
+              <p:nvPr/>
+            </p:nvGrpSpPr>
+            <p:grpSpPr>
+              <a:xfrm>
+                <a:off x="1371600" y="2286000"/>
+                <a:ext cx="9601200" cy="3581400"/>
+                <a:chOff x="1371600" y="2286000"/>
+                <a:chExt cx="9601200" cy="3581400"/>
+              </a:xfrm>
+            </p:grpSpPr>
+          </p:grpSp>
+        </mc:Fallback>
+      </mc:AlternateContent>
+      <mc:AlternateContent xmlns:mc="http://schemas.openxmlformats.org/markup-compatibility/2006">
+        <mc:Choice xmlns:psuz="http://schemas.microsoft.com/office/powerpoint/2016/summaryzoom" Requires="psuz">
+          <p:graphicFrame>
+            <p:nvGraphicFramePr>
+              <p:cNvPr id="6" name="Summary Zoom 5"/>
+              <p:cNvGraphicFramePr>
+                <a:graphicFrameLocks noChangeAspect="1"/>
+              </p:cNvGraphicFramePr>
+              <p:nvPr>
+                <p:extLst>
+                  <p:ext uri="{D42A27DB-BD31-4B8C-83A1-F6EECF244321}">
+                    <p14:modId xmlns:p14="http://schemas.microsoft.com/office/powerpoint/2010/main" val="2544437671"/>
+                  </p:ext>
+                </p:extLst>
+              </p:nvPr>
+            </p:nvGraphicFramePr>
+            <p:xfrm>
+              <a:off x="1524000" y="2438400"/>
+              <a:ext cx="9601200" cy="3581400"/>
+            </p:xfrm>
+            <a:graphic>
+              <a:graphicData uri="http://schemas.microsoft.com/office/powerpoint/2016/summaryzoom">
+                <psuz:summaryZm>
+                  <psuz:summaryZmObj sectionId="{53560B42-0755-411A-BE43-64585385B195}">
+                    <psuz:zmPr id="{AB19A1AA-591D-4187-99D4-102F97917EF3}" transitionDur="1000">
+                      <p166:blipFill xmlns:p166="http://schemas.microsoft.com/office/powerpoint/2016/6/main">
+                        <a:blip r:embed="rId2"/>
+                        <a:stretch>
+                          <a:fillRect/>
+                        </a:stretch>
+                      </p166:blipFill>
+                      <p166:spPr xmlns:p166="http://schemas.microsoft.com/office/powerpoint/2016/6/main">
+                        <a:xfrm>
+                          <a:off x="1881760" y="125349"/>
+                          <a:ext cx="2865119" cy="1611630"/>
+                        </a:xfrm>
+                        <a:prstGeom prst="rect">
+                          <a:avLst/>
+                        </a:prstGeom>
+                        <a:ln w="3175">
+                          <a:solidFill>
+                            <a:prstClr val="ltGray"/>
+                          </a:solidFill>
+                        </a:ln>
+                      </p166:spPr>
+                    </psuz:zmPr>
+                  </psuz:summaryZmObj>
+                  <psuz:summaryZmObj sectionId="{D9040914-A825-45D3-A1B0-0F1F7B6DAA89}">
+                    <psuz:zmPr id="{921CADEE-4E7C-4885-8ABA-8AE4388CBB01}" transitionDur="1000">
+                      <p166:blipFill xmlns:p166="http://schemas.microsoft.com/office/powerpoint/2016/6/main">
+                        <a:blip r:embed="rId3"/>
+                        <a:stretch>
+                          <a:fillRect/>
+                        </a:stretch>
+                      </p166:blipFill>
+                      <p166:spPr xmlns:p166="http://schemas.microsoft.com/office/powerpoint/2016/6/main">
+                        <a:xfrm>
+                          <a:off x="4854321" y="125349"/>
+                          <a:ext cx="2865119" cy="1611630"/>
+                        </a:xfrm>
+                        <a:prstGeom prst="rect">
+                          <a:avLst/>
+                        </a:prstGeom>
+                        <a:ln w="3175">
+                          <a:solidFill>
+                            <a:prstClr val="ltGray"/>
+                          </a:solidFill>
+                        </a:ln>
+                      </p166:spPr>
+                    </psuz:zmPr>
+                  </psuz:summaryZmObj>
+                  <psuz:summaryZmObj sectionId="{37FABDBF-9C64-496D-BE49-D1455AB6FE36}">
+                    <psuz:zmPr id="{0617311C-47D8-4946-91F0-0C916FB7A06E}" transitionDur="1000">
+                      <p166:blipFill xmlns:p166="http://schemas.microsoft.com/office/powerpoint/2016/6/main">
+                        <a:blip r:embed="rId4"/>
+                        <a:stretch>
+                          <a:fillRect/>
+                        </a:stretch>
+                      </p166:blipFill>
+                      <p166:spPr xmlns:p166="http://schemas.microsoft.com/office/powerpoint/2016/6/main">
+                        <a:xfrm>
+                          <a:off x="1881760" y="1844421"/>
+                          <a:ext cx="2865119" cy="1611630"/>
+                        </a:xfrm>
+                        <a:prstGeom prst="rect">
+                          <a:avLst/>
+                        </a:prstGeom>
+                        <a:ln w="3175">
+                          <a:solidFill>
+                            <a:prstClr val="ltGray"/>
+                          </a:solidFill>
+                        </a:ln>
+                      </p166:spPr>
+                    </psuz:zmPr>
+                  </psuz:summaryZmObj>
+                  <psuz:summaryZmObj sectionId="{5FA8F333-0FFA-49E3-B70B-F988FB93C4CF}">
+                    <psuz:zmPr id="{ED23CA34-9D93-4B5B-A1FD-5B8846D8798B}" transitionDur="1000">
+                      <p166:blipFill xmlns:p166="http://schemas.microsoft.com/office/powerpoint/2016/6/main">
+                        <a:blip r:embed="rId5"/>
+                        <a:stretch>
+                          <a:fillRect/>
+                        </a:stretch>
+                      </p166:blipFill>
+                      <p166:spPr xmlns:p166="http://schemas.microsoft.com/office/powerpoint/2016/6/main">
+                        <a:xfrm>
+                          <a:off x="4854321" y="1844421"/>
+                          <a:ext cx="2865119" cy="1611630"/>
+                        </a:xfrm>
+                        <a:prstGeom prst="rect">
+                          <a:avLst/>
+                        </a:prstGeom>
+                        <a:ln w="3175">
+                          <a:solidFill>
+                            <a:prstClr val="ltGray"/>
+                          </a:solidFill>
+                        </a:ln>
+                      </p166:spPr>
+                    </psuz:zmPr>
+                  </psuz:summaryZmObj>
+                  <psuz:gridLayout/>
+                </psuz:summaryZm>
+              </a:graphicData>
+            </a:graphic>
+          </p:graphicFrame>
+        </mc:Choice>
+        <mc:Fallback>
+          <p:grpSp>
+            <p:nvGrpSpPr>
+              <p:cNvPr id="6" name="Summary Zoom 5"/>
+              <p:cNvGrpSpPr>
+                <a:grpSpLocks noGrp="1" noUngrp="1" noRot="1" noChangeAspect="1" noMove="1" noResize="1"/>
+              </p:cNvGrpSpPr>
+              <p:nvPr/>
+            </p:nvGrpSpPr>
+            <p:grpSpPr>
+              <a:xfrm>
+                <a:off x="1524000" y="2438400"/>
+                <a:ext cx="9601200" cy="3581400"/>
+                <a:chOff x="1524000" y="2438400"/>
+                <a:chExt cx="9601200" cy="3581400"/>
+              </a:xfrm>
+            </p:grpSpPr>
+            <p:pic>
+              <p:nvPicPr>
+                <p:cNvPr id="3" name="Picture 3">
+                  <a:hlinkClick r:id="rId6" action="ppaction://hlinksldjump"/>
+                </p:cNvPr>
+                <p:cNvPicPr>
+                  <a:picLocks noSelect="1" noRot="1" noChangeAspect="1" noMove="1" noResize="1" noEditPoints="1" noAdjustHandles="1" noChangeArrowheads="1" noChangeShapeType="1"/>
+                </p:cNvPicPr>
+                <p:nvPr/>
+              </p:nvPicPr>
+              <p:blipFill>
+                <a:blip r:embed="rId2"/>
+                <a:stretch>
+                  <a:fillRect/>
+                </a:stretch>
+              </p:blipFill>
+              <p:spPr>
+                <a:xfrm>
+                  <a:off x="3405760" y="2563749"/>
+                  <a:ext cx="2865119" cy="1611630"/>
+                </a:xfrm>
+                <a:prstGeom prst="rect">
+                  <a:avLst/>
+                </a:prstGeom>
+                <a:ln w="3175">
+                  <a:solidFill>
+                    <a:prstClr val="ltGray"/>
+                  </a:solidFill>
+                </a:ln>
+              </p:spPr>
+            </p:pic>
+            <p:pic>
+              <p:nvPicPr>
+                <p:cNvPr id="5" name="Picture 5">
+                  <a:hlinkClick r:id="rId7" action="ppaction://hlinksldjump"/>
+                </p:cNvPr>
+                <p:cNvPicPr>
+                  <a:picLocks noSelect="1" noRot="1" noChangeAspect="1" noMove="1" noResize="1" noEditPoints="1" noAdjustHandles="1" noChangeArrowheads="1" noChangeShapeType="1"/>
+                </p:cNvPicPr>
+                <p:nvPr/>
+              </p:nvPicPr>
+              <p:blipFill>
+                <a:blip r:embed="rId3"/>
+                <a:stretch>
+                  <a:fillRect/>
+                </a:stretch>
+              </p:blipFill>
+              <p:spPr>
+                <a:xfrm>
+                  <a:off x="6378321" y="2563749"/>
+                  <a:ext cx="2865119" cy="1611630"/>
+                </a:xfrm>
+                <a:prstGeom prst="rect">
+                  <a:avLst/>
+                </a:prstGeom>
+                <a:ln w="3175">
+                  <a:solidFill>
+                    <a:prstClr val="ltGray"/>
+                  </a:solidFill>
+                </a:ln>
+              </p:spPr>
+            </p:pic>
+            <p:pic>
+              <p:nvPicPr>
+                <p:cNvPr id="7" name="Picture 7">
+                  <a:hlinkClick r:id="rId8" action="ppaction://hlinksldjump"/>
+                </p:cNvPr>
+                <p:cNvPicPr>
+                  <a:picLocks noSelect="1" noRot="1" noChangeAspect="1" noMove="1" noResize="1" noEditPoints="1" noAdjustHandles="1" noChangeArrowheads="1" noChangeShapeType="1"/>
+                </p:cNvPicPr>
+                <p:nvPr/>
+              </p:nvPicPr>
+              <p:blipFill>
+                <a:blip r:embed="rId4"/>
+                <a:stretch>
+                  <a:fillRect/>
+                </a:stretch>
+              </p:blipFill>
+              <p:spPr>
+                <a:xfrm>
+                  <a:off x="3405760" y="4282821"/>
+                  <a:ext cx="2865119" cy="1611630"/>
+                </a:xfrm>
+                <a:prstGeom prst="rect">
+                  <a:avLst/>
+                </a:prstGeom>
+                <a:ln w="3175">
+                  <a:solidFill>
+                    <a:prstClr val="ltGray"/>
+                  </a:solidFill>
+                </a:ln>
+              </p:spPr>
+            </p:pic>
+            <p:pic>
+              <p:nvPicPr>
+                <p:cNvPr id="8" name="Picture 8">
+                  <a:hlinkClick r:id="rId9" action="ppaction://hlinksldjump"/>
+                </p:cNvPr>
+                <p:cNvPicPr>
+                  <a:picLocks noSelect="1" noRot="1" noChangeAspect="1" noMove="1" noResize="1" noEditPoints="1" noAdjustHandles="1" noChangeArrowheads="1" noChangeShapeType="1"/>
+                </p:cNvPicPr>
+                <p:nvPr/>
+              </p:nvPicPr>
+              <p:blipFill>
+                <a:blip r:embed="rId5"/>
+                <a:stretch>
+                  <a:fillRect/>
+                </a:stretch>
+              </p:blipFill>
+              <p:spPr>
+                <a:xfrm>
+                  <a:off x="6378321" y="4282821"/>
+                  <a:ext cx="2865119" cy="1611630"/>
+                </a:xfrm>
+                <a:prstGeom prst="rect">
+                  <a:avLst/>
+                </a:prstGeom>
+                <a:ln w="3175">
+                  <a:solidFill>
+                    <a:prstClr val="ltGray"/>
+                  </a:solidFill>
+                </a:ln>
+              </p:spPr>
+            </p:pic>
+          </p:grpSp>
+        </mc:Fallback>
+      </mc:AlternateContent>
+      <p:sp>
+        <p:nvSpPr>
+          <p:cNvPr id="9" name="TextBox 8">
+            <a:hlinkClick r:id="rId10" action="ppaction://hlinksldjump"/>
+          </p:cNvPr>
+          <p:cNvSpPr txBox="1"/>
+          <p:nvPr/>
+        </p:nvSpPr>
+        <p:spPr>
+          <a:xfrm>
+            <a:off x="712521" y="5938"/>
+            <a:ext cx="2054431" cy="400110"/>
+          </a:xfrm>
+          <a:prstGeom prst="rect">
+            <a:avLst/>
+          </a:prstGeom>
+          <a:noFill/>
+        </p:spPr>
+        <p:txBody>
+          <a:bodyPr wrap="square" rtlCol="0">
+            <a:spAutoFit/>
+          </a:bodyPr>
+          <a:lstStyle/>
+          <a:p>
+            <a:r>
+              <a:rPr lang="en-GB" sz="2000" dirty="0"/>
+              <a:t>Overview</a:t>
+            </a:r>
+            <a:endParaRPr lang="de-DE" sz="2000" dirty="0"/>
+          </a:p>
+        </p:txBody>
+      </p:sp>
+    </p:spTree>
+    <p:extLst>
+      <p:ext uri="{BB962C8B-B14F-4D97-AF65-F5344CB8AC3E}">
+        <p14:creationId xmlns:p14="http://schemas.microsoft.com/office/powerpoint/2010/main" val="4072313701"/>
+      </p:ext>
+    </p:extLst>
+  </p:cSld>
+  <p:clrMapOvr>
+    <a:masterClrMapping/>
+  </p:clrMapOvr>
+</p:sld>
+</file>
+
+<file path=ppt/slides/slide38.xml><?xml version="1.0" encoding="utf-8"?>
+<p:sld xmlns:a="http://schemas.openxmlformats.org/drawingml/2006/main" xmlns:r="http://schemas.openxmlformats.org/officeDocument/2006/relationships" xmlns:p="http://schemas.openxmlformats.org/presentationml/2006/main">
+  <p:cSld>
+    <p:spTree>
+      <p:nvGrpSpPr>
+        <p:cNvPr id="1" name=""/>
+        <p:cNvGrpSpPr/>
+        <p:nvPr/>
+      </p:nvGrpSpPr>
+      <p:grpSpPr>
+        <a:xfrm>
+          <a:off x="0" y="0"/>
+          <a:ext cx="0" cy="0"/>
+          <a:chOff x="0" y="0"/>
+          <a:chExt cx="0" cy="0"/>
+        </a:xfrm>
+      </p:grpSpPr>
+      <p:sp>
+        <p:nvSpPr>
+          <p:cNvPr id="10" name="Title 9"/>
+          <p:cNvSpPr>
+            <a:spLocks noGrp="1"/>
+          </p:cNvSpPr>
+          <p:nvPr>
+            <p:ph type="title"/>
+          </p:nvPr>
+        </p:nvSpPr>
+        <p:spPr/>
+        <p:txBody>
+          <a:bodyPr/>
+          <a:lstStyle/>
+          <a:p>
+            <a:r>
+              <a:rPr lang="en-GB" dirty="0"/>
+              <a:t>Operations – Part I</a:t>
+            </a:r>
+            <a:endParaRPr lang="de-DE" dirty="0"/>
+          </a:p>
+        </p:txBody>
+      </p:sp>
+      <p:pic>
+        <p:nvPicPr>
+          <p:cNvPr id="16" name="Content Placeholder 15"/>
+          <p:cNvPicPr>
+            <a:picLocks noGrp="1" noChangeAspect="1"/>
+          </p:cNvPicPr>
+          <p:nvPr>
+            <p:ph idx="1"/>
+          </p:nvPr>
+        </p:nvPicPr>
+        <p:blipFill>
+          <a:blip r:embed="rId2"/>
+          <a:stretch>
+            <a:fillRect/>
+          </a:stretch>
+        </p:blipFill>
+        <p:spPr>
+          <a:xfrm>
+            <a:off x="1371600" y="2171700"/>
+            <a:ext cx="10319882" cy="3250496"/>
+          </a:xfrm>
+          <a:prstGeom prst="rect">
+            <a:avLst/>
+          </a:prstGeom>
+        </p:spPr>
+      </p:pic>
+      <p:sp>
+        <p:nvSpPr>
+          <p:cNvPr id="15" name="TextBox 14">
+            <a:hlinkClick r:id="rId3" action="ppaction://hlinksldjump"/>
+          </p:cNvPr>
+          <p:cNvSpPr txBox="1"/>
+          <p:nvPr/>
+        </p:nvSpPr>
+        <p:spPr>
+          <a:xfrm>
+            <a:off x="706583" y="5938"/>
+            <a:ext cx="2054431" cy="400110"/>
+          </a:xfrm>
+          <a:prstGeom prst="rect">
+            <a:avLst/>
+          </a:prstGeom>
+          <a:noFill/>
+        </p:spPr>
+        <p:txBody>
+          <a:bodyPr wrap="square" rtlCol="0">
+            <a:spAutoFit/>
+          </a:bodyPr>
+          <a:lstStyle/>
+          <a:p>
+            <a:r>
+              <a:rPr lang="en-GB" sz="2000" dirty="0"/>
+              <a:t>Arrays</a:t>
+            </a:r>
+            <a:endParaRPr lang="de-DE" dirty="0"/>
+          </a:p>
+        </p:txBody>
+      </p:sp>
+    </p:spTree>
+    <p:extLst>
+      <p:ext uri="{BB962C8B-B14F-4D97-AF65-F5344CB8AC3E}">
+        <p14:creationId xmlns:p14="http://schemas.microsoft.com/office/powerpoint/2010/main" val="3113221104"/>
+      </p:ext>
+    </p:extLst>
+  </p:cSld>
+  <p:clrMapOvr>
+    <a:masterClrMapping/>
+  </p:clrMapOvr>
+</p:sld>
+</file>
+
+<file path=ppt/slides/slide39.xml><?xml version="1.0" encoding="utf-8"?>
+<p:sld xmlns:a="http://schemas.openxmlformats.org/drawingml/2006/main" xmlns:r="http://schemas.openxmlformats.org/officeDocument/2006/relationships" xmlns:p="http://schemas.openxmlformats.org/presentationml/2006/main">
+  <p:cSld>
+    <p:spTree>
+      <p:nvGrpSpPr>
+        <p:cNvPr id="1" name=""/>
+        <p:cNvGrpSpPr/>
+        <p:nvPr/>
+      </p:nvGrpSpPr>
+      <p:grpSpPr>
+        <a:xfrm>
+          <a:off x="0" y="0"/>
+          <a:ext cx="0" cy="0"/>
+          <a:chOff x="0" y="0"/>
+          <a:chExt cx="0" cy="0"/>
+        </a:xfrm>
+      </p:grpSpPr>
+      <p:sp>
+        <p:nvSpPr>
+          <p:cNvPr id="10" name="Title 9"/>
+          <p:cNvSpPr>
+            <a:spLocks noGrp="1"/>
+          </p:cNvSpPr>
+          <p:nvPr>
+            <p:ph type="title"/>
+          </p:nvPr>
+        </p:nvSpPr>
+        <p:spPr/>
+        <p:txBody>
+          <a:bodyPr/>
+          <a:lstStyle/>
+          <a:p>
+            <a:r>
+              <a:rPr lang="en-GB" dirty="0"/>
+              <a:t>Operations – Part II</a:t>
+            </a:r>
+            <a:endParaRPr lang="de-DE" dirty="0"/>
+          </a:p>
+        </p:txBody>
+      </p:sp>
+      <p:pic>
+        <p:nvPicPr>
+          <p:cNvPr id="3" name="Content Placeholder 2"/>
+          <p:cNvPicPr>
+            <a:picLocks noGrp="1" noChangeAspect="1"/>
+          </p:cNvPicPr>
+          <p:nvPr>
+            <p:ph idx="1"/>
+          </p:nvPr>
+        </p:nvPicPr>
+        <p:blipFill>
+          <a:blip r:embed="rId2"/>
+          <a:stretch>
+            <a:fillRect/>
+          </a:stretch>
+        </p:blipFill>
+        <p:spPr>
+          <a:xfrm>
+            <a:off x="1371600" y="2171700"/>
+            <a:ext cx="7739506" cy="2857502"/>
+          </a:xfrm>
+          <a:prstGeom prst="rect">
+            <a:avLst/>
+          </a:prstGeom>
+        </p:spPr>
+      </p:pic>
+      <p:sp>
+        <p:nvSpPr>
+          <p:cNvPr id="15" name="TextBox 14">
+            <a:hlinkClick r:id="rId3" action="ppaction://hlinksldjump"/>
+          </p:cNvPr>
+          <p:cNvSpPr txBox="1"/>
+          <p:nvPr/>
+        </p:nvSpPr>
+        <p:spPr>
+          <a:xfrm>
+            <a:off x="706583" y="5938"/>
+            <a:ext cx="2054431" cy="400110"/>
+          </a:xfrm>
+          <a:prstGeom prst="rect">
+            <a:avLst/>
+          </a:prstGeom>
+          <a:noFill/>
+        </p:spPr>
+        <p:txBody>
+          <a:bodyPr wrap="square" rtlCol="0">
+            <a:spAutoFit/>
+          </a:bodyPr>
+          <a:lstStyle/>
+          <a:p>
+            <a:r>
+              <a:rPr lang="en-GB" sz="2000" dirty="0"/>
+              <a:t>Arrays</a:t>
+            </a:r>
+            <a:endParaRPr lang="de-DE" dirty="0"/>
+          </a:p>
+        </p:txBody>
+      </p:sp>
+    </p:spTree>
+    <p:extLst>
+      <p:ext uri="{BB962C8B-B14F-4D97-AF65-F5344CB8AC3E}">
+        <p14:creationId xmlns:p14="http://schemas.microsoft.com/office/powerpoint/2010/main" val="947775739"/>
+      </p:ext>
+    </p:extLst>
+  </p:cSld>
+  <p:clrMapOvr>
+    <a:masterClrMapping/>
+  </p:clrMapOvr>
+</p:sld>
+</file>
+
+<file path=ppt/slides/slide4.xml><?xml version="1.0" encoding="utf-8"?>
+<p:sld xmlns:a="http://schemas.openxmlformats.org/drawingml/2006/main" xmlns:r="http://schemas.openxmlformats.org/officeDocument/2006/relationships" xmlns:p="http://schemas.openxmlformats.org/presentationml/2006/main">
+  <p:cSld>
+    <p:spTree>
+      <p:nvGrpSpPr>
+        <p:cNvPr id="1" name=""/>
+        <p:cNvGrpSpPr/>
+        <p:nvPr/>
+      </p:nvGrpSpPr>
+      <p:grpSpPr>
+        <a:xfrm>
+          <a:off x="0" y="0"/>
+          <a:ext cx="0" cy="0"/>
+          <a:chOff x="0" y="0"/>
+          <a:chExt cx="0" cy="0"/>
+        </a:xfrm>
+      </p:grpSpPr>
+      <p:sp>
+        <p:nvSpPr>
+          <p:cNvPr id="2" name="Title 1"/>
+          <p:cNvSpPr>
+            <a:spLocks noGrp="1"/>
+          </p:cNvSpPr>
+          <p:nvPr>
+            <p:ph type="title"/>
+          </p:nvPr>
+        </p:nvSpPr>
+        <p:spPr/>
+        <p:txBody>
+          <a:bodyPr/>
+          <a:lstStyle/>
+          <a:p>
+            <a:r>
+              <a:rPr lang="en-GB" dirty="0"/>
+              <a:t>Basics</a:t>
+            </a:r>
+            <a:endParaRPr lang="de-DE" dirty="0"/>
+          </a:p>
+        </p:txBody>
+      </p:sp>
+      <mc:AlternateContent xmlns:mc="http://schemas.openxmlformats.org/markup-compatibility/2006">
+        <mc:Choice xmlns:psuz="http://schemas.microsoft.com/office/powerpoint/2016/summaryzoom" Requires="psuz">
+          <p:graphicFrame>
+            <p:nvGraphicFramePr>
+              <p:cNvPr id="5" name="Summary Zoom 4"/>
+              <p:cNvGraphicFramePr>
+                <a:graphicFrameLocks noChangeAspect="1"/>
+              </p:cNvGraphicFramePr>
+              <p:nvPr>
+                <p:extLst>
+                  <p:ext uri="{D42A27DB-BD31-4B8C-83A1-F6EECF244321}">
+                    <p14:modId xmlns:p14="http://schemas.microsoft.com/office/powerpoint/2010/main" val="2082366779"/>
                   </p:ext>
                 </p:extLst>
               </p:nvPr>
@@ -4228,7 +10888,7 @@
               <a:graphicData uri="http://schemas.microsoft.com/office/powerpoint/2016/summaryzoom">
                 <psuz:summaryZm>
                   <psuz:summaryZmObj sectionId="{181E29B0-F18C-4551-AB2A-BCD841CBADCD}">
-                    <psuz:zmPr id="{5CF19D11-178C-4069-9097-C169EE28410B}" transitionDur="1000">
+                    <psuz:zmPr id="{8A1D9B56-1123-4529-9F5C-BCED8766C0DA}" transitionDur="1000">
                       <p166:blipFill xmlns:p166="http://schemas.microsoft.com/office/powerpoint/2016/6/main">
                         <a:blip r:embed="rId2"/>
                         <a:stretch>
@@ -4252,7 +10912,7 @@
                     </psuz:zmPr>
                   </psuz:summaryZmObj>
                   <psuz:summaryZmObj sectionId="{FC40A588-AE5F-495D-B336-7D287693925D}">
-                    <psuz:zmPr id="{D7D09E95-5C0E-453F-B4DE-3A069B3BA9A9}" transitionDur="1000">
+                    <psuz:zmPr id="{20C14603-2496-4AFB-A656-02CA8269F0E2}" transitionDur="1000">
                       <p166:blipFill xmlns:p166="http://schemas.microsoft.com/office/powerpoint/2016/6/main">
                         <a:blip r:embed="rId3"/>
                         <a:stretch>
@@ -4275,8 +10935,8 @@
                       </p166:spPr>
                     </psuz:zmPr>
                   </psuz:summaryZmObj>
-                  <psuz:summaryZmObj sectionId="{A6DF37EE-F1C1-4765-820A-F9D19CA5025C}">
-                    <psuz:zmPr id="{9D5585F6-6BA8-4030-9B75-571974D228FB}" transitionDur="1000">
+                  <psuz:summaryZmObj sectionId="{35CAD9EE-E5D4-46A0-ACA4-47DEA4E5BB8C}">
+                    <psuz:zmPr id="{B93A71BD-6C5E-454C-BF70-D93BCD63CB86}" transitionDur="1000">
                       <p166:blipFill xmlns:p166="http://schemas.microsoft.com/office/powerpoint/2016/6/main">
                         <a:blip r:embed="rId4"/>
                         <a:stretch>
@@ -4299,8 +10959,8 @@
                       </p166:spPr>
                     </psuz:zmPr>
                   </psuz:summaryZmObj>
-                  <psuz:summaryZmObj sectionId="{35CAD9EE-E5D4-46A0-ACA4-47DEA4E5BB8C}">
-                    <psuz:zmPr id="{BB339EFB-F05D-4E7A-97B5-CBAC68919A93}" transitionDur="1000">
+                  <psuz:summaryZmObj sectionId="{17F2CB21-DAB8-4FCD-AA54-380F6DC44B82}">
+                    <psuz:zmPr id="{17D86C3E-7C52-409F-A500-B017106D9EED}" transitionDur="1000">
                       <p166:blipFill xmlns:p166="http://schemas.microsoft.com/office/powerpoint/2016/6/main">
                         <a:blip r:embed="rId5"/>
                         <a:stretch>
@@ -4473,10 +11133,42 @@
           </p:grpSp>
         </mc:Fallback>
       </mc:AlternateContent>
+      <p:sp>
+        <p:nvSpPr>
+          <p:cNvPr id="8" name="TextBox 7">
+            <a:hlinkClick r:id="rId10" action="ppaction://hlinksldjump"/>
+          </p:cNvPr>
+          <p:cNvSpPr txBox="1"/>
+          <p:nvPr/>
+        </p:nvSpPr>
+        <p:spPr>
+          <a:xfrm>
+            <a:off x="712521" y="5938"/>
+            <a:ext cx="2054431" cy="400110"/>
+          </a:xfrm>
+          <a:prstGeom prst="rect">
+            <a:avLst/>
+          </a:prstGeom>
+          <a:noFill/>
+        </p:spPr>
+        <p:txBody>
+          <a:bodyPr wrap="square" rtlCol="0">
+            <a:spAutoFit/>
+          </a:bodyPr>
+          <a:lstStyle/>
+          <a:p>
+            <a:r>
+              <a:rPr lang="en-GB" sz="2000" dirty="0"/>
+              <a:t>Overview</a:t>
+            </a:r>
+            <a:endParaRPr lang="de-DE" sz="2000" dirty="0"/>
+          </a:p>
+        </p:txBody>
+      </p:sp>
     </p:spTree>
     <p:extLst>
       <p:ext uri="{BB962C8B-B14F-4D97-AF65-F5344CB8AC3E}">
-        <p14:creationId xmlns:p14="http://schemas.microsoft.com/office/powerpoint/2010/main" val="2435902571"/>
+        <p14:creationId xmlns:p14="http://schemas.microsoft.com/office/powerpoint/2010/main" val="2619356774"/>
       </p:ext>
     </p:extLst>
   </p:cSld>
@@ -4486,17 +11178,9 @@
 </p:sld>
 </file>
 
-<file path=ppt/slides/slide3.xml><?xml version="1.0" encoding="utf-8"?>
+<file path=ppt/slides/slide40.xml><?xml version="1.0" encoding="utf-8"?>
 <p:sld xmlns:a="http://schemas.openxmlformats.org/drawingml/2006/main" xmlns:r="http://schemas.openxmlformats.org/officeDocument/2006/relationships" xmlns:p="http://schemas.openxmlformats.org/presentationml/2006/main">
   <p:cSld>
-    <p:bg>
-      <p:bgPr>
-        <a:solidFill>
-          <a:schemeClr val="bg2"/>
-        </a:solidFill>
-        <a:effectLst/>
-      </p:bgPr>
-    </p:bg>
     <p:spTree>
       <p:nvGrpSpPr>
         <p:cNvPr id="1" name=""/>
@@ -4513,7 +11197,7 @@
       </p:grpSpPr>
       <p:sp>
         <p:nvSpPr>
-          <p:cNvPr id="2" name="Title 1"/>
+          <p:cNvPr id="10" name="Title 9"/>
           <p:cNvSpPr>
             <a:spLocks noGrp="1"/>
           </p:cNvSpPr>
@@ -4528,7 +11212,7 @@
           <a:p>
             <a:r>
               <a:rPr lang="en-GB" dirty="0"/>
-              <a:t>Declare variable</a:t>
+              <a:t>Operations – Part III</a:t>
             </a:r>
             <a:endParaRPr lang="de-DE" dirty="0"/>
           </a:p>
@@ -4536,42 +11220,40 @@
       </p:sp>
       <p:sp>
         <p:nvSpPr>
-          <p:cNvPr id="5" name="TextBox 4"/>
-          <p:cNvSpPr txBox="1"/>
-          <p:nvPr/>
-        </p:nvSpPr>
-        <p:spPr>
-          <a:xfrm>
-            <a:off x="712521" y="5938"/>
-            <a:ext cx="2054431" cy="400110"/>
-          </a:xfrm>
-          <a:prstGeom prst="rect">
-            <a:avLst/>
-          </a:prstGeom>
-          <a:noFill/>
-        </p:spPr>
-        <p:txBody>
-          <a:bodyPr wrap="square" rtlCol="0">
-            <a:spAutoFit/>
-          </a:bodyPr>
-          <a:lstStyle/>
-          <a:p>
-            <a:r>
-              <a:rPr lang="en-GB" sz="2000" dirty="0"/>
-              <a:t>Basics</a:t>
-            </a:r>
-            <a:endParaRPr lang="de-DE" sz="2000" dirty="0"/>
+          <p:cNvPr id="5" name="Text Placeholder 4"/>
+          <p:cNvSpPr>
+            <a:spLocks noGrp="1"/>
+          </p:cNvSpPr>
+          <p:nvPr>
+            <p:ph type="body" idx="1"/>
+          </p:nvPr>
+        </p:nvSpPr>
+        <p:spPr>
+          <a:xfrm>
+            <a:off x="1371600" y="1905000"/>
+            <a:ext cx="4443984" cy="616839"/>
+          </a:xfrm>
+        </p:spPr>
+        <p:txBody>
+          <a:bodyPr/>
+          <a:lstStyle/>
+          <a:p>
+            <a:r>
+              <a:rPr lang="en-GB" dirty="0"/>
+              <a:t>Spread</a:t>
+            </a:r>
+            <a:endParaRPr lang="de-DE" dirty="0"/>
           </a:p>
         </p:txBody>
       </p:sp>
       <p:pic>
         <p:nvPicPr>
-          <p:cNvPr id="7" name="Content Placeholder 6"/>
+          <p:cNvPr id="4" name="Content Placeholder 3"/>
           <p:cNvPicPr>
             <a:picLocks noGrp="1" noChangeAspect="1"/>
           </p:cNvPicPr>
           <p:nvPr>
-            <p:ph idx="1"/>
+            <p:ph sz="half" idx="2"/>
           </p:nvPr>
         </p:nvPicPr>
         <p:blipFill>
@@ -4582,14 +11264,1341 @@
         </p:blipFill>
         <p:spPr>
           <a:xfrm>
-            <a:off x="1747220" y="3276488"/>
-            <a:ext cx="8849960" cy="1600423"/>
+            <a:off x="1371599" y="2521839"/>
+            <a:ext cx="7136095" cy="1116747"/>
           </a:xfrm>
           <a:prstGeom prst="rect">
             <a:avLst/>
           </a:prstGeom>
         </p:spPr>
       </p:pic>
+      <p:sp>
+        <p:nvSpPr>
+          <p:cNvPr id="6" name="Text Placeholder 5"/>
+          <p:cNvSpPr>
+            <a:spLocks noGrp="1"/>
+          </p:cNvSpPr>
+          <p:nvPr>
+            <p:ph type="body" sz="quarter" idx="3"/>
+          </p:nvPr>
+        </p:nvSpPr>
+        <p:spPr>
+          <a:xfrm>
+            <a:off x="1371600" y="4131526"/>
+            <a:ext cx="4443984" cy="823912"/>
+          </a:xfrm>
+        </p:spPr>
+        <p:txBody>
+          <a:bodyPr/>
+          <a:lstStyle/>
+          <a:p>
+            <a:r>
+              <a:rPr lang="en-GB" dirty="0"/>
+              <a:t>Deconstructing</a:t>
+            </a:r>
+            <a:endParaRPr lang="de-DE" dirty="0"/>
+          </a:p>
+        </p:txBody>
+      </p:sp>
+      <p:pic>
+        <p:nvPicPr>
+          <p:cNvPr id="8" name="Content Placeholder 7"/>
+          <p:cNvPicPr>
+            <a:picLocks noGrp="1" noChangeAspect="1"/>
+          </p:cNvPicPr>
+          <p:nvPr>
+            <p:ph sz="quarter" idx="4"/>
+          </p:nvPr>
+        </p:nvPicPr>
+        <p:blipFill>
+          <a:blip r:embed="rId3"/>
+          <a:stretch>
+            <a:fillRect/>
+          </a:stretch>
+        </p:blipFill>
+        <p:spPr>
+          <a:xfrm>
+            <a:off x="1371599" y="4955438"/>
+            <a:ext cx="5625621" cy="779406"/>
+          </a:xfrm>
+          <a:prstGeom prst="rect">
+            <a:avLst/>
+          </a:prstGeom>
+        </p:spPr>
+      </p:pic>
+      <p:sp>
+        <p:nvSpPr>
+          <p:cNvPr id="15" name="TextBox 14">
+            <a:hlinkClick r:id="rId4" action="ppaction://hlinksldjump"/>
+          </p:cNvPr>
+          <p:cNvSpPr txBox="1"/>
+          <p:nvPr/>
+        </p:nvSpPr>
+        <p:spPr>
+          <a:xfrm>
+            <a:off x="706583" y="5938"/>
+            <a:ext cx="2054431" cy="400110"/>
+          </a:xfrm>
+          <a:prstGeom prst="rect">
+            <a:avLst/>
+          </a:prstGeom>
+          <a:noFill/>
+        </p:spPr>
+        <p:txBody>
+          <a:bodyPr wrap="square" rtlCol="0">
+            <a:spAutoFit/>
+          </a:bodyPr>
+          <a:lstStyle/>
+          <a:p>
+            <a:r>
+              <a:rPr lang="en-GB" sz="2000" dirty="0"/>
+              <a:t>Arrays</a:t>
+            </a:r>
+            <a:endParaRPr lang="de-DE" dirty="0"/>
+          </a:p>
+        </p:txBody>
+      </p:sp>
+    </p:spTree>
+    <p:extLst>
+      <p:ext uri="{BB962C8B-B14F-4D97-AF65-F5344CB8AC3E}">
+        <p14:creationId xmlns:p14="http://schemas.microsoft.com/office/powerpoint/2010/main" val="462913938"/>
+      </p:ext>
+    </p:extLst>
+  </p:cSld>
+  <p:clrMapOvr>
+    <a:masterClrMapping/>
+  </p:clrMapOvr>
+</p:sld>
+</file>
+
+<file path=ppt/slides/slide41.xml><?xml version="1.0" encoding="utf-8"?>
+<p:sld xmlns:a="http://schemas.openxmlformats.org/drawingml/2006/main" xmlns:r="http://schemas.openxmlformats.org/officeDocument/2006/relationships" xmlns:p="http://schemas.openxmlformats.org/presentationml/2006/main">
+  <p:cSld>
+    <p:spTree>
+      <p:nvGrpSpPr>
+        <p:cNvPr id="1" name=""/>
+        <p:cNvGrpSpPr/>
+        <p:nvPr/>
+      </p:nvGrpSpPr>
+      <p:grpSpPr>
+        <a:xfrm>
+          <a:off x="0" y="0"/>
+          <a:ext cx="0" cy="0"/>
+          <a:chOff x="0" y="0"/>
+          <a:chExt cx="0" cy="0"/>
+        </a:xfrm>
+      </p:grpSpPr>
+      <p:sp>
+        <p:nvSpPr>
+          <p:cNvPr id="10" name="Title 9"/>
+          <p:cNvSpPr>
+            <a:spLocks noGrp="1"/>
+          </p:cNvSpPr>
+          <p:nvPr>
+            <p:ph type="title"/>
+          </p:nvPr>
+        </p:nvSpPr>
+        <p:spPr/>
+        <p:txBody>
+          <a:bodyPr/>
+          <a:lstStyle/>
+          <a:p>
+            <a:r>
+              <a:rPr lang="en-GB" dirty="0"/>
+              <a:t>Filter</a:t>
+            </a:r>
+            <a:endParaRPr lang="de-DE" dirty="0"/>
+          </a:p>
+        </p:txBody>
+      </p:sp>
+      <p:pic>
+        <p:nvPicPr>
+          <p:cNvPr id="12" name="Content Placeholder 11"/>
+          <p:cNvPicPr>
+            <a:picLocks noGrp="1" noChangeAspect="1"/>
+          </p:cNvPicPr>
+          <p:nvPr>
+            <p:ph idx="1"/>
+          </p:nvPr>
+        </p:nvPicPr>
+        <p:blipFill>
+          <a:blip r:embed="rId2"/>
+          <a:stretch>
+            <a:fillRect/>
+          </a:stretch>
+        </p:blipFill>
+        <p:spPr>
+          <a:xfrm>
+            <a:off x="1371600" y="2171700"/>
+            <a:ext cx="9601200" cy="2648073"/>
+          </a:xfrm>
+          <a:prstGeom prst="rect">
+            <a:avLst/>
+          </a:prstGeom>
+        </p:spPr>
+      </p:pic>
+      <p:sp>
+        <p:nvSpPr>
+          <p:cNvPr id="15" name="TextBox 14">
+            <a:hlinkClick r:id="rId3" action="ppaction://hlinksldjump"/>
+          </p:cNvPr>
+          <p:cNvSpPr txBox="1"/>
+          <p:nvPr/>
+        </p:nvSpPr>
+        <p:spPr>
+          <a:xfrm>
+            <a:off x="706583" y="5938"/>
+            <a:ext cx="2054431" cy="400110"/>
+          </a:xfrm>
+          <a:prstGeom prst="rect">
+            <a:avLst/>
+          </a:prstGeom>
+          <a:noFill/>
+        </p:spPr>
+        <p:txBody>
+          <a:bodyPr wrap="square" rtlCol="0">
+            <a:spAutoFit/>
+          </a:bodyPr>
+          <a:lstStyle/>
+          <a:p>
+            <a:r>
+              <a:rPr lang="en-GB" sz="2000" dirty="0"/>
+              <a:t>Arrays</a:t>
+            </a:r>
+            <a:endParaRPr lang="de-DE" dirty="0"/>
+          </a:p>
+        </p:txBody>
+      </p:sp>
+    </p:spTree>
+    <p:extLst>
+      <p:ext uri="{BB962C8B-B14F-4D97-AF65-F5344CB8AC3E}">
+        <p14:creationId xmlns:p14="http://schemas.microsoft.com/office/powerpoint/2010/main" val="2787221191"/>
+      </p:ext>
+    </p:extLst>
+  </p:cSld>
+  <p:clrMapOvr>
+    <a:masterClrMapping/>
+  </p:clrMapOvr>
+</p:sld>
+</file>
+
+<file path=ppt/slides/slide42.xml><?xml version="1.0" encoding="utf-8"?>
+<p:sld xmlns:a="http://schemas.openxmlformats.org/drawingml/2006/main" xmlns:r="http://schemas.openxmlformats.org/officeDocument/2006/relationships" xmlns:p="http://schemas.openxmlformats.org/presentationml/2006/main">
+  <p:cSld>
+    <p:spTree>
+      <p:nvGrpSpPr>
+        <p:cNvPr id="1" name=""/>
+        <p:cNvGrpSpPr/>
+        <p:nvPr/>
+      </p:nvGrpSpPr>
+      <p:grpSpPr>
+        <a:xfrm>
+          <a:off x="0" y="0"/>
+          <a:ext cx="0" cy="0"/>
+          <a:chOff x="0" y="0"/>
+          <a:chExt cx="0" cy="0"/>
+        </a:xfrm>
+      </p:grpSpPr>
+      <p:sp>
+        <p:nvSpPr>
+          <p:cNvPr id="10" name="Title 9"/>
+          <p:cNvSpPr>
+            <a:spLocks noGrp="1"/>
+          </p:cNvSpPr>
+          <p:nvPr>
+            <p:ph type="title"/>
+          </p:nvPr>
+        </p:nvSpPr>
+        <p:spPr/>
+        <p:txBody>
+          <a:bodyPr/>
+          <a:lstStyle/>
+          <a:p>
+            <a:r>
+              <a:rPr lang="en-GB" dirty="0"/>
+              <a:t>Map</a:t>
+            </a:r>
+            <a:endParaRPr lang="de-DE" dirty="0"/>
+          </a:p>
+        </p:txBody>
+      </p:sp>
+      <p:pic>
+        <p:nvPicPr>
+          <p:cNvPr id="3" name="Content Placeholder 2"/>
+          <p:cNvPicPr>
+            <a:picLocks noGrp="1" noChangeAspect="1"/>
+          </p:cNvPicPr>
+          <p:nvPr>
+            <p:ph idx="1"/>
+          </p:nvPr>
+        </p:nvPicPr>
+        <p:blipFill>
+          <a:blip r:embed="rId2"/>
+          <a:stretch>
+            <a:fillRect/>
+          </a:stretch>
+        </p:blipFill>
+        <p:spPr>
+          <a:xfrm>
+            <a:off x="1371600" y="2171699"/>
+            <a:ext cx="8353425" cy="4305511"/>
+          </a:xfrm>
+          <a:prstGeom prst="rect">
+            <a:avLst/>
+          </a:prstGeom>
+        </p:spPr>
+      </p:pic>
+      <p:sp>
+        <p:nvSpPr>
+          <p:cNvPr id="15" name="TextBox 14">
+            <a:hlinkClick r:id="rId3" action="ppaction://hlinksldjump"/>
+          </p:cNvPr>
+          <p:cNvSpPr txBox="1"/>
+          <p:nvPr/>
+        </p:nvSpPr>
+        <p:spPr>
+          <a:xfrm>
+            <a:off x="706583" y="5938"/>
+            <a:ext cx="2054431" cy="400110"/>
+          </a:xfrm>
+          <a:prstGeom prst="rect">
+            <a:avLst/>
+          </a:prstGeom>
+          <a:noFill/>
+        </p:spPr>
+        <p:txBody>
+          <a:bodyPr wrap="square" rtlCol="0">
+            <a:spAutoFit/>
+          </a:bodyPr>
+          <a:lstStyle/>
+          <a:p>
+            <a:r>
+              <a:rPr lang="en-GB" sz="2000" dirty="0"/>
+              <a:t>Arrays</a:t>
+            </a:r>
+            <a:endParaRPr lang="de-DE" dirty="0"/>
+          </a:p>
+        </p:txBody>
+      </p:sp>
+    </p:spTree>
+    <p:extLst>
+      <p:ext uri="{BB962C8B-B14F-4D97-AF65-F5344CB8AC3E}">
+        <p14:creationId xmlns:p14="http://schemas.microsoft.com/office/powerpoint/2010/main" val="1077145192"/>
+      </p:ext>
+    </p:extLst>
+  </p:cSld>
+  <p:clrMapOvr>
+    <a:masterClrMapping/>
+  </p:clrMapOvr>
+</p:sld>
+</file>
+
+<file path=ppt/slides/slide43.xml><?xml version="1.0" encoding="utf-8"?>
+<p:sld xmlns:a="http://schemas.openxmlformats.org/drawingml/2006/main" xmlns:r="http://schemas.openxmlformats.org/officeDocument/2006/relationships" xmlns:p="http://schemas.openxmlformats.org/presentationml/2006/main">
+  <p:cSld>
+    <p:spTree>
+      <p:nvGrpSpPr>
+        <p:cNvPr id="1" name=""/>
+        <p:cNvGrpSpPr/>
+        <p:nvPr/>
+      </p:nvGrpSpPr>
+      <p:grpSpPr>
+        <a:xfrm>
+          <a:off x="0" y="0"/>
+          <a:ext cx="0" cy="0"/>
+          <a:chOff x="0" y="0"/>
+          <a:chExt cx="0" cy="0"/>
+        </a:xfrm>
+      </p:grpSpPr>
+      <p:sp>
+        <p:nvSpPr>
+          <p:cNvPr id="10" name="Title 9"/>
+          <p:cNvSpPr>
+            <a:spLocks noGrp="1"/>
+          </p:cNvSpPr>
+          <p:nvPr>
+            <p:ph type="title"/>
+          </p:nvPr>
+        </p:nvSpPr>
+        <p:spPr/>
+        <p:txBody>
+          <a:bodyPr/>
+          <a:lstStyle/>
+          <a:p>
+            <a:r>
+              <a:rPr lang="en-GB" dirty="0"/>
+              <a:t>Reduce</a:t>
+            </a:r>
+            <a:endParaRPr lang="de-DE" dirty="0"/>
+          </a:p>
+        </p:txBody>
+      </p:sp>
+      <p:pic>
+        <p:nvPicPr>
+          <p:cNvPr id="4" name="Content Placeholder 3"/>
+          <p:cNvPicPr>
+            <a:picLocks noGrp="1" noChangeAspect="1"/>
+          </p:cNvPicPr>
+          <p:nvPr>
+            <p:ph idx="1"/>
+          </p:nvPr>
+        </p:nvPicPr>
+        <p:blipFill>
+          <a:blip r:embed="rId2"/>
+          <a:stretch>
+            <a:fillRect/>
+          </a:stretch>
+        </p:blipFill>
+        <p:spPr>
+          <a:xfrm>
+            <a:off x="1371600" y="3023818"/>
+            <a:ext cx="9601200" cy="2105763"/>
+          </a:xfrm>
+          <a:prstGeom prst="rect">
+            <a:avLst/>
+          </a:prstGeom>
+        </p:spPr>
+      </p:pic>
+      <p:sp>
+        <p:nvSpPr>
+          <p:cNvPr id="15" name="TextBox 14">
+            <a:hlinkClick r:id="rId3" action="ppaction://hlinksldjump"/>
+          </p:cNvPr>
+          <p:cNvSpPr txBox="1"/>
+          <p:nvPr/>
+        </p:nvSpPr>
+        <p:spPr>
+          <a:xfrm>
+            <a:off x="706583" y="5938"/>
+            <a:ext cx="2054431" cy="400110"/>
+          </a:xfrm>
+          <a:prstGeom prst="rect">
+            <a:avLst/>
+          </a:prstGeom>
+          <a:noFill/>
+        </p:spPr>
+        <p:txBody>
+          <a:bodyPr wrap="square" rtlCol="0">
+            <a:spAutoFit/>
+          </a:bodyPr>
+          <a:lstStyle/>
+          <a:p>
+            <a:r>
+              <a:rPr lang="en-GB" sz="2000" dirty="0"/>
+              <a:t>Arrays</a:t>
+            </a:r>
+            <a:endParaRPr lang="de-DE" dirty="0"/>
+          </a:p>
+        </p:txBody>
+      </p:sp>
+      <p:pic>
+        <p:nvPicPr>
+          <p:cNvPr id="6" name="Picture 5"/>
+          <p:cNvPicPr>
+            <a:picLocks noChangeAspect="1"/>
+          </p:cNvPicPr>
+          <p:nvPr/>
+        </p:nvPicPr>
+        <p:blipFill>
+          <a:blip r:embed="rId4"/>
+          <a:stretch>
+            <a:fillRect/>
+          </a:stretch>
+        </p:blipFill>
+        <p:spPr>
+          <a:xfrm>
+            <a:off x="1371600" y="2171700"/>
+            <a:ext cx="10509847" cy="838164"/>
+          </a:xfrm>
+          <a:prstGeom prst="rect">
+            <a:avLst/>
+          </a:prstGeom>
+        </p:spPr>
+      </p:pic>
+      <p:sp>
+        <p:nvSpPr>
+          <p:cNvPr id="8" name="TextBox 7"/>
+          <p:cNvSpPr txBox="1"/>
+          <p:nvPr/>
+        </p:nvSpPr>
+        <p:spPr>
+          <a:xfrm>
+            <a:off x="1200150" y="4533900"/>
+            <a:ext cx="10763250" cy="1704975"/>
+          </a:xfrm>
+          <a:prstGeom prst="rect">
+            <a:avLst/>
+          </a:prstGeom>
+          <a:solidFill>
+            <a:schemeClr val="bg2"/>
+          </a:solidFill>
+        </p:spPr>
+        <p:txBody>
+          <a:bodyPr wrap="square" rtlCol="0">
+            <a:spAutoFit/>
+          </a:bodyPr>
+          <a:lstStyle/>
+          <a:p>
+            <a:endParaRPr lang="de-DE" dirty="0"/>
+          </a:p>
+        </p:txBody>
+      </p:sp>
+    </p:spTree>
+    <p:extLst>
+      <p:ext uri="{BB962C8B-B14F-4D97-AF65-F5344CB8AC3E}">
+        <p14:creationId xmlns:p14="http://schemas.microsoft.com/office/powerpoint/2010/main" val="1655869116"/>
+      </p:ext>
+    </p:extLst>
+  </p:cSld>
+  <p:clrMapOvr>
+    <a:masterClrMapping/>
+  </p:clrMapOvr>
+  <p:timing>
+    <p:tnLst>
+      <p:par>
+        <p:cTn id="1" dur="indefinite" restart="never" nodeType="tmRoot">
+          <p:childTnLst>
+            <p:seq concurrent="1" nextAc="seek">
+              <p:cTn id="2" dur="indefinite" nodeType="mainSeq">
+                <p:childTnLst>
+                  <p:par>
+                    <p:cTn id="3" fill="hold">
+                      <p:stCondLst>
+                        <p:cond delay="indefinite"/>
+                      </p:stCondLst>
+                      <p:childTnLst>
+                        <p:par>
+                          <p:cTn id="4" fill="hold">
+                            <p:stCondLst>
+                              <p:cond delay="0"/>
+                            </p:stCondLst>
+                            <p:childTnLst>
+                              <p:par>
+                                <p:cTn id="5" presetID="1" presetClass="entr" presetSubtype="0" fill="hold" nodeType="clickEffect">
+                                  <p:stCondLst>
+                                    <p:cond delay="0"/>
+                                  </p:stCondLst>
+                                  <p:childTnLst>
+                                    <p:set>
+                                      <p:cBhvr>
+                                        <p:cTn id="6" dur="1" fill="hold">
+                                          <p:stCondLst>
+                                            <p:cond delay="0"/>
+                                          </p:stCondLst>
+                                        </p:cTn>
+                                        <p:tgtEl>
+                                          <p:spTgt spid="4"/>
+                                        </p:tgtEl>
+                                        <p:attrNameLst>
+                                          <p:attrName>style.visibility</p:attrName>
+                                        </p:attrNameLst>
+                                      </p:cBhvr>
+                                      <p:to>
+                                        <p:strVal val="visible"/>
+                                      </p:to>
+                                    </p:set>
+                                  </p:childTnLst>
+                                </p:cTn>
+                              </p:par>
+                            </p:childTnLst>
+                          </p:cTn>
+                        </p:par>
+                      </p:childTnLst>
+                    </p:cTn>
+                  </p:par>
+                  <p:par>
+                    <p:cTn id="7" fill="hold">
+                      <p:stCondLst>
+                        <p:cond delay="indefinite"/>
+                      </p:stCondLst>
+                      <p:childTnLst>
+                        <p:par>
+                          <p:cTn id="8" fill="hold">
+                            <p:stCondLst>
+                              <p:cond delay="0"/>
+                            </p:stCondLst>
+                            <p:childTnLst>
+                              <p:par>
+                                <p:cTn id="9" presetID="1" presetClass="exit" presetSubtype="0" fill="hold" grpId="0" nodeType="clickEffect">
+                                  <p:stCondLst>
+                                    <p:cond delay="0"/>
+                                  </p:stCondLst>
+                                  <p:childTnLst>
+                                    <p:set>
+                                      <p:cBhvr>
+                                        <p:cTn id="10" dur="1" fill="hold">
+                                          <p:stCondLst>
+                                            <p:cond delay="0"/>
+                                          </p:stCondLst>
+                                        </p:cTn>
+                                        <p:tgtEl>
+                                          <p:spTgt spid="8"/>
+                                        </p:tgtEl>
+                                        <p:attrNameLst>
+                                          <p:attrName>style.visibility</p:attrName>
+                                        </p:attrNameLst>
+                                      </p:cBhvr>
+                                      <p:to>
+                                        <p:strVal val="hidden"/>
+                                      </p:to>
+                                    </p:set>
+                                  </p:childTnLst>
+                                </p:cTn>
+                              </p:par>
+                            </p:childTnLst>
+                          </p:cTn>
+                        </p:par>
+                      </p:childTnLst>
+                    </p:cTn>
+                  </p:par>
+                </p:childTnLst>
+              </p:cTn>
+              <p:prevCondLst>
+                <p:cond evt="onPrev" delay="0">
+                  <p:tgtEl>
+                    <p:sldTgt/>
+                  </p:tgtEl>
+                </p:cond>
+              </p:prevCondLst>
+              <p:nextCondLst>
+                <p:cond evt="onNext" delay="0">
+                  <p:tgtEl>
+                    <p:sldTgt/>
+                  </p:tgtEl>
+                </p:cond>
+              </p:nextCondLst>
+            </p:seq>
+          </p:childTnLst>
+        </p:cTn>
+      </p:par>
+    </p:tnLst>
+    <p:bldLst>
+      <p:bldP spid="8" grpId="0" animBg="1"/>
+    </p:bldLst>
+  </p:timing>
+</p:sld>
+</file>
+
+<file path=ppt/slides/slide44.xml><?xml version="1.0" encoding="utf-8"?>
+<p:sld xmlns:a="http://schemas.openxmlformats.org/drawingml/2006/main" xmlns:r="http://schemas.openxmlformats.org/officeDocument/2006/relationships" xmlns:p="http://schemas.openxmlformats.org/presentationml/2006/main">
+  <p:cSld>
+    <p:spTree>
+      <p:nvGrpSpPr>
+        <p:cNvPr id="1" name=""/>
+        <p:cNvGrpSpPr/>
+        <p:nvPr/>
+      </p:nvGrpSpPr>
+      <p:grpSpPr>
+        <a:xfrm>
+          <a:off x="0" y="0"/>
+          <a:ext cx="0" cy="0"/>
+          <a:chOff x="0" y="0"/>
+          <a:chExt cx="0" cy="0"/>
+        </a:xfrm>
+      </p:grpSpPr>
+      <p:sp>
+        <p:nvSpPr>
+          <p:cNvPr id="4" name="Title 3"/>
+          <p:cNvSpPr>
+            <a:spLocks noGrp="1"/>
+          </p:cNvSpPr>
+          <p:nvPr>
+            <p:ph type="title"/>
+          </p:nvPr>
+        </p:nvSpPr>
+        <p:spPr>
+          <a:xfrm>
+            <a:off x="800100" y="342900"/>
+            <a:ext cx="10715625" cy="1514476"/>
+          </a:xfrm>
+        </p:spPr>
+        <p:txBody>
+          <a:bodyPr>
+            <a:normAutofit/>
+          </a:bodyPr>
+          <a:lstStyle/>
+          <a:p>
+            <a:pPr algn="l"/>
+            <a:r>
+              <a:rPr lang="en-GB" dirty="0"/>
+              <a:t>Exercises</a:t>
+            </a:r>
+            <a:endParaRPr lang="de-DE" dirty="0"/>
+          </a:p>
+        </p:txBody>
+      </p:sp>
+      <p:sp>
+        <p:nvSpPr>
+          <p:cNvPr id="5" name="Text Placeholder 4"/>
+          <p:cNvSpPr>
+            <a:spLocks noGrp="1"/>
+          </p:cNvSpPr>
+          <p:nvPr>
+            <p:ph type="body" idx="1"/>
+          </p:nvPr>
+        </p:nvSpPr>
+        <p:spPr>
+          <a:xfrm>
+            <a:off x="800100" y="1981200"/>
+            <a:ext cx="8920671" cy="3378452"/>
+          </a:xfrm>
+        </p:spPr>
+        <p:txBody>
+          <a:bodyPr>
+            <a:normAutofit/>
+          </a:bodyPr>
+          <a:lstStyle/>
+          <a:p>
+            <a:pPr marL="342900" indent="-342900" algn="l">
+              <a:buFont typeface="Wingdings" panose="05000000000000000000" pitchFamily="2" charset="2"/>
+              <a:buChar char="§"/>
+            </a:pPr>
+            <a:r>
+              <a:rPr lang="en-GB" dirty="0"/>
+              <a:t>MapReduce</a:t>
+            </a:r>
+          </a:p>
+          <a:p>
+            <a:pPr marL="342900" indent="-342900" algn="l">
+              <a:buFont typeface="Wingdings" panose="05000000000000000000" pitchFamily="2" charset="2"/>
+              <a:buChar char="§"/>
+            </a:pPr>
+            <a:r>
+              <a:rPr lang="en-GB" dirty="0" err="1"/>
+              <a:t>MergeSort</a:t>
+            </a:r>
+            <a:endParaRPr lang="en-GB" dirty="0"/>
+          </a:p>
+          <a:p>
+            <a:pPr marL="342900" indent="-342900" algn="l">
+              <a:buFont typeface="Wingdings" panose="05000000000000000000" pitchFamily="2" charset="2"/>
+              <a:buChar char="§"/>
+            </a:pPr>
+            <a:r>
+              <a:rPr lang="en-GB" dirty="0"/>
+              <a:t>Refactoring</a:t>
+            </a:r>
+          </a:p>
+        </p:txBody>
+      </p:sp>
+    </p:spTree>
+    <p:extLst>
+      <p:ext uri="{BB962C8B-B14F-4D97-AF65-F5344CB8AC3E}">
+        <p14:creationId xmlns:p14="http://schemas.microsoft.com/office/powerpoint/2010/main" val="4149060222"/>
+      </p:ext>
+    </p:extLst>
+  </p:cSld>
+  <p:clrMapOvr>
+    <a:masterClrMapping/>
+  </p:clrMapOvr>
+</p:sld>
+</file>
+
+<file path=ppt/slides/slide45.xml><?xml version="1.0" encoding="utf-8"?>
+<p:sld xmlns:a="http://schemas.openxmlformats.org/drawingml/2006/main" xmlns:r="http://schemas.openxmlformats.org/officeDocument/2006/relationships" xmlns:p="http://schemas.openxmlformats.org/presentationml/2006/main">
+  <p:cSld>
+    <p:spTree>
+      <p:nvGrpSpPr>
+        <p:cNvPr id="1" name=""/>
+        <p:cNvGrpSpPr/>
+        <p:nvPr/>
+      </p:nvGrpSpPr>
+      <p:grpSpPr>
+        <a:xfrm>
+          <a:off x="0" y="0"/>
+          <a:ext cx="0" cy="0"/>
+          <a:chOff x="0" y="0"/>
+          <a:chExt cx="0" cy="0"/>
+        </a:xfrm>
+      </p:grpSpPr>
+      <p:sp>
+        <p:nvSpPr>
+          <p:cNvPr id="2" name="Title 1"/>
+          <p:cNvSpPr>
+            <a:spLocks noGrp="1"/>
+          </p:cNvSpPr>
+          <p:nvPr>
+            <p:ph type="title"/>
+          </p:nvPr>
+        </p:nvSpPr>
+        <p:spPr/>
+        <p:txBody>
+          <a:bodyPr/>
+          <a:lstStyle/>
+          <a:p>
+            <a:r>
+              <a:rPr lang="en-GB" dirty="0"/>
+              <a:t>MapReduce</a:t>
+            </a:r>
+            <a:endParaRPr lang="de-DE" dirty="0"/>
+          </a:p>
+        </p:txBody>
+      </p:sp>
+      <p:pic>
+        <p:nvPicPr>
+          <p:cNvPr id="4" name="Content Placeholder 3"/>
+          <p:cNvPicPr>
+            <a:picLocks noGrp="1" noChangeAspect="1"/>
+          </p:cNvPicPr>
+          <p:nvPr>
+            <p:ph idx="1"/>
+          </p:nvPr>
+        </p:nvPicPr>
+        <p:blipFill>
+          <a:blip r:embed="rId2"/>
+          <a:stretch>
+            <a:fillRect/>
+          </a:stretch>
+        </p:blipFill>
+        <p:spPr>
+          <a:xfrm>
+            <a:off x="1371600" y="2171700"/>
+            <a:ext cx="10476650" cy="2459610"/>
+          </a:xfrm>
+          <a:prstGeom prst="rect">
+            <a:avLst/>
+          </a:prstGeom>
+        </p:spPr>
+      </p:pic>
+    </p:spTree>
+    <p:extLst>
+      <p:ext uri="{BB962C8B-B14F-4D97-AF65-F5344CB8AC3E}">
+        <p14:creationId xmlns:p14="http://schemas.microsoft.com/office/powerpoint/2010/main" val="2766716416"/>
+      </p:ext>
+    </p:extLst>
+  </p:cSld>
+  <p:clrMapOvr>
+    <a:masterClrMapping/>
+  </p:clrMapOvr>
+</p:sld>
+</file>
+
+<file path=ppt/slides/slide46.xml><?xml version="1.0" encoding="utf-8"?>
+<p:sld xmlns:a="http://schemas.openxmlformats.org/drawingml/2006/main" xmlns:r="http://schemas.openxmlformats.org/officeDocument/2006/relationships" xmlns:p="http://schemas.openxmlformats.org/presentationml/2006/main">
+  <p:cSld>
+    <p:spTree>
+      <p:nvGrpSpPr>
+        <p:cNvPr id="1" name=""/>
+        <p:cNvGrpSpPr/>
+        <p:nvPr/>
+      </p:nvGrpSpPr>
+      <p:grpSpPr>
+        <a:xfrm>
+          <a:off x="0" y="0"/>
+          <a:ext cx="0" cy="0"/>
+          <a:chOff x="0" y="0"/>
+          <a:chExt cx="0" cy="0"/>
+        </a:xfrm>
+      </p:grpSpPr>
+      <p:sp>
+        <p:nvSpPr>
+          <p:cNvPr id="2" name="Title 1"/>
+          <p:cNvSpPr>
+            <a:spLocks noGrp="1"/>
+          </p:cNvSpPr>
+          <p:nvPr>
+            <p:ph type="title"/>
+          </p:nvPr>
+        </p:nvSpPr>
+        <p:spPr/>
+        <p:txBody>
+          <a:bodyPr/>
+          <a:lstStyle/>
+          <a:p>
+            <a:r>
+              <a:rPr lang="en-GB" dirty="0" err="1"/>
+              <a:t>MergeSort</a:t>
+            </a:r>
+            <a:endParaRPr lang="de-DE" dirty="0"/>
+          </a:p>
+        </p:txBody>
+      </p:sp>
+      <p:pic>
+        <p:nvPicPr>
+          <p:cNvPr id="6" name="Content Placeholder 5"/>
+          <p:cNvPicPr>
+            <a:picLocks noGrp="1" noChangeAspect="1"/>
+          </p:cNvPicPr>
+          <p:nvPr>
+            <p:ph sz="half" idx="1"/>
+          </p:nvPr>
+        </p:nvPicPr>
+        <p:blipFill>
+          <a:blip r:embed="rId2"/>
+          <a:stretch>
+            <a:fillRect/>
+          </a:stretch>
+        </p:blipFill>
+        <p:spPr>
+          <a:xfrm>
+            <a:off x="1371600" y="3054312"/>
+            <a:ext cx="4448175" cy="2044776"/>
+          </a:xfrm>
+          <a:prstGeom prst="rect">
+            <a:avLst/>
+          </a:prstGeom>
+        </p:spPr>
+      </p:pic>
+      <p:pic>
+        <p:nvPicPr>
+          <p:cNvPr id="7" name="Content Placeholder 6"/>
+          <p:cNvPicPr>
+            <a:picLocks noGrp="1" noChangeAspect="1"/>
+          </p:cNvPicPr>
+          <p:nvPr>
+            <p:ph sz="half" idx="2"/>
+          </p:nvPr>
+        </p:nvPicPr>
+        <p:blipFill>
+          <a:blip r:embed="rId3"/>
+          <a:stretch>
+            <a:fillRect/>
+          </a:stretch>
+        </p:blipFill>
+        <p:spPr>
+          <a:xfrm>
+            <a:off x="6524625" y="2896770"/>
+            <a:ext cx="4448175" cy="2359859"/>
+          </a:xfrm>
+          <a:prstGeom prst="rect">
+            <a:avLst/>
+          </a:prstGeom>
+        </p:spPr>
+      </p:pic>
+    </p:spTree>
+    <p:extLst>
+      <p:ext uri="{BB962C8B-B14F-4D97-AF65-F5344CB8AC3E}">
+        <p14:creationId xmlns:p14="http://schemas.microsoft.com/office/powerpoint/2010/main" val="1252093353"/>
+      </p:ext>
+    </p:extLst>
+  </p:cSld>
+  <p:clrMapOvr>
+    <a:masterClrMapping/>
+  </p:clrMapOvr>
+</p:sld>
+</file>
+
+<file path=ppt/slides/slide47.xml><?xml version="1.0" encoding="utf-8"?>
+<p:sld xmlns:a="http://schemas.openxmlformats.org/drawingml/2006/main" xmlns:r="http://schemas.openxmlformats.org/officeDocument/2006/relationships" xmlns:p="http://schemas.openxmlformats.org/presentationml/2006/main">
+  <p:cSld>
+    <p:spTree>
+      <p:nvGrpSpPr>
+        <p:cNvPr id="1" name=""/>
+        <p:cNvGrpSpPr/>
+        <p:nvPr/>
+      </p:nvGrpSpPr>
+      <p:grpSpPr>
+        <a:xfrm>
+          <a:off x="0" y="0"/>
+          <a:ext cx="0" cy="0"/>
+          <a:chOff x="0" y="0"/>
+          <a:chExt cx="0" cy="0"/>
+        </a:xfrm>
+      </p:grpSpPr>
+      <p:sp>
+        <p:nvSpPr>
+          <p:cNvPr id="5" name="Title 4"/>
+          <p:cNvSpPr>
+            <a:spLocks noGrp="1"/>
+          </p:cNvSpPr>
+          <p:nvPr>
+            <p:ph type="title"/>
+          </p:nvPr>
+        </p:nvSpPr>
+        <p:spPr/>
+        <p:txBody>
+          <a:bodyPr/>
+          <a:lstStyle/>
+          <a:p>
+            <a:r>
+              <a:rPr lang="de-DE" dirty="0" err="1"/>
+              <a:t>Refactoring</a:t>
+            </a:r>
+            <a:r>
+              <a:rPr lang="de-DE" dirty="0"/>
+              <a:t>	</a:t>
+            </a:r>
+          </a:p>
+        </p:txBody>
+      </p:sp>
+      <p:sp>
+        <p:nvSpPr>
+          <p:cNvPr id="6" name="Content Placeholder 5"/>
+          <p:cNvSpPr>
+            <a:spLocks noGrp="1"/>
+          </p:cNvSpPr>
+          <p:nvPr>
+            <p:ph idx="1"/>
+          </p:nvPr>
+        </p:nvSpPr>
+        <p:spPr/>
+        <p:txBody>
+          <a:bodyPr/>
+          <a:lstStyle/>
+          <a:p>
+            <a:r>
+              <a:rPr lang="de-DE" dirty="0"/>
+              <a:t>Live!</a:t>
+            </a:r>
+          </a:p>
+        </p:txBody>
+      </p:sp>
+    </p:spTree>
+    <p:extLst>
+      <p:ext uri="{BB962C8B-B14F-4D97-AF65-F5344CB8AC3E}">
+        <p14:creationId xmlns:p14="http://schemas.microsoft.com/office/powerpoint/2010/main" val="193731151"/>
+      </p:ext>
+    </p:extLst>
+  </p:cSld>
+  <p:clrMapOvr>
+    <a:masterClrMapping/>
+  </p:clrMapOvr>
+</p:sld>
+</file>
+
+<file path=ppt/slides/slide48.xml><?xml version="1.0" encoding="utf-8"?>
+<p:sld xmlns:a="http://schemas.openxmlformats.org/drawingml/2006/main" xmlns:r="http://schemas.openxmlformats.org/officeDocument/2006/relationships" xmlns:p="http://schemas.openxmlformats.org/presentationml/2006/main">
+  <p:cSld>
+    <p:spTree>
+      <p:nvGrpSpPr>
+        <p:cNvPr id="1" name=""/>
+        <p:cNvGrpSpPr/>
+        <p:nvPr/>
+      </p:nvGrpSpPr>
+      <p:grpSpPr>
+        <a:xfrm>
+          <a:off x="0" y="0"/>
+          <a:ext cx="0" cy="0"/>
+          <a:chOff x="0" y="0"/>
+          <a:chExt cx="0" cy="0"/>
+        </a:xfrm>
+      </p:grpSpPr>
+      <p:sp>
+        <p:nvSpPr>
+          <p:cNvPr id="2" name="Title 1"/>
+          <p:cNvSpPr>
+            <a:spLocks noGrp="1"/>
+          </p:cNvSpPr>
+          <p:nvPr>
+            <p:ph type="title"/>
+          </p:nvPr>
+        </p:nvSpPr>
+        <p:spPr/>
+        <p:txBody>
+          <a:bodyPr/>
+          <a:lstStyle/>
+          <a:p>
+            <a:r>
+              <a:rPr lang="de-DE" dirty="0" err="1"/>
+              <a:t>parseInt</a:t>
+            </a:r>
+            <a:endParaRPr lang="de-DE" dirty="0"/>
+          </a:p>
+        </p:txBody>
+      </p:sp>
+      <p:pic>
+        <p:nvPicPr>
+          <p:cNvPr id="4" name="Picture 3"/>
+          <p:cNvPicPr>
+            <a:picLocks noChangeAspect="1"/>
+          </p:cNvPicPr>
+          <p:nvPr/>
+        </p:nvPicPr>
+        <p:blipFill>
+          <a:blip r:embed="rId2"/>
+          <a:stretch>
+            <a:fillRect/>
+          </a:stretch>
+        </p:blipFill>
+        <p:spPr>
+          <a:xfrm>
+            <a:off x="1371600" y="2171700"/>
+            <a:ext cx="7802064" cy="457264"/>
+          </a:xfrm>
+          <a:prstGeom prst="rect">
+            <a:avLst/>
+          </a:prstGeom>
+        </p:spPr>
+      </p:pic>
+      <p:pic>
+        <p:nvPicPr>
+          <p:cNvPr id="5" name="Picture 4"/>
+          <p:cNvPicPr>
+            <a:picLocks noChangeAspect="1"/>
+          </p:cNvPicPr>
+          <p:nvPr/>
+        </p:nvPicPr>
+        <p:blipFill>
+          <a:blip r:embed="rId3"/>
+          <a:stretch>
+            <a:fillRect/>
+          </a:stretch>
+        </p:blipFill>
+        <p:spPr>
+          <a:xfrm>
+            <a:off x="1371600" y="3939703"/>
+            <a:ext cx="8735736" cy="350322"/>
+          </a:xfrm>
+          <a:prstGeom prst="rect">
+            <a:avLst/>
+          </a:prstGeom>
+        </p:spPr>
+      </p:pic>
+      <p:pic>
+        <p:nvPicPr>
+          <p:cNvPr id="6" name="Picture 5"/>
+          <p:cNvPicPr>
+            <a:picLocks noChangeAspect="1"/>
+          </p:cNvPicPr>
+          <p:nvPr/>
+        </p:nvPicPr>
+        <p:blipFill>
+          <a:blip r:embed="rId4"/>
+          <a:stretch>
+            <a:fillRect/>
+          </a:stretch>
+        </p:blipFill>
+        <p:spPr>
+          <a:xfrm>
+            <a:off x="1371600" y="3282839"/>
+            <a:ext cx="7041910" cy="399200"/>
+          </a:xfrm>
+          <a:prstGeom prst="rect">
+            <a:avLst/>
+          </a:prstGeom>
+        </p:spPr>
+      </p:pic>
+    </p:spTree>
+    <p:extLst>
+      <p:ext uri="{BB962C8B-B14F-4D97-AF65-F5344CB8AC3E}">
+        <p14:creationId xmlns:p14="http://schemas.microsoft.com/office/powerpoint/2010/main" val="3092542509"/>
+      </p:ext>
+    </p:extLst>
+  </p:cSld>
+  <p:clrMapOvr>
+    <a:masterClrMapping/>
+  </p:clrMapOvr>
+  <p:timing>
+    <p:tnLst>
+      <p:par>
+        <p:cTn id="1" dur="indefinite" restart="never" nodeType="tmRoot">
+          <p:childTnLst>
+            <p:seq concurrent="1" nextAc="seek">
+              <p:cTn id="2" dur="indefinite" nodeType="mainSeq">
+                <p:childTnLst>
+                  <p:par>
+                    <p:cTn id="3" fill="hold">
+                      <p:stCondLst>
+                        <p:cond delay="indefinite"/>
+                      </p:stCondLst>
+                      <p:childTnLst>
+                        <p:par>
+                          <p:cTn id="4" fill="hold">
+                            <p:stCondLst>
+                              <p:cond delay="0"/>
+                            </p:stCondLst>
+                            <p:childTnLst>
+                              <p:par>
+                                <p:cTn id="5" presetID="1" presetClass="entr" presetSubtype="0" fill="hold" nodeType="clickEffect">
+                                  <p:stCondLst>
+                                    <p:cond delay="0"/>
+                                  </p:stCondLst>
+                                  <p:childTnLst>
+                                    <p:set>
+                                      <p:cBhvr>
+                                        <p:cTn id="6" dur="1" fill="hold">
+                                          <p:stCondLst>
+                                            <p:cond delay="0"/>
+                                          </p:stCondLst>
+                                        </p:cTn>
+                                        <p:tgtEl>
+                                          <p:spTgt spid="6"/>
+                                        </p:tgtEl>
+                                        <p:attrNameLst>
+                                          <p:attrName>style.visibility</p:attrName>
+                                        </p:attrNameLst>
+                                      </p:cBhvr>
+                                      <p:to>
+                                        <p:strVal val="visible"/>
+                                      </p:to>
+                                    </p:set>
+                                  </p:childTnLst>
+                                </p:cTn>
+                              </p:par>
+                            </p:childTnLst>
+                          </p:cTn>
+                        </p:par>
+                      </p:childTnLst>
+                    </p:cTn>
+                  </p:par>
+                  <p:par>
+                    <p:cTn id="7" fill="hold">
+                      <p:stCondLst>
+                        <p:cond delay="indefinite"/>
+                      </p:stCondLst>
+                      <p:childTnLst>
+                        <p:par>
+                          <p:cTn id="8" fill="hold">
+                            <p:stCondLst>
+                              <p:cond delay="0"/>
+                            </p:stCondLst>
+                            <p:childTnLst>
+                              <p:par>
+                                <p:cTn id="9" presetID="1" presetClass="entr" presetSubtype="0" fill="hold" nodeType="clickEffect">
+                                  <p:stCondLst>
+                                    <p:cond delay="0"/>
+                                  </p:stCondLst>
+                                  <p:childTnLst>
+                                    <p:set>
+                                      <p:cBhvr>
+                                        <p:cTn id="10" dur="1" fill="hold">
+                                          <p:stCondLst>
+                                            <p:cond delay="0"/>
+                                          </p:stCondLst>
+                                        </p:cTn>
+                                        <p:tgtEl>
+                                          <p:spTgt spid="5"/>
+                                        </p:tgtEl>
+                                        <p:attrNameLst>
+                                          <p:attrName>style.visibility</p:attrName>
+                                        </p:attrNameLst>
+                                      </p:cBhvr>
+                                      <p:to>
+                                        <p:strVal val="visible"/>
+                                      </p:to>
+                                    </p:set>
+                                  </p:childTnLst>
+                                </p:cTn>
+                              </p:par>
+                            </p:childTnLst>
+                          </p:cTn>
+                        </p:par>
+                      </p:childTnLst>
+                    </p:cTn>
+                  </p:par>
+                </p:childTnLst>
+              </p:cTn>
+              <p:prevCondLst>
+                <p:cond evt="onPrev" delay="0">
+                  <p:tgtEl>
+                    <p:sldTgt/>
+                  </p:tgtEl>
+                </p:cond>
+              </p:prevCondLst>
+              <p:nextCondLst>
+                <p:cond evt="onNext" delay="0">
+                  <p:tgtEl>
+                    <p:sldTgt/>
+                  </p:tgtEl>
+                </p:cond>
+              </p:nextCondLst>
+            </p:seq>
+          </p:childTnLst>
+        </p:cTn>
+      </p:par>
+    </p:tnLst>
+  </p:timing>
+</p:sld>
+</file>
+
+<file path=ppt/slides/slide5.xml><?xml version="1.0" encoding="utf-8"?>
+<p:sld xmlns:a="http://schemas.openxmlformats.org/drawingml/2006/main" xmlns:r="http://schemas.openxmlformats.org/officeDocument/2006/relationships" xmlns:p="http://schemas.openxmlformats.org/presentationml/2006/main">
+  <p:cSld>
+    <p:spTree>
+      <p:nvGrpSpPr>
+        <p:cNvPr id="1" name=""/>
+        <p:cNvGrpSpPr/>
+        <p:nvPr/>
+      </p:nvGrpSpPr>
+      <p:grpSpPr>
+        <a:xfrm>
+          <a:off x="0" y="0"/>
+          <a:ext cx="0" cy="0"/>
+          <a:chOff x="0" y="0"/>
+          <a:chExt cx="0" cy="0"/>
+        </a:xfrm>
+      </p:grpSpPr>
+      <p:sp>
+        <p:nvSpPr>
+          <p:cNvPr id="2" name="Title 1"/>
+          <p:cNvSpPr>
+            <a:spLocks noGrp="1"/>
+          </p:cNvSpPr>
+          <p:nvPr>
+            <p:ph type="title"/>
+          </p:nvPr>
+        </p:nvSpPr>
+        <p:spPr/>
+        <p:txBody>
+          <a:bodyPr/>
+          <a:lstStyle/>
+          <a:p>
+            <a:r>
+              <a:rPr lang="en-GB" dirty="0"/>
+              <a:t>Declare variable</a:t>
+            </a:r>
+            <a:endParaRPr lang="de-DE" dirty="0"/>
+          </a:p>
+        </p:txBody>
+      </p:sp>
+      <p:pic>
+        <p:nvPicPr>
+          <p:cNvPr id="7" name="Content Placeholder 6"/>
+          <p:cNvPicPr>
+            <a:picLocks noGrp="1" noChangeAspect="1"/>
+          </p:cNvPicPr>
+          <p:nvPr>
+            <p:ph idx="1"/>
+          </p:nvPr>
+        </p:nvPicPr>
+        <p:blipFill>
+          <a:blip r:embed="rId2"/>
+          <a:stretch>
+            <a:fillRect/>
+          </a:stretch>
+        </p:blipFill>
+        <p:spPr>
+          <a:xfrm>
+            <a:off x="1747220" y="3276488"/>
+            <a:ext cx="8849960" cy="1600423"/>
+          </a:xfrm>
+          <a:prstGeom prst="rect">
+            <a:avLst/>
+          </a:prstGeom>
+        </p:spPr>
+      </p:pic>
+      <p:sp>
+        <p:nvSpPr>
+          <p:cNvPr id="5" name="TextBox 4">
+            <a:hlinkClick r:id="rId3" action="ppaction://hlinksldjump"/>
+          </p:cNvPr>
+          <p:cNvSpPr txBox="1"/>
+          <p:nvPr/>
+        </p:nvSpPr>
+        <p:spPr>
+          <a:xfrm>
+            <a:off x="712521" y="5938"/>
+            <a:ext cx="2054431" cy="400110"/>
+          </a:xfrm>
+          <a:prstGeom prst="rect">
+            <a:avLst/>
+          </a:prstGeom>
+          <a:noFill/>
+        </p:spPr>
+        <p:txBody>
+          <a:bodyPr wrap="square" rtlCol="0">
+            <a:spAutoFit/>
+          </a:bodyPr>
+          <a:lstStyle/>
+          <a:p>
+            <a:r>
+              <a:rPr lang="en-GB" sz="2000" dirty="0"/>
+              <a:t>Basics</a:t>
+            </a:r>
+            <a:endParaRPr lang="de-DE" sz="2000" dirty="0"/>
+          </a:p>
+        </p:txBody>
+      </p:sp>
     </p:spTree>
     <p:extLst>
       <p:ext uri="{BB962C8B-B14F-4D97-AF65-F5344CB8AC3E}">
@@ -4603,7 +12612,7 @@
 </p:sld>
 </file>
 
-<file path=ppt/slides/slide4.xml><?xml version="1.0" encoding="utf-8"?>
+<file path=ppt/slides/slide6.xml><?xml version="1.0" encoding="utf-8"?>
 <p:sld xmlns:a="http://schemas.openxmlformats.org/drawingml/2006/main" xmlns:r="http://schemas.openxmlformats.org/officeDocument/2006/relationships" xmlns:p="http://schemas.openxmlformats.org/presentationml/2006/main">
   <p:cSld>
     <p:spTree>
@@ -4846,319 +12855,6 @@
 </p:sld>
 </file>
 
-<file path=ppt/slides/slide5.xml><?xml version="1.0" encoding="utf-8"?>
-<p:sld xmlns:a="http://schemas.openxmlformats.org/drawingml/2006/main" xmlns:r="http://schemas.openxmlformats.org/officeDocument/2006/relationships" xmlns:p="http://schemas.openxmlformats.org/presentationml/2006/main">
-  <p:cSld>
-    <p:bg>
-      <p:bgPr>
-        <a:solidFill>
-          <a:schemeClr val="bg2"/>
-        </a:solidFill>
-        <a:effectLst/>
-      </p:bgPr>
-    </p:bg>
-    <p:spTree>
-      <p:nvGrpSpPr>
-        <p:cNvPr id="1" name=""/>
-        <p:cNvGrpSpPr/>
-        <p:nvPr/>
-      </p:nvGrpSpPr>
-      <p:grpSpPr>
-        <a:xfrm>
-          <a:off x="0" y="0"/>
-          <a:ext cx="0" cy="0"/>
-          <a:chOff x="0" y="0"/>
-          <a:chExt cx="0" cy="0"/>
-        </a:xfrm>
-      </p:grpSpPr>
-      <p:sp>
-        <p:nvSpPr>
-          <p:cNvPr id="2" name="Title 1"/>
-          <p:cNvSpPr>
-            <a:spLocks noGrp="1"/>
-          </p:cNvSpPr>
-          <p:nvPr>
-            <p:ph type="title"/>
-          </p:nvPr>
-        </p:nvSpPr>
-        <p:spPr/>
-        <p:txBody>
-          <a:bodyPr/>
-          <a:lstStyle/>
-          <a:p>
-            <a:r>
-              <a:rPr lang="en-GB" dirty="0"/>
-              <a:t>Types – Part 1</a:t>
-            </a:r>
-            <a:endParaRPr lang="de-DE" dirty="0"/>
-          </a:p>
-        </p:txBody>
-      </p:sp>
-      <p:sp>
-        <p:nvSpPr>
-          <p:cNvPr id="3" name="Content Placeholder 2"/>
-          <p:cNvSpPr>
-            <a:spLocks noGrp="1"/>
-          </p:cNvSpPr>
-          <p:nvPr>
-            <p:ph sz="half" idx="1"/>
-          </p:nvPr>
-        </p:nvSpPr>
-        <p:spPr/>
-        <p:txBody>
-          <a:bodyPr anchor="ctr">
-            <a:normAutofit/>
-          </a:bodyPr>
-          <a:lstStyle/>
-          <a:p>
-            <a:r>
-              <a:rPr lang="en-GB" sz="2800" dirty="0"/>
-              <a:t>Strings</a:t>
-            </a:r>
-          </a:p>
-          <a:p>
-            <a:r>
-              <a:rPr lang="en-GB" sz="2800" dirty="0"/>
-              <a:t>Boolean</a:t>
-            </a:r>
-          </a:p>
-          <a:p>
-            <a:r>
-              <a:rPr lang="en-GB" sz="2800" dirty="0"/>
-              <a:t>Number</a:t>
-            </a:r>
-          </a:p>
-        </p:txBody>
-      </p:sp>
-      <p:sp>
-        <p:nvSpPr>
-          <p:cNvPr id="5" name="TextBox 4"/>
-          <p:cNvSpPr txBox="1"/>
-          <p:nvPr/>
-        </p:nvSpPr>
-        <p:spPr>
-          <a:xfrm>
-            <a:off x="706583" y="5938"/>
-            <a:ext cx="2054431" cy="400110"/>
-          </a:xfrm>
-          <a:prstGeom prst="rect">
-            <a:avLst/>
-          </a:prstGeom>
-          <a:noFill/>
-        </p:spPr>
-        <p:txBody>
-          <a:bodyPr wrap="square" rtlCol="0">
-            <a:spAutoFit/>
-          </a:bodyPr>
-          <a:lstStyle/>
-          <a:p>
-            <a:r>
-              <a:rPr lang="en-GB" sz="2000" dirty="0"/>
-              <a:t>Basics</a:t>
-            </a:r>
-            <a:endParaRPr lang="de-DE" dirty="0"/>
-          </a:p>
-        </p:txBody>
-      </p:sp>
-      <p:pic>
-        <p:nvPicPr>
-          <p:cNvPr id="6" name="Content Placeholder 5"/>
-          <p:cNvPicPr>
-            <a:picLocks noGrp="1" noChangeAspect="1"/>
-          </p:cNvPicPr>
-          <p:nvPr>
-            <p:ph sz="half" idx="2"/>
-          </p:nvPr>
-        </p:nvPicPr>
-        <p:blipFill>
-          <a:blip r:embed="rId2"/>
-          <a:stretch>
-            <a:fillRect/>
-          </a:stretch>
-        </p:blipFill>
-        <p:spPr>
-          <a:xfrm>
-            <a:off x="6148725" y="2558642"/>
-            <a:ext cx="5199976" cy="3036116"/>
-          </a:xfrm>
-          <a:prstGeom prst="rect">
-            <a:avLst/>
-          </a:prstGeom>
-        </p:spPr>
-      </p:pic>
-    </p:spTree>
-    <p:extLst>
-      <p:ext uri="{BB962C8B-B14F-4D97-AF65-F5344CB8AC3E}">
-        <p14:creationId xmlns:p14="http://schemas.microsoft.com/office/powerpoint/2010/main" val="1525262803"/>
-      </p:ext>
-    </p:extLst>
-  </p:cSld>
-  <p:clrMapOvr>
-    <a:masterClrMapping/>
-  </p:clrMapOvr>
-</p:sld>
-</file>
-
-<file path=ppt/slides/slide6.xml><?xml version="1.0" encoding="utf-8"?>
-<p:sld xmlns:a="http://schemas.openxmlformats.org/drawingml/2006/main" xmlns:r="http://schemas.openxmlformats.org/officeDocument/2006/relationships" xmlns:p="http://schemas.openxmlformats.org/presentationml/2006/main">
-  <p:cSld>
-    <p:bg>
-      <p:bgPr>
-        <a:solidFill>
-          <a:schemeClr val="bg2"/>
-        </a:solidFill>
-        <a:effectLst/>
-      </p:bgPr>
-    </p:bg>
-    <p:spTree>
-      <p:nvGrpSpPr>
-        <p:cNvPr id="1" name=""/>
-        <p:cNvGrpSpPr/>
-        <p:nvPr/>
-      </p:nvGrpSpPr>
-      <p:grpSpPr>
-        <a:xfrm>
-          <a:off x="0" y="0"/>
-          <a:ext cx="0" cy="0"/>
-          <a:chOff x="0" y="0"/>
-          <a:chExt cx="0" cy="0"/>
-        </a:xfrm>
-      </p:grpSpPr>
-      <p:sp>
-        <p:nvSpPr>
-          <p:cNvPr id="2" name="Title 1"/>
-          <p:cNvSpPr>
-            <a:spLocks noGrp="1"/>
-          </p:cNvSpPr>
-          <p:nvPr>
-            <p:ph type="title"/>
-          </p:nvPr>
-        </p:nvSpPr>
-        <p:spPr/>
-        <p:txBody>
-          <a:bodyPr/>
-          <a:lstStyle/>
-          <a:p>
-            <a:r>
-              <a:rPr lang="en-GB" dirty="0"/>
-              <a:t>Types – Part 2</a:t>
-            </a:r>
-            <a:endParaRPr lang="de-DE" dirty="0"/>
-          </a:p>
-        </p:txBody>
-      </p:sp>
-      <p:sp>
-        <p:nvSpPr>
-          <p:cNvPr id="3" name="Content Placeholder 2"/>
-          <p:cNvSpPr>
-            <a:spLocks noGrp="1"/>
-          </p:cNvSpPr>
-          <p:nvPr>
-            <p:ph sz="half" idx="1"/>
-          </p:nvPr>
-        </p:nvSpPr>
-        <p:spPr/>
-        <p:txBody>
-          <a:bodyPr anchor="ctr">
-            <a:normAutofit/>
-          </a:bodyPr>
-          <a:lstStyle/>
-          <a:p>
-            <a:r>
-              <a:rPr lang="en-GB" sz="2800" dirty="0"/>
-              <a:t>Arrays</a:t>
-            </a:r>
-          </a:p>
-          <a:p>
-            <a:r>
-              <a:rPr lang="en-GB" sz="2800" dirty="0"/>
-              <a:t>Tuples</a:t>
-            </a:r>
-          </a:p>
-          <a:p>
-            <a:r>
-              <a:rPr lang="en-GB" sz="2800" dirty="0" err="1"/>
-              <a:t>Enums</a:t>
-            </a:r>
-            <a:endParaRPr lang="en-GB" sz="2800" dirty="0"/>
-          </a:p>
-          <a:p>
-            <a:r>
-              <a:rPr lang="en-GB" sz="2800" dirty="0"/>
-              <a:t>Any</a:t>
-            </a:r>
-          </a:p>
-        </p:txBody>
-      </p:sp>
-      <p:sp>
-        <p:nvSpPr>
-          <p:cNvPr id="5" name="TextBox 4"/>
-          <p:cNvSpPr txBox="1"/>
-          <p:nvPr/>
-        </p:nvSpPr>
-        <p:spPr>
-          <a:xfrm>
-            <a:off x="706583" y="5938"/>
-            <a:ext cx="2054431" cy="400110"/>
-          </a:xfrm>
-          <a:prstGeom prst="rect">
-            <a:avLst/>
-          </a:prstGeom>
-          <a:noFill/>
-        </p:spPr>
-        <p:txBody>
-          <a:bodyPr wrap="square" rtlCol="0">
-            <a:spAutoFit/>
-          </a:bodyPr>
-          <a:lstStyle/>
-          <a:p>
-            <a:r>
-              <a:rPr lang="en-GB" sz="2000" dirty="0"/>
-              <a:t>Basics</a:t>
-            </a:r>
-            <a:endParaRPr lang="de-DE" dirty="0"/>
-          </a:p>
-        </p:txBody>
-      </p:sp>
-      <p:pic>
-        <p:nvPicPr>
-          <p:cNvPr id="9" name="Content Placeholder 8"/>
-          <p:cNvPicPr>
-            <a:picLocks noGrp="1" noChangeAspect="1"/>
-          </p:cNvPicPr>
-          <p:nvPr>
-            <p:ph sz="half" idx="2"/>
-          </p:nvPr>
-        </p:nvPicPr>
-        <p:blipFill>
-          <a:blip r:embed="rId2"/>
-          <a:stretch>
-            <a:fillRect/>
-          </a:stretch>
-        </p:blipFill>
-        <p:spPr>
-          <a:xfrm>
-            <a:off x="5905483" y="1468073"/>
-            <a:ext cx="5686458" cy="5217254"/>
-          </a:xfrm>
-          <a:prstGeom prst="rect">
-            <a:avLst/>
-          </a:prstGeom>
-        </p:spPr>
-      </p:pic>
-    </p:spTree>
-    <p:extLst>
-      <p:ext uri="{BB962C8B-B14F-4D97-AF65-F5344CB8AC3E}">
-        <p14:creationId xmlns:p14="http://schemas.microsoft.com/office/powerpoint/2010/main" val="296295431"/>
-      </p:ext>
-    </p:extLst>
-  </p:cSld>
-  <p:clrMapOvr>
-    <a:masterClrMapping/>
-  </p:clrMapOvr>
-</p:sld>
-</file>
-
 <file path=ppt/slides/slide7.xml><?xml version="1.0" encoding="utf-8"?>
 <p:sld xmlns:a="http://schemas.openxmlformats.org/drawingml/2006/main" xmlns:r="http://schemas.openxmlformats.org/officeDocument/2006/relationships" xmlns:p="http://schemas.openxmlformats.org/presentationml/2006/main">
   <p:cSld>
@@ -5193,7 +12889,11 @@
           <a:p>
             <a:r>
               <a:rPr lang="en-GB" dirty="0"/>
-              <a:t>Undefined &amp; Null</a:t>
+              <a:t>Types – </a:t>
+            </a:r>
+            <a:r>
+              <a:rPr lang="en-GB"/>
+              <a:t>Part I</a:t>
             </a:r>
             <a:endParaRPr lang="de-DE" dirty="0"/>
           </a:p>
@@ -5209,69 +12909,35 @@
             <p:ph sz="half" idx="1"/>
           </p:nvPr>
         </p:nvSpPr>
-        <p:spPr>
-          <a:xfrm>
-            <a:off x="1371600" y="2285999"/>
-            <a:ext cx="3435292" cy="3581401"/>
-          </a:xfrm>
-        </p:spPr>
-        <p:txBody>
-          <a:bodyPr anchor="ctr"/>
-          <a:lstStyle/>
-          <a:p>
-            <a:r>
-              <a:rPr lang="en-GB" dirty="0"/>
-              <a:t>‘undefined’ is default value for variables</a:t>
-            </a:r>
-          </a:p>
-          <a:p>
-            <a:r>
-              <a:rPr lang="en-GB" dirty="0"/>
-              <a:t>Functions with no return value return ‘undefined’</a:t>
-            </a:r>
-          </a:p>
-          <a:p>
-            <a:r>
-              <a:rPr lang="en-GB" dirty="0"/>
-              <a:t>‘null’ is explicit no-value </a:t>
-            </a:r>
-            <a:endParaRPr lang="de-DE" dirty="0"/>
-          </a:p>
-        </p:txBody>
-      </p:sp>
-      <p:sp>
-        <p:nvSpPr>
-          <p:cNvPr id="6" name="TextBox 5"/>
-          <p:cNvSpPr txBox="1"/>
-          <p:nvPr/>
-        </p:nvSpPr>
-        <p:spPr>
-          <a:xfrm>
-            <a:off x="706583" y="5938"/>
-            <a:ext cx="2054431" cy="400110"/>
-          </a:xfrm>
-          <a:prstGeom prst="rect">
-            <a:avLst/>
-          </a:prstGeom>
-          <a:noFill/>
-        </p:spPr>
-        <p:txBody>
-          <a:bodyPr wrap="square" rtlCol="0">
-            <a:spAutoFit/>
+        <p:spPr/>
+        <p:txBody>
+          <a:bodyPr anchor="ctr">
+            <a:normAutofit/>
           </a:bodyPr>
           <a:lstStyle/>
           <a:p>
             <a:r>
-              <a:rPr lang="en-GB" sz="2000" dirty="0"/>
-              <a:t>Basics</a:t>
-            </a:r>
-            <a:endParaRPr lang="de-DE" dirty="0"/>
+              <a:rPr lang="en-GB" sz="2800" dirty="0"/>
+              <a:t>Strings</a:t>
+            </a:r>
+          </a:p>
+          <a:p>
+            <a:r>
+              <a:rPr lang="en-GB" sz="2800" dirty="0"/>
+              <a:t>Boolean</a:t>
+            </a:r>
+          </a:p>
+          <a:p>
+            <a:r>
+              <a:rPr lang="en-GB" sz="2800" dirty="0"/>
+              <a:t>Number</a:t>
+            </a:r>
           </a:p>
         </p:txBody>
       </p:sp>
       <p:pic>
         <p:nvPicPr>
-          <p:cNvPr id="7" name="Content Placeholder 6"/>
+          <p:cNvPr id="6" name="Content Placeholder 5"/>
           <p:cNvPicPr>
             <a:picLocks noGrp="1" noChangeAspect="1"/>
           </p:cNvPicPr>
@@ -5287,18 +12953,50 @@
         </p:blipFill>
         <p:spPr>
           <a:xfrm>
-            <a:off x="4806892" y="3344464"/>
-            <a:ext cx="7078298" cy="1464472"/>
+            <a:off x="6524625" y="2778120"/>
+            <a:ext cx="4448175" cy="2597160"/>
           </a:xfrm>
           <a:prstGeom prst="rect">
             <a:avLst/>
           </a:prstGeom>
         </p:spPr>
       </p:pic>
+      <p:sp>
+        <p:nvSpPr>
+          <p:cNvPr id="7" name="TextBox 6">
+            <a:hlinkClick r:id="rId3" action="ppaction://hlinksldjump"/>
+          </p:cNvPr>
+          <p:cNvSpPr txBox="1"/>
+          <p:nvPr/>
+        </p:nvSpPr>
+        <p:spPr>
+          <a:xfrm>
+            <a:off x="712521" y="5938"/>
+            <a:ext cx="2054431" cy="400110"/>
+          </a:xfrm>
+          <a:prstGeom prst="rect">
+            <a:avLst/>
+          </a:prstGeom>
+          <a:noFill/>
+        </p:spPr>
+        <p:txBody>
+          <a:bodyPr wrap="square" rtlCol="0">
+            <a:spAutoFit/>
+          </a:bodyPr>
+          <a:lstStyle/>
+          <a:p>
+            <a:r>
+              <a:rPr lang="en-GB" sz="2000" dirty="0"/>
+              <a:t>Basics</a:t>
+            </a:r>
+            <a:endParaRPr lang="de-DE" sz="2000" dirty="0"/>
+          </a:p>
+        </p:txBody>
+      </p:sp>
     </p:spTree>
     <p:extLst>
       <p:ext uri="{BB962C8B-B14F-4D97-AF65-F5344CB8AC3E}">
-        <p14:creationId xmlns:p14="http://schemas.microsoft.com/office/powerpoint/2010/main" val="2974398133"/>
+        <p14:creationId xmlns:p14="http://schemas.microsoft.com/office/powerpoint/2010/main" val="1525262803"/>
       </p:ext>
     </p:extLst>
   </p:cSld>
@@ -5342,7 +13040,7 @@
           <a:p>
             <a:r>
               <a:rPr lang="en-GB" dirty="0"/>
-              <a:t>Objects</a:t>
+              <a:t>Types – Part II</a:t>
             </a:r>
             <a:endParaRPr lang="de-DE" dirty="0"/>
           </a:p>
@@ -5358,69 +13056,42 @@
             <p:ph sz="half" idx="1"/>
           </p:nvPr>
         </p:nvSpPr>
-        <p:spPr>
-          <a:xfrm>
-            <a:off x="1371600" y="2285999"/>
-            <a:ext cx="2982286" cy="3581401"/>
-          </a:xfrm>
-        </p:spPr>
-        <p:txBody>
-          <a:bodyPr anchor="ctr"/>
-          <a:lstStyle/>
-          <a:p>
-            <a:r>
-              <a:rPr lang="en-GB" dirty="0"/>
-              <a:t>Curly brackets</a:t>
-            </a:r>
-          </a:p>
-          <a:p>
-            <a:r>
-              <a:rPr lang="en-GB" dirty="0"/>
-              <a:t>Access properties with dot or brackets</a:t>
-            </a:r>
-          </a:p>
-          <a:p>
-            <a:r>
-              <a:rPr lang="en-GB" dirty="0"/>
-              <a:t>If type “any” modify &amp; add properties at will</a:t>
-            </a:r>
-            <a:endParaRPr lang="de-DE" dirty="0"/>
-          </a:p>
-        </p:txBody>
-      </p:sp>
-      <p:sp>
-        <p:nvSpPr>
-          <p:cNvPr id="6" name="TextBox 5"/>
-          <p:cNvSpPr txBox="1"/>
-          <p:nvPr/>
-        </p:nvSpPr>
-        <p:spPr>
-          <a:xfrm>
-            <a:off x="706583" y="5938"/>
-            <a:ext cx="2054431" cy="400110"/>
-          </a:xfrm>
-          <a:prstGeom prst="rect">
-            <a:avLst/>
-          </a:prstGeom>
-          <a:noFill/>
-        </p:spPr>
-        <p:txBody>
-          <a:bodyPr wrap="square" rtlCol="0">
-            <a:spAutoFit/>
+        <p:spPr/>
+        <p:txBody>
+          <a:bodyPr anchor="ctr">
+            <a:normAutofit/>
           </a:bodyPr>
           <a:lstStyle/>
           <a:p>
             <a:r>
-              <a:rPr lang="en-GB" sz="2000" dirty="0"/>
-              <a:t>Basics</a:t>
-            </a:r>
-            <a:endParaRPr lang="de-DE" dirty="0"/>
+              <a:rPr lang="en-GB" sz="2800" dirty="0"/>
+              <a:t>Arrays</a:t>
+            </a:r>
+          </a:p>
+          <a:p>
+            <a:r>
+              <a:rPr lang="en-GB" sz="2800" dirty="0"/>
+              <a:t>Tuples</a:t>
+            </a:r>
+          </a:p>
+          <a:p>
+            <a:r>
+              <a:rPr lang="en-GB" sz="2800" dirty="0" err="1"/>
+              <a:t>Enums</a:t>
+            </a:r>
+            <a:endParaRPr lang="en-GB" sz="2800" dirty="0"/>
+          </a:p>
+          <a:p>
+            <a:r>
+              <a:rPr lang="en-GB" sz="2800" dirty="0"/>
+              <a:t>Any</a:t>
+            </a:r>
           </a:p>
         </p:txBody>
       </p:sp>
       <p:pic>
         <p:nvPicPr>
-          <p:cNvPr id="7" name="Content Placeholder 6"/>
+          <p:cNvPr id="9" name="Content Placeholder 8"/>
           <p:cNvPicPr>
             <a:picLocks noGrp="1" noChangeAspect="1"/>
           </p:cNvPicPr>
@@ -5436,18 +13107,50 @@
         </p:blipFill>
         <p:spPr>
           <a:xfrm>
-            <a:off x="4798503" y="2417084"/>
-            <a:ext cx="7413858" cy="3319232"/>
+            <a:off x="6796969" y="2286000"/>
+            <a:ext cx="3903486" cy="3581400"/>
           </a:xfrm>
           <a:prstGeom prst="rect">
             <a:avLst/>
           </a:prstGeom>
         </p:spPr>
       </p:pic>
+      <p:sp>
+        <p:nvSpPr>
+          <p:cNvPr id="6" name="TextBox 5">
+            <a:hlinkClick r:id="rId3" action="ppaction://hlinksldjump"/>
+          </p:cNvPr>
+          <p:cNvSpPr txBox="1"/>
+          <p:nvPr/>
+        </p:nvSpPr>
+        <p:spPr>
+          <a:xfrm>
+            <a:off x="712521" y="5938"/>
+            <a:ext cx="2054431" cy="400110"/>
+          </a:xfrm>
+          <a:prstGeom prst="rect">
+            <a:avLst/>
+          </a:prstGeom>
+          <a:noFill/>
+        </p:spPr>
+        <p:txBody>
+          <a:bodyPr wrap="square" rtlCol="0">
+            <a:spAutoFit/>
+          </a:bodyPr>
+          <a:lstStyle/>
+          <a:p>
+            <a:r>
+              <a:rPr lang="en-GB" sz="2000" dirty="0"/>
+              <a:t>Basics</a:t>
+            </a:r>
+            <a:endParaRPr lang="de-DE" sz="2000" dirty="0"/>
+          </a:p>
+        </p:txBody>
+      </p:sp>
     </p:spTree>
     <p:extLst>
       <p:ext uri="{BB962C8B-B14F-4D97-AF65-F5344CB8AC3E}">
-        <p14:creationId xmlns:p14="http://schemas.microsoft.com/office/powerpoint/2010/main" val="3095172474"/>
+        <p14:creationId xmlns:p14="http://schemas.microsoft.com/office/powerpoint/2010/main" val="296295431"/>
       </p:ext>
     </p:extLst>
   </p:cSld>
@@ -5491,77 +13194,7 @@
           <a:p>
             <a:r>
               <a:rPr lang="en-GB" dirty="0"/>
-              <a:t>Maps</a:t>
-            </a:r>
-            <a:endParaRPr lang="de-DE" dirty="0"/>
-          </a:p>
-        </p:txBody>
-      </p:sp>
-      <p:sp>
-        <p:nvSpPr>
-          <p:cNvPr id="3" name="Content Placeholder 2"/>
-          <p:cNvSpPr>
-            <a:spLocks noGrp="1"/>
-          </p:cNvSpPr>
-          <p:nvPr>
-            <p:ph sz="half" idx="1"/>
-          </p:nvPr>
-        </p:nvSpPr>
-        <p:spPr>
-          <a:xfrm>
-            <a:off x="1371600" y="2285999"/>
-            <a:ext cx="2923563" cy="3581401"/>
-          </a:xfrm>
-        </p:spPr>
-        <p:txBody>
-          <a:bodyPr anchor="ctr"/>
-          <a:lstStyle/>
-          <a:p>
-            <a:r>
-              <a:rPr lang="en-GB" dirty="0"/>
-              <a:t>Actually just objects</a:t>
-            </a:r>
-          </a:p>
-          <a:p>
-            <a:r>
-              <a:rPr lang="en-GB" dirty="0"/>
-              <a:t>Strings or numbers can be key</a:t>
-            </a:r>
-          </a:p>
-          <a:p>
-            <a:r>
-              <a:rPr lang="en-GB" dirty="0"/>
-              <a:t>With ES6 nicer syntax</a:t>
-            </a:r>
-            <a:endParaRPr lang="de-DE" dirty="0"/>
-          </a:p>
-        </p:txBody>
-      </p:sp>
-      <p:sp>
-        <p:nvSpPr>
-          <p:cNvPr id="6" name="TextBox 5"/>
-          <p:cNvSpPr txBox="1"/>
-          <p:nvPr/>
-        </p:nvSpPr>
-        <p:spPr>
-          <a:xfrm>
-            <a:off x="706583" y="5938"/>
-            <a:ext cx="2054431" cy="400110"/>
-          </a:xfrm>
-          <a:prstGeom prst="rect">
-            <a:avLst/>
-          </a:prstGeom>
-          <a:noFill/>
-        </p:spPr>
-        <p:txBody>
-          <a:bodyPr wrap="square" rtlCol="0">
-            <a:spAutoFit/>
-          </a:bodyPr>
-          <a:lstStyle/>
-          <a:p>
-            <a:r>
-              <a:rPr lang="en-GB" sz="2000" dirty="0"/>
-              <a:t>Basics</a:t>
+              <a:t>Types – Part III</a:t>
             </a:r>
             <a:endParaRPr lang="de-DE" dirty="0"/>
           </a:p>
@@ -5569,12 +13202,12 @@
       </p:sp>
       <p:pic>
         <p:nvPicPr>
-          <p:cNvPr id="5" name="Content Placeholder 4"/>
+          <p:cNvPr id="4" name="Content Placeholder 3"/>
           <p:cNvPicPr>
             <a:picLocks noGrp="1" noChangeAspect="1"/>
           </p:cNvPicPr>
           <p:nvPr>
-            <p:ph sz="half" idx="2"/>
+            <p:ph idx="1"/>
           </p:nvPr>
         </p:nvPicPr>
         <p:blipFill>
@@ -5585,18 +13218,50 @@
         </p:blipFill>
         <p:spPr>
           <a:xfrm>
-            <a:off x="4504386" y="3246540"/>
-            <a:ext cx="7632976" cy="1660320"/>
+            <a:off x="2433115" y="3624199"/>
+            <a:ext cx="7478169" cy="905001"/>
           </a:xfrm>
           <a:prstGeom prst="rect">
             <a:avLst/>
           </a:prstGeom>
         </p:spPr>
       </p:pic>
+      <p:sp>
+        <p:nvSpPr>
+          <p:cNvPr id="6" name="TextBox 5">
+            <a:hlinkClick r:id="rId3" action="ppaction://hlinksldjump"/>
+          </p:cNvPr>
+          <p:cNvSpPr txBox="1"/>
+          <p:nvPr/>
+        </p:nvSpPr>
+        <p:spPr>
+          <a:xfrm>
+            <a:off x="712521" y="5938"/>
+            <a:ext cx="2054431" cy="400110"/>
+          </a:xfrm>
+          <a:prstGeom prst="rect">
+            <a:avLst/>
+          </a:prstGeom>
+          <a:noFill/>
+        </p:spPr>
+        <p:txBody>
+          <a:bodyPr wrap="square" rtlCol="0">
+            <a:spAutoFit/>
+          </a:bodyPr>
+          <a:lstStyle/>
+          <a:p>
+            <a:r>
+              <a:rPr lang="en-GB" sz="2000" dirty="0"/>
+              <a:t>Basics</a:t>
+            </a:r>
+            <a:endParaRPr lang="de-DE" sz="2000" dirty="0"/>
+          </a:p>
+        </p:txBody>
+      </p:sp>
     </p:spTree>
     <p:extLst>
       <p:ext uri="{BB962C8B-B14F-4D97-AF65-F5344CB8AC3E}">
-        <p14:creationId xmlns:p14="http://schemas.microsoft.com/office/powerpoint/2010/main" val="4022339484"/>
+        <p14:creationId xmlns:p14="http://schemas.microsoft.com/office/powerpoint/2010/main" val="3439936945"/>
       </p:ext>
     </p:extLst>
   </p:cSld>
@@ -5617,34 +13282,34 @@
         <a:sysClr val="window" lastClr="FFFFFF"/>
       </a:lt1>
       <a:dk2>
-        <a:srgbClr val="191B0E"/>
+        <a:srgbClr val="1A2E40"/>
       </a:dk2>
       <a:lt2>
-        <a:srgbClr val="EFEDE3"/>
+        <a:srgbClr val="EBE7DD"/>
       </a:lt2>
       <a:accent1>
-        <a:srgbClr val="8C8D86"/>
+        <a:srgbClr val="69A1AB"/>
       </a:accent1>
       <a:accent2>
-        <a:srgbClr val="E6C069"/>
+        <a:srgbClr val="F2C418"/>
       </a:accent2>
       <a:accent3>
-        <a:srgbClr val="897B61"/>
+        <a:srgbClr val="87492C"/>
       </a:accent3>
       <a:accent4>
-        <a:srgbClr val="8DAB8E"/>
+        <a:srgbClr val="4A845E"/>
       </a:accent4>
       <a:accent5>
-        <a:srgbClr val="77A2BB"/>
+        <a:srgbClr val="DC9528"/>
       </a:accent5>
       <a:accent6>
-        <a:srgbClr val="E28394"/>
+        <a:srgbClr val="9A5D78"/>
       </a:accent6>
       <a:hlink>
-        <a:srgbClr val="77A2BB"/>
+        <a:srgbClr val="66C8E3"/>
       </a:hlink>
       <a:folHlink>
-        <a:srgbClr val="957A99"/>
+        <a:srgbClr val="B162A1"/>
       </a:folHlink>
     </a:clrScheme>
     <a:fontScheme name="Crop">
@@ -5858,7 +13523,7 @@
   <a:extraClrSchemeLst/>
   <a:extLst>
     <a:ext uri="{05A4C25C-085E-4340-85A3-A5531E510DB2}">
-      <thm15:themeFamily xmlns:thm15="http://schemas.microsoft.com/office/thememl/2012/main" name="Crop" id="{EC9488ED-E761-4D60-9AC4-764D1FE2C171}" vid="{CE19780C-D67D-4C13-9DE9-A52BC3BA51B4}"/>
+      <thm15:themeFamily xmlns:thm15="http://schemas.microsoft.com/office/thememl/2012/main" name="Crop" id="{EC9488ED-E761-4D60-9AC4-764D1FE2C171}" vid="{17F9D331-421E-442F-B033-AF5B21A44854}"/>
     </a:ext>
   </a:extLst>
 </a:theme>

--- a/Typescript.pptx
+++ b/Typescript.pptx
@@ -7,52 +7,55 @@
   <p:sldIdLst>
     <p:sldId id="256" r:id="rId2"/>
     <p:sldId id="303" r:id="rId3"/>
-    <p:sldId id="308" r:id="rId4"/>
-    <p:sldId id="269" r:id="rId5"/>
-    <p:sldId id="257" r:id="rId6"/>
-    <p:sldId id="259" r:id="rId7"/>
-    <p:sldId id="267" r:id="rId8"/>
-    <p:sldId id="262" r:id="rId9"/>
-    <p:sldId id="311" r:id="rId10"/>
-    <p:sldId id="264" r:id="rId11"/>
-    <p:sldId id="263" r:id="rId12"/>
-    <p:sldId id="265" r:id="rId13"/>
-    <p:sldId id="268" r:id="rId14"/>
-    <p:sldId id="276" r:id="rId15"/>
-    <p:sldId id="270" r:id="rId16"/>
-    <p:sldId id="271" r:id="rId17"/>
-    <p:sldId id="273" r:id="rId18"/>
-    <p:sldId id="275" r:id="rId19"/>
-    <p:sldId id="272" r:id="rId20"/>
-    <p:sldId id="281" r:id="rId21"/>
-    <p:sldId id="277" r:id="rId22"/>
-    <p:sldId id="278" r:id="rId23"/>
-    <p:sldId id="279" r:id="rId24"/>
-    <p:sldId id="280" r:id="rId25"/>
-    <p:sldId id="285" r:id="rId26"/>
-    <p:sldId id="286" r:id="rId27"/>
-    <p:sldId id="288" r:id="rId28"/>
-    <p:sldId id="289" r:id="rId29"/>
-    <p:sldId id="310" r:id="rId30"/>
-    <p:sldId id="300" r:id="rId31"/>
-    <p:sldId id="291" r:id="rId32"/>
+    <p:sldId id="313" r:id="rId4"/>
+    <p:sldId id="314" r:id="rId5"/>
+    <p:sldId id="308" r:id="rId6"/>
+    <p:sldId id="269" r:id="rId7"/>
+    <p:sldId id="257" r:id="rId8"/>
+    <p:sldId id="259" r:id="rId9"/>
+    <p:sldId id="267" r:id="rId10"/>
+    <p:sldId id="262" r:id="rId11"/>
+    <p:sldId id="311" r:id="rId12"/>
+    <p:sldId id="264" r:id="rId13"/>
+    <p:sldId id="263" r:id="rId14"/>
+    <p:sldId id="265" r:id="rId15"/>
+    <p:sldId id="268" r:id="rId16"/>
+    <p:sldId id="276" r:id="rId17"/>
+    <p:sldId id="270" r:id="rId18"/>
+    <p:sldId id="271" r:id="rId19"/>
+    <p:sldId id="273" r:id="rId20"/>
+    <p:sldId id="275" r:id="rId21"/>
+    <p:sldId id="272" r:id="rId22"/>
+    <p:sldId id="281" r:id="rId23"/>
+    <p:sldId id="277" r:id="rId24"/>
+    <p:sldId id="278" r:id="rId25"/>
+    <p:sldId id="279" r:id="rId26"/>
+    <p:sldId id="280" r:id="rId27"/>
+    <p:sldId id="285" r:id="rId28"/>
+    <p:sldId id="286" r:id="rId29"/>
+    <p:sldId id="288" r:id="rId30"/>
+    <p:sldId id="289" r:id="rId31"/>
+    <p:sldId id="310" r:id="rId32"/>
     <p:sldId id="287" r:id="rId33"/>
     <p:sldId id="290" r:id="rId34"/>
-    <p:sldId id="292" r:id="rId35"/>
-    <p:sldId id="301" r:id="rId36"/>
-    <p:sldId id="293" r:id="rId37"/>
-    <p:sldId id="283" r:id="rId38"/>
-    <p:sldId id="284" r:id="rId39"/>
-    <p:sldId id="294" r:id="rId40"/>
-    <p:sldId id="296" r:id="rId41"/>
-    <p:sldId id="297" r:id="rId42"/>
-    <p:sldId id="298" r:id="rId43"/>
-    <p:sldId id="299" r:id="rId44"/>
-    <p:sldId id="302" r:id="rId45"/>
-    <p:sldId id="295" r:id="rId46"/>
-    <p:sldId id="304" r:id="rId47"/>
-    <p:sldId id="305" r:id="rId48"/>
-    <p:sldId id="306" r:id="rId49"/>
+    <p:sldId id="300" r:id="rId35"/>
+    <p:sldId id="291" r:id="rId36"/>
+    <p:sldId id="292" r:id="rId37"/>
+    <p:sldId id="301" r:id="rId38"/>
+    <p:sldId id="293" r:id="rId39"/>
+    <p:sldId id="283" r:id="rId40"/>
+    <p:sldId id="284" r:id="rId41"/>
+    <p:sldId id="294" r:id="rId42"/>
+    <p:sldId id="296" r:id="rId43"/>
+    <p:sldId id="297" r:id="rId44"/>
+    <p:sldId id="298" r:id="rId45"/>
+    <p:sldId id="299" r:id="rId46"/>
+    <p:sldId id="302" r:id="rId47"/>
+    <p:sldId id="295" r:id="rId48"/>
+    <p:sldId id="304" r:id="rId49"/>
+    <p:sldId id="305" r:id="rId50"/>
+    <p:sldId id="306" r:id="rId51"/>
+    <p:sldId id="312" r:id="rId52"/>
   </p:sldIdLst>
   <p:sldSz cx="12192000" cy="6858000"/>
   <p:notesSz cx="6858000" cy="9144000"/>
@@ -158,6 +161,8 @@
           <p14:sldIdLst>
             <p14:sldId id="256"/>
             <p14:sldId id="303"/>
+            <p14:sldId id="313"/>
+            <p14:sldId id="314"/>
           </p14:sldIdLst>
         </p14:section>
         <p14:section name="Summary Section" id="{FC962BEB-3E83-41E1-A56D-D9F400005E1C}">
@@ -249,14 +254,14 @@
           <p14:sldIdLst>
             <p14:sldId id="289"/>
             <p14:sldId id="310"/>
-            <p14:sldId id="300"/>
-            <p14:sldId id="291"/>
           </p14:sldIdLst>
         </p14:section>
         <p14:section name="Rest Parameters" id="{8599694B-A55B-4BD9-9ACA-F632C7D1925D}">
           <p14:sldIdLst>
             <p14:sldId id="287"/>
             <p14:sldId id="290"/>
+            <p14:sldId id="300"/>
+            <p14:sldId id="291"/>
           </p14:sldIdLst>
         </p14:section>
         <p14:section name="Lazy Generators (ES6 only!)" id="{106C052C-0C44-4E41-9330-8FE4C9B1E510}">
@@ -300,6 +305,7 @@
             <p14:sldId id="304"/>
             <p14:sldId id="305"/>
             <p14:sldId id="306"/>
+            <p14:sldId id="312"/>
           </p14:sldIdLst>
         </p14:section>
       </p14:sectionLst>
@@ -4175,7 +4181,7 @@
           <a:p>
             <a:r>
               <a:rPr lang="en-GB" dirty="0"/>
-              <a:t>Undefined &amp; Null</a:t>
+              <a:t>Types – Part II</a:t>
             </a:r>
             <a:endParaRPr lang="de-DE" dirty="0"/>
           </a:p>
@@ -4191,39 +4197,42 @@
             <p:ph sz="half" idx="1"/>
           </p:nvPr>
         </p:nvSpPr>
-        <p:spPr>
-          <a:xfrm>
-            <a:off x="1371600" y="2285999"/>
-            <a:ext cx="3435292" cy="3581401"/>
-          </a:xfrm>
-        </p:spPr>
-        <p:txBody>
-          <a:bodyPr anchor="ctr"/>
-          <a:lstStyle/>
-          <a:p>
-            <a:r>
-              <a:rPr lang="en-GB" dirty="0"/>
-              <a:t>‘undefined’ is default value for variables</a:t>
-            </a:r>
-          </a:p>
-          <a:p>
-            <a:r>
-              <a:rPr lang="en-GB" dirty="0"/>
-              <a:t>Functions with no return value return ‘undefined’</a:t>
-            </a:r>
-          </a:p>
-          <a:p>
-            <a:r>
-              <a:rPr lang="en-GB" dirty="0"/>
-              <a:t>‘null’ is explicit no-value </a:t>
-            </a:r>
-            <a:endParaRPr lang="de-DE" dirty="0"/>
+        <p:spPr/>
+        <p:txBody>
+          <a:bodyPr anchor="ctr">
+            <a:normAutofit/>
+          </a:bodyPr>
+          <a:lstStyle/>
+          <a:p>
+            <a:r>
+              <a:rPr lang="en-GB" sz="2800" dirty="0"/>
+              <a:t>Arrays</a:t>
+            </a:r>
+          </a:p>
+          <a:p>
+            <a:r>
+              <a:rPr lang="en-GB" sz="2800" dirty="0"/>
+              <a:t>Tuples</a:t>
+            </a:r>
+          </a:p>
+          <a:p>
+            <a:r>
+              <a:rPr lang="en-GB" sz="2800" dirty="0" err="1"/>
+              <a:t>Enums</a:t>
+            </a:r>
+            <a:endParaRPr lang="en-GB" sz="2800" dirty="0"/>
+          </a:p>
+          <a:p>
+            <a:r>
+              <a:rPr lang="en-GB" sz="2800" dirty="0"/>
+              <a:t>Any</a:t>
+            </a:r>
           </a:p>
         </p:txBody>
       </p:sp>
       <p:pic>
         <p:nvPicPr>
-          <p:cNvPr id="7" name="Content Placeholder 6"/>
+          <p:cNvPr id="9" name="Content Placeholder 8"/>
           <p:cNvPicPr>
             <a:picLocks noGrp="1" noChangeAspect="1"/>
           </p:cNvPicPr>
@@ -4239,8 +4248,8 @@
         </p:blipFill>
         <p:spPr>
           <a:xfrm>
-            <a:off x="4806892" y="3344464"/>
-            <a:ext cx="7078298" cy="1464472"/>
+            <a:off x="6796969" y="2286000"/>
+            <a:ext cx="3903486" cy="3581400"/>
           </a:xfrm>
           <a:prstGeom prst="rect">
             <a:avLst/>
@@ -4249,7 +4258,7 @@
       </p:pic>
       <p:sp>
         <p:nvSpPr>
-          <p:cNvPr id="8" name="TextBox 7">
+          <p:cNvPr id="6" name="TextBox 5">
             <a:hlinkClick r:id="rId3" action="ppaction://hlinksldjump"/>
           </p:cNvPr>
           <p:cNvSpPr txBox="1"/>
@@ -4282,7 +4291,7 @@
     </p:spTree>
     <p:extLst>
       <p:ext uri="{BB962C8B-B14F-4D97-AF65-F5344CB8AC3E}">
-        <p14:creationId xmlns:p14="http://schemas.microsoft.com/office/powerpoint/2010/main" val="2974398133"/>
+        <p14:creationId xmlns:p14="http://schemas.microsoft.com/office/powerpoint/2010/main" val="296295431"/>
       </p:ext>
     </p:extLst>
   </p:cSld>
@@ -4326,47 +4335,7 @@
           <a:p>
             <a:r>
               <a:rPr lang="en-GB" dirty="0"/>
-              <a:t>Objects</a:t>
-            </a:r>
-            <a:endParaRPr lang="de-DE" dirty="0"/>
-          </a:p>
-        </p:txBody>
-      </p:sp>
-      <p:sp>
-        <p:nvSpPr>
-          <p:cNvPr id="3" name="Content Placeholder 2"/>
-          <p:cNvSpPr>
-            <a:spLocks noGrp="1"/>
-          </p:cNvSpPr>
-          <p:nvPr>
-            <p:ph sz="half" idx="1"/>
-          </p:nvPr>
-        </p:nvSpPr>
-        <p:spPr>
-          <a:xfrm>
-            <a:off x="1371600" y="2285999"/>
-            <a:ext cx="2982286" cy="3581401"/>
-          </a:xfrm>
-        </p:spPr>
-        <p:txBody>
-          <a:bodyPr anchor="ctr"/>
-          <a:lstStyle/>
-          <a:p>
-            <a:r>
-              <a:rPr lang="en-GB" dirty="0"/>
-              <a:t>Curly brackets</a:t>
-            </a:r>
-          </a:p>
-          <a:p>
-            <a:r>
-              <a:rPr lang="en-GB" dirty="0"/>
-              <a:t>Access properties with dot or brackets</a:t>
-            </a:r>
-          </a:p>
-          <a:p>
-            <a:r>
-              <a:rPr lang="en-GB" dirty="0"/>
-              <a:t>If type “any”: modify &amp; add properties at will</a:t>
+              <a:t>Types – Part III</a:t>
             </a:r>
             <a:endParaRPr lang="de-DE" dirty="0"/>
           </a:p>
@@ -4374,12 +4343,12 @@
       </p:sp>
       <p:pic>
         <p:nvPicPr>
-          <p:cNvPr id="7" name="Content Placeholder 6"/>
+          <p:cNvPr id="4" name="Content Placeholder 3"/>
           <p:cNvPicPr>
             <a:picLocks noGrp="1" noChangeAspect="1"/>
           </p:cNvPicPr>
           <p:nvPr>
-            <p:ph sz="half" idx="2"/>
+            <p:ph idx="1"/>
           </p:nvPr>
         </p:nvPicPr>
         <p:blipFill>
@@ -4390,8 +4359,8 @@
         </p:blipFill>
         <p:spPr>
           <a:xfrm>
-            <a:off x="4798503" y="2417084"/>
-            <a:ext cx="7413858" cy="3319232"/>
+            <a:off x="2433115" y="3624199"/>
+            <a:ext cx="7478169" cy="905001"/>
           </a:xfrm>
           <a:prstGeom prst="rect">
             <a:avLst/>
@@ -4400,7 +4369,7 @@
       </p:pic>
       <p:sp>
         <p:nvSpPr>
-          <p:cNvPr id="8" name="TextBox 7">
+          <p:cNvPr id="6" name="TextBox 5">
             <a:hlinkClick r:id="rId3" action="ppaction://hlinksldjump"/>
           </p:cNvPr>
           <p:cNvSpPr txBox="1"/>
@@ -4433,7 +4402,7 @@
     </p:spTree>
     <p:extLst>
       <p:ext uri="{BB962C8B-B14F-4D97-AF65-F5344CB8AC3E}">
-        <p14:creationId xmlns:p14="http://schemas.microsoft.com/office/powerpoint/2010/main" val="3095172474"/>
+        <p14:creationId xmlns:p14="http://schemas.microsoft.com/office/powerpoint/2010/main" val="3439936945"/>
       </p:ext>
     </p:extLst>
   </p:cSld>
@@ -4477,7 +4446,7 @@
           <a:p>
             <a:r>
               <a:rPr lang="en-GB" dirty="0"/>
-              <a:t>Maps</a:t>
+              <a:t>Undefined &amp; Null</a:t>
             </a:r>
             <a:endParaRPr lang="de-DE" dirty="0"/>
           </a:p>
@@ -4496,7 +4465,7 @@
         <p:spPr>
           <a:xfrm>
             <a:off x="1371600" y="2285999"/>
-            <a:ext cx="2923563" cy="3581401"/>
+            <a:ext cx="3435292" cy="3581401"/>
           </a:xfrm>
         </p:spPr>
         <p:txBody>
@@ -4505,19 +4474,19 @@
           <a:p>
             <a:r>
               <a:rPr lang="en-GB" dirty="0"/>
-              <a:t>Actually just objects</a:t>
+              <a:t>‘undefined’ is default value for variables</a:t>
             </a:r>
           </a:p>
           <a:p>
             <a:r>
               <a:rPr lang="en-GB" dirty="0"/>
-              <a:t>Strings or numbers can be key</a:t>
+              <a:t>Functions with no return value return ‘undefined’</a:t>
             </a:r>
           </a:p>
           <a:p>
             <a:r>
               <a:rPr lang="en-GB" dirty="0"/>
-              <a:t>With ES6 nicer syntax</a:t>
+              <a:t>‘null’ is explicit no-value </a:t>
             </a:r>
             <a:endParaRPr lang="de-DE" dirty="0"/>
           </a:p>
@@ -4525,7 +4494,7 @@
       </p:sp>
       <p:pic>
         <p:nvPicPr>
-          <p:cNvPr id="5" name="Content Placeholder 4"/>
+          <p:cNvPr id="7" name="Content Placeholder 6"/>
           <p:cNvPicPr>
             <a:picLocks noGrp="1" noChangeAspect="1"/>
           </p:cNvPicPr>
@@ -4541,8 +4510,8 @@
         </p:blipFill>
         <p:spPr>
           <a:xfrm>
-            <a:off x="4504386" y="3246540"/>
-            <a:ext cx="7632976" cy="1660320"/>
+            <a:off x="4806892" y="3344464"/>
+            <a:ext cx="7078298" cy="1464472"/>
           </a:xfrm>
           <a:prstGeom prst="rect">
             <a:avLst/>
@@ -4551,7 +4520,7 @@
       </p:pic>
       <p:sp>
         <p:nvSpPr>
-          <p:cNvPr id="7" name="TextBox 6">
+          <p:cNvPr id="8" name="TextBox 7">
             <a:hlinkClick r:id="rId3" action="ppaction://hlinksldjump"/>
           </p:cNvPr>
           <p:cNvSpPr txBox="1"/>
@@ -4584,7 +4553,7 @@
     </p:spTree>
     <p:extLst>
       <p:ext uri="{BB962C8B-B14F-4D97-AF65-F5344CB8AC3E}">
-        <p14:creationId xmlns:p14="http://schemas.microsoft.com/office/powerpoint/2010/main" val="4022339484"/>
+        <p14:creationId xmlns:p14="http://schemas.microsoft.com/office/powerpoint/2010/main" val="2974398133"/>
       </p:ext>
     </p:extLst>
   </p:cSld>
@@ -4628,6 +4597,308 @@
           <a:p>
             <a:r>
               <a:rPr lang="en-GB" dirty="0"/>
+              <a:t>Objects</a:t>
+            </a:r>
+            <a:endParaRPr lang="de-DE" dirty="0"/>
+          </a:p>
+        </p:txBody>
+      </p:sp>
+      <p:sp>
+        <p:nvSpPr>
+          <p:cNvPr id="3" name="Content Placeholder 2"/>
+          <p:cNvSpPr>
+            <a:spLocks noGrp="1"/>
+          </p:cNvSpPr>
+          <p:nvPr>
+            <p:ph sz="half" idx="1"/>
+          </p:nvPr>
+        </p:nvSpPr>
+        <p:spPr>
+          <a:xfrm>
+            <a:off x="1371600" y="2285999"/>
+            <a:ext cx="2982286" cy="3581401"/>
+          </a:xfrm>
+        </p:spPr>
+        <p:txBody>
+          <a:bodyPr anchor="ctr"/>
+          <a:lstStyle/>
+          <a:p>
+            <a:r>
+              <a:rPr lang="en-GB" dirty="0"/>
+              <a:t>Curly brackets</a:t>
+            </a:r>
+          </a:p>
+          <a:p>
+            <a:r>
+              <a:rPr lang="en-GB" dirty="0"/>
+              <a:t>Access properties with dot or brackets</a:t>
+            </a:r>
+          </a:p>
+          <a:p>
+            <a:r>
+              <a:rPr lang="en-GB" dirty="0"/>
+              <a:t>If type “any”: modify &amp; add properties at will</a:t>
+            </a:r>
+            <a:endParaRPr lang="de-DE" dirty="0"/>
+          </a:p>
+        </p:txBody>
+      </p:sp>
+      <p:pic>
+        <p:nvPicPr>
+          <p:cNvPr id="7" name="Content Placeholder 6"/>
+          <p:cNvPicPr>
+            <a:picLocks noGrp="1" noChangeAspect="1"/>
+          </p:cNvPicPr>
+          <p:nvPr>
+            <p:ph sz="half" idx="2"/>
+          </p:nvPr>
+        </p:nvPicPr>
+        <p:blipFill>
+          <a:blip r:embed="rId2"/>
+          <a:stretch>
+            <a:fillRect/>
+          </a:stretch>
+        </p:blipFill>
+        <p:spPr>
+          <a:xfrm>
+            <a:off x="4798503" y="2417084"/>
+            <a:ext cx="7413858" cy="3319232"/>
+          </a:xfrm>
+          <a:prstGeom prst="rect">
+            <a:avLst/>
+          </a:prstGeom>
+        </p:spPr>
+      </p:pic>
+      <p:sp>
+        <p:nvSpPr>
+          <p:cNvPr id="8" name="TextBox 7">
+            <a:hlinkClick r:id="rId3" action="ppaction://hlinksldjump"/>
+          </p:cNvPr>
+          <p:cNvSpPr txBox="1"/>
+          <p:nvPr/>
+        </p:nvSpPr>
+        <p:spPr>
+          <a:xfrm>
+            <a:off x="712521" y="5938"/>
+            <a:ext cx="2054431" cy="400110"/>
+          </a:xfrm>
+          <a:prstGeom prst="rect">
+            <a:avLst/>
+          </a:prstGeom>
+          <a:noFill/>
+        </p:spPr>
+        <p:txBody>
+          <a:bodyPr wrap="square" rtlCol="0">
+            <a:spAutoFit/>
+          </a:bodyPr>
+          <a:lstStyle/>
+          <a:p>
+            <a:r>
+              <a:rPr lang="en-GB" sz="2000" dirty="0"/>
+              <a:t>Basics</a:t>
+            </a:r>
+            <a:endParaRPr lang="de-DE" sz="2000" dirty="0"/>
+          </a:p>
+        </p:txBody>
+      </p:sp>
+    </p:spTree>
+    <p:extLst>
+      <p:ext uri="{BB962C8B-B14F-4D97-AF65-F5344CB8AC3E}">
+        <p14:creationId xmlns:p14="http://schemas.microsoft.com/office/powerpoint/2010/main" val="3095172474"/>
+      </p:ext>
+    </p:extLst>
+  </p:cSld>
+  <p:clrMapOvr>
+    <a:masterClrMapping/>
+  </p:clrMapOvr>
+</p:sld>
+</file>
+
+<file path=ppt/slides/slide14.xml><?xml version="1.0" encoding="utf-8"?>
+<p:sld xmlns:a="http://schemas.openxmlformats.org/drawingml/2006/main" xmlns:r="http://schemas.openxmlformats.org/officeDocument/2006/relationships" xmlns:p="http://schemas.openxmlformats.org/presentationml/2006/main">
+  <p:cSld>
+    <p:spTree>
+      <p:nvGrpSpPr>
+        <p:cNvPr id="1" name=""/>
+        <p:cNvGrpSpPr/>
+        <p:nvPr/>
+      </p:nvGrpSpPr>
+      <p:grpSpPr>
+        <a:xfrm>
+          <a:off x="0" y="0"/>
+          <a:ext cx="0" cy="0"/>
+          <a:chOff x="0" y="0"/>
+          <a:chExt cx="0" cy="0"/>
+        </a:xfrm>
+      </p:grpSpPr>
+      <p:sp>
+        <p:nvSpPr>
+          <p:cNvPr id="2" name="Title 1"/>
+          <p:cNvSpPr>
+            <a:spLocks noGrp="1"/>
+          </p:cNvSpPr>
+          <p:nvPr>
+            <p:ph type="title"/>
+          </p:nvPr>
+        </p:nvSpPr>
+        <p:spPr/>
+        <p:txBody>
+          <a:bodyPr/>
+          <a:lstStyle/>
+          <a:p>
+            <a:r>
+              <a:rPr lang="en-GB" dirty="0"/>
+              <a:t>Maps</a:t>
+            </a:r>
+            <a:endParaRPr lang="de-DE" dirty="0"/>
+          </a:p>
+        </p:txBody>
+      </p:sp>
+      <p:sp>
+        <p:nvSpPr>
+          <p:cNvPr id="3" name="Content Placeholder 2"/>
+          <p:cNvSpPr>
+            <a:spLocks noGrp="1"/>
+          </p:cNvSpPr>
+          <p:nvPr>
+            <p:ph sz="half" idx="1"/>
+          </p:nvPr>
+        </p:nvSpPr>
+        <p:spPr>
+          <a:xfrm>
+            <a:off x="1371600" y="2285999"/>
+            <a:ext cx="2923563" cy="3581401"/>
+          </a:xfrm>
+        </p:spPr>
+        <p:txBody>
+          <a:bodyPr anchor="ctr"/>
+          <a:lstStyle/>
+          <a:p>
+            <a:r>
+              <a:rPr lang="en-GB" dirty="0"/>
+              <a:t>Actually just objects</a:t>
+            </a:r>
+          </a:p>
+          <a:p>
+            <a:r>
+              <a:rPr lang="en-GB" dirty="0"/>
+              <a:t>Strings or numbers can be key</a:t>
+            </a:r>
+          </a:p>
+          <a:p>
+            <a:r>
+              <a:rPr lang="en-GB" dirty="0"/>
+              <a:t>With ES6 nicer syntax</a:t>
+            </a:r>
+            <a:endParaRPr lang="de-DE" dirty="0"/>
+          </a:p>
+        </p:txBody>
+      </p:sp>
+      <p:pic>
+        <p:nvPicPr>
+          <p:cNvPr id="5" name="Content Placeholder 4"/>
+          <p:cNvPicPr>
+            <a:picLocks noGrp="1" noChangeAspect="1"/>
+          </p:cNvPicPr>
+          <p:nvPr>
+            <p:ph sz="half" idx="2"/>
+          </p:nvPr>
+        </p:nvPicPr>
+        <p:blipFill>
+          <a:blip r:embed="rId2"/>
+          <a:stretch>
+            <a:fillRect/>
+          </a:stretch>
+        </p:blipFill>
+        <p:spPr>
+          <a:xfrm>
+            <a:off x="4504386" y="3246540"/>
+            <a:ext cx="7632976" cy="1660320"/>
+          </a:xfrm>
+          <a:prstGeom prst="rect">
+            <a:avLst/>
+          </a:prstGeom>
+        </p:spPr>
+      </p:pic>
+      <p:sp>
+        <p:nvSpPr>
+          <p:cNvPr id="7" name="TextBox 6">
+            <a:hlinkClick r:id="rId3" action="ppaction://hlinksldjump"/>
+          </p:cNvPr>
+          <p:cNvSpPr txBox="1"/>
+          <p:nvPr/>
+        </p:nvSpPr>
+        <p:spPr>
+          <a:xfrm>
+            <a:off x="712521" y="5938"/>
+            <a:ext cx="2054431" cy="400110"/>
+          </a:xfrm>
+          <a:prstGeom prst="rect">
+            <a:avLst/>
+          </a:prstGeom>
+          <a:noFill/>
+        </p:spPr>
+        <p:txBody>
+          <a:bodyPr wrap="square" rtlCol="0">
+            <a:spAutoFit/>
+          </a:bodyPr>
+          <a:lstStyle/>
+          <a:p>
+            <a:r>
+              <a:rPr lang="en-GB" sz="2000" dirty="0"/>
+              <a:t>Basics</a:t>
+            </a:r>
+            <a:endParaRPr lang="de-DE" sz="2000" dirty="0"/>
+          </a:p>
+        </p:txBody>
+      </p:sp>
+    </p:spTree>
+    <p:extLst>
+      <p:ext uri="{BB962C8B-B14F-4D97-AF65-F5344CB8AC3E}">
+        <p14:creationId xmlns:p14="http://schemas.microsoft.com/office/powerpoint/2010/main" val="4022339484"/>
+      </p:ext>
+    </p:extLst>
+  </p:cSld>
+  <p:clrMapOvr>
+    <a:masterClrMapping/>
+  </p:clrMapOvr>
+</p:sld>
+</file>
+
+<file path=ppt/slides/slide15.xml><?xml version="1.0" encoding="utf-8"?>
+<p:sld xmlns:a="http://schemas.openxmlformats.org/drawingml/2006/main" xmlns:r="http://schemas.openxmlformats.org/officeDocument/2006/relationships" xmlns:p="http://schemas.openxmlformats.org/presentationml/2006/main">
+  <p:cSld>
+    <p:spTree>
+      <p:nvGrpSpPr>
+        <p:cNvPr id="1" name=""/>
+        <p:cNvGrpSpPr/>
+        <p:nvPr/>
+      </p:nvGrpSpPr>
+      <p:grpSpPr>
+        <a:xfrm>
+          <a:off x="0" y="0"/>
+          <a:ext cx="0" cy="0"/>
+          <a:chOff x="0" y="0"/>
+          <a:chExt cx="0" cy="0"/>
+        </a:xfrm>
+      </p:grpSpPr>
+      <p:sp>
+        <p:nvSpPr>
+          <p:cNvPr id="2" name="Title 1"/>
+          <p:cNvSpPr>
+            <a:spLocks noGrp="1"/>
+          </p:cNvSpPr>
+          <p:nvPr>
+            <p:ph type="title"/>
+          </p:nvPr>
+        </p:nvSpPr>
+        <p:spPr/>
+        <p:txBody>
+          <a:bodyPr/>
+          <a:lstStyle/>
+          <a:p>
+            <a:r>
+              <a:rPr lang="en-GB" dirty="0"/>
               <a:t>Truthy &amp; </a:t>
             </a:r>
             <a:r>
@@ -4858,7 +5129,7 @@
 </p:sld>
 </file>
 
-<file path=ppt/slides/slide14.xml><?xml version="1.0" encoding="utf-8"?>
+<file path=ppt/slides/slide16.xml><?xml version="1.0" encoding="utf-8"?>
 <p:sld xmlns:a="http://schemas.openxmlformats.org/drawingml/2006/main" xmlns:r="http://schemas.openxmlformats.org/officeDocument/2006/relationships" xmlns:p="http://schemas.openxmlformats.org/presentationml/2006/main">
   <p:cSld>
     <p:spTree>
@@ -5157,336 +5428,6 @@
 </p:sld>
 </file>
 
-<file path=ppt/slides/slide15.xml><?xml version="1.0" encoding="utf-8"?>
-<p:sld xmlns:a="http://schemas.openxmlformats.org/drawingml/2006/main" xmlns:r="http://schemas.openxmlformats.org/officeDocument/2006/relationships" xmlns:p="http://schemas.openxmlformats.org/presentationml/2006/main">
-  <p:cSld>
-    <p:spTree>
-      <p:nvGrpSpPr>
-        <p:cNvPr id="1" name=""/>
-        <p:cNvGrpSpPr/>
-        <p:nvPr/>
-      </p:nvGrpSpPr>
-      <p:grpSpPr>
-        <a:xfrm>
-          <a:off x="0" y="0"/>
-          <a:ext cx="0" cy="0"/>
-          <a:chOff x="0" y="0"/>
-          <a:chExt cx="0" cy="0"/>
-        </a:xfrm>
-      </p:grpSpPr>
-      <p:sp>
-        <p:nvSpPr>
-          <p:cNvPr id="2" name="Title 1"/>
-          <p:cNvSpPr>
-            <a:spLocks noGrp="1"/>
-          </p:cNvSpPr>
-          <p:nvPr>
-            <p:ph type="title"/>
-          </p:nvPr>
-        </p:nvSpPr>
-        <p:spPr/>
-        <p:txBody>
-          <a:bodyPr/>
-          <a:lstStyle/>
-          <a:p>
-            <a:r>
-              <a:rPr lang="en-GB" dirty="0"/>
-              <a:t>Boolean Expressions</a:t>
-            </a:r>
-            <a:endParaRPr lang="de-DE" dirty="0"/>
-          </a:p>
-        </p:txBody>
-      </p:sp>
-      <p:sp>
-        <p:nvSpPr>
-          <p:cNvPr id="3" name="Content Placeholder 2"/>
-          <p:cNvSpPr>
-            <a:spLocks noGrp="1"/>
-          </p:cNvSpPr>
-          <p:nvPr>
-            <p:ph sz="half" idx="1"/>
-          </p:nvPr>
-        </p:nvSpPr>
-        <p:spPr>
-          <a:xfrm>
-            <a:off x="1371600" y="2285999"/>
-            <a:ext cx="3032620" cy="3581401"/>
-          </a:xfrm>
-        </p:spPr>
-        <p:txBody>
-          <a:bodyPr anchor="ctr"/>
-          <a:lstStyle/>
-          <a:p>
-            <a:r>
-              <a:rPr lang="en-GB" dirty="0"/>
-              <a:t>Triple equal checks!</a:t>
-            </a:r>
-          </a:p>
-          <a:p>
-            <a:r>
-              <a:rPr lang="en-GB" dirty="0"/>
-              <a:t>Boolean expressions can return non-Boolean values</a:t>
-            </a:r>
-          </a:p>
-          <a:p>
-            <a:endParaRPr lang="de-DE" dirty="0"/>
-          </a:p>
-        </p:txBody>
-      </p:sp>
-      <p:pic>
-        <p:nvPicPr>
-          <p:cNvPr id="8" name="Content Placeholder 7"/>
-          <p:cNvPicPr>
-            <a:picLocks noGrp="1" noChangeAspect="1"/>
-          </p:cNvPicPr>
-          <p:nvPr>
-            <p:ph sz="half" idx="2"/>
-          </p:nvPr>
-        </p:nvPicPr>
-        <p:blipFill>
-          <a:blip r:embed="rId2"/>
-          <a:stretch>
-            <a:fillRect/>
-          </a:stretch>
-        </p:blipFill>
-        <p:spPr>
-          <a:xfrm>
-            <a:off x="4258970" y="2038526"/>
-            <a:ext cx="7922472" cy="4076348"/>
-          </a:xfrm>
-          <a:prstGeom prst="rect">
-            <a:avLst/>
-          </a:prstGeom>
-        </p:spPr>
-      </p:pic>
-      <p:sp>
-        <p:nvSpPr>
-          <p:cNvPr id="6" name="TextBox 5">
-            <a:hlinkClick r:id="rId3" action="ppaction://hlinksldjump"/>
-          </p:cNvPr>
-          <p:cNvSpPr txBox="1"/>
-          <p:nvPr/>
-        </p:nvSpPr>
-        <p:spPr>
-          <a:xfrm>
-            <a:off x="706583" y="5938"/>
-            <a:ext cx="2054431" cy="400110"/>
-          </a:xfrm>
-          <a:prstGeom prst="rect">
-            <a:avLst/>
-          </a:prstGeom>
-          <a:noFill/>
-        </p:spPr>
-        <p:txBody>
-          <a:bodyPr wrap="square" rtlCol="0">
-            <a:spAutoFit/>
-          </a:bodyPr>
-          <a:lstStyle/>
-          <a:p>
-            <a:r>
-              <a:rPr lang="en-GB" sz="2000" dirty="0"/>
-              <a:t>Operations</a:t>
-            </a:r>
-            <a:endParaRPr lang="de-DE" dirty="0"/>
-          </a:p>
-        </p:txBody>
-      </p:sp>
-    </p:spTree>
-    <p:extLst>
-      <p:ext uri="{BB962C8B-B14F-4D97-AF65-F5344CB8AC3E}">
-        <p14:creationId xmlns:p14="http://schemas.microsoft.com/office/powerpoint/2010/main" val="1266424500"/>
-      </p:ext>
-    </p:extLst>
-  </p:cSld>
-  <p:clrMapOvr>
-    <a:masterClrMapping/>
-  </p:clrMapOvr>
-</p:sld>
-</file>
-
-<file path=ppt/slides/slide16.xml><?xml version="1.0" encoding="utf-8"?>
-<p:sld xmlns:a="http://schemas.openxmlformats.org/drawingml/2006/main" xmlns:r="http://schemas.openxmlformats.org/officeDocument/2006/relationships" xmlns:p="http://schemas.openxmlformats.org/presentationml/2006/main">
-  <p:cSld>
-    <p:spTree>
-      <p:nvGrpSpPr>
-        <p:cNvPr id="1" name=""/>
-        <p:cNvGrpSpPr/>
-        <p:nvPr/>
-      </p:nvGrpSpPr>
-      <p:grpSpPr>
-        <a:xfrm>
-          <a:off x="0" y="0"/>
-          <a:ext cx="0" cy="0"/>
-          <a:chOff x="0" y="0"/>
-          <a:chExt cx="0" cy="0"/>
-        </a:xfrm>
-      </p:grpSpPr>
-      <p:sp>
-        <p:nvSpPr>
-          <p:cNvPr id="9" name="Title 8"/>
-          <p:cNvSpPr>
-            <a:spLocks noGrp="1"/>
-          </p:cNvSpPr>
-          <p:nvPr>
-            <p:ph type="title"/>
-          </p:nvPr>
-        </p:nvSpPr>
-        <p:spPr/>
-        <p:txBody>
-          <a:bodyPr/>
-          <a:lstStyle/>
-          <a:p>
-            <a:r>
-              <a:rPr lang="en-GB" dirty="0"/>
-              <a:t>Operations – Part I</a:t>
-            </a:r>
-            <a:endParaRPr lang="de-DE" dirty="0"/>
-          </a:p>
-        </p:txBody>
-      </p:sp>
-      <p:sp>
-        <p:nvSpPr>
-          <p:cNvPr id="10" name="Text Placeholder 9"/>
-          <p:cNvSpPr>
-            <a:spLocks noGrp="1"/>
-          </p:cNvSpPr>
-          <p:nvPr>
-            <p:ph type="body" idx="1"/>
-          </p:nvPr>
-        </p:nvSpPr>
-        <p:spPr/>
-        <p:txBody>
-          <a:bodyPr/>
-          <a:lstStyle/>
-          <a:p>
-            <a:r>
-              <a:rPr lang="en-GB" dirty="0"/>
-              <a:t>Increment/Decrement</a:t>
-            </a:r>
-            <a:endParaRPr lang="de-DE" dirty="0"/>
-          </a:p>
-        </p:txBody>
-      </p:sp>
-      <p:pic>
-        <p:nvPicPr>
-          <p:cNvPr id="5" name="Content Placeholder 4"/>
-          <p:cNvPicPr>
-            <a:picLocks noGrp="1" noChangeAspect="1"/>
-          </p:cNvPicPr>
-          <p:nvPr>
-            <p:ph sz="half" idx="2"/>
-          </p:nvPr>
-        </p:nvPicPr>
-        <p:blipFill>
-          <a:blip r:embed="rId2"/>
-          <a:stretch>
-            <a:fillRect/>
-          </a:stretch>
-        </p:blipFill>
-        <p:spPr>
-          <a:xfrm>
-            <a:off x="2564463" y="3781312"/>
-            <a:ext cx="2057687" cy="1609950"/>
-          </a:xfrm>
-          <a:prstGeom prst="rect">
-            <a:avLst/>
-          </a:prstGeom>
-        </p:spPr>
-      </p:pic>
-      <p:sp>
-        <p:nvSpPr>
-          <p:cNvPr id="11" name="Text Placeholder 10"/>
-          <p:cNvSpPr>
-            <a:spLocks noGrp="1"/>
-          </p:cNvSpPr>
-          <p:nvPr>
-            <p:ph type="body" sz="quarter" idx="3"/>
-          </p:nvPr>
-        </p:nvSpPr>
-        <p:spPr/>
-        <p:txBody>
-          <a:bodyPr/>
-          <a:lstStyle/>
-          <a:p>
-            <a:r>
-              <a:rPr lang="en-GB" dirty="0"/>
-              <a:t>Swap Variables</a:t>
-            </a:r>
-            <a:endParaRPr lang="de-DE" dirty="0"/>
-          </a:p>
-        </p:txBody>
-      </p:sp>
-      <p:pic>
-        <p:nvPicPr>
-          <p:cNvPr id="6" name="Content Placeholder 5"/>
-          <p:cNvPicPr>
-            <a:picLocks noGrp="1" noChangeAspect="1"/>
-          </p:cNvPicPr>
-          <p:nvPr>
-            <p:ph sz="quarter" idx="4"/>
-          </p:nvPr>
-        </p:nvPicPr>
-        <p:blipFill>
-          <a:blip r:embed="rId3"/>
-          <a:stretch>
-            <a:fillRect/>
-          </a:stretch>
-        </p:blipFill>
-        <p:spPr>
-          <a:xfrm>
-            <a:off x="6524625" y="3969430"/>
-            <a:ext cx="4445000" cy="1233714"/>
-          </a:xfrm>
-          <a:prstGeom prst="rect">
-            <a:avLst/>
-          </a:prstGeom>
-        </p:spPr>
-      </p:pic>
-      <p:sp>
-        <p:nvSpPr>
-          <p:cNvPr id="13" name="TextBox 12">
-            <a:hlinkClick r:id="rId4" action="ppaction://hlinksldjump"/>
-          </p:cNvPr>
-          <p:cNvSpPr txBox="1"/>
-          <p:nvPr/>
-        </p:nvSpPr>
-        <p:spPr>
-          <a:xfrm>
-            <a:off x="706583" y="5938"/>
-            <a:ext cx="2054431" cy="400110"/>
-          </a:xfrm>
-          <a:prstGeom prst="rect">
-            <a:avLst/>
-          </a:prstGeom>
-          <a:noFill/>
-        </p:spPr>
-        <p:txBody>
-          <a:bodyPr wrap="square" rtlCol="0">
-            <a:spAutoFit/>
-          </a:bodyPr>
-          <a:lstStyle/>
-          <a:p>
-            <a:r>
-              <a:rPr lang="en-GB" sz="2000" dirty="0"/>
-              <a:t>Operations</a:t>
-            </a:r>
-            <a:endParaRPr lang="de-DE" dirty="0"/>
-          </a:p>
-        </p:txBody>
-      </p:sp>
-    </p:spTree>
-    <p:extLst>
-      <p:ext uri="{BB962C8B-B14F-4D97-AF65-F5344CB8AC3E}">
-        <p14:creationId xmlns:p14="http://schemas.microsoft.com/office/powerpoint/2010/main" val="91053461"/>
-      </p:ext>
-    </p:extLst>
-  </p:cSld>
-  <p:clrMapOvr>
-    <a:masterClrMapping/>
-  </p:clrMapOvr>
-</p:sld>
-</file>
-
 <file path=ppt/slides/slide17.xml><?xml version="1.0" encoding="utf-8"?>
 <p:sld xmlns:a="http://schemas.openxmlformats.org/drawingml/2006/main" xmlns:r="http://schemas.openxmlformats.org/officeDocument/2006/relationships" xmlns:p="http://schemas.openxmlformats.org/presentationml/2006/main">
   <p:cSld>
@@ -5506,7 +5447,7 @@
       </p:grpSpPr>
       <p:sp>
         <p:nvSpPr>
-          <p:cNvPr id="9" name="Title 8"/>
+          <p:cNvPr id="2" name="Title 1"/>
           <p:cNvSpPr>
             <a:spLocks noGrp="1"/>
           </p:cNvSpPr>
@@ -5521,7 +5462,7 @@
           <a:p>
             <a:r>
               <a:rPr lang="en-GB" dirty="0"/>
-              <a:t>Operations – Part II</a:t>
+              <a:t>Boolean Expressions</a:t>
             </a:r>
             <a:endParaRPr lang="de-DE" dirty="0"/>
           </a:p>
@@ -5529,23 +5470,36 @@
       </p:sp>
       <p:sp>
         <p:nvSpPr>
-          <p:cNvPr id="10" name="Text Placeholder 9"/>
+          <p:cNvPr id="3" name="Content Placeholder 2"/>
           <p:cNvSpPr>
             <a:spLocks noGrp="1"/>
           </p:cNvSpPr>
           <p:nvPr>
-            <p:ph type="body" idx="1"/>
-          </p:nvPr>
-        </p:nvSpPr>
-        <p:spPr/>
-        <p:txBody>
-          <a:bodyPr/>
+            <p:ph sz="half" idx="1"/>
+          </p:nvPr>
+        </p:nvSpPr>
+        <p:spPr>
+          <a:xfrm>
+            <a:off x="1371600" y="2285999"/>
+            <a:ext cx="3032620" cy="3581401"/>
+          </a:xfrm>
+        </p:spPr>
+        <p:txBody>
+          <a:bodyPr anchor="ctr"/>
           <a:lstStyle/>
           <a:p>
             <a:r>
               <a:rPr lang="en-GB" dirty="0"/>
-              <a:t>If-else</a:t>
-            </a:r>
+              <a:t>Triple equal checks!</a:t>
+            </a:r>
+          </a:p>
+          <a:p>
+            <a:r>
+              <a:rPr lang="en-GB" dirty="0"/>
+              <a:t>Boolean expressions can return non-Boolean values</a:t>
+            </a:r>
+          </a:p>
+          <a:p>
             <a:endParaRPr lang="de-DE" dirty="0"/>
           </a:p>
         </p:txBody>
@@ -5568,8 +5522,8 @@
         </p:blipFill>
         <p:spPr>
           <a:xfrm>
-            <a:off x="1435593" y="4014707"/>
-            <a:ext cx="4315427" cy="1143160"/>
+            <a:off x="4258970" y="2038526"/>
+            <a:ext cx="7922472" cy="4076348"/>
           </a:xfrm>
           <a:prstGeom prst="rect">
             <a:avLst/>
@@ -5578,57 +5532,8 @@
       </p:pic>
       <p:sp>
         <p:nvSpPr>
-          <p:cNvPr id="11" name="Text Placeholder 10"/>
-          <p:cNvSpPr>
-            <a:spLocks noGrp="1"/>
-          </p:cNvSpPr>
-          <p:nvPr>
-            <p:ph type="body" sz="quarter" idx="3"/>
-          </p:nvPr>
-        </p:nvSpPr>
-        <p:spPr/>
-        <p:txBody>
-          <a:bodyPr/>
-          <a:lstStyle/>
-          <a:p>
-            <a:r>
-              <a:rPr lang="en-GB" dirty="0"/>
-              <a:t>Ternary operator</a:t>
-            </a:r>
-            <a:endParaRPr lang="de-DE" dirty="0"/>
-          </a:p>
-        </p:txBody>
-      </p:sp>
-      <p:pic>
-        <p:nvPicPr>
-          <p:cNvPr id="14" name="Content Placeholder 13"/>
-          <p:cNvPicPr>
-            <a:picLocks noGrp="1" noChangeAspect="1"/>
-          </p:cNvPicPr>
-          <p:nvPr>
-            <p:ph sz="quarter" idx="4"/>
-          </p:nvPr>
-        </p:nvPicPr>
-        <p:blipFill>
-          <a:blip r:embed="rId3"/>
-          <a:stretch>
-            <a:fillRect/>
-          </a:stretch>
-        </p:blipFill>
-        <p:spPr>
-          <a:xfrm>
-            <a:off x="6979991" y="4090918"/>
-            <a:ext cx="3534268" cy="990738"/>
-          </a:xfrm>
-          <a:prstGeom prst="rect">
-            <a:avLst/>
-          </a:prstGeom>
-        </p:spPr>
-      </p:pic>
-      <p:sp>
-        <p:nvSpPr>
-          <p:cNvPr id="15" name="TextBox 14">
-            <a:hlinkClick r:id="rId4" action="ppaction://hlinksldjump"/>
+          <p:cNvPr id="6" name="TextBox 5">
+            <a:hlinkClick r:id="rId3" action="ppaction://hlinksldjump"/>
           </p:cNvPr>
           <p:cNvSpPr txBox="1"/>
           <p:nvPr/>
@@ -5660,7 +5565,7 @@
     </p:spTree>
     <p:extLst>
       <p:ext uri="{BB962C8B-B14F-4D97-AF65-F5344CB8AC3E}">
-        <p14:creationId xmlns:p14="http://schemas.microsoft.com/office/powerpoint/2010/main" val="681437163"/>
+        <p14:creationId xmlns:p14="http://schemas.microsoft.com/office/powerpoint/2010/main" val="1266424500"/>
       </p:ext>
     </p:extLst>
   </p:cSld>
@@ -5704,7 +5609,30 @@
           <a:p>
             <a:r>
               <a:rPr lang="en-GB" dirty="0"/>
-              <a:t>Operations – Part III</a:t>
+              <a:t>Operations – Part I</a:t>
+            </a:r>
+            <a:endParaRPr lang="de-DE" dirty="0"/>
+          </a:p>
+        </p:txBody>
+      </p:sp>
+      <p:sp>
+        <p:nvSpPr>
+          <p:cNvPr id="10" name="Text Placeholder 9"/>
+          <p:cNvSpPr>
+            <a:spLocks noGrp="1"/>
+          </p:cNvSpPr>
+          <p:nvPr>
+            <p:ph type="body" idx="1"/>
+          </p:nvPr>
+        </p:nvSpPr>
+        <p:spPr/>
+        <p:txBody>
+          <a:bodyPr/>
+          <a:lstStyle/>
+          <a:p>
+            <a:r>
+              <a:rPr lang="en-GB" dirty="0"/>
+              <a:t>Increment/Decrement</a:t>
             </a:r>
             <a:endParaRPr lang="de-DE" dirty="0"/>
           </a:p>
@@ -5712,12 +5640,12 @@
       </p:sp>
       <p:pic>
         <p:nvPicPr>
-          <p:cNvPr id="4" name="Content Placeholder 3"/>
+          <p:cNvPr id="5" name="Content Placeholder 4"/>
           <p:cNvPicPr>
             <a:picLocks noGrp="1" noChangeAspect="1"/>
           </p:cNvPicPr>
           <p:nvPr>
-            <p:ph idx="1"/>
+            <p:ph sz="half" idx="2"/>
           </p:nvPr>
         </p:nvPicPr>
         <p:blipFill>
@@ -5728,8 +5656,8 @@
         </p:blipFill>
         <p:spPr>
           <a:xfrm>
-            <a:off x="1371600" y="2171700"/>
-            <a:ext cx="4798380" cy="3581400"/>
+            <a:off x="2564463" y="3781312"/>
+            <a:ext cx="2057687" cy="1609950"/>
           </a:xfrm>
           <a:prstGeom prst="rect">
             <a:avLst/>
@@ -5738,8 +5666,57 @@
       </p:pic>
       <p:sp>
         <p:nvSpPr>
+          <p:cNvPr id="11" name="Text Placeholder 10"/>
+          <p:cNvSpPr>
+            <a:spLocks noGrp="1"/>
+          </p:cNvSpPr>
+          <p:nvPr>
+            <p:ph type="body" sz="quarter" idx="3"/>
+          </p:nvPr>
+        </p:nvSpPr>
+        <p:spPr/>
+        <p:txBody>
+          <a:bodyPr/>
+          <a:lstStyle/>
+          <a:p>
+            <a:r>
+              <a:rPr lang="en-GB" dirty="0"/>
+              <a:t>Swap Variables</a:t>
+            </a:r>
+            <a:endParaRPr lang="de-DE" dirty="0"/>
+          </a:p>
+        </p:txBody>
+      </p:sp>
+      <p:pic>
+        <p:nvPicPr>
+          <p:cNvPr id="6" name="Content Placeholder 5"/>
+          <p:cNvPicPr>
+            <a:picLocks noGrp="1" noChangeAspect="1"/>
+          </p:cNvPicPr>
+          <p:nvPr>
+            <p:ph sz="quarter" idx="4"/>
+          </p:nvPr>
+        </p:nvPicPr>
+        <p:blipFill>
+          <a:blip r:embed="rId3"/>
+          <a:stretch>
+            <a:fillRect/>
+          </a:stretch>
+        </p:blipFill>
+        <p:spPr>
+          <a:xfrm>
+            <a:off x="6524625" y="3969430"/>
+            <a:ext cx="4445000" cy="1233714"/>
+          </a:xfrm>
+          <a:prstGeom prst="rect">
+            <a:avLst/>
+          </a:prstGeom>
+        </p:spPr>
+      </p:pic>
+      <p:sp>
+        <p:nvSpPr>
           <p:cNvPr id="13" name="TextBox 12">
-            <a:hlinkClick r:id="rId3" action="ppaction://hlinksldjump"/>
+            <a:hlinkClick r:id="rId4" action="ppaction://hlinksldjump"/>
           </p:cNvPr>
           <p:cNvSpPr txBox="1"/>
           <p:nvPr/>
@@ -5771,7 +5748,7 @@
     </p:spTree>
     <p:extLst>
       <p:ext uri="{BB962C8B-B14F-4D97-AF65-F5344CB8AC3E}">
-        <p14:creationId xmlns:p14="http://schemas.microsoft.com/office/powerpoint/2010/main" val="694557473"/>
+        <p14:creationId xmlns:p14="http://schemas.microsoft.com/office/powerpoint/2010/main" val="91053461"/>
       </p:ext>
     </p:extLst>
   </p:cSld>
@@ -5800,7 +5777,7 @@
       </p:grpSpPr>
       <p:sp>
         <p:nvSpPr>
-          <p:cNvPr id="2" name="Title 1"/>
+          <p:cNvPr id="9" name="Title 8"/>
           <p:cNvSpPr>
             <a:spLocks noGrp="1"/>
           </p:cNvSpPr>
@@ -5815,7 +5792,7 @@
           <a:p>
             <a:r>
               <a:rPr lang="en-GB" dirty="0"/>
-              <a:t>Loops</a:t>
+              <a:t>Operations – Part II</a:t>
             </a:r>
             <a:endParaRPr lang="de-DE" dirty="0"/>
           </a:p>
@@ -5823,7 +5800,7 @@
       </p:sp>
       <p:sp>
         <p:nvSpPr>
-          <p:cNvPr id="3" name="Text Placeholder 2"/>
+          <p:cNvPr id="10" name="Text Placeholder 9"/>
           <p:cNvSpPr>
             <a:spLocks noGrp="1"/>
           </p:cNvSpPr>
@@ -5831,19 +5808,14 @@
             <p:ph type="body" idx="1"/>
           </p:nvPr>
         </p:nvSpPr>
-        <p:spPr>
-          <a:xfrm>
-            <a:off x="1371029" y="1829135"/>
-            <a:ext cx="4443984" cy="823912"/>
-          </a:xfrm>
-        </p:spPr>
+        <p:spPr/>
         <p:txBody>
           <a:bodyPr/>
           <a:lstStyle/>
           <a:p>
             <a:r>
               <a:rPr lang="en-GB" dirty="0"/>
-              <a:t>For</a:t>
+              <a:t>If-else</a:t>
             </a:r>
             <a:endParaRPr lang="de-DE" dirty="0"/>
           </a:p>
@@ -5851,7 +5823,7 @@
       </p:sp>
       <p:pic>
         <p:nvPicPr>
-          <p:cNvPr id="7" name="Content Placeholder 6"/>
+          <p:cNvPr id="8" name="Content Placeholder 7"/>
           <p:cNvPicPr>
             <a:picLocks noGrp="1" noChangeAspect="1"/>
           </p:cNvPicPr>
@@ -5867,8 +5839,8 @@
         </p:blipFill>
         <p:spPr>
           <a:xfrm>
-            <a:off x="1371600" y="3705326"/>
-            <a:ext cx="4443413" cy="1761922"/>
+            <a:off x="1435593" y="4014707"/>
+            <a:ext cx="4315427" cy="1143160"/>
           </a:xfrm>
           <a:prstGeom prst="rect">
             <a:avLst/>
@@ -5877,7 +5849,7 @@
       </p:pic>
       <p:sp>
         <p:nvSpPr>
-          <p:cNvPr id="5" name="Text Placeholder 4"/>
+          <p:cNvPr id="11" name="Text Placeholder 10"/>
           <p:cNvSpPr>
             <a:spLocks noGrp="1"/>
           </p:cNvSpPr>
@@ -5885,19 +5857,14 @@
             <p:ph type="body" sz="quarter" idx="3"/>
           </p:nvPr>
         </p:nvSpPr>
-        <p:spPr>
-          <a:xfrm>
-            <a:off x="6525014" y="1829135"/>
-            <a:ext cx="4443984" cy="823912"/>
-          </a:xfrm>
-        </p:spPr>
+        <p:spPr/>
         <p:txBody>
           <a:bodyPr/>
           <a:lstStyle/>
           <a:p>
             <a:r>
               <a:rPr lang="en-GB" dirty="0"/>
-              <a:t>While</a:t>
+              <a:t>Ternary operator</a:t>
             </a:r>
             <a:endParaRPr lang="de-DE" dirty="0"/>
           </a:p>
@@ -5905,7 +5872,7 @@
       </p:sp>
       <p:pic>
         <p:nvPicPr>
-          <p:cNvPr id="9" name="Content Placeholder 8"/>
+          <p:cNvPr id="14" name="Content Placeholder 13"/>
           <p:cNvPicPr>
             <a:picLocks noGrp="1" noChangeAspect="1"/>
           </p:cNvPicPr>
@@ -5921,8 +5888,8 @@
         </p:blipFill>
         <p:spPr>
           <a:xfrm>
-            <a:off x="7056201" y="3333575"/>
-            <a:ext cx="3381847" cy="2505425"/>
+            <a:off x="6979991" y="4090918"/>
+            <a:ext cx="3534268" cy="990738"/>
           </a:xfrm>
           <a:prstGeom prst="rect">
             <a:avLst/>
@@ -5931,7 +5898,7 @@
       </p:pic>
       <p:sp>
         <p:nvSpPr>
-          <p:cNvPr id="10" name="TextBox 9">
+          <p:cNvPr id="15" name="TextBox 14">
             <a:hlinkClick r:id="rId4" action="ppaction://hlinksldjump"/>
           </p:cNvPr>
           <p:cNvSpPr txBox="1"/>
@@ -5964,7 +5931,7 @@
     </p:spTree>
     <p:extLst>
       <p:ext uri="{BB962C8B-B14F-4D97-AF65-F5344CB8AC3E}">
-        <p14:creationId xmlns:p14="http://schemas.microsoft.com/office/powerpoint/2010/main" val="1695921126"/>
+        <p14:creationId xmlns:p14="http://schemas.microsoft.com/office/powerpoint/2010/main" val="681437163"/>
       </p:ext>
     </p:extLst>
   </p:cSld>
@@ -6179,6 +6146,310 @@
 </file>
 
 <file path=ppt/slides/slide20.xml><?xml version="1.0" encoding="utf-8"?>
+<p:sld xmlns:a="http://schemas.openxmlformats.org/drawingml/2006/main" xmlns:r="http://schemas.openxmlformats.org/officeDocument/2006/relationships" xmlns:p="http://schemas.openxmlformats.org/presentationml/2006/main">
+  <p:cSld>
+    <p:spTree>
+      <p:nvGrpSpPr>
+        <p:cNvPr id="1" name=""/>
+        <p:cNvGrpSpPr/>
+        <p:nvPr/>
+      </p:nvGrpSpPr>
+      <p:grpSpPr>
+        <a:xfrm>
+          <a:off x="0" y="0"/>
+          <a:ext cx="0" cy="0"/>
+          <a:chOff x="0" y="0"/>
+          <a:chExt cx="0" cy="0"/>
+        </a:xfrm>
+      </p:grpSpPr>
+      <p:sp>
+        <p:nvSpPr>
+          <p:cNvPr id="9" name="Title 8"/>
+          <p:cNvSpPr>
+            <a:spLocks noGrp="1"/>
+          </p:cNvSpPr>
+          <p:nvPr>
+            <p:ph type="title"/>
+          </p:nvPr>
+        </p:nvSpPr>
+        <p:spPr/>
+        <p:txBody>
+          <a:bodyPr/>
+          <a:lstStyle/>
+          <a:p>
+            <a:r>
+              <a:rPr lang="en-GB" dirty="0"/>
+              <a:t>Operations – Part III</a:t>
+            </a:r>
+            <a:endParaRPr lang="de-DE" dirty="0"/>
+          </a:p>
+        </p:txBody>
+      </p:sp>
+      <p:pic>
+        <p:nvPicPr>
+          <p:cNvPr id="4" name="Content Placeholder 3"/>
+          <p:cNvPicPr>
+            <a:picLocks noGrp="1" noChangeAspect="1"/>
+          </p:cNvPicPr>
+          <p:nvPr>
+            <p:ph idx="1"/>
+          </p:nvPr>
+        </p:nvPicPr>
+        <p:blipFill>
+          <a:blip r:embed="rId2"/>
+          <a:stretch>
+            <a:fillRect/>
+          </a:stretch>
+        </p:blipFill>
+        <p:spPr>
+          <a:xfrm>
+            <a:off x="1371600" y="2171700"/>
+            <a:ext cx="4798380" cy="3581400"/>
+          </a:xfrm>
+          <a:prstGeom prst="rect">
+            <a:avLst/>
+          </a:prstGeom>
+        </p:spPr>
+      </p:pic>
+      <p:sp>
+        <p:nvSpPr>
+          <p:cNvPr id="13" name="TextBox 12">
+            <a:hlinkClick r:id="rId3" action="ppaction://hlinksldjump"/>
+          </p:cNvPr>
+          <p:cNvSpPr txBox="1"/>
+          <p:nvPr/>
+        </p:nvSpPr>
+        <p:spPr>
+          <a:xfrm>
+            <a:off x="706583" y="5938"/>
+            <a:ext cx="2054431" cy="400110"/>
+          </a:xfrm>
+          <a:prstGeom prst="rect">
+            <a:avLst/>
+          </a:prstGeom>
+          <a:noFill/>
+        </p:spPr>
+        <p:txBody>
+          <a:bodyPr wrap="square" rtlCol="0">
+            <a:spAutoFit/>
+          </a:bodyPr>
+          <a:lstStyle/>
+          <a:p>
+            <a:r>
+              <a:rPr lang="en-GB" sz="2000" dirty="0"/>
+              <a:t>Operations</a:t>
+            </a:r>
+            <a:endParaRPr lang="de-DE" dirty="0"/>
+          </a:p>
+        </p:txBody>
+      </p:sp>
+    </p:spTree>
+    <p:extLst>
+      <p:ext uri="{BB962C8B-B14F-4D97-AF65-F5344CB8AC3E}">
+        <p14:creationId xmlns:p14="http://schemas.microsoft.com/office/powerpoint/2010/main" val="694557473"/>
+      </p:ext>
+    </p:extLst>
+  </p:cSld>
+  <p:clrMapOvr>
+    <a:masterClrMapping/>
+  </p:clrMapOvr>
+</p:sld>
+</file>
+
+<file path=ppt/slides/slide21.xml><?xml version="1.0" encoding="utf-8"?>
+<p:sld xmlns:a="http://schemas.openxmlformats.org/drawingml/2006/main" xmlns:r="http://schemas.openxmlformats.org/officeDocument/2006/relationships" xmlns:p="http://schemas.openxmlformats.org/presentationml/2006/main">
+  <p:cSld>
+    <p:spTree>
+      <p:nvGrpSpPr>
+        <p:cNvPr id="1" name=""/>
+        <p:cNvGrpSpPr/>
+        <p:nvPr/>
+      </p:nvGrpSpPr>
+      <p:grpSpPr>
+        <a:xfrm>
+          <a:off x="0" y="0"/>
+          <a:ext cx="0" cy="0"/>
+          <a:chOff x="0" y="0"/>
+          <a:chExt cx="0" cy="0"/>
+        </a:xfrm>
+      </p:grpSpPr>
+      <p:sp>
+        <p:nvSpPr>
+          <p:cNvPr id="2" name="Title 1"/>
+          <p:cNvSpPr>
+            <a:spLocks noGrp="1"/>
+          </p:cNvSpPr>
+          <p:nvPr>
+            <p:ph type="title"/>
+          </p:nvPr>
+        </p:nvSpPr>
+        <p:spPr/>
+        <p:txBody>
+          <a:bodyPr/>
+          <a:lstStyle/>
+          <a:p>
+            <a:r>
+              <a:rPr lang="en-GB" dirty="0"/>
+              <a:t>Loops</a:t>
+            </a:r>
+            <a:endParaRPr lang="de-DE" dirty="0"/>
+          </a:p>
+        </p:txBody>
+      </p:sp>
+      <p:sp>
+        <p:nvSpPr>
+          <p:cNvPr id="3" name="Text Placeholder 2"/>
+          <p:cNvSpPr>
+            <a:spLocks noGrp="1"/>
+          </p:cNvSpPr>
+          <p:nvPr>
+            <p:ph type="body" idx="1"/>
+          </p:nvPr>
+        </p:nvSpPr>
+        <p:spPr>
+          <a:xfrm>
+            <a:off x="1371029" y="1829135"/>
+            <a:ext cx="4443984" cy="823912"/>
+          </a:xfrm>
+        </p:spPr>
+        <p:txBody>
+          <a:bodyPr/>
+          <a:lstStyle/>
+          <a:p>
+            <a:r>
+              <a:rPr lang="en-GB" dirty="0"/>
+              <a:t>For</a:t>
+            </a:r>
+            <a:endParaRPr lang="de-DE" dirty="0"/>
+          </a:p>
+        </p:txBody>
+      </p:sp>
+      <p:pic>
+        <p:nvPicPr>
+          <p:cNvPr id="7" name="Content Placeholder 6"/>
+          <p:cNvPicPr>
+            <a:picLocks noGrp="1" noChangeAspect="1"/>
+          </p:cNvPicPr>
+          <p:nvPr>
+            <p:ph sz="half" idx="2"/>
+          </p:nvPr>
+        </p:nvPicPr>
+        <p:blipFill>
+          <a:blip r:embed="rId2"/>
+          <a:stretch>
+            <a:fillRect/>
+          </a:stretch>
+        </p:blipFill>
+        <p:spPr>
+          <a:xfrm>
+            <a:off x="1371600" y="3705326"/>
+            <a:ext cx="4443413" cy="1761922"/>
+          </a:xfrm>
+          <a:prstGeom prst="rect">
+            <a:avLst/>
+          </a:prstGeom>
+        </p:spPr>
+      </p:pic>
+      <p:sp>
+        <p:nvSpPr>
+          <p:cNvPr id="5" name="Text Placeholder 4"/>
+          <p:cNvSpPr>
+            <a:spLocks noGrp="1"/>
+          </p:cNvSpPr>
+          <p:nvPr>
+            <p:ph type="body" sz="quarter" idx="3"/>
+          </p:nvPr>
+        </p:nvSpPr>
+        <p:spPr>
+          <a:xfrm>
+            <a:off x="6525014" y="1829135"/>
+            <a:ext cx="4443984" cy="823912"/>
+          </a:xfrm>
+        </p:spPr>
+        <p:txBody>
+          <a:bodyPr/>
+          <a:lstStyle/>
+          <a:p>
+            <a:r>
+              <a:rPr lang="en-GB" dirty="0"/>
+              <a:t>While</a:t>
+            </a:r>
+            <a:endParaRPr lang="de-DE" dirty="0"/>
+          </a:p>
+        </p:txBody>
+      </p:sp>
+      <p:pic>
+        <p:nvPicPr>
+          <p:cNvPr id="9" name="Content Placeholder 8"/>
+          <p:cNvPicPr>
+            <a:picLocks noGrp="1" noChangeAspect="1"/>
+          </p:cNvPicPr>
+          <p:nvPr>
+            <p:ph sz="quarter" idx="4"/>
+          </p:nvPr>
+        </p:nvPicPr>
+        <p:blipFill>
+          <a:blip r:embed="rId3"/>
+          <a:stretch>
+            <a:fillRect/>
+          </a:stretch>
+        </p:blipFill>
+        <p:spPr>
+          <a:xfrm>
+            <a:off x="7056201" y="3333575"/>
+            <a:ext cx="3381847" cy="2505425"/>
+          </a:xfrm>
+          <a:prstGeom prst="rect">
+            <a:avLst/>
+          </a:prstGeom>
+        </p:spPr>
+      </p:pic>
+      <p:sp>
+        <p:nvSpPr>
+          <p:cNvPr id="10" name="TextBox 9">
+            <a:hlinkClick r:id="rId4" action="ppaction://hlinksldjump"/>
+          </p:cNvPr>
+          <p:cNvSpPr txBox="1"/>
+          <p:nvPr/>
+        </p:nvSpPr>
+        <p:spPr>
+          <a:xfrm>
+            <a:off x="706583" y="5938"/>
+            <a:ext cx="2054431" cy="400110"/>
+          </a:xfrm>
+          <a:prstGeom prst="rect">
+            <a:avLst/>
+          </a:prstGeom>
+          <a:noFill/>
+        </p:spPr>
+        <p:txBody>
+          <a:bodyPr wrap="square" rtlCol="0">
+            <a:spAutoFit/>
+          </a:bodyPr>
+          <a:lstStyle/>
+          <a:p>
+            <a:r>
+              <a:rPr lang="en-GB" sz="2000" dirty="0"/>
+              <a:t>Operations</a:t>
+            </a:r>
+            <a:endParaRPr lang="de-DE" dirty="0"/>
+          </a:p>
+        </p:txBody>
+      </p:sp>
+    </p:spTree>
+    <p:extLst>
+      <p:ext uri="{BB962C8B-B14F-4D97-AF65-F5344CB8AC3E}">
+        <p14:creationId xmlns:p14="http://schemas.microsoft.com/office/powerpoint/2010/main" val="1695921126"/>
+      </p:ext>
+    </p:extLst>
+  </p:cSld>
+  <p:clrMapOvr>
+    <a:masterClrMapping/>
+  </p:clrMapOvr>
+</p:sld>
+</file>
+
+<file path=ppt/slides/slide22.xml><?xml version="1.0" encoding="utf-8"?>
 <p:sld xmlns:a="http://schemas.openxmlformats.org/drawingml/2006/main" xmlns:r="http://schemas.openxmlformats.org/officeDocument/2006/relationships" xmlns:p="http://schemas.openxmlformats.org/presentationml/2006/main">
   <p:cSld>
     <p:spTree>
@@ -6422,318 +6693,6 @@
 </p:sld>
 </file>
 
-<file path=ppt/slides/slide21.xml><?xml version="1.0" encoding="utf-8"?>
-<p:sld xmlns:a="http://schemas.openxmlformats.org/drawingml/2006/main" xmlns:r="http://schemas.openxmlformats.org/officeDocument/2006/relationships" xmlns:p="http://schemas.openxmlformats.org/presentationml/2006/main">
-  <p:cSld>
-    <p:spTree>
-      <p:nvGrpSpPr>
-        <p:cNvPr id="1" name=""/>
-        <p:cNvGrpSpPr/>
-        <p:nvPr/>
-      </p:nvGrpSpPr>
-      <p:grpSpPr>
-        <a:xfrm>
-          <a:off x="0" y="0"/>
-          <a:ext cx="0" cy="0"/>
-          <a:chOff x="0" y="0"/>
-          <a:chExt cx="0" cy="0"/>
-        </a:xfrm>
-      </p:grpSpPr>
-      <p:sp>
-        <p:nvSpPr>
-          <p:cNvPr id="2" name="Title 1"/>
-          <p:cNvSpPr>
-            <a:spLocks noGrp="1"/>
-          </p:cNvSpPr>
-          <p:nvPr>
-            <p:ph type="title"/>
-          </p:nvPr>
-        </p:nvSpPr>
-        <p:spPr/>
-        <p:txBody>
-          <a:bodyPr/>
-          <a:lstStyle/>
-          <a:p>
-            <a:r>
-              <a:rPr lang="en-GB" dirty="0"/>
-              <a:t>Classes &amp; features</a:t>
-            </a:r>
-            <a:endParaRPr lang="de-DE" dirty="0"/>
-          </a:p>
-        </p:txBody>
-      </p:sp>
-      <p:sp>
-        <p:nvSpPr>
-          <p:cNvPr id="7" name="Content Placeholder 6"/>
-          <p:cNvSpPr>
-            <a:spLocks noGrp="1"/>
-          </p:cNvSpPr>
-          <p:nvPr>
-            <p:ph sz="half" idx="1"/>
-          </p:nvPr>
-        </p:nvSpPr>
-        <p:spPr>
-          <a:xfrm>
-            <a:off x="1371600" y="1772133"/>
-            <a:ext cx="4447786" cy="3581401"/>
-          </a:xfrm>
-        </p:spPr>
-        <p:txBody>
-          <a:bodyPr anchor="ctr"/>
-          <a:lstStyle/>
-          <a:p>
-            <a:r>
-              <a:rPr lang="en-GB" dirty="0"/>
-              <a:t>Inheritance</a:t>
-            </a:r>
-          </a:p>
-          <a:p>
-            <a:r>
-              <a:rPr lang="en-GB" dirty="0"/>
-              <a:t>Access restriction (private, public &amp; protected)</a:t>
-            </a:r>
-          </a:p>
-          <a:p>
-            <a:r>
-              <a:rPr lang="en-GB" dirty="0"/>
-              <a:t>Abstract classes, abstract methods</a:t>
-            </a:r>
-            <a:endParaRPr lang="de-DE" dirty="0"/>
-          </a:p>
-        </p:txBody>
-      </p:sp>
-      <p:pic>
-        <p:nvPicPr>
-          <p:cNvPr id="10" name="Content Placeholder 9"/>
-          <p:cNvPicPr>
-            <a:picLocks noGrp="1" noChangeAspect="1"/>
-          </p:cNvPicPr>
-          <p:nvPr>
-            <p:ph sz="half" idx="2"/>
-          </p:nvPr>
-        </p:nvPicPr>
-        <p:blipFill>
-          <a:blip r:embed="rId2"/>
-          <a:stretch>
-            <a:fillRect/>
-          </a:stretch>
-        </p:blipFill>
-        <p:spPr>
-          <a:xfrm>
-            <a:off x="6524625" y="2440023"/>
-            <a:ext cx="4448175" cy="2245620"/>
-          </a:xfrm>
-          <a:prstGeom prst="rect">
-            <a:avLst/>
-          </a:prstGeom>
-        </p:spPr>
-      </p:pic>
-      <p:sp>
-        <p:nvSpPr>
-          <p:cNvPr id="9" name="TextBox 8">
-            <a:hlinkClick r:id="rId3" action="ppaction://hlinksldjump"/>
-          </p:cNvPr>
-          <p:cNvSpPr txBox="1"/>
-          <p:nvPr/>
-        </p:nvSpPr>
-        <p:spPr>
-          <a:xfrm>
-            <a:off x="706583" y="5938"/>
-            <a:ext cx="2054431" cy="400110"/>
-          </a:xfrm>
-          <a:prstGeom prst="rect">
-            <a:avLst/>
-          </a:prstGeom>
-          <a:noFill/>
-        </p:spPr>
-        <p:txBody>
-          <a:bodyPr wrap="square" rtlCol="0">
-            <a:spAutoFit/>
-          </a:bodyPr>
-          <a:lstStyle/>
-          <a:p>
-            <a:r>
-              <a:rPr lang="en-GB" sz="2000" dirty="0"/>
-              <a:t>OOP</a:t>
-            </a:r>
-            <a:endParaRPr lang="de-DE" dirty="0"/>
-          </a:p>
-        </p:txBody>
-      </p:sp>
-      <p:pic>
-        <p:nvPicPr>
-          <p:cNvPr id="11" name="Picture 10"/>
-          <p:cNvPicPr>
-            <a:picLocks noChangeAspect="1"/>
-          </p:cNvPicPr>
-          <p:nvPr/>
-        </p:nvPicPr>
-        <p:blipFill>
-          <a:blip r:embed="rId4"/>
-          <a:stretch>
-            <a:fillRect/>
-          </a:stretch>
-        </p:blipFill>
-        <p:spPr>
-          <a:xfrm>
-            <a:off x="2052358" y="5507559"/>
-            <a:ext cx="8239295" cy="948279"/>
-          </a:xfrm>
-          <a:prstGeom prst="rect">
-            <a:avLst/>
-          </a:prstGeom>
-        </p:spPr>
-      </p:pic>
-    </p:spTree>
-    <p:extLst>
-      <p:ext uri="{BB962C8B-B14F-4D97-AF65-F5344CB8AC3E}">
-        <p14:creationId xmlns:p14="http://schemas.microsoft.com/office/powerpoint/2010/main" val="215555329"/>
-      </p:ext>
-    </p:extLst>
-  </p:cSld>
-  <p:clrMapOvr>
-    <a:masterClrMapping/>
-  </p:clrMapOvr>
-</p:sld>
-</file>
-
-<file path=ppt/slides/slide22.xml><?xml version="1.0" encoding="utf-8"?>
-<p:sld xmlns:a="http://schemas.openxmlformats.org/drawingml/2006/main" xmlns:r="http://schemas.openxmlformats.org/officeDocument/2006/relationships" xmlns:p="http://schemas.openxmlformats.org/presentationml/2006/main">
-  <p:cSld>
-    <p:spTree>
-      <p:nvGrpSpPr>
-        <p:cNvPr id="1" name=""/>
-        <p:cNvGrpSpPr/>
-        <p:nvPr/>
-      </p:nvGrpSpPr>
-      <p:grpSpPr>
-        <a:xfrm>
-          <a:off x="0" y="0"/>
-          <a:ext cx="0" cy="0"/>
-          <a:chOff x="0" y="0"/>
-          <a:chExt cx="0" cy="0"/>
-        </a:xfrm>
-      </p:grpSpPr>
-      <p:sp>
-        <p:nvSpPr>
-          <p:cNvPr id="2" name="Title 1"/>
-          <p:cNvSpPr>
-            <a:spLocks noGrp="1"/>
-          </p:cNvSpPr>
-          <p:nvPr>
-            <p:ph type="title"/>
-          </p:nvPr>
-        </p:nvSpPr>
-        <p:spPr/>
-        <p:txBody>
-          <a:bodyPr/>
-          <a:lstStyle/>
-          <a:p>
-            <a:r>
-              <a:rPr lang="en-GB" dirty="0"/>
-              <a:t>Getter &amp; Setter</a:t>
-            </a:r>
-            <a:endParaRPr lang="de-DE" dirty="0"/>
-          </a:p>
-        </p:txBody>
-      </p:sp>
-      <p:pic>
-        <p:nvPicPr>
-          <p:cNvPr id="11" name="Content Placeholder 10"/>
-          <p:cNvPicPr>
-            <a:picLocks noGrp="1" noChangeAspect="1"/>
-          </p:cNvPicPr>
-          <p:nvPr>
-            <p:ph sz="half" idx="1"/>
-          </p:nvPr>
-        </p:nvPicPr>
-        <p:blipFill>
-          <a:blip r:embed="rId2"/>
-          <a:stretch>
-            <a:fillRect/>
-          </a:stretch>
-        </p:blipFill>
-        <p:spPr>
-          <a:xfrm>
-            <a:off x="1371600" y="2514169"/>
-            <a:ext cx="4448175" cy="3125062"/>
-          </a:xfrm>
-          <a:prstGeom prst="rect">
-            <a:avLst/>
-          </a:prstGeom>
-        </p:spPr>
-      </p:pic>
-      <p:pic>
-        <p:nvPicPr>
-          <p:cNvPr id="13" name="Content Placeholder 12"/>
-          <p:cNvPicPr>
-            <a:picLocks noGrp="1" noChangeAspect="1"/>
-          </p:cNvPicPr>
-          <p:nvPr>
-            <p:ph sz="half" idx="2"/>
-          </p:nvPr>
-        </p:nvPicPr>
-        <p:blipFill>
-          <a:blip r:embed="rId3"/>
-          <a:stretch>
-            <a:fillRect/>
-          </a:stretch>
-        </p:blipFill>
-        <p:spPr>
-          <a:xfrm>
-            <a:off x="6556701" y="2286000"/>
-            <a:ext cx="4384023" cy="3581400"/>
-          </a:xfrm>
-          <a:prstGeom prst="rect">
-            <a:avLst/>
-          </a:prstGeom>
-        </p:spPr>
-      </p:pic>
-      <p:sp>
-        <p:nvSpPr>
-          <p:cNvPr id="16" name="TextBox 15">
-            <a:hlinkClick r:id="rId4" action="ppaction://hlinksldjump"/>
-          </p:cNvPr>
-          <p:cNvSpPr txBox="1"/>
-          <p:nvPr/>
-        </p:nvSpPr>
-        <p:spPr>
-          <a:xfrm>
-            <a:off x="706583" y="5938"/>
-            <a:ext cx="2054431" cy="400110"/>
-          </a:xfrm>
-          <a:prstGeom prst="rect">
-            <a:avLst/>
-          </a:prstGeom>
-          <a:noFill/>
-        </p:spPr>
-        <p:txBody>
-          <a:bodyPr wrap="square" rtlCol="0">
-            <a:spAutoFit/>
-          </a:bodyPr>
-          <a:lstStyle/>
-          <a:p>
-            <a:r>
-              <a:rPr lang="en-GB" sz="2000" dirty="0"/>
-              <a:t>OOP</a:t>
-            </a:r>
-            <a:endParaRPr lang="de-DE" dirty="0"/>
-          </a:p>
-        </p:txBody>
-      </p:sp>
-    </p:spTree>
-    <p:extLst>
-      <p:ext uri="{BB962C8B-B14F-4D97-AF65-F5344CB8AC3E}">
-        <p14:creationId xmlns:p14="http://schemas.microsoft.com/office/powerpoint/2010/main" val="3695883987"/>
-      </p:ext>
-    </p:extLst>
-  </p:cSld>
-  <p:clrMapOvr>
-    <a:masterClrMapping/>
-  </p:clrMapOvr>
-</p:sld>
-</file>
-
 <file path=ppt/slides/slide23.xml><?xml version="1.0" encoding="utf-8"?>
 <p:sld xmlns:a="http://schemas.openxmlformats.org/drawingml/2006/main" xmlns:r="http://schemas.openxmlformats.org/officeDocument/2006/relationships" xmlns:p="http://schemas.openxmlformats.org/presentationml/2006/main">
   <p:cSld>
@@ -6768,7 +6727,47 @@
           <a:p>
             <a:r>
               <a:rPr lang="en-GB" dirty="0"/>
-              <a:t>Class - Getter &amp; Setter</a:t>
+              <a:t>Classes &amp; features</a:t>
+            </a:r>
+            <a:endParaRPr lang="de-DE" dirty="0"/>
+          </a:p>
+        </p:txBody>
+      </p:sp>
+      <p:sp>
+        <p:nvSpPr>
+          <p:cNvPr id="7" name="Content Placeholder 6"/>
+          <p:cNvSpPr>
+            <a:spLocks noGrp="1"/>
+          </p:cNvSpPr>
+          <p:nvPr>
+            <p:ph sz="half" idx="1"/>
+          </p:nvPr>
+        </p:nvSpPr>
+        <p:spPr>
+          <a:xfrm>
+            <a:off x="1371600" y="1772133"/>
+            <a:ext cx="4447786" cy="3581401"/>
+          </a:xfrm>
+        </p:spPr>
+        <p:txBody>
+          <a:bodyPr anchor="ctr"/>
+          <a:lstStyle/>
+          <a:p>
+            <a:r>
+              <a:rPr lang="en-GB" dirty="0"/>
+              <a:t>Inheritance</a:t>
+            </a:r>
+          </a:p>
+          <a:p>
+            <a:r>
+              <a:rPr lang="en-GB" dirty="0"/>
+              <a:t>Access restriction (private, public &amp; protected)</a:t>
+            </a:r>
+          </a:p>
+          <a:p>
+            <a:r>
+              <a:rPr lang="en-GB" dirty="0"/>
+              <a:t>Abstract classes, abstract methods</a:t>
             </a:r>
             <a:endParaRPr lang="de-DE" dirty="0"/>
           </a:p>
@@ -6776,12 +6775,12 @@
       </p:sp>
       <p:pic>
         <p:nvPicPr>
-          <p:cNvPr id="5" name="Content Placeholder 4"/>
+          <p:cNvPr id="10" name="Content Placeholder 9"/>
           <p:cNvPicPr>
             <a:picLocks noGrp="1" noChangeAspect="1"/>
           </p:cNvPicPr>
           <p:nvPr>
-            <p:ph sz="half" idx="1"/>
+            <p:ph sz="half" idx="2"/>
           </p:nvPr>
         </p:nvPicPr>
         <p:blipFill>
@@ -6792,76 +6791,74 @@
         </p:blipFill>
         <p:spPr>
           <a:xfrm>
-            <a:off x="1371600" y="2496250"/>
-            <a:ext cx="4448175" cy="3160900"/>
+            <a:off x="6524625" y="2440023"/>
+            <a:ext cx="4448175" cy="2245620"/>
           </a:xfrm>
           <a:prstGeom prst="rect">
             <a:avLst/>
           </a:prstGeom>
         </p:spPr>
       </p:pic>
+      <p:sp>
+        <p:nvSpPr>
+          <p:cNvPr id="9" name="TextBox 8">
+            <a:hlinkClick r:id="rId3" action="ppaction://hlinksldjump"/>
+          </p:cNvPr>
+          <p:cNvSpPr txBox="1"/>
+          <p:nvPr/>
+        </p:nvSpPr>
+        <p:spPr>
+          <a:xfrm>
+            <a:off x="706583" y="5938"/>
+            <a:ext cx="2054431" cy="400110"/>
+          </a:xfrm>
+          <a:prstGeom prst="rect">
+            <a:avLst/>
+          </a:prstGeom>
+          <a:noFill/>
+        </p:spPr>
+        <p:txBody>
+          <a:bodyPr wrap="square" rtlCol="0">
+            <a:spAutoFit/>
+          </a:bodyPr>
+          <a:lstStyle/>
+          <a:p>
+            <a:r>
+              <a:rPr lang="en-GB" sz="2000" dirty="0"/>
+              <a:t>OOP</a:t>
+            </a:r>
+            <a:endParaRPr lang="de-DE" dirty="0"/>
+          </a:p>
+        </p:txBody>
+      </p:sp>
       <p:pic>
         <p:nvPicPr>
-          <p:cNvPr id="6" name="Content Placeholder 5"/>
+          <p:cNvPr id="11" name="Picture 10"/>
           <p:cNvPicPr>
-            <a:picLocks noGrp="1" noChangeAspect="1"/>
+            <a:picLocks noChangeAspect="1"/>
           </p:cNvPicPr>
-          <p:nvPr>
-            <p:ph sz="half" idx="2"/>
-          </p:nvPr>
+          <p:nvPr/>
         </p:nvPicPr>
         <p:blipFill>
-          <a:blip r:embed="rId3"/>
+          <a:blip r:embed="rId4"/>
           <a:stretch>
             <a:fillRect/>
           </a:stretch>
         </p:blipFill>
         <p:spPr>
           <a:xfrm>
-            <a:off x="6524625" y="3500602"/>
-            <a:ext cx="4448175" cy="1152195"/>
+            <a:off x="2052358" y="5507559"/>
+            <a:ext cx="8239295" cy="948279"/>
           </a:xfrm>
           <a:prstGeom prst="rect">
             <a:avLst/>
           </a:prstGeom>
         </p:spPr>
       </p:pic>
-      <p:sp>
-        <p:nvSpPr>
-          <p:cNvPr id="9" name="TextBox 8">
-            <a:hlinkClick r:id="rId4" action="ppaction://hlinksldjump"/>
-          </p:cNvPr>
-          <p:cNvSpPr txBox="1"/>
-          <p:nvPr/>
-        </p:nvSpPr>
-        <p:spPr>
-          <a:xfrm>
-            <a:off x="706583" y="5938"/>
-            <a:ext cx="2054431" cy="400110"/>
-          </a:xfrm>
-          <a:prstGeom prst="rect">
-            <a:avLst/>
-          </a:prstGeom>
-          <a:noFill/>
-        </p:spPr>
-        <p:txBody>
-          <a:bodyPr wrap="square" rtlCol="0">
-            <a:spAutoFit/>
-          </a:bodyPr>
-          <a:lstStyle/>
-          <a:p>
-            <a:r>
-              <a:rPr lang="en-GB" sz="2000" dirty="0"/>
-              <a:t>OOP</a:t>
-            </a:r>
-            <a:endParaRPr lang="de-DE" dirty="0"/>
-          </a:p>
-        </p:txBody>
-      </p:sp>
     </p:spTree>
     <p:extLst>
       <p:ext uri="{BB962C8B-B14F-4D97-AF65-F5344CB8AC3E}">
-        <p14:creationId xmlns:p14="http://schemas.microsoft.com/office/powerpoint/2010/main" val="686037847"/>
+        <p14:creationId xmlns:p14="http://schemas.microsoft.com/office/powerpoint/2010/main" val="215555329"/>
       </p:ext>
     </p:extLst>
   </p:cSld>
@@ -6890,6 +6887,355 @@
       </p:grpSpPr>
       <p:sp>
         <p:nvSpPr>
+          <p:cNvPr id="2" name="Title 1"/>
+          <p:cNvSpPr>
+            <a:spLocks noGrp="1"/>
+          </p:cNvSpPr>
+          <p:nvPr>
+            <p:ph type="title"/>
+          </p:nvPr>
+        </p:nvSpPr>
+        <p:spPr/>
+        <p:txBody>
+          <a:bodyPr/>
+          <a:lstStyle/>
+          <a:p>
+            <a:r>
+              <a:rPr lang="en-GB" dirty="0"/>
+              <a:t>Getter &amp; Setter</a:t>
+            </a:r>
+            <a:endParaRPr lang="de-DE" dirty="0"/>
+          </a:p>
+        </p:txBody>
+      </p:sp>
+      <p:pic>
+        <p:nvPicPr>
+          <p:cNvPr id="11" name="Content Placeholder 10"/>
+          <p:cNvPicPr>
+            <a:picLocks noGrp="1" noChangeAspect="1"/>
+          </p:cNvPicPr>
+          <p:nvPr>
+            <p:ph sz="half" idx="1"/>
+          </p:nvPr>
+        </p:nvPicPr>
+        <p:blipFill>
+          <a:blip r:embed="rId2"/>
+          <a:stretch>
+            <a:fillRect/>
+          </a:stretch>
+        </p:blipFill>
+        <p:spPr>
+          <a:xfrm>
+            <a:off x="1371600" y="2514169"/>
+            <a:ext cx="4448175" cy="3125062"/>
+          </a:xfrm>
+          <a:prstGeom prst="rect">
+            <a:avLst/>
+          </a:prstGeom>
+        </p:spPr>
+      </p:pic>
+      <p:pic>
+        <p:nvPicPr>
+          <p:cNvPr id="13" name="Content Placeholder 12"/>
+          <p:cNvPicPr>
+            <a:picLocks noGrp="1" noChangeAspect="1"/>
+          </p:cNvPicPr>
+          <p:nvPr>
+            <p:ph sz="half" idx="2"/>
+          </p:nvPr>
+        </p:nvPicPr>
+        <p:blipFill>
+          <a:blip r:embed="rId3"/>
+          <a:stretch>
+            <a:fillRect/>
+          </a:stretch>
+        </p:blipFill>
+        <p:spPr>
+          <a:xfrm>
+            <a:off x="6556701" y="2286000"/>
+            <a:ext cx="4384023" cy="3581400"/>
+          </a:xfrm>
+          <a:prstGeom prst="rect">
+            <a:avLst/>
+          </a:prstGeom>
+        </p:spPr>
+      </p:pic>
+      <p:sp>
+        <p:nvSpPr>
+          <p:cNvPr id="16" name="TextBox 15">
+            <a:hlinkClick r:id="rId4" action="ppaction://hlinksldjump"/>
+          </p:cNvPr>
+          <p:cNvSpPr txBox="1"/>
+          <p:nvPr/>
+        </p:nvSpPr>
+        <p:spPr>
+          <a:xfrm>
+            <a:off x="706583" y="5938"/>
+            <a:ext cx="2054431" cy="400110"/>
+          </a:xfrm>
+          <a:prstGeom prst="rect">
+            <a:avLst/>
+          </a:prstGeom>
+          <a:noFill/>
+        </p:spPr>
+        <p:txBody>
+          <a:bodyPr wrap="square" rtlCol="0">
+            <a:spAutoFit/>
+          </a:bodyPr>
+          <a:lstStyle/>
+          <a:p>
+            <a:r>
+              <a:rPr lang="en-GB" sz="2000" dirty="0"/>
+              <a:t>OOP</a:t>
+            </a:r>
+            <a:endParaRPr lang="de-DE" dirty="0"/>
+          </a:p>
+        </p:txBody>
+      </p:sp>
+    </p:spTree>
+    <p:extLst>
+      <p:ext uri="{BB962C8B-B14F-4D97-AF65-F5344CB8AC3E}">
+        <p14:creationId xmlns:p14="http://schemas.microsoft.com/office/powerpoint/2010/main" val="3695883987"/>
+      </p:ext>
+    </p:extLst>
+  </p:cSld>
+  <p:clrMapOvr>
+    <a:masterClrMapping/>
+  </p:clrMapOvr>
+  <p:timing>
+    <p:tnLst>
+      <p:par>
+        <p:cTn id="1" dur="indefinite" restart="never" nodeType="tmRoot">
+          <p:childTnLst>
+            <p:seq concurrent="1" nextAc="seek">
+              <p:cTn id="2" dur="indefinite" nodeType="mainSeq">
+                <p:childTnLst>
+                  <p:par>
+                    <p:cTn id="3" fill="hold">
+                      <p:stCondLst>
+                        <p:cond delay="indefinite"/>
+                      </p:stCondLst>
+                      <p:childTnLst>
+                        <p:par>
+                          <p:cTn id="4" fill="hold">
+                            <p:stCondLst>
+                              <p:cond delay="0"/>
+                            </p:stCondLst>
+                            <p:childTnLst>
+                              <p:par>
+                                <p:cTn id="5" presetID="1" presetClass="entr" presetSubtype="0" fill="hold" nodeType="clickEffect">
+                                  <p:stCondLst>
+                                    <p:cond delay="0"/>
+                                  </p:stCondLst>
+                                  <p:childTnLst>
+                                    <p:set>
+                                      <p:cBhvr>
+                                        <p:cTn id="6" dur="1" fill="hold">
+                                          <p:stCondLst>
+                                            <p:cond delay="0"/>
+                                          </p:stCondLst>
+                                        </p:cTn>
+                                        <p:tgtEl>
+                                          <p:spTgt spid="13"/>
+                                        </p:tgtEl>
+                                        <p:attrNameLst>
+                                          <p:attrName>style.visibility</p:attrName>
+                                        </p:attrNameLst>
+                                      </p:cBhvr>
+                                      <p:to>
+                                        <p:strVal val="visible"/>
+                                      </p:to>
+                                    </p:set>
+                                  </p:childTnLst>
+                                </p:cTn>
+                              </p:par>
+                            </p:childTnLst>
+                          </p:cTn>
+                        </p:par>
+                      </p:childTnLst>
+                    </p:cTn>
+                  </p:par>
+                </p:childTnLst>
+              </p:cTn>
+              <p:prevCondLst>
+                <p:cond evt="onPrev" delay="0">
+                  <p:tgtEl>
+                    <p:sldTgt/>
+                  </p:tgtEl>
+                </p:cond>
+              </p:prevCondLst>
+              <p:nextCondLst>
+                <p:cond evt="onNext" delay="0">
+                  <p:tgtEl>
+                    <p:sldTgt/>
+                  </p:tgtEl>
+                </p:cond>
+              </p:nextCondLst>
+            </p:seq>
+          </p:childTnLst>
+        </p:cTn>
+      </p:par>
+    </p:tnLst>
+  </p:timing>
+</p:sld>
+</file>
+
+<file path=ppt/slides/slide25.xml><?xml version="1.0" encoding="utf-8"?>
+<p:sld xmlns:a="http://schemas.openxmlformats.org/drawingml/2006/main" xmlns:r="http://schemas.openxmlformats.org/officeDocument/2006/relationships" xmlns:p="http://schemas.openxmlformats.org/presentationml/2006/main">
+  <p:cSld>
+    <p:spTree>
+      <p:nvGrpSpPr>
+        <p:cNvPr id="1" name=""/>
+        <p:cNvGrpSpPr/>
+        <p:nvPr/>
+      </p:nvGrpSpPr>
+      <p:grpSpPr>
+        <a:xfrm>
+          <a:off x="0" y="0"/>
+          <a:ext cx="0" cy="0"/>
+          <a:chOff x="0" y="0"/>
+          <a:chExt cx="0" cy="0"/>
+        </a:xfrm>
+      </p:grpSpPr>
+      <p:sp>
+        <p:nvSpPr>
+          <p:cNvPr id="2" name="Title 1"/>
+          <p:cNvSpPr>
+            <a:spLocks noGrp="1"/>
+          </p:cNvSpPr>
+          <p:nvPr>
+            <p:ph type="title"/>
+          </p:nvPr>
+        </p:nvSpPr>
+        <p:spPr/>
+        <p:txBody>
+          <a:bodyPr/>
+          <a:lstStyle/>
+          <a:p>
+            <a:r>
+              <a:rPr lang="en-GB" dirty="0"/>
+              <a:t>Class - Getter &amp; Setter</a:t>
+            </a:r>
+            <a:endParaRPr lang="de-DE" dirty="0"/>
+          </a:p>
+        </p:txBody>
+      </p:sp>
+      <p:pic>
+        <p:nvPicPr>
+          <p:cNvPr id="5" name="Content Placeholder 4"/>
+          <p:cNvPicPr>
+            <a:picLocks noGrp="1" noChangeAspect="1"/>
+          </p:cNvPicPr>
+          <p:nvPr>
+            <p:ph sz="half" idx="1"/>
+          </p:nvPr>
+        </p:nvPicPr>
+        <p:blipFill>
+          <a:blip r:embed="rId2"/>
+          <a:stretch>
+            <a:fillRect/>
+          </a:stretch>
+        </p:blipFill>
+        <p:spPr>
+          <a:xfrm>
+            <a:off x="1371600" y="2496250"/>
+            <a:ext cx="4448175" cy="3160900"/>
+          </a:xfrm>
+          <a:prstGeom prst="rect">
+            <a:avLst/>
+          </a:prstGeom>
+        </p:spPr>
+      </p:pic>
+      <p:pic>
+        <p:nvPicPr>
+          <p:cNvPr id="6" name="Content Placeholder 5"/>
+          <p:cNvPicPr>
+            <a:picLocks noGrp="1" noChangeAspect="1"/>
+          </p:cNvPicPr>
+          <p:nvPr>
+            <p:ph sz="half" idx="2"/>
+          </p:nvPr>
+        </p:nvPicPr>
+        <p:blipFill>
+          <a:blip r:embed="rId3"/>
+          <a:stretch>
+            <a:fillRect/>
+          </a:stretch>
+        </p:blipFill>
+        <p:spPr>
+          <a:xfrm>
+            <a:off x="6524625" y="3500602"/>
+            <a:ext cx="4448175" cy="1152195"/>
+          </a:xfrm>
+          <a:prstGeom prst="rect">
+            <a:avLst/>
+          </a:prstGeom>
+        </p:spPr>
+      </p:pic>
+      <p:sp>
+        <p:nvSpPr>
+          <p:cNvPr id="9" name="TextBox 8">
+            <a:hlinkClick r:id="rId4" action="ppaction://hlinksldjump"/>
+          </p:cNvPr>
+          <p:cNvSpPr txBox="1"/>
+          <p:nvPr/>
+        </p:nvSpPr>
+        <p:spPr>
+          <a:xfrm>
+            <a:off x="706583" y="5938"/>
+            <a:ext cx="2054431" cy="400110"/>
+          </a:xfrm>
+          <a:prstGeom prst="rect">
+            <a:avLst/>
+          </a:prstGeom>
+          <a:noFill/>
+        </p:spPr>
+        <p:txBody>
+          <a:bodyPr wrap="square" rtlCol="0">
+            <a:spAutoFit/>
+          </a:bodyPr>
+          <a:lstStyle/>
+          <a:p>
+            <a:r>
+              <a:rPr lang="en-GB" sz="2000" dirty="0"/>
+              <a:t>OOP</a:t>
+            </a:r>
+            <a:endParaRPr lang="de-DE" dirty="0"/>
+          </a:p>
+        </p:txBody>
+      </p:sp>
+    </p:spTree>
+    <p:extLst>
+      <p:ext uri="{BB962C8B-B14F-4D97-AF65-F5344CB8AC3E}">
+        <p14:creationId xmlns:p14="http://schemas.microsoft.com/office/powerpoint/2010/main" val="686037847"/>
+      </p:ext>
+    </p:extLst>
+  </p:cSld>
+  <p:clrMapOvr>
+    <a:masterClrMapping/>
+  </p:clrMapOvr>
+</p:sld>
+</file>
+
+<file path=ppt/slides/slide26.xml><?xml version="1.0" encoding="utf-8"?>
+<p:sld xmlns:a="http://schemas.openxmlformats.org/drawingml/2006/main" xmlns:r="http://schemas.openxmlformats.org/officeDocument/2006/relationships" xmlns:p="http://schemas.openxmlformats.org/presentationml/2006/main">
+  <p:cSld>
+    <p:spTree>
+      <p:nvGrpSpPr>
+        <p:cNvPr id="1" name=""/>
+        <p:cNvGrpSpPr/>
+        <p:nvPr/>
+      </p:nvGrpSpPr>
+      <p:grpSpPr>
+        <a:xfrm>
+          <a:off x="0" y="0"/>
+          <a:ext cx="0" cy="0"/>
+          <a:chOff x="0" y="0"/>
+          <a:chExt cx="0" cy="0"/>
+        </a:xfrm>
+      </p:grpSpPr>
+      <p:sp>
+        <p:nvSpPr>
           <p:cNvPr id="10" name="Title 9"/>
           <p:cNvSpPr>
             <a:spLocks noGrp="1"/>
@@ -6982,7 +7328,7 @@
 </p:sld>
 </file>
 
-<file path=ppt/slides/slide25.xml><?xml version="1.0" encoding="utf-8"?>
+<file path=ppt/slides/slide27.xml><?xml version="1.0" encoding="utf-8"?>
 <p:sld xmlns:a="http://schemas.openxmlformats.org/drawingml/2006/main" xmlns:r="http://schemas.openxmlformats.org/officeDocument/2006/relationships" xmlns:p="http://schemas.openxmlformats.org/presentationml/2006/main">
   <p:cSld>
     <p:spTree>
@@ -7337,7 +7683,7 @@
 </p:sld>
 </file>
 
-<file path=ppt/slides/slide26.xml><?xml version="1.0" encoding="utf-8"?>
+<file path=ppt/slides/slide28.xml><?xml version="1.0" encoding="utf-8"?>
 <p:sld xmlns:a="http://schemas.openxmlformats.org/drawingml/2006/main" xmlns:r="http://schemas.openxmlformats.org/officeDocument/2006/relationships" xmlns:p="http://schemas.openxmlformats.org/presentationml/2006/main">
   <p:cSld>
     <p:spTree>
@@ -7474,7 +7820,7 @@
 </p:sld>
 </file>
 
-<file path=ppt/slides/slide27.xml><?xml version="1.0" encoding="utf-8"?>
+<file path=ppt/slides/slide29.xml><?xml version="1.0" encoding="utf-8"?>
 <p:sld xmlns:a="http://schemas.openxmlformats.org/drawingml/2006/main" xmlns:r="http://schemas.openxmlformats.org/officeDocument/2006/relationships" xmlns:p="http://schemas.openxmlformats.org/presentationml/2006/main">
   <p:cSld>
     <p:spTree>
@@ -7585,7 +7931,61 @@
 </p:sld>
 </file>
 
-<file path=ppt/slides/slide28.xml><?xml version="1.0" encoding="utf-8"?>
+<file path=ppt/slides/slide3.xml><?xml version="1.0" encoding="utf-8"?>
+<p:sld xmlns:a="http://schemas.openxmlformats.org/drawingml/2006/main" xmlns:r="http://schemas.openxmlformats.org/officeDocument/2006/relationships" xmlns:p="http://schemas.openxmlformats.org/presentationml/2006/main">
+  <p:cSld>
+    <p:spTree>
+      <p:nvGrpSpPr>
+        <p:cNvPr id="1" name=""/>
+        <p:cNvGrpSpPr/>
+        <p:nvPr/>
+      </p:nvGrpSpPr>
+      <p:grpSpPr>
+        <a:xfrm>
+          <a:off x="0" y="0"/>
+          <a:ext cx="0" cy="0"/>
+          <a:chOff x="0" y="0"/>
+          <a:chExt cx="0" cy="0"/>
+        </a:xfrm>
+      </p:grpSpPr>
+      <p:pic>
+        <p:nvPicPr>
+          <p:cNvPr id="4" name="Picture 3"/>
+          <p:cNvPicPr>
+            <a:picLocks noChangeAspect="1"/>
+          </p:cNvPicPr>
+          <p:nvPr/>
+        </p:nvPicPr>
+        <p:blipFill>
+          <a:blip r:embed="rId2"/>
+          <a:stretch>
+            <a:fillRect/>
+          </a:stretch>
+        </p:blipFill>
+        <p:spPr>
+          <a:xfrm>
+            <a:off x="1115736" y="3246213"/>
+            <a:ext cx="10463868" cy="348796"/>
+          </a:xfrm>
+          <a:prstGeom prst="rect">
+            <a:avLst/>
+          </a:prstGeom>
+        </p:spPr>
+      </p:pic>
+    </p:spTree>
+    <p:extLst>
+      <p:ext uri="{BB962C8B-B14F-4D97-AF65-F5344CB8AC3E}">
+        <p14:creationId xmlns:p14="http://schemas.microsoft.com/office/powerpoint/2010/main" val="2391040831"/>
+      </p:ext>
+    </p:extLst>
+  </p:cSld>
+  <p:clrMapOvr>
+    <a:masterClrMapping/>
+  </p:clrMapOvr>
+</p:sld>
+</file>
+
+<file path=ppt/slides/slide30.xml><?xml version="1.0" encoding="utf-8"?>
 <p:sld xmlns:a="http://schemas.openxmlformats.org/drawingml/2006/main" xmlns:r="http://schemas.openxmlformats.org/officeDocument/2006/relationships" xmlns:p="http://schemas.openxmlformats.org/presentationml/2006/main">
   <p:cSld>
     <p:spTree>
@@ -8218,7 +8618,7 @@
 </p:sld>
 </file>
 
-<file path=ppt/slides/slide29.xml><?xml version="1.0" encoding="utf-8"?>
+<file path=ppt/slides/slide31.xml><?xml version="1.0" encoding="utf-8"?>
 <p:sld xmlns:a="http://schemas.openxmlformats.org/drawingml/2006/main" xmlns:r="http://schemas.openxmlformats.org/officeDocument/2006/relationships" xmlns:p="http://schemas.openxmlformats.org/presentationml/2006/main">
   <p:cSld>
     <p:spTree>
@@ -8329,7 +8729,3407 @@
 </p:sld>
 </file>
 
-<file path=ppt/slides/slide3.xml><?xml version="1.0" encoding="utf-8"?>
+<file path=ppt/slides/slide32.xml><?xml version="1.0" encoding="utf-8"?>
+<p:sld xmlns:a="http://schemas.openxmlformats.org/drawingml/2006/main" xmlns:r="http://schemas.openxmlformats.org/officeDocument/2006/relationships" xmlns:p="http://schemas.openxmlformats.org/presentationml/2006/main">
+  <p:cSld>
+    <p:spTree>
+      <p:nvGrpSpPr>
+        <p:cNvPr id="1" name=""/>
+        <p:cNvGrpSpPr/>
+        <p:nvPr/>
+      </p:nvGrpSpPr>
+      <p:grpSpPr>
+        <a:xfrm>
+          <a:off x="0" y="0"/>
+          <a:ext cx="0" cy="0"/>
+          <a:chOff x="0" y="0"/>
+          <a:chExt cx="0" cy="0"/>
+        </a:xfrm>
+      </p:grpSpPr>
+      <p:sp>
+        <p:nvSpPr>
+          <p:cNvPr id="5" name="Title 4"/>
+          <p:cNvSpPr>
+            <a:spLocks noGrp="1"/>
+          </p:cNvSpPr>
+          <p:nvPr>
+            <p:ph type="title"/>
+          </p:nvPr>
+        </p:nvSpPr>
+        <p:spPr/>
+        <p:txBody>
+          <a:bodyPr/>
+          <a:lstStyle/>
+          <a:p>
+            <a:r>
+              <a:rPr lang="en-GB" dirty="0"/>
+              <a:t>Rest Parameters</a:t>
+            </a:r>
+            <a:endParaRPr lang="de-DE" dirty="0"/>
+          </a:p>
+        </p:txBody>
+      </p:sp>
+      <p:pic>
+        <p:nvPicPr>
+          <p:cNvPr id="14" name="Content Placeholder 13"/>
+          <p:cNvPicPr>
+            <a:picLocks noGrp="1" noChangeAspect="1"/>
+          </p:cNvPicPr>
+          <p:nvPr>
+            <p:ph idx="1"/>
+          </p:nvPr>
+        </p:nvPicPr>
+        <p:blipFill>
+          <a:blip r:embed="rId2"/>
+          <a:stretch>
+            <a:fillRect/>
+          </a:stretch>
+        </p:blipFill>
+        <p:spPr>
+          <a:xfrm>
+            <a:off x="1371600" y="2197100"/>
+            <a:ext cx="9601200" cy="1296008"/>
+          </a:xfrm>
+          <a:prstGeom prst="rect">
+            <a:avLst/>
+          </a:prstGeom>
+        </p:spPr>
+      </p:pic>
+      <p:sp>
+        <p:nvSpPr>
+          <p:cNvPr id="8" name="TextBox 7">
+            <a:hlinkClick r:id="rId3" action="ppaction://hlinksldjump"/>
+          </p:cNvPr>
+          <p:cNvSpPr txBox="1"/>
+          <p:nvPr/>
+        </p:nvSpPr>
+        <p:spPr>
+          <a:xfrm>
+            <a:off x="706583" y="5938"/>
+            <a:ext cx="2054431" cy="400110"/>
+          </a:xfrm>
+          <a:prstGeom prst="rect">
+            <a:avLst/>
+          </a:prstGeom>
+          <a:noFill/>
+        </p:spPr>
+        <p:txBody>
+          <a:bodyPr wrap="square" rtlCol="0">
+            <a:spAutoFit/>
+          </a:bodyPr>
+          <a:lstStyle/>
+          <a:p>
+            <a:r>
+              <a:rPr lang="en-GB" sz="2000" dirty="0"/>
+              <a:t>Functions</a:t>
+            </a:r>
+            <a:endParaRPr lang="de-DE" dirty="0"/>
+          </a:p>
+        </p:txBody>
+      </p:sp>
+      <p:sp>
+        <p:nvSpPr>
+          <p:cNvPr id="9" name="TextBox 8"/>
+          <p:cNvSpPr txBox="1"/>
+          <p:nvPr/>
+        </p:nvSpPr>
+        <p:spPr>
+          <a:xfrm>
+            <a:off x="7831455" y="2171700"/>
+            <a:ext cx="2667000" cy="261610"/>
+          </a:xfrm>
+          <a:prstGeom prst="rect">
+            <a:avLst/>
+          </a:prstGeom>
+          <a:solidFill>
+            <a:schemeClr val="tx2">
+              <a:lumMod val="50000"/>
+              <a:lumOff val="50000"/>
+              <a:alpha val="25000"/>
+            </a:schemeClr>
+          </a:solidFill>
+        </p:spPr>
+        <p:txBody>
+          <a:bodyPr wrap="square" rtlCol="0">
+            <a:spAutoFit/>
+          </a:bodyPr>
+          <a:lstStyle/>
+          <a:p>
+            <a:endParaRPr lang="de-DE" sz="1100" dirty="0"/>
+          </a:p>
+        </p:txBody>
+      </p:sp>
+      <p:sp>
+        <p:nvSpPr>
+          <p:cNvPr id="11" name="TextBox 10"/>
+          <p:cNvSpPr txBox="1"/>
+          <p:nvPr/>
+        </p:nvSpPr>
+        <p:spPr>
+          <a:xfrm>
+            <a:off x="4953000" y="2954543"/>
+            <a:ext cx="2240280" cy="261610"/>
+          </a:xfrm>
+          <a:prstGeom prst="rect">
+            <a:avLst/>
+          </a:prstGeom>
+          <a:solidFill>
+            <a:schemeClr val="tx2">
+              <a:lumMod val="50000"/>
+              <a:lumOff val="50000"/>
+              <a:alpha val="25000"/>
+            </a:schemeClr>
+          </a:solidFill>
+        </p:spPr>
+        <p:txBody>
+          <a:bodyPr wrap="square" rtlCol="0">
+            <a:spAutoFit/>
+          </a:bodyPr>
+          <a:lstStyle/>
+          <a:p>
+            <a:endParaRPr lang="de-DE" sz="1100" dirty="0"/>
+          </a:p>
+        </p:txBody>
+      </p:sp>
+    </p:spTree>
+    <p:extLst>
+      <p:ext uri="{BB962C8B-B14F-4D97-AF65-F5344CB8AC3E}">
+        <p14:creationId xmlns:p14="http://schemas.microsoft.com/office/powerpoint/2010/main" val="2182288474"/>
+      </p:ext>
+    </p:extLst>
+  </p:cSld>
+  <p:clrMapOvr>
+    <a:masterClrMapping/>
+  </p:clrMapOvr>
+  <p:timing>
+    <p:tnLst>
+      <p:par>
+        <p:cTn id="1" dur="indefinite" restart="never" nodeType="tmRoot">
+          <p:childTnLst>
+            <p:seq concurrent="1" nextAc="seek">
+              <p:cTn id="2" dur="indefinite" nodeType="mainSeq">
+                <p:childTnLst>
+                  <p:par>
+                    <p:cTn id="3" fill="hold">
+                      <p:stCondLst>
+                        <p:cond delay="indefinite"/>
+                      </p:stCondLst>
+                      <p:childTnLst>
+                        <p:par>
+                          <p:cTn id="4" fill="hold">
+                            <p:stCondLst>
+                              <p:cond delay="0"/>
+                            </p:stCondLst>
+                            <p:childTnLst>
+                              <p:par>
+                                <p:cTn id="5" presetID="1" presetClass="entr" presetSubtype="0" fill="hold" grpId="0" nodeType="clickEffect">
+                                  <p:stCondLst>
+                                    <p:cond delay="0"/>
+                                  </p:stCondLst>
+                                  <p:childTnLst>
+                                    <p:set>
+                                      <p:cBhvr>
+                                        <p:cTn id="6" dur="1" fill="hold">
+                                          <p:stCondLst>
+                                            <p:cond delay="0"/>
+                                          </p:stCondLst>
+                                        </p:cTn>
+                                        <p:tgtEl>
+                                          <p:spTgt spid="11"/>
+                                        </p:tgtEl>
+                                        <p:attrNameLst>
+                                          <p:attrName>style.visibility</p:attrName>
+                                        </p:attrNameLst>
+                                      </p:cBhvr>
+                                      <p:to>
+                                        <p:strVal val="visible"/>
+                                      </p:to>
+                                    </p:set>
+                                  </p:childTnLst>
+                                </p:cTn>
+                              </p:par>
+                              <p:par>
+                                <p:cTn id="7" presetID="1" presetClass="entr" presetSubtype="0" fill="hold" grpId="0" nodeType="withEffect">
+                                  <p:stCondLst>
+                                    <p:cond delay="0"/>
+                                  </p:stCondLst>
+                                  <p:childTnLst>
+                                    <p:set>
+                                      <p:cBhvr>
+                                        <p:cTn id="8" dur="1" fill="hold">
+                                          <p:stCondLst>
+                                            <p:cond delay="0"/>
+                                          </p:stCondLst>
+                                        </p:cTn>
+                                        <p:tgtEl>
+                                          <p:spTgt spid="9"/>
+                                        </p:tgtEl>
+                                        <p:attrNameLst>
+                                          <p:attrName>style.visibility</p:attrName>
+                                        </p:attrNameLst>
+                                      </p:cBhvr>
+                                      <p:to>
+                                        <p:strVal val="visible"/>
+                                      </p:to>
+                                    </p:set>
+                                  </p:childTnLst>
+                                </p:cTn>
+                              </p:par>
+                            </p:childTnLst>
+                          </p:cTn>
+                        </p:par>
+                      </p:childTnLst>
+                    </p:cTn>
+                  </p:par>
+                </p:childTnLst>
+              </p:cTn>
+              <p:prevCondLst>
+                <p:cond evt="onPrev" delay="0">
+                  <p:tgtEl>
+                    <p:sldTgt/>
+                  </p:tgtEl>
+                </p:cond>
+              </p:prevCondLst>
+              <p:nextCondLst>
+                <p:cond evt="onNext" delay="0">
+                  <p:tgtEl>
+                    <p:sldTgt/>
+                  </p:tgtEl>
+                </p:cond>
+              </p:nextCondLst>
+            </p:seq>
+          </p:childTnLst>
+        </p:cTn>
+      </p:par>
+    </p:tnLst>
+    <p:bldLst>
+      <p:bldP spid="9" grpId="0" animBg="1"/>
+      <p:bldP spid="11" grpId="0" animBg="1"/>
+    </p:bldLst>
+  </p:timing>
+</p:sld>
+</file>
+
+<file path=ppt/slides/slide33.xml><?xml version="1.0" encoding="utf-8"?>
+<p:sld xmlns:a="http://schemas.openxmlformats.org/drawingml/2006/main" xmlns:r="http://schemas.openxmlformats.org/officeDocument/2006/relationships" xmlns:p="http://schemas.openxmlformats.org/presentationml/2006/main">
+  <p:cSld>
+    <p:spTree>
+      <p:nvGrpSpPr>
+        <p:cNvPr id="1" name=""/>
+        <p:cNvGrpSpPr/>
+        <p:nvPr/>
+      </p:nvGrpSpPr>
+      <p:grpSpPr>
+        <a:xfrm>
+          <a:off x="0" y="0"/>
+          <a:ext cx="0" cy="0"/>
+          <a:chOff x="0" y="0"/>
+          <a:chExt cx="0" cy="0"/>
+        </a:xfrm>
+      </p:grpSpPr>
+      <p:sp>
+        <p:nvSpPr>
+          <p:cNvPr id="5" name="Title 4"/>
+          <p:cNvSpPr>
+            <a:spLocks noGrp="1"/>
+          </p:cNvSpPr>
+          <p:nvPr>
+            <p:ph type="title"/>
+          </p:nvPr>
+        </p:nvSpPr>
+        <p:spPr/>
+        <p:txBody>
+          <a:bodyPr/>
+          <a:lstStyle/>
+          <a:p>
+            <a:r>
+              <a:rPr lang="en-GB" dirty="0"/>
+              <a:t>Optional Parameters</a:t>
+            </a:r>
+            <a:endParaRPr lang="de-DE" dirty="0"/>
+          </a:p>
+        </p:txBody>
+      </p:sp>
+      <p:pic>
+        <p:nvPicPr>
+          <p:cNvPr id="6" name="Content Placeholder 5"/>
+          <p:cNvPicPr>
+            <a:picLocks noGrp="1" noChangeAspect="1"/>
+          </p:cNvPicPr>
+          <p:nvPr>
+            <p:ph idx="1"/>
+          </p:nvPr>
+        </p:nvPicPr>
+        <p:blipFill>
+          <a:blip r:embed="rId2"/>
+          <a:stretch>
+            <a:fillRect/>
+          </a:stretch>
+        </p:blipFill>
+        <p:spPr>
+          <a:xfrm>
+            <a:off x="1371600" y="2171700"/>
+            <a:ext cx="10325194" cy="2422538"/>
+          </a:xfrm>
+          <a:prstGeom prst="rect">
+            <a:avLst/>
+          </a:prstGeom>
+        </p:spPr>
+      </p:pic>
+      <p:sp>
+        <p:nvSpPr>
+          <p:cNvPr id="8" name="TextBox 7">
+            <a:hlinkClick r:id="rId3" action="ppaction://hlinksldjump"/>
+          </p:cNvPr>
+          <p:cNvSpPr txBox="1"/>
+          <p:nvPr/>
+        </p:nvSpPr>
+        <p:spPr>
+          <a:xfrm>
+            <a:off x="706583" y="5938"/>
+            <a:ext cx="2054431" cy="400110"/>
+          </a:xfrm>
+          <a:prstGeom prst="rect">
+            <a:avLst/>
+          </a:prstGeom>
+          <a:noFill/>
+        </p:spPr>
+        <p:txBody>
+          <a:bodyPr wrap="square" rtlCol="0">
+            <a:spAutoFit/>
+          </a:bodyPr>
+          <a:lstStyle/>
+          <a:p>
+            <a:r>
+              <a:rPr lang="en-GB" sz="2000" dirty="0"/>
+              <a:t>Functions</a:t>
+            </a:r>
+            <a:endParaRPr lang="de-DE" dirty="0"/>
+          </a:p>
+        </p:txBody>
+      </p:sp>
+      <p:sp>
+        <p:nvSpPr>
+          <p:cNvPr id="10" name="TextBox 9"/>
+          <p:cNvSpPr txBox="1"/>
+          <p:nvPr/>
+        </p:nvSpPr>
+        <p:spPr>
+          <a:xfrm>
+            <a:off x="3514725" y="2171700"/>
+            <a:ext cx="1673225" cy="261610"/>
+          </a:xfrm>
+          <a:prstGeom prst="rect">
+            <a:avLst/>
+          </a:prstGeom>
+          <a:solidFill>
+            <a:schemeClr val="tx2">
+              <a:lumMod val="50000"/>
+              <a:lumOff val="50000"/>
+              <a:alpha val="25000"/>
+            </a:schemeClr>
+          </a:solidFill>
+        </p:spPr>
+        <p:txBody>
+          <a:bodyPr wrap="square" rtlCol="0">
+            <a:spAutoFit/>
+          </a:bodyPr>
+          <a:lstStyle/>
+          <a:p>
+            <a:endParaRPr lang="de-DE" sz="1100" dirty="0"/>
+          </a:p>
+        </p:txBody>
+      </p:sp>
+      <p:sp>
+        <p:nvSpPr>
+          <p:cNvPr id="11" name="TextBox 10"/>
+          <p:cNvSpPr txBox="1"/>
+          <p:nvPr/>
+        </p:nvSpPr>
+        <p:spPr>
+          <a:xfrm>
+            <a:off x="5373083" y="3759871"/>
+            <a:ext cx="2640618" cy="261610"/>
+          </a:xfrm>
+          <a:prstGeom prst="rect">
+            <a:avLst/>
+          </a:prstGeom>
+          <a:solidFill>
+            <a:schemeClr val="tx2">
+              <a:lumMod val="50000"/>
+              <a:lumOff val="50000"/>
+              <a:alpha val="25000"/>
+            </a:schemeClr>
+          </a:solidFill>
+        </p:spPr>
+        <p:txBody>
+          <a:bodyPr wrap="square" rtlCol="0">
+            <a:spAutoFit/>
+          </a:bodyPr>
+          <a:lstStyle/>
+          <a:p>
+            <a:endParaRPr lang="de-DE" sz="1100" dirty="0"/>
+          </a:p>
+        </p:txBody>
+      </p:sp>
+    </p:spTree>
+    <p:extLst>
+      <p:ext uri="{BB962C8B-B14F-4D97-AF65-F5344CB8AC3E}">
+        <p14:creationId xmlns:p14="http://schemas.microsoft.com/office/powerpoint/2010/main" val="2353907847"/>
+      </p:ext>
+    </p:extLst>
+  </p:cSld>
+  <p:clrMapOvr>
+    <a:masterClrMapping/>
+  </p:clrMapOvr>
+  <p:timing>
+    <p:tnLst>
+      <p:par>
+        <p:cTn id="1" dur="indefinite" restart="never" nodeType="tmRoot">
+          <p:childTnLst>
+            <p:seq concurrent="1" nextAc="seek">
+              <p:cTn id="2" dur="indefinite" nodeType="mainSeq">
+                <p:childTnLst>
+                  <p:par>
+                    <p:cTn id="3" fill="hold">
+                      <p:stCondLst>
+                        <p:cond delay="indefinite"/>
+                      </p:stCondLst>
+                      <p:childTnLst>
+                        <p:par>
+                          <p:cTn id="4" fill="hold">
+                            <p:stCondLst>
+                              <p:cond delay="0"/>
+                            </p:stCondLst>
+                            <p:childTnLst>
+                              <p:par>
+                                <p:cTn id="5" presetID="1" presetClass="entr" presetSubtype="0" fill="hold" grpId="0" nodeType="clickEffect">
+                                  <p:stCondLst>
+                                    <p:cond delay="0"/>
+                                  </p:stCondLst>
+                                  <p:childTnLst>
+                                    <p:set>
+                                      <p:cBhvr>
+                                        <p:cTn id="6" dur="1" fill="hold">
+                                          <p:stCondLst>
+                                            <p:cond delay="0"/>
+                                          </p:stCondLst>
+                                        </p:cTn>
+                                        <p:tgtEl>
+                                          <p:spTgt spid="11"/>
+                                        </p:tgtEl>
+                                        <p:attrNameLst>
+                                          <p:attrName>style.visibility</p:attrName>
+                                        </p:attrNameLst>
+                                      </p:cBhvr>
+                                      <p:to>
+                                        <p:strVal val="visible"/>
+                                      </p:to>
+                                    </p:set>
+                                  </p:childTnLst>
+                                </p:cTn>
+                              </p:par>
+                              <p:par>
+                                <p:cTn id="7" presetID="1" presetClass="entr" presetSubtype="0" fill="hold" grpId="0" nodeType="withEffect">
+                                  <p:stCondLst>
+                                    <p:cond delay="0"/>
+                                  </p:stCondLst>
+                                  <p:childTnLst>
+                                    <p:set>
+                                      <p:cBhvr>
+                                        <p:cTn id="8" dur="1" fill="hold">
+                                          <p:stCondLst>
+                                            <p:cond delay="0"/>
+                                          </p:stCondLst>
+                                        </p:cTn>
+                                        <p:tgtEl>
+                                          <p:spTgt spid="10"/>
+                                        </p:tgtEl>
+                                        <p:attrNameLst>
+                                          <p:attrName>style.visibility</p:attrName>
+                                        </p:attrNameLst>
+                                      </p:cBhvr>
+                                      <p:to>
+                                        <p:strVal val="visible"/>
+                                      </p:to>
+                                    </p:set>
+                                  </p:childTnLst>
+                                </p:cTn>
+                              </p:par>
+                            </p:childTnLst>
+                          </p:cTn>
+                        </p:par>
+                      </p:childTnLst>
+                    </p:cTn>
+                  </p:par>
+                </p:childTnLst>
+              </p:cTn>
+              <p:prevCondLst>
+                <p:cond evt="onPrev" delay="0">
+                  <p:tgtEl>
+                    <p:sldTgt/>
+                  </p:tgtEl>
+                </p:cond>
+              </p:prevCondLst>
+              <p:nextCondLst>
+                <p:cond evt="onNext" delay="0">
+                  <p:tgtEl>
+                    <p:sldTgt/>
+                  </p:tgtEl>
+                </p:cond>
+              </p:nextCondLst>
+            </p:seq>
+          </p:childTnLst>
+        </p:cTn>
+      </p:par>
+    </p:tnLst>
+    <p:bldLst>
+      <p:bldP spid="10" grpId="0" animBg="1"/>
+      <p:bldP spid="11" grpId="0" animBg="1"/>
+    </p:bldLst>
+  </p:timing>
+</p:sld>
+</file>
+
+<file path=ppt/slides/slide34.xml><?xml version="1.0" encoding="utf-8"?>
+<p:sld xmlns:a="http://schemas.openxmlformats.org/drawingml/2006/main" xmlns:r="http://schemas.openxmlformats.org/officeDocument/2006/relationships" xmlns:p="http://schemas.openxmlformats.org/presentationml/2006/main">
+  <p:cSld>
+    <p:spTree>
+      <p:nvGrpSpPr>
+        <p:cNvPr id="1" name=""/>
+        <p:cNvGrpSpPr/>
+        <p:nvPr/>
+      </p:nvGrpSpPr>
+      <p:grpSpPr>
+        <a:xfrm>
+          <a:off x="0" y="0"/>
+          <a:ext cx="0" cy="0"/>
+          <a:chOff x="0" y="0"/>
+          <a:chExt cx="0" cy="0"/>
+        </a:xfrm>
+      </p:grpSpPr>
+      <p:sp>
+        <p:nvSpPr>
+          <p:cNvPr id="4" name="Title 3"/>
+          <p:cNvSpPr>
+            <a:spLocks noGrp="1"/>
+          </p:cNvSpPr>
+          <p:nvPr>
+            <p:ph type="title"/>
+          </p:nvPr>
+        </p:nvSpPr>
+        <p:spPr>
+          <a:xfrm>
+            <a:off x="1457324" y="342900"/>
+            <a:ext cx="10058401" cy="1514476"/>
+          </a:xfrm>
+        </p:spPr>
+        <p:txBody>
+          <a:bodyPr>
+            <a:normAutofit/>
+          </a:bodyPr>
+          <a:lstStyle/>
+          <a:p>
+            <a:pPr algn="l"/>
+            <a:r>
+              <a:rPr lang="en-GB" dirty="0"/>
+              <a:t>Exercise: Fibonacci I</a:t>
+            </a:r>
+            <a:endParaRPr lang="de-DE" dirty="0"/>
+          </a:p>
+        </p:txBody>
+      </p:sp>
+      <p:sp>
+        <p:nvSpPr>
+          <p:cNvPr id="5" name="Text Placeholder 4"/>
+          <p:cNvSpPr>
+            <a:spLocks noGrp="1"/>
+          </p:cNvSpPr>
+          <p:nvPr>
+            <p:ph type="body" idx="1"/>
+          </p:nvPr>
+        </p:nvSpPr>
+        <p:spPr>
+          <a:xfrm>
+            <a:off x="1457325" y="1981200"/>
+            <a:ext cx="8920671" cy="3378452"/>
+          </a:xfrm>
+        </p:spPr>
+        <p:txBody>
+          <a:bodyPr>
+            <a:normAutofit/>
+          </a:bodyPr>
+          <a:lstStyle/>
+          <a:p>
+            <a:pPr marL="342900" indent="-342900" algn="l">
+              <a:buFont typeface="Wingdings" panose="05000000000000000000" pitchFamily="2" charset="2"/>
+              <a:buChar char="§"/>
+            </a:pPr>
+            <a:r>
+              <a:rPr lang="en-GB" dirty="0">
+                <a:solidFill>
+                  <a:schemeClr val="bg1"/>
+                </a:solidFill>
+              </a:rPr>
+              <a:t>Write a recursive Fibonacci function</a:t>
+            </a:r>
+          </a:p>
+          <a:p>
+            <a:pPr marL="342900" indent="-342900" algn="l">
+              <a:buFont typeface="Wingdings" panose="05000000000000000000" pitchFamily="2" charset="2"/>
+              <a:buChar char="§"/>
+            </a:pPr>
+            <a:r>
+              <a:rPr lang="en-GB" dirty="0">
+                <a:solidFill>
+                  <a:schemeClr val="bg1"/>
+                </a:solidFill>
+              </a:rPr>
+              <a:t>Typed!</a:t>
+            </a:r>
+          </a:p>
+          <a:p>
+            <a:pPr marL="342900" indent="-342900" algn="l">
+              <a:buFont typeface="Wingdings" panose="05000000000000000000" pitchFamily="2" charset="2"/>
+              <a:buChar char="§"/>
+            </a:pPr>
+            <a:r>
+              <a:rPr lang="en-GB" dirty="0">
+                <a:solidFill>
+                  <a:schemeClr val="bg1"/>
+                </a:solidFill>
+              </a:rPr>
+              <a:t>Extra challenge: Make it tail recursive</a:t>
+            </a:r>
+            <a:endParaRPr lang="de-DE" dirty="0">
+              <a:solidFill>
+                <a:schemeClr val="bg1"/>
+              </a:solidFill>
+            </a:endParaRPr>
+          </a:p>
+          <a:p>
+            <a:pPr marL="342900" indent="-342900" algn="l">
+              <a:buFont typeface="Wingdings" panose="05000000000000000000" pitchFamily="2" charset="2"/>
+              <a:buChar char="§"/>
+            </a:pPr>
+            <a:endParaRPr lang="de-DE" dirty="0">
+              <a:solidFill>
+                <a:schemeClr val="bg1"/>
+              </a:solidFill>
+            </a:endParaRPr>
+          </a:p>
+        </p:txBody>
+      </p:sp>
+    </p:spTree>
+    <p:extLst>
+      <p:ext uri="{BB962C8B-B14F-4D97-AF65-F5344CB8AC3E}">
+        <p14:creationId xmlns:p14="http://schemas.microsoft.com/office/powerpoint/2010/main" val="4154428956"/>
+      </p:ext>
+    </p:extLst>
+  </p:cSld>
+  <p:clrMapOvr>
+    <a:masterClrMapping/>
+  </p:clrMapOvr>
+</p:sld>
+</file>
+
+<file path=ppt/slides/slide35.xml><?xml version="1.0" encoding="utf-8"?>
+<p:sld xmlns:a="http://schemas.openxmlformats.org/drawingml/2006/main" xmlns:r="http://schemas.openxmlformats.org/officeDocument/2006/relationships" xmlns:p="http://schemas.openxmlformats.org/presentationml/2006/main">
+  <p:cSld>
+    <p:spTree>
+      <p:nvGrpSpPr>
+        <p:cNvPr id="1" name=""/>
+        <p:cNvGrpSpPr/>
+        <p:nvPr/>
+      </p:nvGrpSpPr>
+      <p:grpSpPr>
+        <a:xfrm>
+          <a:off x="0" y="0"/>
+          <a:ext cx="0" cy="0"/>
+          <a:chOff x="0" y="0"/>
+          <a:chExt cx="0" cy="0"/>
+        </a:xfrm>
+      </p:grpSpPr>
+      <p:sp>
+        <p:nvSpPr>
+          <p:cNvPr id="2" name="Title 1"/>
+          <p:cNvSpPr>
+            <a:spLocks noGrp="1"/>
+          </p:cNvSpPr>
+          <p:nvPr>
+            <p:ph type="title"/>
+          </p:nvPr>
+        </p:nvSpPr>
+        <p:spPr/>
+        <p:txBody>
+          <a:bodyPr/>
+          <a:lstStyle/>
+          <a:p>
+            <a:r>
+              <a:rPr lang="en-GB" dirty="0"/>
+              <a:t>Exercise: Fibonacci I</a:t>
+            </a:r>
+            <a:endParaRPr lang="de-DE" dirty="0"/>
+          </a:p>
+        </p:txBody>
+      </p:sp>
+      <p:pic>
+        <p:nvPicPr>
+          <p:cNvPr id="4" name="Picture 3"/>
+          <p:cNvPicPr>
+            <a:picLocks noChangeAspect="1"/>
+          </p:cNvPicPr>
+          <p:nvPr/>
+        </p:nvPicPr>
+        <p:blipFill>
+          <a:blip r:embed="rId2"/>
+          <a:stretch>
+            <a:fillRect/>
+          </a:stretch>
+        </p:blipFill>
+        <p:spPr>
+          <a:xfrm>
+            <a:off x="1371600" y="2171700"/>
+            <a:ext cx="10801350" cy="324568"/>
+          </a:xfrm>
+          <a:prstGeom prst="rect">
+            <a:avLst/>
+          </a:prstGeom>
+        </p:spPr>
+      </p:pic>
+      <p:sp>
+        <p:nvSpPr>
+          <p:cNvPr id="5" name="TextBox 4"/>
+          <p:cNvSpPr txBox="1"/>
+          <p:nvPr/>
+        </p:nvSpPr>
+        <p:spPr>
+          <a:xfrm>
+            <a:off x="1371600" y="3288268"/>
+            <a:ext cx="1990724" cy="369332"/>
+          </a:xfrm>
+          <a:prstGeom prst="rect">
+            <a:avLst/>
+          </a:prstGeom>
+          <a:solidFill>
+            <a:srgbClr val="92D050">
+              <a:alpha val="25000"/>
+            </a:srgbClr>
+          </a:solidFill>
+        </p:spPr>
+        <p:txBody>
+          <a:bodyPr wrap="square" rtlCol="0">
+            <a:spAutoFit/>
+          </a:bodyPr>
+          <a:lstStyle/>
+          <a:p>
+            <a:r>
+              <a:rPr lang="en-GB" dirty="0"/>
+              <a:t>Function Body</a:t>
+            </a:r>
+            <a:endParaRPr lang="de-DE" dirty="0"/>
+          </a:p>
+        </p:txBody>
+      </p:sp>
+      <p:sp>
+        <p:nvSpPr>
+          <p:cNvPr id="6" name="TextBox 5"/>
+          <p:cNvSpPr txBox="1"/>
+          <p:nvPr/>
+        </p:nvSpPr>
+        <p:spPr>
+          <a:xfrm>
+            <a:off x="7162800" y="2126936"/>
+            <a:ext cx="5043487" cy="369332"/>
+          </a:xfrm>
+          <a:prstGeom prst="rect">
+            <a:avLst/>
+          </a:prstGeom>
+          <a:solidFill>
+            <a:srgbClr val="92D050">
+              <a:alpha val="25000"/>
+            </a:srgbClr>
+          </a:solidFill>
+        </p:spPr>
+        <p:txBody>
+          <a:bodyPr wrap="square" rtlCol="0">
+            <a:spAutoFit/>
+          </a:bodyPr>
+          <a:lstStyle/>
+          <a:p>
+            <a:endParaRPr lang="de-DE" dirty="0"/>
+          </a:p>
+        </p:txBody>
+      </p:sp>
+      <p:sp>
+        <p:nvSpPr>
+          <p:cNvPr id="7" name="TextBox 6"/>
+          <p:cNvSpPr txBox="1"/>
+          <p:nvPr/>
+        </p:nvSpPr>
+        <p:spPr>
+          <a:xfrm>
+            <a:off x="1371600" y="2805930"/>
+            <a:ext cx="1484722" cy="369332"/>
+          </a:xfrm>
+          <a:prstGeom prst="rect">
+            <a:avLst/>
+          </a:prstGeom>
+          <a:solidFill>
+            <a:srgbClr val="FFFF00">
+              <a:alpha val="25000"/>
+            </a:srgbClr>
+          </a:solidFill>
+        </p:spPr>
+        <p:txBody>
+          <a:bodyPr wrap="square" rtlCol="0">
+            <a:spAutoFit/>
+          </a:bodyPr>
+          <a:lstStyle/>
+          <a:p>
+            <a:r>
+              <a:rPr lang="en-GB" dirty="0"/>
+              <a:t>Parameters</a:t>
+            </a:r>
+            <a:endParaRPr lang="de-DE" dirty="0"/>
+          </a:p>
+        </p:txBody>
+      </p:sp>
+      <p:sp>
+        <p:nvSpPr>
+          <p:cNvPr id="8" name="TextBox 7"/>
+          <p:cNvSpPr txBox="1"/>
+          <p:nvPr/>
+        </p:nvSpPr>
+        <p:spPr>
+          <a:xfrm>
+            <a:off x="3589747" y="2126936"/>
+            <a:ext cx="3125377" cy="369332"/>
+          </a:xfrm>
+          <a:prstGeom prst="rect">
+            <a:avLst/>
+          </a:prstGeom>
+          <a:solidFill>
+            <a:srgbClr val="FFFF00">
+              <a:alpha val="25000"/>
+            </a:srgbClr>
+          </a:solidFill>
+        </p:spPr>
+        <p:txBody>
+          <a:bodyPr wrap="square" rtlCol="0">
+            <a:spAutoFit/>
+          </a:bodyPr>
+          <a:lstStyle/>
+          <a:p>
+            <a:endParaRPr lang="de-DE" dirty="0"/>
+          </a:p>
+        </p:txBody>
+      </p:sp>
+      <p:pic>
+        <p:nvPicPr>
+          <p:cNvPr id="9" name="Picture 8"/>
+          <p:cNvPicPr>
+            <a:picLocks noChangeAspect="1"/>
+          </p:cNvPicPr>
+          <p:nvPr/>
+        </p:nvPicPr>
+        <p:blipFill>
+          <a:blip r:embed="rId3"/>
+          <a:stretch>
+            <a:fillRect/>
+          </a:stretch>
+        </p:blipFill>
+        <p:spPr>
+          <a:xfrm>
+            <a:off x="1371600" y="4449600"/>
+            <a:ext cx="4990244" cy="302204"/>
+          </a:xfrm>
+          <a:prstGeom prst="rect">
+            <a:avLst/>
+          </a:prstGeom>
+        </p:spPr>
+      </p:pic>
+    </p:spTree>
+    <p:extLst>
+      <p:ext uri="{BB962C8B-B14F-4D97-AF65-F5344CB8AC3E}">
+        <p14:creationId xmlns:p14="http://schemas.microsoft.com/office/powerpoint/2010/main" val="165278132"/>
+      </p:ext>
+    </p:extLst>
+  </p:cSld>
+  <p:clrMapOvr>
+    <a:masterClrMapping/>
+  </p:clrMapOvr>
+  <p:timing>
+    <p:tnLst>
+      <p:par>
+        <p:cTn id="1" dur="indefinite" restart="never" nodeType="tmRoot">
+          <p:childTnLst>
+            <p:seq concurrent="1" nextAc="seek">
+              <p:cTn id="2" dur="indefinite" nodeType="mainSeq">
+                <p:childTnLst>
+                  <p:par>
+                    <p:cTn id="3" fill="hold">
+                      <p:stCondLst>
+                        <p:cond delay="indefinite"/>
+                      </p:stCondLst>
+                      <p:childTnLst>
+                        <p:par>
+                          <p:cTn id="4" fill="hold">
+                            <p:stCondLst>
+                              <p:cond delay="0"/>
+                            </p:stCondLst>
+                            <p:childTnLst>
+                              <p:par>
+                                <p:cTn id="5" presetID="1" presetClass="entr" presetSubtype="0" fill="hold" nodeType="clickEffect">
+                                  <p:stCondLst>
+                                    <p:cond delay="0"/>
+                                  </p:stCondLst>
+                                  <p:childTnLst>
+                                    <p:set>
+                                      <p:cBhvr>
+                                        <p:cTn id="6" dur="1" fill="hold">
+                                          <p:stCondLst>
+                                            <p:cond delay="0"/>
+                                          </p:stCondLst>
+                                        </p:cTn>
+                                        <p:tgtEl>
+                                          <p:spTgt spid="4"/>
+                                        </p:tgtEl>
+                                        <p:attrNameLst>
+                                          <p:attrName>style.visibility</p:attrName>
+                                        </p:attrNameLst>
+                                      </p:cBhvr>
+                                      <p:to>
+                                        <p:strVal val="visible"/>
+                                      </p:to>
+                                    </p:set>
+                                  </p:childTnLst>
+                                </p:cTn>
+                              </p:par>
+                            </p:childTnLst>
+                          </p:cTn>
+                        </p:par>
+                      </p:childTnLst>
+                    </p:cTn>
+                  </p:par>
+                  <p:par>
+                    <p:cTn id="7" fill="hold">
+                      <p:stCondLst>
+                        <p:cond delay="indefinite"/>
+                      </p:stCondLst>
+                      <p:childTnLst>
+                        <p:par>
+                          <p:cTn id="8" fill="hold">
+                            <p:stCondLst>
+                              <p:cond delay="0"/>
+                            </p:stCondLst>
+                            <p:childTnLst>
+                              <p:par>
+                                <p:cTn id="9" presetID="1" presetClass="entr" presetSubtype="0" fill="hold" grpId="0" nodeType="clickEffect">
+                                  <p:stCondLst>
+                                    <p:cond delay="0"/>
+                                  </p:stCondLst>
+                                  <p:childTnLst>
+                                    <p:set>
+                                      <p:cBhvr>
+                                        <p:cTn id="10" dur="1" fill="hold">
+                                          <p:stCondLst>
+                                            <p:cond delay="0"/>
+                                          </p:stCondLst>
+                                        </p:cTn>
+                                        <p:tgtEl>
+                                          <p:spTgt spid="5"/>
+                                        </p:tgtEl>
+                                        <p:attrNameLst>
+                                          <p:attrName>style.visibility</p:attrName>
+                                        </p:attrNameLst>
+                                      </p:cBhvr>
+                                      <p:to>
+                                        <p:strVal val="visible"/>
+                                      </p:to>
+                                    </p:set>
+                                  </p:childTnLst>
+                                </p:cTn>
+                              </p:par>
+                              <p:par>
+                                <p:cTn id="11" presetID="1" presetClass="entr" presetSubtype="0" fill="hold" grpId="0" nodeType="withEffect">
+                                  <p:stCondLst>
+                                    <p:cond delay="0"/>
+                                  </p:stCondLst>
+                                  <p:childTnLst>
+                                    <p:set>
+                                      <p:cBhvr>
+                                        <p:cTn id="12" dur="1" fill="hold">
+                                          <p:stCondLst>
+                                            <p:cond delay="0"/>
+                                          </p:stCondLst>
+                                        </p:cTn>
+                                        <p:tgtEl>
+                                          <p:spTgt spid="6"/>
+                                        </p:tgtEl>
+                                        <p:attrNameLst>
+                                          <p:attrName>style.visibility</p:attrName>
+                                        </p:attrNameLst>
+                                      </p:cBhvr>
+                                      <p:to>
+                                        <p:strVal val="visible"/>
+                                      </p:to>
+                                    </p:set>
+                                  </p:childTnLst>
+                                </p:cTn>
+                              </p:par>
+                              <p:par>
+                                <p:cTn id="13" presetID="1" presetClass="entr" presetSubtype="0" fill="hold" grpId="0" nodeType="withEffect">
+                                  <p:stCondLst>
+                                    <p:cond delay="0"/>
+                                  </p:stCondLst>
+                                  <p:childTnLst>
+                                    <p:set>
+                                      <p:cBhvr>
+                                        <p:cTn id="14" dur="1" fill="hold">
+                                          <p:stCondLst>
+                                            <p:cond delay="0"/>
+                                          </p:stCondLst>
+                                        </p:cTn>
+                                        <p:tgtEl>
+                                          <p:spTgt spid="7"/>
+                                        </p:tgtEl>
+                                        <p:attrNameLst>
+                                          <p:attrName>style.visibility</p:attrName>
+                                        </p:attrNameLst>
+                                      </p:cBhvr>
+                                      <p:to>
+                                        <p:strVal val="visible"/>
+                                      </p:to>
+                                    </p:set>
+                                  </p:childTnLst>
+                                </p:cTn>
+                              </p:par>
+                              <p:par>
+                                <p:cTn id="15" presetID="1" presetClass="entr" presetSubtype="0" fill="hold" grpId="0" nodeType="withEffect">
+                                  <p:stCondLst>
+                                    <p:cond delay="0"/>
+                                  </p:stCondLst>
+                                  <p:childTnLst>
+                                    <p:set>
+                                      <p:cBhvr>
+                                        <p:cTn id="16" dur="1" fill="hold">
+                                          <p:stCondLst>
+                                            <p:cond delay="0"/>
+                                          </p:stCondLst>
+                                        </p:cTn>
+                                        <p:tgtEl>
+                                          <p:spTgt spid="8"/>
+                                        </p:tgtEl>
+                                        <p:attrNameLst>
+                                          <p:attrName>style.visibility</p:attrName>
+                                        </p:attrNameLst>
+                                      </p:cBhvr>
+                                      <p:to>
+                                        <p:strVal val="visible"/>
+                                      </p:to>
+                                    </p:set>
+                                  </p:childTnLst>
+                                </p:cTn>
+                              </p:par>
+                            </p:childTnLst>
+                          </p:cTn>
+                        </p:par>
+                      </p:childTnLst>
+                    </p:cTn>
+                  </p:par>
+                  <p:par>
+                    <p:cTn id="17" fill="hold">
+                      <p:stCondLst>
+                        <p:cond delay="indefinite"/>
+                      </p:stCondLst>
+                      <p:childTnLst>
+                        <p:par>
+                          <p:cTn id="18" fill="hold">
+                            <p:stCondLst>
+                              <p:cond delay="0"/>
+                            </p:stCondLst>
+                            <p:childTnLst>
+                              <p:par>
+                                <p:cTn id="19" presetID="1" presetClass="entr" presetSubtype="0" fill="hold" nodeType="clickEffect">
+                                  <p:stCondLst>
+                                    <p:cond delay="0"/>
+                                  </p:stCondLst>
+                                  <p:childTnLst>
+                                    <p:set>
+                                      <p:cBhvr>
+                                        <p:cTn id="20" dur="1" fill="hold">
+                                          <p:stCondLst>
+                                            <p:cond delay="0"/>
+                                          </p:stCondLst>
+                                        </p:cTn>
+                                        <p:tgtEl>
+                                          <p:spTgt spid="9"/>
+                                        </p:tgtEl>
+                                        <p:attrNameLst>
+                                          <p:attrName>style.visibility</p:attrName>
+                                        </p:attrNameLst>
+                                      </p:cBhvr>
+                                      <p:to>
+                                        <p:strVal val="visible"/>
+                                      </p:to>
+                                    </p:set>
+                                  </p:childTnLst>
+                                </p:cTn>
+                              </p:par>
+                            </p:childTnLst>
+                          </p:cTn>
+                        </p:par>
+                      </p:childTnLst>
+                    </p:cTn>
+                  </p:par>
+                </p:childTnLst>
+              </p:cTn>
+              <p:prevCondLst>
+                <p:cond evt="onPrev" delay="0">
+                  <p:tgtEl>
+                    <p:sldTgt/>
+                  </p:tgtEl>
+                </p:cond>
+              </p:prevCondLst>
+              <p:nextCondLst>
+                <p:cond evt="onNext" delay="0">
+                  <p:tgtEl>
+                    <p:sldTgt/>
+                  </p:tgtEl>
+                </p:cond>
+              </p:nextCondLst>
+            </p:seq>
+          </p:childTnLst>
+        </p:cTn>
+      </p:par>
+    </p:tnLst>
+    <p:bldLst>
+      <p:bldP spid="5" grpId="0" animBg="1"/>
+      <p:bldP spid="6" grpId="0" animBg="1"/>
+      <p:bldP spid="7" grpId="0" animBg="1"/>
+      <p:bldP spid="8" grpId="0" animBg="1"/>
+    </p:bldLst>
+  </p:timing>
+</p:sld>
+</file>
+
+<file path=ppt/slides/slide36.xml><?xml version="1.0" encoding="utf-8"?>
+<p:sld xmlns:a="http://schemas.openxmlformats.org/drawingml/2006/main" xmlns:r="http://schemas.openxmlformats.org/officeDocument/2006/relationships" xmlns:p="http://schemas.openxmlformats.org/presentationml/2006/main">
+  <p:cSld>
+    <p:spTree>
+      <p:nvGrpSpPr>
+        <p:cNvPr id="1" name=""/>
+        <p:cNvGrpSpPr/>
+        <p:nvPr/>
+      </p:nvGrpSpPr>
+      <p:grpSpPr>
+        <a:xfrm>
+          <a:off x="0" y="0"/>
+          <a:ext cx="0" cy="0"/>
+          <a:chOff x="0" y="0"/>
+          <a:chExt cx="0" cy="0"/>
+        </a:xfrm>
+      </p:grpSpPr>
+      <p:sp>
+        <p:nvSpPr>
+          <p:cNvPr id="2" name="Title 1"/>
+          <p:cNvSpPr>
+            <a:spLocks noGrp="1"/>
+          </p:cNvSpPr>
+          <p:nvPr>
+            <p:ph type="title"/>
+          </p:nvPr>
+        </p:nvSpPr>
+        <p:spPr/>
+        <p:txBody>
+          <a:bodyPr/>
+          <a:lstStyle/>
+          <a:p>
+            <a:r>
+              <a:rPr lang="en-GB" dirty="0"/>
+              <a:t>Lazy Generators (ES6 only!)</a:t>
+            </a:r>
+            <a:endParaRPr lang="de-DE" dirty="0"/>
+          </a:p>
+        </p:txBody>
+      </p:sp>
+      <p:pic>
+        <p:nvPicPr>
+          <p:cNvPr id="6" name="Content Placeholder 5"/>
+          <p:cNvPicPr>
+            <a:picLocks noGrp="1" noChangeAspect="1"/>
+          </p:cNvPicPr>
+          <p:nvPr>
+            <p:ph idx="1"/>
+          </p:nvPr>
+        </p:nvPicPr>
+        <p:blipFill>
+          <a:blip r:embed="rId2"/>
+          <a:stretch>
+            <a:fillRect/>
+          </a:stretch>
+        </p:blipFill>
+        <p:spPr>
+          <a:xfrm>
+            <a:off x="1371600" y="2171700"/>
+            <a:ext cx="8497486" cy="3524742"/>
+          </a:xfrm>
+          <a:prstGeom prst="rect">
+            <a:avLst/>
+          </a:prstGeom>
+        </p:spPr>
+      </p:pic>
+    </p:spTree>
+    <p:extLst>
+      <p:ext uri="{BB962C8B-B14F-4D97-AF65-F5344CB8AC3E}">
+        <p14:creationId xmlns:p14="http://schemas.microsoft.com/office/powerpoint/2010/main" val="1325353720"/>
+      </p:ext>
+    </p:extLst>
+  </p:cSld>
+  <p:clrMapOvr>
+    <a:masterClrMapping/>
+  </p:clrMapOvr>
+</p:sld>
+</file>
+
+<file path=ppt/slides/slide37.xml><?xml version="1.0" encoding="utf-8"?>
+<p:sld xmlns:a="http://schemas.openxmlformats.org/drawingml/2006/main" xmlns:r="http://schemas.openxmlformats.org/officeDocument/2006/relationships" xmlns:p="http://schemas.openxmlformats.org/presentationml/2006/main">
+  <p:cSld>
+    <p:spTree>
+      <p:nvGrpSpPr>
+        <p:cNvPr id="1" name=""/>
+        <p:cNvGrpSpPr/>
+        <p:nvPr/>
+      </p:nvGrpSpPr>
+      <p:grpSpPr>
+        <a:xfrm>
+          <a:off x="0" y="0"/>
+          <a:ext cx="0" cy="0"/>
+          <a:chOff x="0" y="0"/>
+          <a:chExt cx="0" cy="0"/>
+        </a:xfrm>
+      </p:grpSpPr>
+      <p:sp>
+        <p:nvSpPr>
+          <p:cNvPr id="4" name="Title 3"/>
+          <p:cNvSpPr>
+            <a:spLocks noGrp="1"/>
+          </p:cNvSpPr>
+          <p:nvPr>
+            <p:ph type="title"/>
+          </p:nvPr>
+        </p:nvSpPr>
+        <p:spPr>
+          <a:xfrm>
+            <a:off x="1457324" y="342900"/>
+            <a:ext cx="9515476" cy="1514476"/>
+          </a:xfrm>
+        </p:spPr>
+        <p:txBody>
+          <a:bodyPr>
+            <a:normAutofit/>
+          </a:bodyPr>
+          <a:lstStyle/>
+          <a:p>
+            <a:pPr algn="l"/>
+            <a:r>
+              <a:rPr lang="en-GB" dirty="0"/>
+              <a:t>Exercise: Fibonacci II</a:t>
+            </a:r>
+            <a:endParaRPr lang="de-DE" dirty="0"/>
+          </a:p>
+        </p:txBody>
+      </p:sp>
+      <p:sp>
+        <p:nvSpPr>
+          <p:cNvPr id="5" name="Text Placeholder 4"/>
+          <p:cNvSpPr>
+            <a:spLocks noGrp="1"/>
+          </p:cNvSpPr>
+          <p:nvPr>
+            <p:ph type="body" idx="1"/>
+          </p:nvPr>
+        </p:nvSpPr>
+        <p:spPr>
+          <a:xfrm>
+            <a:off x="1457325" y="1981200"/>
+            <a:ext cx="8920671" cy="3378452"/>
+          </a:xfrm>
+        </p:spPr>
+        <p:txBody>
+          <a:bodyPr>
+            <a:normAutofit/>
+          </a:bodyPr>
+          <a:lstStyle/>
+          <a:p>
+            <a:pPr marL="342900" indent="-342900" algn="l">
+              <a:buFont typeface="Wingdings" panose="05000000000000000000" pitchFamily="2" charset="2"/>
+              <a:buChar char="§"/>
+            </a:pPr>
+            <a:r>
+              <a:rPr lang="en-GB" dirty="0">
+                <a:solidFill>
+                  <a:schemeClr val="bg1"/>
+                </a:solidFill>
+              </a:rPr>
+              <a:t>Write a Fibonacci generator</a:t>
+            </a:r>
+            <a:endParaRPr lang="de-DE" dirty="0">
+              <a:solidFill>
+                <a:schemeClr val="bg1"/>
+              </a:solidFill>
+            </a:endParaRPr>
+          </a:p>
+        </p:txBody>
+      </p:sp>
+    </p:spTree>
+    <p:extLst>
+      <p:ext uri="{BB962C8B-B14F-4D97-AF65-F5344CB8AC3E}">
+        <p14:creationId xmlns:p14="http://schemas.microsoft.com/office/powerpoint/2010/main" val="1476563899"/>
+      </p:ext>
+    </p:extLst>
+  </p:cSld>
+  <p:clrMapOvr>
+    <a:masterClrMapping/>
+  </p:clrMapOvr>
+</p:sld>
+</file>
+
+<file path=ppt/slides/slide38.xml><?xml version="1.0" encoding="utf-8"?>
+<p:sld xmlns:a="http://schemas.openxmlformats.org/drawingml/2006/main" xmlns:r="http://schemas.openxmlformats.org/officeDocument/2006/relationships" xmlns:p="http://schemas.openxmlformats.org/presentationml/2006/main">
+  <p:cSld>
+    <p:spTree>
+      <p:nvGrpSpPr>
+        <p:cNvPr id="1" name=""/>
+        <p:cNvGrpSpPr/>
+        <p:nvPr/>
+      </p:nvGrpSpPr>
+      <p:grpSpPr>
+        <a:xfrm>
+          <a:off x="0" y="0"/>
+          <a:ext cx="0" cy="0"/>
+          <a:chOff x="0" y="0"/>
+          <a:chExt cx="0" cy="0"/>
+        </a:xfrm>
+      </p:grpSpPr>
+      <p:sp>
+        <p:nvSpPr>
+          <p:cNvPr id="2" name="Title 1"/>
+          <p:cNvSpPr>
+            <a:spLocks noGrp="1"/>
+          </p:cNvSpPr>
+          <p:nvPr>
+            <p:ph type="title"/>
+          </p:nvPr>
+        </p:nvSpPr>
+        <p:spPr/>
+        <p:txBody>
+          <a:bodyPr/>
+          <a:lstStyle/>
+          <a:p>
+            <a:r>
+              <a:rPr lang="en-GB" dirty="0"/>
+              <a:t>Exercise: Fibonacci II</a:t>
+            </a:r>
+            <a:endParaRPr lang="de-DE" dirty="0"/>
+          </a:p>
+        </p:txBody>
+      </p:sp>
+      <p:pic>
+        <p:nvPicPr>
+          <p:cNvPr id="15" name="Content Placeholder 14"/>
+          <p:cNvPicPr>
+            <a:picLocks noGrp="1" noChangeAspect="1"/>
+          </p:cNvPicPr>
+          <p:nvPr>
+            <p:ph idx="1"/>
+          </p:nvPr>
+        </p:nvPicPr>
+        <p:blipFill>
+          <a:blip r:embed="rId2"/>
+          <a:stretch>
+            <a:fillRect/>
+          </a:stretch>
+        </p:blipFill>
+        <p:spPr>
+          <a:xfrm>
+            <a:off x="1371600" y="2171700"/>
+            <a:ext cx="9601200" cy="3000924"/>
+          </a:xfrm>
+          <a:prstGeom prst="rect">
+            <a:avLst/>
+          </a:prstGeom>
+        </p:spPr>
+      </p:pic>
+    </p:spTree>
+    <p:extLst>
+      <p:ext uri="{BB962C8B-B14F-4D97-AF65-F5344CB8AC3E}">
+        <p14:creationId xmlns:p14="http://schemas.microsoft.com/office/powerpoint/2010/main" val="2930773693"/>
+      </p:ext>
+    </p:extLst>
+  </p:cSld>
+  <p:clrMapOvr>
+    <a:masterClrMapping/>
+  </p:clrMapOvr>
+  <p:timing>
+    <p:tnLst>
+      <p:par>
+        <p:cTn id="1" dur="indefinite" restart="never" nodeType="tmRoot">
+          <p:childTnLst>
+            <p:seq concurrent="1" nextAc="seek">
+              <p:cTn id="2" dur="indefinite" nodeType="mainSeq">
+                <p:childTnLst>
+                  <p:par>
+                    <p:cTn id="3" fill="hold">
+                      <p:stCondLst>
+                        <p:cond delay="indefinite"/>
+                      </p:stCondLst>
+                      <p:childTnLst>
+                        <p:par>
+                          <p:cTn id="4" fill="hold">
+                            <p:stCondLst>
+                              <p:cond delay="0"/>
+                            </p:stCondLst>
+                            <p:childTnLst>
+                              <p:par>
+                                <p:cTn id="5" presetID="1" presetClass="entr" presetSubtype="0" fill="hold" nodeType="clickEffect">
+                                  <p:stCondLst>
+                                    <p:cond delay="0"/>
+                                  </p:stCondLst>
+                                  <p:childTnLst>
+                                    <p:set>
+                                      <p:cBhvr>
+                                        <p:cTn id="6" dur="1" fill="hold">
+                                          <p:stCondLst>
+                                            <p:cond delay="0"/>
+                                          </p:stCondLst>
+                                        </p:cTn>
+                                        <p:tgtEl>
+                                          <p:spTgt spid="15"/>
+                                        </p:tgtEl>
+                                        <p:attrNameLst>
+                                          <p:attrName>style.visibility</p:attrName>
+                                        </p:attrNameLst>
+                                      </p:cBhvr>
+                                      <p:to>
+                                        <p:strVal val="visible"/>
+                                      </p:to>
+                                    </p:set>
+                                  </p:childTnLst>
+                                </p:cTn>
+                              </p:par>
+                            </p:childTnLst>
+                          </p:cTn>
+                        </p:par>
+                      </p:childTnLst>
+                    </p:cTn>
+                  </p:par>
+                </p:childTnLst>
+              </p:cTn>
+              <p:prevCondLst>
+                <p:cond evt="onPrev" delay="0">
+                  <p:tgtEl>
+                    <p:sldTgt/>
+                  </p:tgtEl>
+                </p:cond>
+              </p:prevCondLst>
+              <p:nextCondLst>
+                <p:cond evt="onNext" delay="0">
+                  <p:tgtEl>
+                    <p:sldTgt/>
+                  </p:tgtEl>
+                </p:cond>
+              </p:nextCondLst>
+            </p:seq>
+          </p:childTnLst>
+        </p:cTn>
+      </p:par>
+    </p:tnLst>
+  </p:timing>
+</p:sld>
+</file>
+
+<file path=ppt/slides/slide39.xml><?xml version="1.0" encoding="utf-8"?>
+<p:sld xmlns:a="http://schemas.openxmlformats.org/drawingml/2006/main" xmlns:r="http://schemas.openxmlformats.org/officeDocument/2006/relationships" xmlns:p="http://schemas.openxmlformats.org/presentationml/2006/main">
+  <p:cSld>
+    <p:spTree>
+      <p:nvGrpSpPr>
+        <p:cNvPr id="1" name=""/>
+        <p:cNvGrpSpPr/>
+        <p:nvPr/>
+      </p:nvGrpSpPr>
+      <p:grpSpPr>
+        <a:xfrm>
+          <a:off x="0" y="0"/>
+          <a:ext cx="0" cy="0"/>
+          <a:chOff x="0" y="0"/>
+          <a:chExt cx="0" cy="0"/>
+        </a:xfrm>
+      </p:grpSpPr>
+      <p:sp>
+        <p:nvSpPr>
+          <p:cNvPr id="2" name="Title 1"/>
+          <p:cNvSpPr>
+            <a:spLocks noGrp="1"/>
+          </p:cNvSpPr>
+          <p:nvPr>
+            <p:ph type="title"/>
+          </p:nvPr>
+        </p:nvSpPr>
+        <p:spPr/>
+        <p:txBody>
+          <a:bodyPr/>
+          <a:lstStyle/>
+          <a:p>
+            <a:r>
+              <a:rPr lang="en-GB" dirty="0"/>
+              <a:t>Arrays</a:t>
+            </a:r>
+            <a:endParaRPr lang="de-DE" dirty="0"/>
+          </a:p>
+        </p:txBody>
+      </p:sp>
+      <mc:AlternateContent xmlns:mc="http://schemas.openxmlformats.org/markup-compatibility/2006">
+        <mc:Choice xmlns:psuz="http://schemas.microsoft.com/office/powerpoint/2016/summaryzoom" Requires="psuz">
+          <p:graphicFrame>
+            <p:nvGraphicFramePr>
+              <p:cNvPr id="4" name="Summary Zoom 3"/>
+              <p:cNvGraphicFramePr>
+                <a:graphicFrameLocks noChangeAspect="1"/>
+              </p:cNvGraphicFramePr>
+              <p:nvPr>
+                <p:extLst>
+                  <p:ext uri="{D42A27DB-BD31-4B8C-83A1-F6EECF244321}">
+                    <p14:modId xmlns:p14="http://schemas.microsoft.com/office/powerpoint/2010/main" val="2543602497"/>
+                  </p:ext>
+                </p:extLst>
+              </p:nvPr>
+            </p:nvGraphicFramePr>
+            <p:xfrm>
+              <a:off x="1371600" y="2286000"/>
+              <a:ext cx="9601200" cy="3581400"/>
+            </p:xfrm>
+            <a:graphic>
+              <a:graphicData uri="http://schemas.microsoft.com/office/powerpoint/2016/summaryzoom">
+                <psuz:summaryZm>
+                  <psuz:gridLayout/>
+                </psuz:summaryZm>
+              </a:graphicData>
+            </a:graphic>
+          </p:graphicFrame>
+        </mc:Choice>
+        <mc:Fallback>
+          <p:grpSp>
+            <p:nvGrpSpPr>
+              <p:cNvPr id="4" name="Summary Zoom 3"/>
+              <p:cNvGrpSpPr>
+                <a:grpSpLocks noGrp="1" noUngrp="1" noRot="1" noChangeAspect="1" noMove="1" noResize="1"/>
+              </p:cNvGrpSpPr>
+              <p:nvPr/>
+            </p:nvGrpSpPr>
+            <p:grpSpPr>
+              <a:xfrm>
+                <a:off x="1371600" y="2286000"/>
+                <a:ext cx="9601200" cy="3581400"/>
+                <a:chOff x="1371600" y="2286000"/>
+                <a:chExt cx="9601200" cy="3581400"/>
+              </a:xfrm>
+            </p:grpSpPr>
+          </p:grpSp>
+        </mc:Fallback>
+      </mc:AlternateContent>
+      <mc:AlternateContent xmlns:mc="http://schemas.openxmlformats.org/markup-compatibility/2006">
+        <mc:Choice xmlns:psuz="http://schemas.microsoft.com/office/powerpoint/2016/summaryzoom" Requires="psuz">
+          <p:graphicFrame>
+            <p:nvGraphicFramePr>
+              <p:cNvPr id="6" name="Summary Zoom 5"/>
+              <p:cNvGraphicFramePr>
+                <a:graphicFrameLocks noChangeAspect="1"/>
+              </p:cNvGraphicFramePr>
+              <p:nvPr>
+                <p:extLst>
+                  <p:ext uri="{D42A27DB-BD31-4B8C-83A1-F6EECF244321}">
+                    <p14:modId xmlns:p14="http://schemas.microsoft.com/office/powerpoint/2010/main" val="2544437671"/>
+                  </p:ext>
+                </p:extLst>
+              </p:nvPr>
+            </p:nvGraphicFramePr>
+            <p:xfrm>
+              <a:off x="1524000" y="2438400"/>
+              <a:ext cx="9601200" cy="3581400"/>
+            </p:xfrm>
+            <a:graphic>
+              <a:graphicData uri="http://schemas.microsoft.com/office/powerpoint/2016/summaryzoom">
+                <psuz:summaryZm>
+                  <psuz:summaryZmObj sectionId="{53560B42-0755-411A-BE43-64585385B195}">
+                    <psuz:zmPr id="{AB19A1AA-591D-4187-99D4-102F97917EF3}" transitionDur="1000">
+                      <p166:blipFill xmlns:p166="http://schemas.microsoft.com/office/powerpoint/2016/6/main">
+                        <a:blip r:embed="rId2"/>
+                        <a:stretch>
+                          <a:fillRect/>
+                        </a:stretch>
+                      </p166:blipFill>
+                      <p166:spPr xmlns:p166="http://schemas.microsoft.com/office/powerpoint/2016/6/main">
+                        <a:xfrm>
+                          <a:off x="1881760" y="125349"/>
+                          <a:ext cx="2865119" cy="1611630"/>
+                        </a:xfrm>
+                        <a:prstGeom prst="rect">
+                          <a:avLst/>
+                        </a:prstGeom>
+                        <a:ln w="3175">
+                          <a:solidFill>
+                            <a:prstClr val="ltGray"/>
+                          </a:solidFill>
+                        </a:ln>
+                      </p166:spPr>
+                    </psuz:zmPr>
+                  </psuz:summaryZmObj>
+                  <psuz:summaryZmObj sectionId="{D9040914-A825-45D3-A1B0-0F1F7B6DAA89}">
+                    <psuz:zmPr id="{921CADEE-4E7C-4885-8ABA-8AE4388CBB01}" transitionDur="1000">
+                      <p166:blipFill xmlns:p166="http://schemas.microsoft.com/office/powerpoint/2016/6/main">
+                        <a:blip r:embed="rId3"/>
+                        <a:stretch>
+                          <a:fillRect/>
+                        </a:stretch>
+                      </p166:blipFill>
+                      <p166:spPr xmlns:p166="http://schemas.microsoft.com/office/powerpoint/2016/6/main">
+                        <a:xfrm>
+                          <a:off x="4854321" y="125349"/>
+                          <a:ext cx="2865119" cy="1611630"/>
+                        </a:xfrm>
+                        <a:prstGeom prst="rect">
+                          <a:avLst/>
+                        </a:prstGeom>
+                        <a:ln w="3175">
+                          <a:solidFill>
+                            <a:prstClr val="ltGray"/>
+                          </a:solidFill>
+                        </a:ln>
+                      </p166:spPr>
+                    </psuz:zmPr>
+                  </psuz:summaryZmObj>
+                  <psuz:summaryZmObj sectionId="{37FABDBF-9C64-496D-BE49-D1455AB6FE36}">
+                    <psuz:zmPr id="{0617311C-47D8-4946-91F0-0C916FB7A06E}" transitionDur="1000">
+                      <p166:blipFill xmlns:p166="http://schemas.microsoft.com/office/powerpoint/2016/6/main">
+                        <a:blip r:embed="rId4"/>
+                        <a:stretch>
+                          <a:fillRect/>
+                        </a:stretch>
+                      </p166:blipFill>
+                      <p166:spPr xmlns:p166="http://schemas.microsoft.com/office/powerpoint/2016/6/main">
+                        <a:xfrm>
+                          <a:off x="1881760" y="1844421"/>
+                          <a:ext cx="2865119" cy="1611630"/>
+                        </a:xfrm>
+                        <a:prstGeom prst="rect">
+                          <a:avLst/>
+                        </a:prstGeom>
+                        <a:ln w="3175">
+                          <a:solidFill>
+                            <a:prstClr val="ltGray"/>
+                          </a:solidFill>
+                        </a:ln>
+                      </p166:spPr>
+                    </psuz:zmPr>
+                  </psuz:summaryZmObj>
+                  <psuz:summaryZmObj sectionId="{5FA8F333-0FFA-49E3-B70B-F988FB93C4CF}">
+                    <psuz:zmPr id="{ED23CA34-9D93-4B5B-A1FD-5B8846D8798B}" transitionDur="1000">
+                      <p166:blipFill xmlns:p166="http://schemas.microsoft.com/office/powerpoint/2016/6/main">
+                        <a:blip r:embed="rId5"/>
+                        <a:stretch>
+                          <a:fillRect/>
+                        </a:stretch>
+                      </p166:blipFill>
+                      <p166:spPr xmlns:p166="http://schemas.microsoft.com/office/powerpoint/2016/6/main">
+                        <a:xfrm>
+                          <a:off x="4854321" y="1844421"/>
+                          <a:ext cx="2865119" cy="1611630"/>
+                        </a:xfrm>
+                        <a:prstGeom prst="rect">
+                          <a:avLst/>
+                        </a:prstGeom>
+                        <a:ln w="3175">
+                          <a:solidFill>
+                            <a:prstClr val="ltGray"/>
+                          </a:solidFill>
+                        </a:ln>
+                      </p166:spPr>
+                    </psuz:zmPr>
+                  </psuz:summaryZmObj>
+                  <psuz:gridLayout/>
+                </psuz:summaryZm>
+              </a:graphicData>
+            </a:graphic>
+          </p:graphicFrame>
+        </mc:Choice>
+        <mc:Fallback>
+          <p:grpSp>
+            <p:nvGrpSpPr>
+              <p:cNvPr id="6" name="Summary Zoom 5"/>
+              <p:cNvGrpSpPr>
+                <a:grpSpLocks noGrp="1" noUngrp="1" noRot="1" noChangeAspect="1" noMove="1" noResize="1"/>
+              </p:cNvGrpSpPr>
+              <p:nvPr/>
+            </p:nvGrpSpPr>
+            <p:grpSpPr>
+              <a:xfrm>
+                <a:off x="1524000" y="2438400"/>
+                <a:ext cx="9601200" cy="3581400"/>
+                <a:chOff x="1524000" y="2438400"/>
+                <a:chExt cx="9601200" cy="3581400"/>
+              </a:xfrm>
+            </p:grpSpPr>
+            <p:pic>
+              <p:nvPicPr>
+                <p:cNvPr id="3" name="Picture 3">
+                  <a:hlinkClick r:id="rId6" action="ppaction://hlinksldjump"/>
+                </p:cNvPr>
+                <p:cNvPicPr>
+                  <a:picLocks noSelect="1" noRot="1" noChangeAspect="1" noMove="1" noResize="1" noEditPoints="1" noAdjustHandles="1" noChangeArrowheads="1" noChangeShapeType="1"/>
+                </p:cNvPicPr>
+                <p:nvPr/>
+              </p:nvPicPr>
+              <p:blipFill>
+                <a:blip r:embed="rId2"/>
+                <a:stretch>
+                  <a:fillRect/>
+                </a:stretch>
+              </p:blipFill>
+              <p:spPr>
+                <a:xfrm>
+                  <a:off x="3405760" y="2563749"/>
+                  <a:ext cx="2865119" cy="1611630"/>
+                </a:xfrm>
+                <a:prstGeom prst="rect">
+                  <a:avLst/>
+                </a:prstGeom>
+                <a:ln w="3175">
+                  <a:solidFill>
+                    <a:prstClr val="ltGray"/>
+                  </a:solidFill>
+                </a:ln>
+              </p:spPr>
+            </p:pic>
+            <p:pic>
+              <p:nvPicPr>
+                <p:cNvPr id="5" name="Picture 5">
+                  <a:hlinkClick r:id="rId7" action="ppaction://hlinksldjump"/>
+                </p:cNvPr>
+                <p:cNvPicPr>
+                  <a:picLocks noSelect="1" noRot="1" noChangeAspect="1" noMove="1" noResize="1" noEditPoints="1" noAdjustHandles="1" noChangeArrowheads="1" noChangeShapeType="1"/>
+                </p:cNvPicPr>
+                <p:nvPr/>
+              </p:nvPicPr>
+              <p:blipFill>
+                <a:blip r:embed="rId3"/>
+                <a:stretch>
+                  <a:fillRect/>
+                </a:stretch>
+              </p:blipFill>
+              <p:spPr>
+                <a:xfrm>
+                  <a:off x="6378321" y="2563749"/>
+                  <a:ext cx="2865119" cy="1611630"/>
+                </a:xfrm>
+                <a:prstGeom prst="rect">
+                  <a:avLst/>
+                </a:prstGeom>
+                <a:ln w="3175">
+                  <a:solidFill>
+                    <a:prstClr val="ltGray"/>
+                  </a:solidFill>
+                </a:ln>
+              </p:spPr>
+            </p:pic>
+            <p:pic>
+              <p:nvPicPr>
+                <p:cNvPr id="7" name="Picture 7">
+                  <a:hlinkClick r:id="rId8" action="ppaction://hlinksldjump"/>
+                </p:cNvPr>
+                <p:cNvPicPr>
+                  <a:picLocks noSelect="1" noRot="1" noChangeAspect="1" noMove="1" noResize="1" noEditPoints="1" noAdjustHandles="1" noChangeArrowheads="1" noChangeShapeType="1"/>
+                </p:cNvPicPr>
+                <p:nvPr/>
+              </p:nvPicPr>
+              <p:blipFill>
+                <a:blip r:embed="rId4"/>
+                <a:stretch>
+                  <a:fillRect/>
+                </a:stretch>
+              </p:blipFill>
+              <p:spPr>
+                <a:xfrm>
+                  <a:off x="3405760" y="4282821"/>
+                  <a:ext cx="2865119" cy="1611630"/>
+                </a:xfrm>
+                <a:prstGeom prst="rect">
+                  <a:avLst/>
+                </a:prstGeom>
+                <a:ln w="3175">
+                  <a:solidFill>
+                    <a:prstClr val="ltGray"/>
+                  </a:solidFill>
+                </a:ln>
+              </p:spPr>
+            </p:pic>
+            <p:pic>
+              <p:nvPicPr>
+                <p:cNvPr id="8" name="Picture 8">
+                  <a:hlinkClick r:id="rId9" action="ppaction://hlinksldjump"/>
+                </p:cNvPr>
+                <p:cNvPicPr>
+                  <a:picLocks noSelect="1" noRot="1" noChangeAspect="1" noMove="1" noResize="1" noEditPoints="1" noAdjustHandles="1" noChangeArrowheads="1" noChangeShapeType="1"/>
+                </p:cNvPicPr>
+                <p:nvPr/>
+              </p:nvPicPr>
+              <p:blipFill>
+                <a:blip r:embed="rId5"/>
+                <a:stretch>
+                  <a:fillRect/>
+                </a:stretch>
+              </p:blipFill>
+              <p:spPr>
+                <a:xfrm>
+                  <a:off x="6378321" y="4282821"/>
+                  <a:ext cx="2865119" cy="1611630"/>
+                </a:xfrm>
+                <a:prstGeom prst="rect">
+                  <a:avLst/>
+                </a:prstGeom>
+                <a:ln w="3175">
+                  <a:solidFill>
+                    <a:prstClr val="ltGray"/>
+                  </a:solidFill>
+                </a:ln>
+              </p:spPr>
+            </p:pic>
+          </p:grpSp>
+        </mc:Fallback>
+      </mc:AlternateContent>
+      <p:sp>
+        <p:nvSpPr>
+          <p:cNvPr id="9" name="TextBox 8">
+            <a:hlinkClick r:id="rId10" action="ppaction://hlinksldjump"/>
+          </p:cNvPr>
+          <p:cNvSpPr txBox="1"/>
+          <p:nvPr/>
+        </p:nvSpPr>
+        <p:spPr>
+          <a:xfrm>
+            <a:off x="712521" y="5938"/>
+            <a:ext cx="2054431" cy="400110"/>
+          </a:xfrm>
+          <a:prstGeom prst="rect">
+            <a:avLst/>
+          </a:prstGeom>
+          <a:noFill/>
+        </p:spPr>
+        <p:txBody>
+          <a:bodyPr wrap="square" rtlCol="0">
+            <a:spAutoFit/>
+          </a:bodyPr>
+          <a:lstStyle/>
+          <a:p>
+            <a:r>
+              <a:rPr lang="en-GB" sz="2000" dirty="0"/>
+              <a:t>Overview</a:t>
+            </a:r>
+            <a:endParaRPr lang="de-DE" sz="2000" dirty="0"/>
+          </a:p>
+        </p:txBody>
+      </p:sp>
+    </p:spTree>
+    <p:extLst>
+      <p:ext uri="{BB962C8B-B14F-4D97-AF65-F5344CB8AC3E}">
+        <p14:creationId xmlns:p14="http://schemas.microsoft.com/office/powerpoint/2010/main" val="4072313701"/>
+      </p:ext>
+    </p:extLst>
+  </p:cSld>
+  <p:clrMapOvr>
+    <a:masterClrMapping/>
+  </p:clrMapOvr>
+</p:sld>
+</file>
+
+<file path=ppt/slides/slide4.xml><?xml version="1.0" encoding="utf-8"?>
+<p:sld xmlns:a="http://schemas.openxmlformats.org/drawingml/2006/main" xmlns:r="http://schemas.openxmlformats.org/officeDocument/2006/relationships" xmlns:p="http://schemas.openxmlformats.org/presentationml/2006/main">
+  <p:cSld>
+    <p:spTree>
+      <p:nvGrpSpPr>
+        <p:cNvPr id="1" name=""/>
+        <p:cNvGrpSpPr/>
+        <p:nvPr/>
+      </p:nvGrpSpPr>
+      <p:grpSpPr>
+        <a:xfrm>
+          <a:off x="0" y="0"/>
+          <a:ext cx="0" cy="0"/>
+          <a:chOff x="0" y="0"/>
+          <a:chExt cx="0" cy="0"/>
+        </a:xfrm>
+      </p:grpSpPr>
+      <p:pic>
+        <p:nvPicPr>
+          <p:cNvPr id="6" name="Picture 5"/>
+          <p:cNvPicPr>
+            <a:picLocks noChangeAspect="1"/>
+          </p:cNvPicPr>
+          <p:nvPr/>
+        </p:nvPicPr>
+        <p:blipFill>
+          <a:blip r:embed="rId2"/>
+          <a:stretch>
+            <a:fillRect/>
+          </a:stretch>
+        </p:blipFill>
+        <p:spPr>
+          <a:xfrm>
+            <a:off x="2209257" y="3224184"/>
+            <a:ext cx="7773485" cy="409632"/>
+          </a:xfrm>
+          <a:prstGeom prst="rect">
+            <a:avLst/>
+          </a:prstGeom>
+        </p:spPr>
+      </p:pic>
+      <p:sp>
+        <p:nvSpPr>
+          <p:cNvPr id="5" name="TextBox 4"/>
+          <p:cNvSpPr txBox="1"/>
+          <p:nvPr/>
+        </p:nvSpPr>
+        <p:spPr>
+          <a:xfrm>
+            <a:off x="7491369" y="3231144"/>
+            <a:ext cx="3129094" cy="805343"/>
+          </a:xfrm>
+          <a:prstGeom prst="rect">
+            <a:avLst/>
+          </a:prstGeom>
+          <a:solidFill>
+            <a:srgbClr val="EFEDE3"/>
+          </a:solidFill>
+        </p:spPr>
+        <p:txBody>
+          <a:bodyPr wrap="square" rtlCol="0">
+            <a:spAutoFit/>
+          </a:bodyPr>
+          <a:lstStyle/>
+          <a:p>
+            <a:endParaRPr lang="de-DE" dirty="0"/>
+          </a:p>
+        </p:txBody>
+      </p:sp>
+    </p:spTree>
+    <p:extLst>
+      <p:ext uri="{BB962C8B-B14F-4D97-AF65-F5344CB8AC3E}">
+        <p14:creationId xmlns:p14="http://schemas.microsoft.com/office/powerpoint/2010/main" val="2876160710"/>
+      </p:ext>
+    </p:extLst>
+  </p:cSld>
+  <p:clrMapOvr>
+    <a:masterClrMapping/>
+  </p:clrMapOvr>
+  <p:timing>
+    <p:tnLst>
+      <p:par>
+        <p:cTn id="1" dur="indefinite" restart="never" nodeType="tmRoot">
+          <p:childTnLst>
+            <p:seq concurrent="1" nextAc="seek">
+              <p:cTn id="2" dur="indefinite" nodeType="mainSeq">
+                <p:childTnLst>
+                  <p:par>
+                    <p:cTn id="3" fill="hold">
+                      <p:stCondLst>
+                        <p:cond delay="indefinite"/>
+                      </p:stCondLst>
+                      <p:childTnLst>
+                        <p:par>
+                          <p:cTn id="4" fill="hold">
+                            <p:stCondLst>
+                              <p:cond delay="0"/>
+                            </p:stCondLst>
+                            <p:childTnLst>
+                              <p:par>
+                                <p:cTn id="5" presetID="1" presetClass="exit" presetSubtype="0" fill="hold" grpId="0" nodeType="clickEffect">
+                                  <p:stCondLst>
+                                    <p:cond delay="0"/>
+                                  </p:stCondLst>
+                                  <p:childTnLst>
+                                    <p:set>
+                                      <p:cBhvr>
+                                        <p:cTn id="6" dur="1" fill="hold">
+                                          <p:stCondLst>
+                                            <p:cond delay="0"/>
+                                          </p:stCondLst>
+                                        </p:cTn>
+                                        <p:tgtEl>
+                                          <p:spTgt spid="5"/>
+                                        </p:tgtEl>
+                                        <p:attrNameLst>
+                                          <p:attrName>style.visibility</p:attrName>
+                                        </p:attrNameLst>
+                                      </p:cBhvr>
+                                      <p:to>
+                                        <p:strVal val="hidden"/>
+                                      </p:to>
+                                    </p:set>
+                                  </p:childTnLst>
+                                </p:cTn>
+                              </p:par>
+                            </p:childTnLst>
+                          </p:cTn>
+                        </p:par>
+                      </p:childTnLst>
+                    </p:cTn>
+                  </p:par>
+                </p:childTnLst>
+              </p:cTn>
+              <p:prevCondLst>
+                <p:cond evt="onPrev" delay="0">
+                  <p:tgtEl>
+                    <p:sldTgt/>
+                  </p:tgtEl>
+                </p:cond>
+              </p:prevCondLst>
+              <p:nextCondLst>
+                <p:cond evt="onNext" delay="0">
+                  <p:tgtEl>
+                    <p:sldTgt/>
+                  </p:tgtEl>
+                </p:cond>
+              </p:nextCondLst>
+            </p:seq>
+          </p:childTnLst>
+        </p:cTn>
+      </p:par>
+    </p:tnLst>
+    <p:bldLst>
+      <p:bldP spid="5" grpId="0" animBg="1"/>
+    </p:bldLst>
+  </p:timing>
+</p:sld>
+</file>
+
+<file path=ppt/slides/slide40.xml><?xml version="1.0" encoding="utf-8"?>
+<p:sld xmlns:a="http://schemas.openxmlformats.org/drawingml/2006/main" xmlns:r="http://schemas.openxmlformats.org/officeDocument/2006/relationships" xmlns:p="http://schemas.openxmlformats.org/presentationml/2006/main">
+  <p:cSld>
+    <p:spTree>
+      <p:nvGrpSpPr>
+        <p:cNvPr id="1" name=""/>
+        <p:cNvGrpSpPr/>
+        <p:nvPr/>
+      </p:nvGrpSpPr>
+      <p:grpSpPr>
+        <a:xfrm>
+          <a:off x="0" y="0"/>
+          <a:ext cx="0" cy="0"/>
+          <a:chOff x="0" y="0"/>
+          <a:chExt cx="0" cy="0"/>
+        </a:xfrm>
+      </p:grpSpPr>
+      <p:sp>
+        <p:nvSpPr>
+          <p:cNvPr id="10" name="Title 9"/>
+          <p:cNvSpPr>
+            <a:spLocks noGrp="1"/>
+          </p:cNvSpPr>
+          <p:nvPr>
+            <p:ph type="title"/>
+          </p:nvPr>
+        </p:nvSpPr>
+        <p:spPr/>
+        <p:txBody>
+          <a:bodyPr/>
+          <a:lstStyle/>
+          <a:p>
+            <a:r>
+              <a:rPr lang="en-GB" dirty="0"/>
+              <a:t>Operations – Part I</a:t>
+            </a:r>
+            <a:endParaRPr lang="de-DE" dirty="0"/>
+          </a:p>
+        </p:txBody>
+      </p:sp>
+      <p:pic>
+        <p:nvPicPr>
+          <p:cNvPr id="16" name="Content Placeholder 15"/>
+          <p:cNvPicPr>
+            <a:picLocks noGrp="1" noChangeAspect="1"/>
+          </p:cNvPicPr>
+          <p:nvPr>
+            <p:ph idx="1"/>
+          </p:nvPr>
+        </p:nvPicPr>
+        <p:blipFill>
+          <a:blip r:embed="rId2"/>
+          <a:stretch>
+            <a:fillRect/>
+          </a:stretch>
+        </p:blipFill>
+        <p:spPr>
+          <a:xfrm>
+            <a:off x="1371600" y="2171700"/>
+            <a:ext cx="10319882" cy="3250496"/>
+          </a:xfrm>
+          <a:prstGeom prst="rect">
+            <a:avLst/>
+          </a:prstGeom>
+        </p:spPr>
+      </p:pic>
+      <p:sp>
+        <p:nvSpPr>
+          <p:cNvPr id="15" name="TextBox 14">
+            <a:hlinkClick r:id="rId3" action="ppaction://hlinksldjump"/>
+          </p:cNvPr>
+          <p:cNvSpPr txBox="1"/>
+          <p:nvPr/>
+        </p:nvSpPr>
+        <p:spPr>
+          <a:xfrm>
+            <a:off x="706583" y="5938"/>
+            <a:ext cx="2054431" cy="400110"/>
+          </a:xfrm>
+          <a:prstGeom prst="rect">
+            <a:avLst/>
+          </a:prstGeom>
+          <a:noFill/>
+        </p:spPr>
+        <p:txBody>
+          <a:bodyPr wrap="square" rtlCol="0">
+            <a:spAutoFit/>
+          </a:bodyPr>
+          <a:lstStyle/>
+          <a:p>
+            <a:r>
+              <a:rPr lang="en-GB" sz="2000" dirty="0"/>
+              <a:t>Arrays</a:t>
+            </a:r>
+            <a:endParaRPr lang="de-DE" dirty="0"/>
+          </a:p>
+        </p:txBody>
+      </p:sp>
+    </p:spTree>
+    <p:extLst>
+      <p:ext uri="{BB962C8B-B14F-4D97-AF65-F5344CB8AC3E}">
+        <p14:creationId xmlns:p14="http://schemas.microsoft.com/office/powerpoint/2010/main" val="3113221104"/>
+      </p:ext>
+    </p:extLst>
+  </p:cSld>
+  <p:clrMapOvr>
+    <a:masterClrMapping/>
+  </p:clrMapOvr>
+</p:sld>
+</file>
+
+<file path=ppt/slides/slide41.xml><?xml version="1.0" encoding="utf-8"?>
+<p:sld xmlns:a="http://schemas.openxmlformats.org/drawingml/2006/main" xmlns:r="http://schemas.openxmlformats.org/officeDocument/2006/relationships" xmlns:p="http://schemas.openxmlformats.org/presentationml/2006/main">
+  <p:cSld>
+    <p:spTree>
+      <p:nvGrpSpPr>
+        <p:cNvPr id="1" name=""/>
+        <p:cNvGrpSpPr/>
+        <p:nvPr/>
+      </p:nvGrpSpPr>
+      <p:grpSpPr>
+        <a:xfrm>
+          <a:off x="0" y="0"/>
+          <a:ext cx="0" cy="0"/>
+          <a:chOff x="0" y="0"/>
+          <a:chExt cx="0" cy="0"/>
+        </a:xfrm>
+      </p:grpSpPr>
+      <p:sp>
+        <p:nvSpPr>
+          <p:cNvPr id="10" name="Title 9"/>
+          <p:cNvSpPr>
+            <a:spLocks noGrp="1"/>
+          </p:cNvSpPr>
+          <p:nvPr>
+            <p:ph type="title"/>
+          </p:nvPr>
+        </p:nvSpPr>
+        <p:spPr/>
+        <p:txBody>
+          <a:bodyPr/>
+          <a:lstStyle/>
+          <a:p>
+            <a:r>
+              <a:rPr lang="en-GB" dirty="0"/>
+              <a:t>Operations – Part II</a:t>
+            </a:r>
+            <a:endParaRPr lang="de-DE" dirty="0"/>
+          </a:p>
+        </p:txBody>
+      </p:sp>
+      <p:pic>
+        <p:nvPicPr>
+          <p:cNvPr id="3" name="Content Placeholder 2"/>
+          <p:cNvPicPr>
+            <a:picLocks noGrp="1" noChangeAspect="1"/>
+          </p:cNvPicPr>
+          <p:nvPr>
+            <p:ph idx="1"/>
+          </p:nvPr>
+        </p:nvPicPr>
+        <p:blipFill>
+          <a:blip r:embed="rId2"/>
+          <a:stretch>
+            <a:fillRect/>
+          </a:stretch>
+        </p:blipFill>
+        <p:spPr>
+          <a:xfrm>
+            <a:off x="1371600" y="2171700"/>
+            <a:ext cx="7739506" cy="2857502"/>
+          </a:xfrm>
+          <a:prstGeom prst="rect">
+            <a:avLst/>
+          </a:prstGeom>
+        </p:spPr>
+      </p:pic>
+      <p:sp>
+        <p:nvSpPr>
+          <p:cNvPr id="15" name="TextBox 14">
+            <a:hlinkClick r:id="rId3" action="ppaction://hlinksldjump"/>
+          </p:cNvPr>
+          <p:cNvSpPr txBox="1"/>
+          <p:nvPr/>
+        </p:nvSpPr>
+        <p:spPr>
+          <a:xfrm>
+            <a:off x="706583" y="5938"/>
+            <a:ext cx="2054431" cy="400110"/>
+          </a:xfrm>
+          <a:prstGeom prst="rect">
+            <a:avLst/>
+          </a:prstGeom>
+          <a:noFill/>
+        </p:spPr>
+        <p:txBody>
+          <a:bodyPr wrap="square" rtlCol="0">
+            <a:spAutoFit/>
+          </a:bodyPr>
+          <a:lstStyle/>
+          <a:p>
+            <a:r>
+              <a:rPr lang="en-GB" sz="2000" dirty="0"/>
+              <a:t>Arrays</a:t>
+            </a:r>
+            <a:endParaRPr lang="de-DE" dirty="0"/>
+          </a:p>
+        </p:txBody>
+      </p:sp>
+    </p:spTree>
+    <p:extLst>
+      <p:ext uri="{BB962C8B-B14F-4D97-AF65-F5344CB8AC3E}">
+        <p14:creationId xmlns:p14="http://schemas.microsoft.com/office/powerpoint/2010/main" val="947775739"/>
+      </p:ext>
+    </p:extLst>
+  </p:cSld>
+  <p:clrMapOvr>
+    <a:masterClrMapping/>
+  </p:clrMapOvr>
+</p:sld>
+</file>
+
+<file path=ppt/slides/slide42.xml><?xml version="1.0" encoding="utf-8"?>
+<p:sld xmlns:a="http://schemas.openxmlformats.org/drawingml/2006/main" xmlns:r="http://schemas.openxmlformats.org/officeDocument/2006/relationships" xmlns:p="http://schemas.openxmlformats.org/presentationml/2006/main">
+  <p:cSld>
+    <p:spTree>
+      <p:nvGrpSpPr>
+        <p:cNvPr id="1" name=""/>
+        <p:cNvGrpSpPr/>
+        <p:nvPr/>
+      </p:nvGrpSpPr>
+      <p:grpSpPr>
+        <a:xfrm>
+          <a:off x="0" y="0"/>
+          <a:ext cx="0" cy="0"/>
+          <a:chOff x="0" y="0"/>
+          <a:chExt cx="0" cy="0"/>
+        </a:xfrm>
+      </p:grpSpPr>
+      <p:sp>
+        <p:nvSpPr>
+          <p:cNvPr id="10" name="Title 9"/>
+          <p:cNvSpPr>
+            <a:spLocks noGrp="1"/>
+          </p:cNvSpPr>
+          <p:nvPr>
+            <p:ph type="title"/>
+          </p:nvPr>
+        </p:nvSpPr>
+        <p:spPr/>
+        <p:txBody>
+          <a:bodyPr/>
+          <a:lstStyle/>
+          <a:p>
+            <a:r>
+              <a:rPr lang="en-GB" dirty="0"/>
+              <a:t>Operations – Part III</a:t>
+            </a:r>
+            <a:endParaRPr lang="de-DE" dirty="0"/>
+          </a:p>
+        </p:txBody>
+      </p:sp>
+      <p:sp>
+        <p:nvSpPr>
+          <p:cNvPr id="5" name="Text Placeholder 4"/>
+          <p:cNvSpPr>
+            <a:spLocks noGrp="1"/>
+          </p:cNvSpPr>
+          <p:nvPr>
+            <p:ph type="body" idx="1"/>
+          </p:nvPr>
+        </p:nvSpPr>
+        <p:spPr>
+          <a:xfrm>
+            <a:off x="1371600" y="1905000"/>
+            <a:ext cx="4443984" cy="616839"/>
+          </a:xfrm>
+        </p:spPr>
+        <p:txBody>
+          <a:bodyPr/>
+          <a:lstStyle/>
+          <a:p>
+            <a:r>
+              <a:rPr lang="en-GB" dirty="0"/>
+              <a:t>Spread</a:t>
+            </a:r>
+            <a:endParaRPr lang="de-DE" dirty="0"/>
+          </a:p>
+        </p:txBody>
+      </p:sp>
+      <p:pic>
+        <p:nvPicPr>
+          <p:cNvPr id="4" name="Content Placeholder 3"/>
+          <p:cNvPicPr>
+            <a:picLocks noGrp="1" noChangeAspect="1"/>
+          </p:cNvPicPr>
+          <p:nvPr>
+            <p:ph sz="half" idx="2"/>
+          </p:nvPr>
+        </p:nvPicPr>
+        <p:blipFill>
+          <a:blip r:embed="rId2"/>
+          <a:stretch>
+            <a:fillRect/>
+          </a:stretch>
+        </p:blipFill>
+        <p:spPr>
+          <a:xfrm>
+            <a:off x="1371599" y="2521839"/>
+            <a:ext cx="7136095" cy="1116747"/>
+          </a:xfrm>
+          <a:prstGeom prst="rect">
+            <a:avLst/>
+          </a:prstGeom>
+        </p:spPr>
+      </p:pic>
+      <p:sp>
+        <p:nvSpPr>
+          <p:cNvPr id="6" name="Text Placeholder 5"/>
+          <p:cNvSpPr>
+            <a:spLocks noGrp="1"/>
+          </p:cNvSpPr>
+          <p:nvPr>
+            <p:ph type="body" sz="quarter" idx="3"/>
+          </p:nvPr>
+        </p:nvSpPr>
+        <p:spPr>
+          <a:xfrm>
+            <a:off x="1371600" y="4131526"/>
+            <a:ext cx="4443984" cy="823912"/>
+          </a:xfrm>
+        </p:spPr>
+        <p:txBody>
+          <a:bodyPr/>
+          <a:lstStyle/>
+          <a:p>
+            <a:r>
+              <a:rPr lang="en-GB" dirty="0"/>
+              <a:t>Deconstructing</a:t>
+            </a:r>
+            <a:endParaRPr lang="de-DE" dirty="0"/>
+          </a:p>
+        </p:txBody>
+      </p:sp>
+      <p:pic>
+        <p:nvPicPr>
+          <p:cNvPr id="8" name="Content Placeholder 7"/>
+          <p:cNvPicPr>
+            <a:picLocks noGrp="1" noChangeAspect="1"/>
+          </p:cNvPicPr>
+          <p:nvPr>
+            <p:ph sz="quarter" idx="4"/>
+          </p:nvPr>
+        </p:nvPicPr>
+        <p:blipFill>
+          <a:blip r:embed="rId3"/>
+          <a:stretch>
+            <a:fillRect/>
+          </a:stretch>
+        </p:blipFill>
+        <p:spPr>
+          <a:xfrm>
+            <a:off x="1371599" y="4955438"/>
+            <a:ext cx="5625621" cy="779406"/>
+          </a:xfrm>
+          <a:prstGeom prst="rect">
+            <a:avLst/>
+          </a:prstGeom>
+        </p:spPr>
+      </p:pic>
+      <p:sp>
+        <p:nvSpPr>
+          <p:cNvPr id="15" name="TextBox 14">
+            <a:hlinkClick r:id="rId4" action="ppaction://hlinksldjump"/>
+          </p:cNvPr>
+          <p:cNvSpPr txBox="1"/>
+          <p:nvPr/>
+        </p:nvSpPr>
+        <p:spPr>
+          <a:xfrm>
+            <a:off x="706583" y="5938"/>
+            <a:ext cx="2054431" cy="400110"/>
+          </a:xfrm>
+          <a:prstGeom prst="rect">
+            <a:avLst/>
+          </a:prstGeom>
+          <a:noFill/>
+        </p:spPr>
+        <p:txBody>
+          <a:bodyPr wrap="square" rtlCol="0">
+            <a:spAutoFit/>
+          </a:bodyPr>
+          <a:lstStyle/>
+          <a:p>
+            <a:r>
+              <a:rPr lang="en-GB" sz="2000" dirty="0"/>
+              <a:t>Arrays</a:t>
+            </a:r>
+            <a:endParaRPr lang="de-DE" dirty="0"/>
+          </a:p>
+        </p:txBody>
+      </p:sp>
+    </p:spTree>
+    <p:extLst>
+      <p:ext uri="{BB962C8B-B14F-4D97-AF65-F5344CB8AC3E}">
+        <p14:creationId xmlns:p14="http://schemas.microsoft.com/office/powerpoint/2010/main" val="462913938"/>
+      </p:ext>
+    </p:extLst>
+  </p:cSld>
+  <p:clrMapOvr>
+    <a:masterClrMapping/>
+  </p:clrMapOvr>
+</p:sld>
+</file>
+
+<file path=ppt/slides/slide43.xml><?xml version="1.0" encoding="utf-8"?>
+<p:sld xmlns:a="http://schemas.openxmlformats.org/drawingml/2006/main" xmlns:r="http://schemas.openxmlformats.org/officeDocument/2006/relationships" xmlns:p="http://schemas.openxmlformats.org/presentationml/2006/main">
+  <p:cSld>
+    <p:spTree>
+      <p:nvGrpSpPr>
+        <p:cNvPr id="1" name=""/>
+        <p:cNvGrpSpPr/>
+        <p:nvPr/>
+      </p:nvGrpSpPr>
+      <p:grpSpPr>
+        <a:xfrm>
+          <a:off x="0" y="0"/>
+          <a:ext cx="0" cy="0"/>
+          <a:chOff x="0" y="0"/>
+          <a:chExt cx="0" cy="0"/>
+        </a:xfrm>
+      </p:grpSpPr>
+      <p:sp>
+        <p:nvSpPr>
+          <p:cNvPr id="10" name="Title 9"/>
+          <p:cNvSpPr>
+            <a:spLocks noGrp="1"/>
+          </p:cNvSpPr>
+          <p:nvPr>
+            <p:ph type="title"/>
+          </p:nvPr>
+        </p:nvSpPr>
+        <p:spPr/>
+        <p:txBody>
+          <a:bodyPr/>
+          <a:lstStyle/>
+          <a:p>
+            <a:r>
+              <a:rPr lang="en-GB" dirty="0"/>
+              <a:t>Filter</a:t>
+            </a:r>
+            <a:endParaRPr lang="de-DE" dirty="0"/>
+          </a:p>
+        </p:txBody>
+      </p:sp>
+      <p:pic>
+        <p:nvPicPr>
+          <p:cNvPr id="12" name="Content Placeholder 11"/>
+          <p:cNvPicPr>
+            <a:picLocks noGrp="1" noChangeAspect="1"/>
+          </p:cNvPicPr>
+          <p:nvPr>
+            <p:ph idx="1"/>
+          </p:nvPr>
+        </p:nvPicPr>
+        <p:blipFill>
+          <a:blip r:embed="rId2"/>
+          <a:stretch>
+            <a:fillRect/>
+          </a:stretch>
+        </p:blipFill>
+        <p:spPr>
+          <a:xfrm>
+            <a:off x="1371600" y="2171700"/>
+            <a:ext cx="9601200" cy="2648073"/>
+          </a:xfrm>
+          <a:prstGeom prst="rect">
+            <a:avLst/>
+          </a:prstGeom>
+        </p:spPr>
+      </p:pic>
+      <p:sp>
+        <p:nvSpPr>
+          <p:cNvPr id="15" name="TextBox 14">
+            <a:hlinkClick r:id="rId3" action="ppaction://hlinksldjump"/>
+          </p:cNvPr>
+          <p:cNvSpPr txBox="1"/>
+          <p:nvPr/>
+        </p:nvSpPr>
+        <p:spPr>
+          <a:xfrm>
+            <a:off x="706583" y="5938"/>
+            <a:ext cx="2054431" cy="400110"/>
+          </a:xfrm>
+          <a:prstGeom prst="rect">
+            <a:avLst/>
+          </a:prstGeom>
+          <a:noFill/>
+        </p:spPr>
+        <p:txBody>
+          <a:bodyPr wrap="square" rtlCol="0">
+            <a:spAutoFit/>
+          </a:bodyPr>
+          <a:lstStyle/>
+          <a:p>
+            <a:r>
+              <a:rPr lang="en-GB" sz="2000" dirty="0"/>
+              <a:t>Arrays</a:t>
+            </a:r>
+            <a:endParaRPr lang="de-DE" dirty="0"/>
+          </a:p>
+        </p:txBody>
+      </p:sp>
+    </p:spTree>
+    <p:extLst>
+      <p:ext uri="{BB962C8B-B14F-4D97-AF65-F5344CB8AC3E}">
+        <p14:creationId xmlns:p14="http://schemas.microsoft.com/office/powerpoint/2010/main" val="2787221191"/>
+      </p:ext>
+    </p:extLst>
+  </p:cSld>
+  <p:clrMapOvr>
+    <a:masterClrMapping/>
+  </p:clrMapOvr>
+</p:sld>
+</file>
+
+<file path=ppt/slides/slide44.xml><?xml version="1.0" encoding="utf-8"?>
+<p:sld xmlns:a="http://schemas.openxmlformats.org/drawingml/2006/main" xmlns:r="http://schemas.openxmlformats.org/officeDocument/2006/relationships" xmlns:p="http://schemas.openxmlformats.org/presentationml/2006/main">
+  <p:cSld>
+    <p:spTree>
+      <p:nvGrpSpPr>
+        <p:cNvPr id="1" name=""/>
+        <p:cNvGrpSpPr/>
+        <p:nvPr/>
+      </p:nvGrpSpPr>
+      <p:grpSpPr>
+        <a:xfrm>
+          <a:off x="0" y="0"/>
+          <a:ext cx="0" cy="0"/>
+          <a:chOff x="0" y="0"/>
+          <a:chExt cx="0" cy="0"/>
+        </a:xfrm>
+      </p:grpSpPr>
+      <p:sp>
+        <p:nvSpPr>
+          <p:cNvPr id="10" name="Title 9"/>
+          <p:cNvSpPr>
+            <a:spLocks noGrp="1"/>
+          </p:cNvSpPr>
+          <p:nvPr>
+            <p:ph type="title"/>
+          </p:nvPr>
+        </p:nvSpPr>
+        <p:spPr/>
+        <p:txBody>
+          <a:bodyPr/>
+          <a:lstStyle/>
+          <a:p>
+            <a:r>
+              <a:rPr lang="en-GB" dirty="0"/>
+              <a:t>Map</a:t>
+            </a:r>
+            <a:endParaRPr lang="de-DE" dirty="0"/>
+          </a:p>
+        </p:txBody>
+      </p:sp>
+      <p:pic>
+        <p:nvPicPr>
+          <p:cNvPr id="3" name="Content Placeholder 2"/>
+          <p:cNvPicPr>
+            <a:picLocks noGrp="1" noChangeAspect="1"/>
+          </p:cNvPicPr>
+          <p:nvPr>
+            <p:ph idx="1"/>
+          </p:nvPr>
+        </p:nvPicPr>
+        <p:blipFill>
+          <a:blip r:embed="rId2"/>
+          <a:stretch>
+            <a:fillRect/>
+          </a:stretch>
+        </p:blipFill>
+        <p:spPr>
+          <a:xfrm>
+            <a:off x="1371600" y="2171699"/>
+            <a:ext cx="8353425" cy="4305511"/>
+          </a:xfrm>
+          <a:prstGeom prst="rect">
+            <a:avLst/>
+          </a:prstGeom>
+        </p:spPr>
+      </p:pic>
+      <p:sp>
+        <p:nvSpPr>
+          <p:cNvPr id="15" name="TextBox 14">
+            <a:hlinkClick r:id="rId3" action="ppaction://hlinksldjump"/>
+          </p:cNvPr>
+          <p:cNvSpPr txBox="1"/>
+          <p:nvPr/>
+        </p:nvSpPr>
+        <p:spPr>
+          <a:xfrm>
+            <a:off x="706583" y="5938"/>
+            <a:ext cx="2054431" cy="400110"/>
+          </a:xfrm>
+          <a:prstGeom prst="rect">
+            <a:avLst/>
+          </a:prstGeom>
+          <a:noFill/>
+        </p:spPr>
+        <p:txBody>
+          <a:bodyPr wrap="square" rtlCol="0">
+            <a:spAutoFit/>
+          </a:bodyPr>
+          <a:lstStyle/>
+          <a:p>
+            <a:r>
+              <a:rPr lang="en-GB" sz="2000" dirty="0"/>
+              <a:t>Arrays</a:t>
+            </a:r>
+            <a:endParaRPr lang="de-DE" dirty="0"/>
+          </a:p>
+        </p:txBody>
+      </p:sp>
+    </p:spTree>
+    <p:extLst>
+      <p:ext uri="{BB962C8B-B14F-4D97-AF65-F5344CB8AC3E}">
+        <p14:creationId xmlns:p14="http://schemas.microsoft.com/office/powerpoint/2010/main" val="1077145192"/>
+      </p:ext>
+    </p:extLst>
+  </p:cSld>
+  <p:clrMapOvr>
+    <a:masterClrMapping/>
+  </p:clrMapOvr>
+</p:sld>
+</file>
+
+<file path=ppt/slides/slide45.xml><?xml version="1.0" encoding="utf-8"?>
+<p:sld xmlns:a="http://schemas.openxmlformats.org/drawingml/2006/main" xmlns:r="http://schemas.openxmlformats.org/officeDocument/2006/relationships" xmlns:p="http://schemas.openxmlformats.org/presentationml/2006/main">
+  <p:cSld>
+    <p:spTree>
+      <p:nvGrpSpPr>
+        <p:cNvPr id="1" name=""/>
+        <p:cNvGrpSpPr/>
+        <p:nvPr/>
+      </p:nvGrpSpPr>
+      <p:grpSpPr>
+        <a:xfrm>
+          <a:off x="0" y="0"/>
+          <a:ext cx="0" cy="0"/>
+          <a:chOff x="0" y="0"/>
+          <a:chExt cx="0" cy="0"/>
+        </a:xfrm>
+      </p:grpSpPr>
+      <p:sp>
+        <p:nvSpPr>
+          <p:cNvPr id="10" name="Title 9"/>
+          <p:cNvSpPr>
+            <a:spLocks noGrp="1"/>
+          </p:cNvSpPr>
+          <p:nvPr>
+            <p:ph type="title"/>
+          </p:nvPr>
+        </p:nvSpPr>
+        <p:spPr/>
+        <p:txBody>
+          <a:bodyPr/>
+          <a:lstStyle/>
+          <a:p>
+            <a:r>
+              <a:rPr lang="en-GB" dirty="0"/>
+              <a:t>Reduce</a:t>
+            </a:r>
+            <a:endParaRPr lang="de-DE" dirty="0"/>
+          </a:p>
+        </p:txBody>
+      </p:sp>
+      <p:pic>
+        <p:nvPicPr>
+          <p:cNvPr id="4" name="Content Placeholder 3"/>
+          <p:cNvPicPr>
+            <a:picLocks noGrp="1" noChangeAspect="1"/>
+          </p:cNvPicPr>
+          <p:nvPr>
+            <p:ph idx="1"/>
+          </p:nvPr>
+        </p:nvPicPr>
+        <p:blipFill>
+          <a:blip r:embed="rId2"/>
+          <a:stretch>
+            <a:fillRect/>
+          </a:stretch>
+        </p:blipFill>
+        <p:spPr>
+          <a:xfrm>
+            <a:off x="1371600" y="3283877"/>
+            <a:ext cx="9601200" cy="2105763"/>
+          </a:xfrm>
+          <a:prstGeom prst="rect">
+            <a:avLst/>
+          </a:prstGeom>
+        </p:spPr>
+      </p:pic>
+      <p:sp>
+        <p:nvSpPr>
+          <p:cNvPr id="15" name="TextBox 14">
+            <a:hlinkClick r:id="rId3" action="ppaction://hlinksldjump"/>
+          </p:cNvPr>
+          <p:cNvSpPr txBox="1"/>
+          <p:nvPr/>
+        </p:nvSpPr>
+        <p:spPr>
+          <a:xfrm>
+            <a:off x="706583" y="5938"/>
+            <a:ext cx="2054431" cy="400110"/>
+          </a:xfrm>
+          <a:prstGeom prst="rect">
+            <a:avLst/>
+          </a:prstGeom>
+          <a:noFill/>
+        </p:spPr>
+        <p:txBody>
+          <a:bodyPr wrap="square" rtlCol="0">
+            <a:spAutoFit/>
+          </a:bodyPr>
+          <a:lstStyle/>
+          <a:p>
+            <a:r>
+              <a:rPr lang="en-GB" sz="2000" dirty="0"/>
+              <a:t>Arrays</a:t>
+            </a:r>
+            <a:endParaRPr lang="de-DE" dirty="0"/>
+          </a:p>
+        </p:txBody>
+      </p:sp>
+      <p:pic>
+        <p:nvPicPr>
+          <p:cNvPr id="6" name="Picture 5"/>
+          <p:cNvPicPr>
+            <a:picLocks noChangeAspect="1"/>
+          </p:cNvPicPr>
+          <p:nvPr/>
+        </p:nvPicPr>
+        <p:blipFill>
+          <a:blip r:embed="rId4"/>
+          <a:stretch>
+            <a:fillRect/>
+          </a:stretch>
+        </p:blipFill>
+        <p:spPr>
+          <a:xfrm>
+            <a:off x="1371600" y="2171700"/>
+            <a:ext cx="10509847" cy="838164"/>
+          </a:xfrm>
+          <a:prstGeom prst="rect">
+            <a:avLst/>
+          </a:prstGeom>
+        </p:spPr>
+      </p:pic>
+      <p:sp>
+        <p:nvSpPr>
+          <p:cNvPr id="8" name="TextBox 7"/>
+          <p:cNvSpPr txBox="1"/>
+          <p:nvPr/>
+        </p:nvSpPr>
+        <p:spPr>
+          <a:xfrm>
+            <a:off x="1371600" y="4181561"/>
+            <a:ext cx="10763250" cy="1704975"/>
+          </a:xfrm>
+          <a:prstGeom prst="rect">
+            <a:avLst/>
+          </a:prstGeom>
+          <a:solidFill>
+            <a:srgbClr val="EFEDE3"/>
+          </a:solidFill>
+        </p:spPr>
+        <p:txBody>
+          <a:bodyPr wrap="square" rtlCol="0">
+            <a:spAutoFit/>
+          </a:bodyPr>
+          <a:lstStyle/>
+          <a:p>
+            <a:endParaRPr lang="de-DE" dirty="0"/>
+          </a:p>
+        </p:txBody>
+      </p:sp>
+    </p:spTree>
+    <p:extLst>
+      <p:ext uri="{BB962C8B-B14F-4D97-AF65-F5344CB8AC3E}">
+        <p14:creationId xmlns:p14="http://schemas.microsoft.com/office/powerpoint/2010/main" val="1655869116"/>
+      </p:ext>
+    </p:extLst>
+  </p:cSld>
+  <p:clrMapOvr>
+    <a:masterClrMapping/>
+  </p:clrMapOvr>
+  <p:timing>
+    <p:tnLst>
+      <p:par>
+        <p:cTn id="1" dur="indefinite" restart="never" nodeType="tmRoot">
+          <p:childTnLst>
+            <p:seq concurrent="1" nextAc="seek">
+              <p:cTn id="2" dur="indefinite" nodeType="mainSeq">
+                <p:childTnLst>
+                  <p:par>
+                    <p:cTn id="3" fill="hold">
+                      <p:stCondLst>
+                        <p:cond delay="indefinite"/>
+                      </p:stCondLst>
+                      <p:childTnLst>
+                        <p:par>
+                          <p:cTn id="4" fill="hold">
+                            <p:stCondLst>
+                              <p:cond delay="0"/>
+                            </p:stCondLst>
+                            <p:childTnLst>
+                              <p:par>
+                                <p:cTn id="5" presetID="1" presetClass="entr" presetSubtype="0" fill="hold" nodeType="clickEffect">
+                                  <p:stCondLst>
+                                    <p:cond delay="0"/>
+                                  </p:stCondLst>
+                                  <p:childTnLst>
+                                    <p:set>
+                                      <p:cBhvr>
+                                        <p:cTn id="6" dur="1" fill="hold">
+                                          <p:stCondLst>
+                                            <p:cond delay="0"/>
+                                          </p:stCondLst>
+                                        </p:cTn>
+                                        <p:tgtEl>
+                                          <p:spTgt spid="4"/>
+                                        </p:tgtEl>
+                                        <p:attrNameLst>
+                                          <p:attrName>style.visibility</p:attrName>
+                                        </p:attrNameLst>
+                                      </p:cBhvr>
+                                      <p:to>
+                                        <p:strVal val="visible"/>
+                                      </p:to>
+                                    </p:set>
+                                  </p:childTnLst>
+                                </p:cTn>
+                              </p:par>
+                            </p:childTnLst>
+                          </p:cTn>
+                        </p:par>
+                      </p:childTnLst>
+                    </p:cTn>
+                  </p:par>
+                  <p:par>
+                    <p:cTn id="7" fill="hold">
+                      <p:stCondLst>
+                        <p:cond delay="indefinite"/>
+                      </p:stCondLst>
+                      <p:childTnLst>
+                        <p:par>
+                          <p:cTn id="8" fill="hold">
+                            <p:stCondLst>
+                              <p:cond delay="0"/>
+                            </p:stCondLst>
+                            <p:childTnLst>
+                              <p:par>
+                                <p:cTn id="9" presetID="1" presetClass="exit" presetSubtype="0" fill="hold" grpId="0" nodeType="clickEffect">
+                                  <p:stCondLst>
+                                    <p:cond delay="0"/>
+                                  </p:stCondLst>
+                                  <p:childTnLst>
+                                    <p:set>
+                                      <p:cBhvr>
+                                        <p:cTn id="10" dur="1" fill="hold">
+                                          <p:stCondLst>
+                                            <p:cond delay="0"/>
+                                          </p:stCondLst>
+                                        </p:cTn>
+                                        <p:tgtEl>
+                                          <p:spTgt spid="8"/>
+                                        </p:tgtEl>
+                                        <p:attrNameLst>
+                                          <p:attrName>style.visibility</p:attrName>
+                                        </p:attrNameLst>
+                                      </p:cBhvr>
+                                      <p:to>
+                                        <p:strVal val="hidden"/>
+                                      </p:to>
+                                    </p:set>
+                                  </p:childTnLst>
+                                </p:cTn>
+                              </p:par>
+                            </p:childTnLst>
+                          </p:cTn>
+                        </p:par>
+                      </p:childTnLst>
+                    </p:cTn>
+                  </p:par>
+                </p:childTnLst>
+              </p:cTn>
+              <p:prevCondLst>
+                <p:cond evt="onPrev" delay="0">
+                  <p:tgtEl>
+                    <p:sldTgt/>
+                  </p:tgtEl>
+                </p:cond>
+              </p:prevCondLst>
+              <p:nextCondLst>
+                <p:cond evt="onNext" delay="0">
+                  <p:tgtEl>
+                    <p:sldTgt/>
+                  </p:tgtEl>
+                </p:cond>
+              </p:nextCondLst>
+            </p:seq>
+          </p:childTnLst>
+        </p:cTn>
+      </p:par>
+    </p:tnLst>
+    <p:bldLst>
+      <p:bldP spid="8" grpId="0" animBg="1"/>
+    </p:bldLst>
+  </p:timing>
+</p:sld>
+</file>
+
+<file path=ppt/slides/slide46.xml><?xml version="1.0" encoding="utf-8"?>
+<p:sld xmlns:a="http://schemas.openxmlformats.org/drawingml/2006/main" xmlns:r="http://schemas.openxmlformats.org/officeDocument/2006/relationships" xmlns:p="http://schemas.openxmlformats.org/presentationml/2006/main">
+  <p:cSld>
+    <p:spTree>
+      <p:nvGrpSpPr>
+        <p:cNvPr id="1" name=""/>
+        <p:cNvGrpSpPr/>
+        <p:nvPr/>
+      </p:nvGrpSpPr>
+      <p:grpSpPr>
+        <a:xfrm>
+          <a:off x="0" y="0"/>
+          <a:ext cx="0" cy="0"/>
+          <a:chOff x="0" y="0"/>
+          <a:chExt cx="0" cy="0"/>
+        </a:xfrm>
+      </p:grpSpPr>
+      <p:sp>
+        <p:nvSpPr>
+          <p:cNvPr id="4" name="Title 3"/>
+          <p:cNvSpPr>
+            <a:spLocks noGrp="1"/>
+          </p:cNvSpPr>
+          <p:nvPr>
+            <p:ph type="title"/>
+          </p:nvPr>
+        </p:nvSpPr>
+        <p:spPr>
+          <a:xfrm>
+            <a:off x="800100" y="342900"/>
+            <a:ext cx="10715625" cy="1514476"/>
+          </a:xfrm>
+        </p:spPr>
+        <p:txBody>
+          <a:bodyPr>
+            <a:normAutofit/>
+          </a:bodyPr>
+          <a:lstStyle/>
+          <a:p>
+            <a:pPr algn="l"/>
+            <a:r>
+              <a:rPr lang="en-GB" dirty="0"/>
+              <a:t>Exercises</a:t>
+            </a:r>
+            <a:endParaRPr lang="de-DE" dirty="0"/>
+          </a:p>
+        </p:txBody>
+      </p:sp>
+      <p:sp>
+        <p:nvSpPr>
+          <p:cNvPr id="5" name="Text Placeholder 4"/>
+          <p:cNvSpPr>
+            <a:spLocks noGrp="1"/>
+          </p:cNvSpPr>
+          <p:nvPr>
+            <p:ph type="body" idx="1"/>
+          </p:nvPr>
+        </p:nvSpPr>
+        <p:spPr>
+          <a:xfrm>
+            <a:off x="800100" y="1981200"/>
+            <a:ext cx="8920671" cy="3378452"/>
+          </a:xfrm>
+        </p:spPr>
+        <p:txBody>
+          <a:bodyPr>
+            <a:normAutofit/>
+          </a:bodyPr>
+          <a:lstStyle/>
+          <a:p>
+            <a:pPr marL="342900" indent="-342900" algn="l">
+              <a:buFont typeface="Wingdings" panose="05000000000000000000" pitchFamily="2" charset="2"/>
+              <a:buChar char="§"/>
+            </a:pPr>
+            <a:r>
+              <a:rPr lang="en-GB" dirty="0">
+                <a:solidFill>
+                  <a:schemeClr val="bg1"/>
+                </a:solidFill>
+              </a:rPr>
+              <a:t>MapReduce</a:t>
+            </a:r>
+          </a:p>
+          <a:p>
+            <a:pPr marL="342900" indent="-342900" algn="l">
+              <a:buFont typeface="Wingdings" panose="05000000000000000000" pitchFamily="2" charset="2"/>
+              <a:buChar char="§"/>
+            </a:pPr>
+            <a:r>
+              <a:rPr lang="en-GB" dirty="0" err="1">
+                <a:solidFill>
+                  <a:schemeClr val="bg1"/>
+                </a:solidFill>
+              </a:rPr>
+              <a:t>MergeSort</a:t>
+            </a:r>
+            <a:endParaRPr lang="en-GB" dirty="0">
+              <a:solidFill>
+                <a:schemeClr val="bg1"/>
+              </a:solidFill>
+            </a:endParaRPr>
+          </a:p>
+          <a:p>
+            <a:pPr marL="342900" indent="-342900" algn="l">
+              <a:buFont typeface="Wingdings" panose="05000000000000000000" pitchFamily="2" charset="2"/>
+              <a:buChar char="§"/>
+            </a:pPr>
+            <a:r>
+              <a:rPr lang="en-GB" dirty="0">
+                <a:solidFill>
+                  <a:schemeClr val="bg1"/>
+                </a:solidFill>
+              </a:rPr>
+              <a:t>Refactoring</a:t>
+            </a:r>
+          </a:p>
+        </p:txBody>
+      </p:sp>
+    </p:spTree>
+    <p:extLst>
+      <p:ext uri="{BB962C8B-B14F-4D97-AF65-F5344CB8AC3E}">
+        <p14:creationId xmlns:p14="http://schemas.microsoft.com/office/powerpoint/2010/main" val="4149060222"/>
+      </p:ext>
+    </p:extLst>
+  </p:cSld>
+  <p:clrMapOvr>
+    <a:masterClrMapping/>
+  </p:clrMapOvr>
+</p:sld>
+</file>
+
+<file path=ppt/slides/slide47.xml><?xml version="1.0" encoding="utf-8"?>
+<p:sld xmlns:a="http://schemas.openxmlformats.org/drawingml/2006/main" xmlns:r="http://schemas.openxmlformats.org/officeDocument/2006/relationships" xmlns:p="http://schemas.openxmlformats.org/presentationml/2006/main">
+  <p:cSld>
+    <p:spTree>
+      <p:nvGrpSpPr>
+        <p:cNvPr id="1" name=""/>
+        <p:cNvGrpSpPr/>
+        <p:nvPr/>
+      </p:nvGrpSpPr>
+      <p:grpSpPr>
+        <a:xfrm>
+          <a:off x="0" y="0"/>
+          <a:ext cx="0" cy="0"/>
+          <a:chOff x="0" y="0"/>
+          <a:chExt cx="0" cy="0"/>
+        </a:xfrm>
+      </p:grpSpPr>
+      <p:sp>
+        <p:nvSpPr>
+          <p:cNvPr id="2" name="Title 1"/>
+          <p:cNvSpPr>
+            <a:spLocks noGrp="1"/>
+          </p:cNvSpPr>
+          <p:nvPr>
+            <p:ph type="title"/>
+          </p:nvPr>
+        </p:nvSpPr>
+        <p:spPr/>
+        <p:txBody>
+          <a:bodyPr/>
+          <a:lstStyle/>
+          <a:p>
+            <a:r>
+              <a:rPr lang="en-GB" dirty="0"/>
+              <a:t>MapReduce</a:t>
+            </a:r>
+            <a:endParaRPr lang="de-DE" dirty="0"/>
+          </a:p>
+        </p:txBody>
+      </p:sp>
+      <p:pic>
+        <p:nvPicPr>
+          <p:cNvPr id="4" name="Content Placeholder 3"/>
+          <p:cNvPicPr>
+            <a:picLocks noGrp="1" noChangeAspect="1"/>
+          </p:cNvPicPr>
+          <p:nvPr>
+            <p:ph idx="1"/>
+          </p:nvPr>
+        </p:nvPicPr>
+        <p:blipFill>
+          <a:blip r:embed="rId2"/>
+          <a:stretch>
+            <a:fillRect/>
+          </a:stretch>
+        </p:blipFill>
+        <p:spPr>
+          <a:xfrm>
+            <a:off x="1371600" y="2171700"/>
+            <a:ext cx="10476650" cy="2459610"/>
+          </a:xfrm>
+          <a:prstGeom prst="rect">
+            <a:avLst/>
+          </a:prstGeom>
+        </p:spPr>
+      </p:pic>
+    </p:spTree>
+    <p:extLst>
+      <p:ext uri="{BB962C8B-B14F-4D97-AF65-F5344CB8AC3E}">
+        <p14:creationId xmlns:p14="http://schemas.microsoft.com/office/powerpoint/2010/main" val="2766716416"/>
+      </p:ext>
+    </p:extLst>
+  </p:cSld>
+  <p:clrMapOvr>
+    <a:masterClrMapping/>
+  </p:clrMapOvr>
+</p:sld>
+</file>
+
+<file path=ppt/slides/slide48.xml><?xml version="1.0" encoding="utf-8"?>
+<p:sld xmlns:a="http://schemas.openxmlformats.org/drawingml/2006/main" xmlns:r="http://schemas.openxmlformats.org/officeDocument/2006/relationships" xmlns:p="http://schemas.openxmlformats.org/presentationml/2006/main">
+  <p:cSld>
+    <p:spTree>
+      <p:nvGrpSpPr>
+        <p:cNvPr id="1" name=""/>
+        <p:cNvGrpSpPr/>
+        <p:nvPr/>
+      </p:nvGrpSpPr>
+      <p:grpSpPr>
+        <a:xfrm>
+          <a:off x="0" y="0"/>
+          <a:ext cx="0" cy="0"/>
+          <a:chOff x="0" y="0"/>
+          <a:chExt cx="0" cy="0"/>
+        </a:xfrm>
+      </p:grpSpPr>
+      <p:sp>
+        <p:nvSpPr>
+          <p:cNvPr id="2" name="Title 1"/>
+          <p:cNvSpPr>
+            <a:spLocks noGrp="1"/>
+          </p:cNvSpPr>
+          <p:nvPr>
+            <p:ph type="title"/>
+          </p:nvPr>
+        </p:nvSpPr>
+        <p:spPr/>
+        <p:txBody>
+          <a:bodyPr/>
+          <a:lstStyle/>
+          <a:p>
+            <a:r>
+              <a:rPr lang="en-GB" dirty="0" err="1"/>
+              <a:t>MergeSort</a:t>
+            </a:r>
+            <a:endParaRPr lang="de-DE" dirty="0"/>
+          </a:p>
+        </p:txBody>
+      </p:sp>
+      <p:pic>
+        <p:nvPicPr>
+          <p:cNvPr id="6" name="Content Placeholder 5"/>
+          <p:cNvPicPr>
+            <a:picLocks noGrp="1" noChangeAspect="1"/>
+          </p:cNvPicPr>
+          <p:nvPr>
+            <p:ph sz="half" idx="1"/>
+          </p:nvPr>
+        </p:nvPicPr>
+        <p:blipFill>
+          <a:blip r:embed="rId2"/>
+          <a:stretch>
+            <a:fillRect/>
+          </a:stretch>
+        </p:blipFill>
+        <p:spPr>
+          <a:xfrm>
+            <a:off x="1371600" y="3054312"/>
+            <a:ext cx="4448175" cy="2044776"/>
+          </a:xfrm>
+          <a:prstGeom prst="rect">
+            <a:avLst/>
+          </a:prstGeom>
+        </p:spPr>
+      </p:pic>
+      <p:pic>
+        <p:nvPicPr>
+          <p:cNvPr id="7" name="Content Placeholder 6"/>
+          <p:cNvPicPr>
+            <a:picLocks noGrp="1" noChangeAspect="1"/>
+          </p:cNvPicPr>
+          <p:nvPr>
+            <p:ph sz="half" idx="2"/>
+          </p:nvPr>
+        </p:nvPicPr>
+        <p:blipFill>
+          <a:blip r:embed="rId3"/>
+          <a:stretch>
+            <a:fillRect/>
+          </a:stretch>
+        </p:blipFill>
+        <p:spPr>
+          <a:xfrm>
+            <a:off x="6524625" y="2896770"/>
+            <a:ext cx="4448175" cy="2359859"/>
+          </a:xfrm>
+          <a:prstGeom prst="rect">
+            <a:avLst/>
+          </a:prstGeom>
+        </p:spPr>
+      </p:pic>
+    </p:spTree>
+    <p:extLst>
+      <p:ext uri="{BB962C8B-B14F-4D97-AF65-F5344CB8AC3E}">
+        <p14:creationId xmlns:p14="http://schemas.microsoft.com/office/powerpoint/2010/main" val="1252093353"/>
+      </p:ext>
+    </p:extLst>
+  </p:cSld>
+  <p:clrMapOvr>
+    <a:masterClrMapping/>
+  </p:clrMapOvr>
+</p:sld>
+</file>
+
+<file path=ppt/slides/slide49.xml><?xml version="1.0" encoding="utf-8"?>
+<p:sld xmlns:a="http://schemas.openxmlformats.org/drawingml/2006/main" xmlns:r="http://schemas.openxmlformats.org/officeDocument/2006/relationships" xmlns:p="http://schemas.openxmlformats.org/presentationml/2006/main">
+  <p:cSld>
+    <p:spTree>
+      <p:nvGrpSpPr>
+        <p:cNvPr id="1" name=""/>
+        <p:cNvGrpSpPr/>
+        <p:nvPr/>
+      </p:nvGrpSpPr>
+      <p:grpSpPr>
+        <a:xfrm>
+          <a:off x="0" y="0"/>
+          <a:ext cx="0" cy="0"/>
+          <a:chOff x="0" y="0"/>
+          <a:chExt cx="0" cy="0"/>
+        </a:xfrm>
+      </p:grpSpPr>
+      <p:sp>
+        <p:nvSpPr>
+          <p:cNvPr id="5" name="Title 4"/>
+          <p:cNvSpPr>
+            <a:spLocks noGrp="1"/>
+          </p:cNvSpPr>
+          <p:nvPr>
+            <p:ph type="title"/>
+          </p:nvPr>
+        </p:nvSpPr>
+        <p:spPr/>
+        <p:txBody>
+          <a:bodyPr/>
+          <a:lstStyle/>
+          <a:p>
+            <a:r>
+              <a:rPr lang="de-DE" dirty="0" err="1"/>
+              <a:t>Refactoring</a:t>
+            </a:r>
+            <a:r>
+              <a:rPr lang="de-DE" dirty="0"/>
+              <a:t>	</a:t>
+            </a:r>
+          </a:p>
+        </p:txBody>
+      </p:sp>
+      <p:sp>
+        <p:nvSpPr>
+          <p:cNvPr id="6" name="Content Placeholder 5"/>
+          <p:cNvSpPr>
+            <a:spLocks noGrp="1"/>
+          </p:cNvSpPr>
+          <p:nvPr>
+            <p:ph idx="1"/>
+          </p:nvPr>
+        </p:nvSpPr>
+        <p:spPr/>
+        <p:txBody>
+          <a:bodyPr/>
+          <a:lstStyle/>
+          <a:p>
+            <a:r>
+              <a:rPr lang="de-DE" dirty="0"/>
+              <a:t>Live!</a:t>
+            </a:r>
+          </a:p>
+        </p:txBody>
+      </p:sp>
+    </p:spTree>
+    <p:extLst>
+      <p:ext uri="{BB962C8B-B14F-4D97-AF65-F5344CB8AC3E}">
+        <p14:creationId xmlns:p14="http://schemas.microsoft.com/office/powerpoint/2010/main" val="193731151"/>
+      </p:ext>
+    </p:extLst>
+  </p:cSld>
+  <p:clrMapOvr>
+    <a:masterClrMapping/>
+  </p:clrMapOvr>
+</p:sld>
+</file>
+
+<file path=ppt/slides/slide5.xml><?xml version="1.0" encoding="utf-8"?>
 <p:sld xmlns:a="http://schemas.openxmlformats.org/drawingml/2006/main" xmlns:r="http://schemas.openxmlformats.org/officeDocument/2006/relationships" xmlns:p="http://schemas.openxmlformats.org/presentationml/2006/main">
   <p:cSld>
     <p:spTree>
@@ -8706,7 +12506,7 @@
 </p:sld>
 </file>
 
-<file path=ppt/slides/slide30.xml><?xml version="1.0" encoding="utf-8"?>
+<file path=ppt/slides/slide50.xml><?xml version="1.0" encoding="utf-8"?>
 <p:sld xmlns:a="http://schemas.openxmlformats.org/drawingml/2006/main" xmlns:r="http://schemas.openxmlformats.org/officeDocument/2006/relationships" xmlns:p="http://schemas.openxmlformats.org/presentationml/2006/main">
   <p:cSld>
     <p:spTree>
@@ -8725,128 +12525,6 @@
       </p:grpSpPr>
       <p:sp>
         <p:nvSpPr>
-          <p:cNvPr id="4" name="Title 3"/>
-          <p:cNvSpPr>
-            <a:spLocks noGrp="1"/>
-          </p:cNvSpPr>
-          <p:nvPr>
-            <p:ph type="title"/>
-          </p:nvPr>
-        </p:nvSpPr>
-        <p:spPr>
-          <a:xfrm>
-            <a:off x="1457324" y="342900"/>
-            <a:ext cx="10058401" cy="1514476"/>
-          </a:xfrm>
-        </p:spPr>
-        <p:txBody>
-          <a:bodyPr>
-            <a:normAutofit/>
-          </a:bodyPr>
-          <a:lstStyle/>
-          <a:p>
-            <a:pPr algn="l"/>
-            <a:r>
-              <a:rPr lang="en-GB" dirty="0"/>
-              <a:t>Exercise: Fibonacci I</a:t>
-            </a:r>
-            <a:endParaRPr lang="de-DE" dirty="0"/>
-          </a:p>
-        </p:txBody>
-      </p:sp>
-      <p:sp>
-        <p:nvSpPr>
-          <p:cNvPr id="5" name="Text Placeholder 4"/>
-          <p:cNvSpPr>
-            <a:spLocks noGrp="1"/>
-          </p:cNvSpPr>
-          <p:nvPr>
-            <p:ph type="body" idx="1"/>
-          </p:nvPr>
-        </p:nvSpPr>
-        <p:spPr>
-          <a:xfrm>
-            <a:off x="1457325" y="1981200"/>
-            <a:ext cx="8920671" cy="3378452"/>
-          </a:xfrm>
-        </p:spPr>
-        <p:txBody>
-          <a:bodyPr>
-            <a:normAutofit/>
-          </a:bodyPr>
-          <a:lstStyle/>
-          <a:p>
-            <a:pPr marL="342900" indent="-342900" algn="l">
-              <a:buFont typeface="Wingdings" panose="05000000000000000000" pitchFamily="2" charset="2"/>
-              <a:buChar char="§"/>
-            </a:pPr>
-            <a:r>
-              <a:rPr lang="en-GB" dirty="0"/>
-              <a:t>Write a recursive Fibonacci function</a:t>
-            </a:r>
-          </a:p>
-          <a:p>
-            <a:pPr marL="342900" indent="-342900" algn="l">
-              <a:buFont typeface="Wingdings" panose="05000000000000000000" pitchFamily="2" charset="2"/>
-              <a:buChar char="§"/>
-            </a:pPr>
-            <a:r>
-              <a:rPr lang="en-GB" dirty="0"/>
-              <a:t>Typed!</a:t>
-            </a:r>
-          </a:p>
-          <a:p>
-            <a:pPr marL="342900" indent="-342900" algn="l">
-              <a:buFont typeface="Wingdings" panose="05000000000000000000" pitchFamily="2" charset="2"/>
-              <a:buChar char="§"/>
-            </a:pPr>
-            <a:r>
-              <a:rPr lang="en-GB" dirty="0"/>
-              <a:t>Extra challenge: Make it tail recursive</a:t>
-            </a:r>
-            <a:endParaRPr lang="de-DE" dirty="0"/>
-          </a:p>
-          <a:p>
-            <a:pPr marL="342900" indent="-342900" algn="l">
-              <a:buFont typeface="Wingdings" panose="05000000000000000000" pitchFamily="2" charset="2"/>
-              <a:buChar char="§"/>
-            </a:pPr>
-            <a:endParaRPr lang="de-DE" dirty="0"/>
-          </a:p>
-        </p:txBody>
-      </p:sp>
-    </p:spTree>
-    <p:extLst>
-      <p:ext uri="{BB962C8B-B14F-4D97-AF65-F5344CB8AC3E}">
-        <p14:creationId xmlns:p14="http://schemas.microsoft.com/office/powerpoint/2010/main" val="4154428956"/>
-      </p:ext>
-    </p:extLst>
-  </p:cSld>
-  <p:clrMapOvr>
-    <a:masterClrMapping/>
-  </p:clrMapOvr>
-</p:sld>
-</file>
-
-<file path=ppt/slides/slide31.xml><?xml version="1.0" encoding="utf-8"?>
-<p:sld xmlns:a="http://schemas.openxmlformats.org/drawingml/2006/main" xmlns:r="http://schemas.openxmlformats.org/officeDocument/2006/relationships" xmlns:p="http://schemas.openxmlformats.org/presentationml/2006/main">
-  <p:cSld>
-    <p:spTree>
-      <p:nvGrpSpPr>
-        <p:cNvPr id="1" name=""/>
-        <p:cNvGrpSpPr/>
-        <p:nvPr/>
-      </p:nvGrpSpPr>
-      <p:grpSpPr>
-        <a:xfrm>
-          <a:off x="0" y="0"/>
-          <a:ext cx="0" cy="0"/>
-          <a:chOff x="0" y="0"/>
-          <a:chExt cx="0" cy="0"/>
-        </a:xfrm>
-      </p:grpSpPr>
-      <p:sp>
-        <p:nvSpPr>
           <p:cNvPr id="2" name="Title 1"/>
           <p:cNvSpPr>
             <a:spLocks noGrp="1"/>
@@ -8861,8 +12539,8 @@
           <a:lstStyle/>
           <a:p>
             <a:r>
-              <a:rPr lang="en-GB" dirty="0"/>
-              <a:t>Exercise: Fibonacci I</a:t>
+              <a:rPr lang="de-DE" dirty="0" err="1"/>
+              <a:t>parseInt</a:t>
             </a:r>
             <a:endParaRPr lang="de-DE" dirty="0"/>
           </a:p>
@@ -8885,144 +12563,16 @@
         <p:spPr>
           <a:xfrm>
             <a:off x="1371600" y="2171700"/>
-            <a:ext cx="10801350" cy="324568"/>
+            <a:ext cx="7802064" cy="457264"/>
           </a:xfrm>
           <a:prstGeom prst="rect">
             <a:avLst/>
           </a:prstGeom>
         </p:spPr>
       </p:pic>
-      <p:sp>
-        <p:nvSpPr>
-          <p:cNvPr id="5" name="TextBox 4"/>
-          <p:cNvSpPr txBox="1"/>
-          <p:nvPr/>
-        </p:nvSpPr>
-        <p:spPr>
-          <a:xfrm>
-            <a:off x="1371600" y="3288268"/>
-            <a:ext cx="1990724" cy="369332"/>
-          </a:xfrm>
-          <a:prstGeom prst="rect">
-            <a:avLst/>
-          </a:prstGeom>
-          <a:solidFill>
-            <a:srgbClr val="92D050">
-              <a:alpha val="25000"/>
-            </a:srgbClr>
-          </a:solidFill>
-        </p:spPr>
-        <p:txBody>
-          <a:bodyPr wrap="square" rtlCol="0">
-            <a:spAutoFit/>
-          </a:bodyPr>
-          <a:lstStyle/>
-          <a:p>
-            <a:r>
-              <a:rPr lang="en-GB" dirty="0"/>
-              <a:t>Function Body</a:t>
-            </a:r>
-            <a:endParaRPr lang="de-DE" dirty="0"/>
-          </a:p>
-        </p:txBody>
-      </p:sp>
-      <p:sp>
-        <p:nvSpPr>
-          <p:cNvPr id="6" name="TextBox 5"/>
-          <p:cNvSpPr txBox="1"/>
-          <p:nvPr/>
-        </p:nvSpPr>
-        <p:spPr>
-          <a:xfrm>
-            <a:off x="7162800" y="2126936"/>
-            <a:ext cx="5043487" cy="369332"/>
-          </a:xfrm>
-          <a:prstGeom prst="rect">
-            <a:avLst/>
-          </a:prstGeom>
-          <a:solidFill>
-            <a:srgbClr val="92D050">
-              <a:alpha val="25000"/>
-            </a:srgbClr>
-          </a:solidFill>
-        </p:spPr>
-        <p:txBody>
-          <a:bodyPr wrap="square" rtlCol="0">
-            <a:spAutoFit/>
-          </a:bodyPr>
-          <a:lstStyle/>
-          <a:p>
-            <a:endParaRPr lang="de-DE" dirty="0"/>
-          </a:p>
-        </p:txBody>
-      </p:sp>
-      <p:sp>
-        <p:nvSpPr>
-          <p:cNvPr id="7" name="TextBox 6"/>
-          <p:cNvSpPr txBox="1"/>
-          <p:nvPr/>
-        </p:nvSpPr>
-        <p:spPr>
-          <a:xfrm>
-            <a:off x="1371600" y="2805930"/>
-            <a:ext cx="1484722" cy="369332"/>
-          </a:xfrm>
-          <a:prstGeom prst="rect">
-            <a:avLst/>
-          </a:prstGeom>
-          <a:solidFill>
-            <a:srgbClr val="FFFF00">
-              <a:alpha val="25000"/>
-            </a:srgbClr>
-          </a:solidFill>
-        </p:spPr>
-        <p:txBody>
-          <a:bodyPr wrap="square" rtlCol="0">
-            <a:spAutoFit/>
-          </a:bodyPr>
-          <a:lstStyle/>
-          <a:p>
-            <a:r>
-              <a:rPr lang="en-GB" dirty="0"/>
-              <a:t>Parameters</a:t>
-            </a:r>
-            <a:endParaRPr lang="de-DE" dirty="0"/>
-          </a:p>
-        </p:txBody>
-      </p:sp>
-      <p:sp>
-        <p:nvSpPr>
-          <p:cNvPr id="8" name="TextBox 7"/>
-          <p:cNvSpPr txBox="1"/>
-          <p:nvPr/>
-        </p:nvSpPr>
-        <p:spPr>
-          <a:xfrm>
-            <a:off x="3589747" y="2126936"/>
-            <a:ext cx="3125377" cy="369332"/>
-          </a:xfrm>
-          <a:prstGeom prst="rect">
-            <a:avLst/>
-          </a:prstGeom>
-          <a:solidFill>
-            <a:srgbClr val="FFFF00">
-              <a:alpha val="25000"/>
-            </a:srgbClr>
-          </a:solidFill>
-        </p:spPr>
-        <p:txBody>
-          <a:bodyPr wrap="square" rtlCol="0">
-            <a:spAutoFit/>
-          </a:bodyPr>
-          <a:lstStyle/>
-          <a:p>
-            <a:endParaRPr lang="de-DE" dirty="0"/>
-          </a:p>
-        </p:txBody>
-      </p:sp>
       <p:pic>
         <p:nvPicPr>
-          <p:cNvPr id="9" name="Picture 8"/>
+          <p:cNvPr id="5" name="Picture 4"/>
           <p:cNvPicPr>
             <a:picLocks noChangeAspect="1"/>
           </p:cNvPicPr>
@@ -9036,8 +12586,32 @@
         </p:blipFill>
         <p:spPr>
           <a:xfrm>
-            <a:off x="1371600" y="4449600"/>
-            <a:ext cx="4990244" cy="302204"/>
+            <a:off x="1371600" y="3939703"/>
+            <a:ext cx="8735736" cy="350322"/>
+          </a:xfrm>
+          <a:prstGeom prst="rect">
+            <a:avLst/>
+          </a:prstGeom>
+        </p:spPr>
+      </p:pic>
+      <p:pic>
+        <p:nvPicPr>
+          <p:cNvPr id="6" name="Picture 5"/>
+          <p:cNvPicPr>
+            <a:picLocks noChangeAspect="1"/>
+          </p:cNvPicPr>
+          <p:nvPr/>
+        </p:nvPicPr>
+        <p:blipFill>
+          <a:blip r:embed="rId4"/>
+          <a:stretch>
+            <a:fillRect/>
+          </a:stretch>
+        </p:blipFill>
+        <p:spPr>
+          <a:xfrm>
+            <a:off x="1371600" y="3282839"/>
+            <a:ext cx="7041910" cy="399200"/>
           </a:xfrm>
           <a:prstGeom prst="rect">
             <a:avLst/>
@@ -9047,7 +12621,7 @@
     </p:spTree>
     <p:extLst>
       <p:ext uri="{BB962C8B-B14F-4D97-AF65-F5344CB8AC3E}">
-        <p14:creationId xmlns:p14="http://schemas.microsoft.com/office/powerpoint/2010/main" val="165278132"/>
+        <p14:creationId xmlns:p14="http://schemas.microsoft.com/office/powerpoint/2010/main" val="3092542509"/>
       </p:ext>
     </p:extLst>
   </p:cSld>
@@ -9088,7 +12662,7 @@
                                           </p:stCondLst>
                                         </p:cTn>
                                         <p:tgtEl>
-                                          <p:spTgt spid="4"/>
+                                          <p:spTgt spid="6"/>
                                         </p:tgtEl>
                                         <p:attrNameLst>
                                           <p:attrName>style.visibility</p:attrName>
@@ -9120,7 +12694,7 @@
                             </p:stCondLst>
                             <p:childTnLst>
                               <p:par>
-                                <p:cTn id="9" presetID="1" presetClass="entr" presetSubtype="0" fill="hold" grpId="0" nodeType="clickEffect">
+                                <p:cTn id="9" presetID="1" presetClass="entr" presetSubtype="0" fill="hold" nodeType="clickEffect">
                                   <p:stCondLst>
                                     <p:cond delay="0"/>
                                   </p:stCondLst>
@@ -9134,1028 +12708,6 @@
                                         </p:cTn>
                                         <p:tgtEl>
                                           <p:spTgt spid="5"/>
-                                        </p:tgtEl>
-                                        <p:attrNameLst>
-                                          <p:attrName>style.visibility</p:attrName>
-                                        </p:attrNameLst>
-                                      </p:cBhvr>
-                                      <p:to>
-                                        <p:strVal val="visible"/>
-                                      </p:to>
-                                    </p:set>
-                                  </p:childTnLst>
-                                </p:cTn>
-                              </p:par>
-                              <p:par>
-                                <p:cTn id="11" presetID="1" presetClass="entr" presetSubtype="0" fill="hold" grpId="0" nodeType="withEffect">
-                                  <p:stCondLst>
-                                    <p:cond delay="0"/>
-                                  </p:stCondLst>
-                                  <p:childTnLst>
-                                    <p:set>
-                                      <p:cBhvr>
-                                        <p:cTn id="12" dur="1" fill="hold">
-                                          <p:stCondLst>
-                                            <p:cond delay="0"/>
-                                          </p:stCondLst>
-                                        </p:cTn>
-                                        <p:tgtEl>
-                                          <p:spTgt spid="6"/>
-                                        </p:tgtEl>
-                                        <p:attrNameLst>
-                                          <p:attrName>style.visibility</p:attrName>
-                                        </p:attrNameLst>
-                                      </p:cBhvr>
-                                      <p:to>
-                                        <p:strVal val="visible"/>
-                                      </p:to>
-                                    </p:set>
-                                  </p:childTnLst>
-                                </p:cTn>
-                              </p:par>
-                              <p:par>
-                                <p:cTn id="13" presetID="1" presetClass="entr" presetSubtype="0" fill="hold" grpId="0" nodeType="withEffect">
-                                  <p:stCondLst>
-                                    <p:cond delay="0"/>
-                                  </p:stCondLst>
-                                  <p:childTnLst>
-                                    <p:set>
-                                      <p:cBhvr>
-                                        <p:cTn id="14" dur="1" fill="hold">
-                                          <p:stCondLst>
-                                            <p:cond delay="0"/>
-                                          </p:stCondLst>
-                                        </p:cTn>
-                                        <p:tgtEl>
-                                          <p:spTgt spid="7"/>
-                                        </p:tgtEl>
-                                        <p:attrNameLst>
-                                          <p:attrName>style.visibility</p:attrName>
-                                        </p:attrNameLst>
-                                      </p:cBhvr>
-                                      <p:to>
-                                        <p:strVal val="visible"/>
-                                      </p:to>
-                                    </p:set>
-                                  </p:childTnLst>
-                                </p:cTn>
-                              </p:par>
-                              <p:par>
-                                <p:cTn id="15" presetID="1" presetClass="entr" presetSubtype="0" fill="hold" grpId="0" nodeType="withEffect">
-                                  <p:stCondLst>
-                                    <p:cond delay="0"/>
-                                  </p:stCondLst>
-                                  <p:childTnLst>
-                                    <p:set>
-                                      <p:cBhvr>
-                                        <p:cTn id="16" dur="1" fill="hold">
-                                          <p:stCondLst>
-                                            <p:cond delay="0"/>
-                                          </p:stCondLst>
-                                        </p:cTn>
-                                        <p:tgtEl>
-                                          <p:spTgt spid="8"/>
-                                        </p:tgtEl>
-                                        <p:attrNameLst>
-                                          <p:attrName>style.visibility</p:attrName>
-                                        </p:attrNameLst>
-                                      </p:cBhvr>
-                                      <p:to>
-                                        <p:strVal val="visible"/>
-                                      </p:to>
-                                    </p:set>
-                                  </p:childTnLst>
-                                </p:cTn>
-                              </p:par>
-                            </p:childTnLst>
-                          </p:cTn>
-                        </p:par>
-                      </p:childTnLst>
-                    </p:cTn>
-                  </p:par>
-                  <p:par>
-                    <p:cTn id="17" fill="hold">
-                      <p:stCondLst>
-                        <p:cond delay="indefinite"/>
-                      </p:stCondLst>
-                      <p:childTnLst>
-                        <p:par>
-                          <p:cTn id="18" fill="hold">
-                            <p:stCondLst>
-                              <p:cond delay="0"/>
-                            </p:stCondLst>
-                            <p:childTnLst>
-                              <p:par>
-                                <p:cTn id="19" presetID="1" presetClass="entr" presetSubtype="0" fill="hold" nodeType="clickEffect">
-                                  <p:stCondLst>
-                                    <p:cond delay="0"/>
-                                  </p:stCondLst>
-                                  <p:childTnLst>
-                                    <p:set>
-                                      <p:cBhvr>
-                                        <p:cTn id="20" dur="1" fill="hold">
-                                          <p:stCondLst>
-                                            <p:cond delay="0"/>
-                                          </p:stCondLst>
-                                        </p:cTn>
-                                        <p:tgtEl>
-                                          <p:spTgt spid="9"/>
-                                        </p:tgtEl>
-                                        <p:attrNameLst>
-                                          <p:attrName>style.visibility</p:attrName>
-                                        </p:attrNameLst>
-                                      </p:cBhvr>
-                                      <p:to>
-                                        <p:strVal val="visible"/>
-                                      </p:to>
-                                    </p:set>
-                                  </p:childTnLst>
-                                </p:cTn>
-                              </p:par>
-                            </p:childTnLst>
-                          </p:cTn>
-                        </p:par>
-                      </p:childTnLst>
-                    </p:cTn>
-                  </p:par>
-                </p:childTnLst>
-              </p:cTn>
-              <p:prevCondLst>
-                <p:cond evt="onPrev" delay="0">
-                  <p:tgtEl>
-                    <p:sldTgt/>
-                  </p:tgtEl>
-                </p:cond>
-              </p:prevCondLst>
-              <p:nextCondLst>
-                <p:cond evt="onNext" delay="0">
-                  <p:tgtEl>
-                    <p:sldTgt/>
-                  </p:tgtEl>
-                </p:cond>
-              </p:nextCondLst>
-            </p:seq>
-          </p:childTnLst>
-        </p:cTn>
-      </p:par>
-    </p:tnLst>
-    <p:bldLst>
-      <p:bldP spid="5" grpId="0" animBg="1"/>
-      <p:bldP spid="6" grpId="0" animBg="1"/>
-      <p:bldP spid="7" grpId="0" animBg="1"/>
-      <p:bldP spid="8" grpId="0" animBg="1"/>
-    </p:bldLst>
-  </p:timing>
-</p:sld>
-</file>
-
-<file path=ppt/slides/slide32.xml><?xml version="1.0" encoding="utf-8"?>
-<p:sld xmlns:a="http://schemas.openxmlformats.org/drawingml/2006/main" xmlns:r="http://schemas.openxmlformats.org/officeDocument/2006/relationships" xmlns:p="http://schemas.openxmlformats.org/presentationml/2006/main">
-  <p:cSld>
-    <p:spTree>
-      <p:nvGrpSpPr>
-        <p:cNvPr id="1" name=""/>
-        <p:cNvGrpSpPr/>
-        <p:nvPr/>
-      </p:nvGrpSpPr>
-      <p:grpSpPr>
-        <a:xfrm>
-          <a:off x="0" y="0"/>
-          <a:ext cx="0" cy="0"/>
-          <a:chOff x="0" y="0"/>
-          <a:chExt cx="0" cy="0"/>
-        </a:xfrm>
-      </p:grpSpPr>
-      <p:sp>
-        <p:nvSpPr>
-          <p:cNvPr id="5" name="Title 4"/>
-          <p:cNvSpPr>
-            <a:spLocks noGrp="1"/>
-          </p:cNvSpPr>
-          <p:nvPr>
-            <p:ph type="title"/>
-          </p:nvPr>
-        </p:nvSpPr>
-        <p:spPr/>
-        <p:txBody>
-          <a:bodyPr/>
-          <a:lstStyle/>
-          <a:p>
-            <a:r>
-              <a:rPr lang="en-GB" dirty="0"/>
-              <a:t>Rest Parameters</a:t>
-            </a:r>
-            <a:endParaRPr lang="de-DE" dirty="0"/>
-          </a:p>
-        </p:txBody>
-      </p:sp>
-      <p:pic>
-        <p:nvPicPr>
-          <p:cNvPr id="14" name="Content Placeholder 13"/>
-          <p:cNvPicPr>
-            <a:picLocks noGrp="1" noChangeAspect="1"/>
-          </p:cNvPicPr>
-          <p:nvPr>
-            <p:ph idx="1"/>
-          </p:nvPr>
-        </p:nvPicPr>
-        <p:blipFill>
-          <a:blip r:embed="rId2"/>
-          <a:stretch>
-            <a:fillRect/>
-          </a:stretch>
-        </p:blipFill>
-        <p:spPr>
-          <a:xfrm>
-            <a:off x="1371600" y="2197100"/>
-            <a:ext cx="9601200" cy="1296008"/>
-          </a:xfrm>
-          <a:prstGeom prst="rect">
-            <a:avLst/>
-          </a:prstGeom>
-        </p:spPr>
-      </p:pic>
-      <p:sp>
-        <p:nvSpPr>
-          <p:cNvPr id="8" name="TextBox 7">
-            <a:hlinkClick r:id="rId3" action="ppaction://hlinksldjump"/>
-          </p:cNvPr>
-          <p:cNvSpPr txBox="1"/>
-          <p:nvPr/>
-        </p:nvSpPr>
-        <p:spPr>
-          <a:xfrm>
-            <a:off x="706583" y="5938"/>
-            <a:ext cx="2054431" cy="400110"/>
-          </a:xfrm>
-          <a:prstGeom prst="rect">
-            <a:avLst/>
-          </a:prstGeom>
-          <a:noFill/>
-        </p:spPr>
-        <p:txBody>
-          <a:bodyPr wrap="square" rtlCol="0">
-            <a:spAutoFit/>
-          </a:bodyPr>
-          <a:lstStyle/>
-          <a:p>
-            <a:r>
-              <a:rPr lang="en-GB" sz="2000" dirty="0"/>
-              <a:t>Functions</a:t>
-            </a:r>
-            <a:endParaRPr lang="de-DE" dirty="0"/>
-          </a:p>
-        </p:txBody>
-      </p:sp>
-      <p:sp>
-        <p:nvSpPr>
-          <p:cNvPr id="9" name="TextBox 8"/>
-          <p:cNvSpPr txBox="1"/>
-          <p:nvPr/>
-        </p:nvSpPr>
-        <p:spPr>
-          <a:xfrm>
-            <a:off x="7831455" y="2171700"/>
-            <a:ext cx="2667000" cy="261610"/>
-          </a:xfrm>
-          <a:prstGeom prst="rect">
-            <a:avLst/>
-          </a:prstGeom>
-          <a:solidFill>
-            <a:schemeClr val="tx2">
-              <a:lumMod val="50000"/>
-              <a:lumOff val="50000"/>
-              <a:alpha val="25000"/>
-            </a:schemeClr>
-          </a:solidFill>
-        </p:spPr>
-        <p:txBody>
-          <a:bodyPr wrap="square" rtlCol="0">
-            <a:spAutoFit/>
-          </a:bodyPr>
-          <a:lstStyle/>
-          <a:p>
-            <a:endParaRPr lang="de-DE" sz="1100" dirty="0"/>
-          </a:p>
-        </p:txBody>
-      </p:sp>
-      <p:sp>
-        <p:nvSpPr>
-          <p:cNvPr id="11" name="TextBox 10"/>
-          <p:cNvSpPr txBox="1"/>
-          <p:nvPr/>
-        </p:nvSpPr>
-        <p:spPr>
-          <a:xfrm>
-            <a:off x="4953000" y="2954543"/>
-            <a:ext cx="2240280" cy="261610"/>
-          </a:xfrm>
-          <a:prstGeom prst="rect">
-            <a:avLst/>
-          </a:prstGeom>
-          <a:solidFill>
-            <a:schemeClr val="tx2">
-              <a:lumMod val="50000"/>
-              <a:lumOff val="50000"/>
-              <a:alpha val="25000"/>
-            </a:schemeClr>
-          </a:solidFill>
-        </p:spPr>
-        <p:txBody>
-          <a:bodyPr wrap="square" rtlCol="0">
-            <a:spAutoFit/>
-          </a:bodyPr>
-          <a:lstStyle/>
-          <a:p>
-            <a:endParaRPr lang="de-DE" sz="1100" dirty="0"/>
-          </a:p>
-        </p:txBody>
-      </p:sp>
-    </p:spTree>
-    <p:extLst>
-      <p:ext uri="{BB962C8B-B14F-4D97-AF65-F5344CB8AC3E}">
-        <p14:creationId xmlns:p14="http://schemas.microsoft.com/office/powerpoint/2010/main" val="2182288474"/>
-      </p:ext>
-    </p:extLst>
-  </p:cSld>
-  <p:clrMapOvr>
-    <a:masterClrMapping/>
-  </p:clrMapOvr>
-  <p:timing>
-    <p:tnLst>
-      <p:par>
-        <p:cTn id="1" dur="indefinite" restart="never" nodeType="tmRoot">
-          <p:childTnLst>
-            <p:seq concurrent="1" nextAc="seek">
-              <p:cTn id="2" dur="indefinite" nodeType="mainSeq">
-                <p:childTnLst>
-                  <p:par>
-                    <p:cTn id="3" fill="hold">
-                      <p:stCondLst>
-                        <p:cond delay="indefinite"/>
-                      </p:stCondLst>
-                      <p:childTnLst>
-                        <p:par>
-                          <p:cTn id="4" fill="hold">
-                            <p:stCondLst>
-                              <p:cond delay="0"/>
-                            </p:stCondLst>
-                            <p:childTnLst>
-                              <p:par>
-                                <p:cTn id="5" presetID="1" presetClass="entr" presetSubtype="0" fill="hold" grpId="0" nodeType="clickEffect">
-                                  <p:stCondLst>
-                                    <p:cond delay="0"/>
-                                  </p:stCondLst>
-                                  <p:childTnLst>
-                                    <p:set>
-                                      <p:cBhvr>
-                                        <p:cTn id="6" dur="1" fill="hold">
-                                          <p:stCondLst>
-                                            <p:cond delay="0"/>
-                                          </p:stCondLst>
-                                        </p:cTn>
-                                        <p:tgtEl>
-                                          <p:spTgt spid="11"/>
-                                        </p:tgtEl>
-                                        <p:attrNameLst>
-                                          <p:attrName>style.visibility</p:attrName>
-                                        </p:attrNameLst>
-                                      </p:cBhvr>
-                                      <p:to>
-                                        <p:strVal val="visible"/>
-                                      </p:to>
-                                    </p:set>
-                                  </p:childTnLst>
-                                </p:cTn>
-                              </p:par>
-                              <p:par>
-                                <p:cTn id="7" presetID="1" presetClass="entr" presetSubtype="0" fill="hold" grpId="0" nodeType="withEffect">
-                                  <p:stCondLst>
-                                    <p:cond delay="0"/>
-                                  </p:stCondLst>
-                                  <p:childTnLst>
-                                    <p:set>
-                                      <p:cBhvr>
-                                        <p:cTn id="8" dur="1" fill="hold">
-                                          <p:stCondLst>
-                                            <p:cond delay="0"/>
-                                          </p:stCondLst>
-                                        </p:cTn>
-                                        <p:tgtEl>
-                                          <p:spTgt spid="9"/>
-                                        </p:tgtEl>
-                                        <p:attrNameLst>
-                                          <p:attrName>style.visibility</p:attrName>
-                                        </p:attrNameLst>
-                                      </p:cBhvr>
-                                      <p:to>
-                                        <p:strVal val="visible"/>
-                                      </p:to>
-                                    </p:set>
-                                  </p:childTnLst>
-                                </p:cTn>
-                              </p:par>
-                            </p:childTnLst>
-                          </p:cTn>
-                        </p:par>
-                      </p:childTnLst>
-                    </p:cTn>
-                  </p:par>
-                </p:childTnLst>
-              </p:cTn>
-              <p:prevCondLst>
-                <p:cond evt="onPrev" delay="0">
-                  <p:tgtEl>
-                    <p:sldTgt/>
-                  </p:tgtEl>
-                </p:cond>
-              </p:prevCondLst>
-              <p:nextCondLst>
-                <p:cond evt="onNext" delay="0">
-                  <p:tgtEl>
-                    <p:sldTgt/>
-                  </p:tgtEl>
-                </p:cond>
-              </p:nextCondLst>
-            </p:seq>
-          </p:childTnLst>
-        </p:cTn>
-      </p:par>
-    </p:tnLst>
-    <p:bldLst>
-      <p:bldP spid="9" grpId="0" animBg="1"/>
-      <p:bldP spid="11" grpId="0" animBg="1"/>
-    </p:bldLst>
-  </p:timing>
-</p:sld>
-</file>
-
-<file path=ppt/slides/slide33.xml><?xml version="1.0" encoding="utf-8"?>
-<p:sld xmlns:a="http://schemas.openxmlformats.org/drawingml/2006/main" xmlns:r="http://schemas.openxmlformats.org/officeDocument/2006/relationships" xmlns:p="http://schemas.openxmlformats.org/presentationml/2006/main">
-  <p:cSld>
-    <p:spTree>
-      <p:nvGrpSpPr>
-        <p:cNvPr id="1" name=""/>
-        <p:cNvGrpSpPr/>
-        <p:nvPr/>
-      </p:nvGrpSpPr>
-      <p:grpSpPr>
-        <a:xfrm>
-          <a:off x="0" y="0"/>
-          <a:ext cx="0" cy="0"/>
-          <a:chOff x="0" y="0"/>
-          <a:chExt cx="0" cy="0"/>
-        </a:xfrm>
-      </p:grpSpPr>
-      <p:sp>
-        <p:nvSpPr>
-          <p:cNvPr id="5" name="Title 4"/>
-          <p:cNvSpPr>
-            <a:spLocks noGrp="1"/>
-          </p:cNvSpPr>
-          <p:nvPr>
-            <p:ph type="title"/>
-          </p:nvPr>
-        </p:nvSpPr>
-        <p:spPr/>
-        <p:txBody>
-          <a:bodyPr/>
-          <a:lstStyle/>
-          <a:p>
-            <a:r>
-              <a:rPr lang="en-GB" dirty="0"/>
-              <a:t>Optional Parameters</a:t>
-            </a:r>
-            <a:endParaRPr lang="de-DE" dirty="0"/>
-          </a:p>
-        </p:txBody>
-      </p:sp>
-      <p:pic>
-        <p:nvPicPr>
-          <p:cNvPr id="6" name="Content Placeholder 5"/>
-          <p:cNvPicPr>
-            <a:picLocks noGrp="1" noChangeAspect="1"/>
-          </p:cNvPicPr>
-          <p:nvPr>
-            <p:ph idx="1"/>
-          </p:nvPr>
-        </p:nvPicPr>
-        <p:blipFill>
-          <a:blip r:embed="rId2"/>
-          <a:stretch>
-            <a:fillRect/>
-          </a:stretch>
-        </p:blipFill>
-        <p:spPr>
-          <a:xfrm>
-            <a:off x="1371600" y="2171700"/>
-            <a:ext cx="10325194" cy="2422538"/>
-          </a:xfrm>
-          <a:prstGeom prst="rect">
-            <a:avLst/>
-          </a:prstGeom>
-        </p:spPr>
-      </p:pic>
-      <p:sp>
-        <p:nvSpPr>
-          <p:cNvPr id="8" name="TextBox 7">
-            <a:hlinkClick r:id="rId3" action="ppaction://hlinksldjump"/>
-          </p:cNvPr>
-          <p:cNvSpPr txBox="1"/>
-          <p:nvPr/>
-        </p:nvSpPr>
-        <p:spPr>
-          <a:xfrm>
-            <a:off x="706583" y="5938"/>
-            <a:ext cx="2054431" cy="400110"/>
-          </a:xfrm>
-          <a:prstGeom prst="rect">
-            <a:avLst/>
-          </a:prstGeom>
-          <a:noFill/>
-        </p:spPr>
-        <p:txBody>
-          <a:bodyPr wrap="square" rtlCol="0">
-            <a:spAutoFit/>
-          </a:bodyPr>
-          <a:lstStyle/>
-          <a:p>
-            <a:r>
-              <a:rPr lang="en-GB" sz="2000" dirty="0"/>
-              <a:t>Functions</a:t>
-            </a:r>
-            <a:endParaRPr lang="de-DE" dirty="0"/>
-          </a:p>
-        </p:txBody>
-      </p:sp>
-      <p:sp>
-        <p:nvSpPr>
-          <p:cNvPr id="10" name="TextBox 9"/>
-          <p:cNvSpPr txBox="1"/>
-          <p:nvPr/>
-        </p:nvSpPr>
-        <p:spPr>
-          <a:xfrm>
-            <a:off x="3514725" y="2171700"/>
-            <a:ext cx="1673225" cy="261610"/>
-          </a:xfrm>
-          <a:prstGeom prst="rect">
-            <a:avLst/>
-          </a:prstGeom>
-          <a:solidFill>
-            <a:schemeClr val="tx2">
-              <a:lumMod val="50000"/>
-              <a:lumOff val="50000"/>
-              <a:alpha val="25000"/>
-            </a:schemeClr>
-          </a:solidFill>
-        </p:spPr>
-        <p:txBody>
-          <a:bodyPr wrap="square" rtlCol="0">
-            <a:spAutoFit/>
-          </a:bodyPr>
-          <a:lstStyle/>
-          <a:p>
-            <a:endParaRPr lang="de-DE" sz="1100" dirty="0"/>
-          </a:p>
-        </p:txBody>
-      </p:sp>
-      <p:sp>
-        <p:nvSpPr>
-          <p:cNvPr id="11" name="TextBox 10"/>
-          <p:cNvSpPr txBox="1"/>
-          <p:nvPr/>
-        </p:nvSpPr>
-        <p:spPr>
-          <a:xfrm>
-            <a:off x="5373083" y="3759871"/>
-            <a:ext cx="2640618" cy="261610"/>
-          </a:xfrm>
-          <a:prstGeom prst="rect">
-            <a:avLst/>
-          </a:prstGeom>
-          <a:solidFill>
-            <a:schemeClr val="tx2">
-              <a:lumMod val="50000"/>
-              <a:lumOff val="50000"/>
-              <a:alpha val="25000"/>
-            </a:schemeClr>
-          </a:solidFill>
-        </p:spPr>
-        <p:txBody>
-          <a:bodyPr wrap="square" rtlCol="0">
-            <a:spAutoFit/>
-          </a:bodyPr>
-          <a:lstStyle/>
-          <a:p>
-            <a:endParaRPr lang="de-DE" sz="1100" dirty="0"/>
-          </a:p>
-        </p:txBody>
-      </p:sp>
-    </p:spTree>
-    <p:extLst>
-      <p:ext uri="{BB962C8B-B14F-4D97-AF65-F5344CB8AC3E}">
-        <p14:creationId xmlns:p14="http://schemas.microsoft.com/office/powerpoint/2010/main" val="2353907847"/>
-      </p:ext>
-    </p:extLst>
-  </p:cSld>
-  <p:clrMapOvr>
-    <a:masterClrMapping/>
-  </p:clrMapOvr>
-  <p:timing>
-    <p:tnLst>
-      <p:par>
-        <p:cTn id="1" dur="indefinite" restart="never" nodeType="tmRoot">
-          <p:childTnLst>
-            <p:seq concurrent="1" nextAc="seek">
-              <p:cTn id="2" dur="indefinite" nodeType="mainSeq">
-                <p:childTnLst>
-                  <p:par>
-                    <p:cTn id="3" fill="hold">
-                      <p:stCondLst>
-                        <p:cond delay="indefinite"/>
-                      </p:stCondLst>
-                      <p:childTnLst>
-                        <p:par>
-                          <p:cTn id="4" fill="hold">
-                            <p:stCondLst>
-                              <p:cond delay="0"/>
-                            </p:stCondLst>
-                            <p:childTnLst>
-                              <p:par>
-                                <p:cTn id="5" presetID="1" presetClass="entr" presetSubtype="0" fill="hold" grpId="0" nodeType="clickEffect">
-                                  <p:stCondLst>
-                                    <p:cond delay="0"/>
-                                  </p:stCondLst>
-                                  <p:childTnLst>
-                                    <p:set>
-                                      <p:cBhvr>
-                                        <p:cTn id="6" dur="1" fill="hold">
-                                          <p:stCondLst>
-                                            <p:cond delay="0"/>
-                                          </p:stCondLst>
-                                        </p:cTn>
-                                        <p:tgtEl>
-                                          <p:spTgt spid="11"/>
-                                        </p:tgtEl>
-                                        <p:attrNameLst>
-                                          <p:attrName>style.visibility</p:attrName>
-                                        </p:attrNameLst>
-                                      </p:cBhvr>
-                                      <p:to>
-                                        <p:strVal val="visible"/>
-                                      </p:to>
-                                    </p:set>
-                                  </p:childTnLst>
-                                </p:cTn>
-                              </p:par>
-                              <p:par>
-                                <p:cTn id="7" presetID="1" presetClass="entr" presetSubtype="0" fill="hold" grpId="0" nodeType="withEffect">
-                                  <p:stCondLst>
-                                    <p:cond delay="0"/>
-                                  </p:stCondLst>
-                                  <p:childTnLst>
-                                    <p:set>
-                                      <p:cBhvr>
-                                        <p:cTn id="8" dur="1" fill="hold">
-                                          <p:stCondLst>
-                                            <p:cond delay="0"/>
-                                          </p:stCondLst>
-                                        </p:cTn>
-                                        <p:tgtEl>
-                                          <p:spTgt spid="10"/>
-                                        </p:tgtEl>
-                                        <p:attrNameLst>
-                                          <p:attrName>style.visibility</p:attrName>
-                                        </p:attrNameLst>
-                                      </p:cBhvr>
-                                      <p:to>
-                                        <p:strVal val="visible"/>
-                                      </p:to>
-                                    </p:set>
-                                  </p:childTnLst>
-                                </p:cTn>
-                              </p:par>
-                            </p:childTnLst>
-                          </p:cTn>
-                        </p:par>
-                      </p:childTnLst>
-                    </p:cTn>
-                  </p:par>
-                </p:childTnLst>
-              </p:cTn>
-              <p:prevCondLst>
-                <p:cond evt="onPrev" delay="0">
-                  <p:tgtEl>
-                    <p:sldTgt/>
-                  </p:tgtEl>
-                </p:cond>
-              </p:prevCondLst>
-              <p:nextCondLst>
-                <p:cond evt="onNext" delay="0">
-                  <p:tgtEl>
-                    <p:sldTgt/>
-                  </p:tgtEl>
-                </p:cond>
-              </p:nextCondLst>
-            </p:seq>
-          </p:childTnLst>
-        </p:cTn>
-      </p:par>
-    </p:tnLst>
-    <p:bldLst>
-      <p:bldP spid="10" grpId="0" animBg="1"/>
-      <p:bldP spid="11" grpId="0" animBg="1"/>
-    </p:bldLst>
-  </p:timing>
-</p:sld>
-</file>
-
-<file path=ppt/slides/slide34.xml><?xml version="1.0" encoding="utf-8"?>
-<p:sld xmlns:a="http://schemas.openxmlformats.org/drawingml/2006/main" xmlns:r="http://schemas.openxmlformats.org/officeDocument/2006/relationships" xmlns:p="http://schemas.openxmlformats.org/presentationml/2006/main">
-  <p:cSld>
-    <p:spTree>
-      <p:nvGrpSpPr>
-        <p:cNvPr id="1" name=""/>
-        <p:cNvGrpSpPr/>
-        <p:nvPr/>
-      </p:nvGrpSpPr>
-      <p:grpSpPr>
-        <a:xfrm>
-          <a:off x="0" y="0"/>
-          <a:ext cx="0" cy="0"/>
-          <a:chOff x="0" y="0"/>
-          <a:chExt cx="0" cy="0"/>
-        </a:xfrm>
-      </p:grpSpPr>
-      <p:sp>
-        <p:nvSpPr>
-          <p:cNvPr id="2" name="Title 1"/>
-          <p:cNvSpPr>
-            <a:spLocks noGrp="1"/>
-          </p:cNvSpPr>
-          <p:nvPr>
-            <p:ph type="title"/>
-          </p:nvPr>
-        </p:nvSpPr>
-        <p:spPr/>
-        <p:txBody>
-          <a:bodyPr/>
-          <a:lstStyle/>
-          <a:p>
-            <a:r>
-              <a:rPr lang="en-GB" dirty="0"/>
-              <a:t>Lazy Generators (ES6 only!)</a:t>
-            </a:r>
-            <a:endParaRPr lang="de-DE" dirty="0"/>
-          </a:p>
-        </p:txBody>
-      </p:sp>
-      <p:pic>
-        <p:nvPicPr>
-          <p:cNvPr id="6" name="Content Placeholder 5"/>
-          <p:cNvPicPr>
-            <a:picLocks noGrp="1" noChangeAspect="1"/>
-          </p:cNvPicPr>
-          <p:nvPr>
-            <p:ph idx="1"/>
-          </p:nvPr>
-        </p:nvPicPr>
-        <p:blipFill>
-          <a:blip r:embed="rId2"/>
-          <a:stretch>
-            <a:fillRect/>
-          </a:stretch>
-        </p:blipFill>
-        <p:spPr>
-          <a:xfrm>
-            <a:off x="1371600" y="2171700"/>
-            <a:ext cx="8497486" cy="3524742"/>
-          </a:xfrm>
-          <a:prstGeom prst="rect">
-            <a:avLst/>
-          </a:prstGeom>
-        </p:spPr>
-      </p:pic>
-    </p:spTree>
-    <p:extLst>
-      <p:ext uri="{BB962C8B-B14F-4D97-AF65-F5344CB8AC3E}">
-        <p14:creationId xmlns:p14="http://schemas.microsoft.com/office/powerpoint/2010/main" val="1325353720"/>
-      </p:ext>
-    </p:extLst>
-  </p:cSld>
-  <p:clrMapOvr>
-    <a:masterClrMapping/>
-  </p:clrMapOvr>
-</p:sld>
-</file>
-
-<file path=ppt/slides/slide35.xml><?xml version="1.0" encoding="utf-8"?>
-<p:sld xmlns:a="http://schemas.openxmlformats.org/drawingml/2006/main" xmlns:r="http://schemas.openxmlformats.org/officeDocument/2006/relationships" xmlns:p="http://schemas.openxmlformats.org/presentationml/2006/main">
-  <p:cSld>
-    <p:spTree>
-      <p:nvGrpSpPr>
-        <p:cNvPr id="1" name=""/>
-        <p:cNvGrpSpPr/>
-        <p:nvPr/>
-      </p:nvGrpSpPr>
-      <p:grpSpPr>
-        <a:xfrm>
-          <a:off x="0" y="0"/>
-          <a:ext cx="0" cy="0"/>
-          <a:chOff x="0" y="0"/>
-          <a:chExt cx="0" cy="0"/>
-        </a:xfrm>
-      </p:grpSpPr>
-      <p:sp>
-        <p:nvSpPr>
-          <p:cNvPr id="4" name="Title 3"/>
-          <p:cNvSpPr>
-            <a:spLocks noGrp="1"/>
-          </p:cNvSpPr>
-          <p:nvPr>
-            <p:ph type="title"/>
-          </p:nvPr>
-        </p:nvSpPr>
-        <p:spPr>
-          <a:xfrm>
-            <a:off x="1457324" y="342900"/>
-            <a:ext cx="9515476" cy="1514476"/>
-          </a:xfrm>
-        </p:spPr>
-        <p:txBody>
-          <a:bodyPr>
-            <a:normAutofit/>
-          </a:bodyPr>
-          <a:lstStyle/>
-          <a:p>
-            <a:pPr algn="l"/>
-            <a:r>
-              <a:rPr lang="en-GB" dirty="0"/>
-              <a:t>Exercise: Fibonacci II</a:t>
-            </a:r>
-            <a:endParaRPr lang="de-DE" dirty="0"/>
-          </a:p>
-        </p:txBody>
-      </p:sp>
-      <p:sp>
-        <p:nvSpPr>
-          <p:cNvPr id="5" name="Text Placeholder 4"/>
-          <p:cNvSpPr>
-            <a:spLocks noGrp="1"/>
-          </p:cNvSpPr>
-          <p:nvPr>
-            <p:ph type="body" idx="1"/>
-          </p:nvPr>
-        </p:nvSpPr>
-        <p:spPr>
-          <a:xfrm>
-            <a:off x="1457325" y="1981200"/>
-            <a:ext cx="8920671" cy="3378452"/>
-          </a:xfrm>
-        </p:spPr>
-        <p:txBody>
-          <a:bodyPr>
-            <a:normAutofit/>
-          </a:bodyPr>
-          <a:lstStyle/>
-          <a:p>
-            <a:pPr marL="342900" indent="-342900" algn="l">
-              <a:buFont typeface="Wingdings" panose="05000000000000000000" pitchFamily="2" charset="2"/>
-              <a:buChar char="§"/>
-            </a:pPr>
-            <a:r>
-              <a:rPr lang="en-GB" dirty="0"/>
-              <a:t>Write a Fibonacci generator</a:t>
-            </a:r>
-            <a:endParaRPr lang="de-DE" dirty="0"/>
-          </a:p>
-        </p:txBody>
-      </p:sp>
-    </p:spTree>
-    <p:extLst>
-      <p:ext uri="{BB962C8B-B14F-4D97-AF65-F5344CB8AC3E}">
-        <p14:creationId xmlns:p14="http://schemas.microsoft.com/office/powerpoint/2010/main" val="1476563899"/>
-      </p:ext>
-    </p:extLst>
-  </p:cSld>
-  <p:clrMapOvr>
-    <a:masterClrMapping/>
-  </p:clrMapOvr>
-</p:sld>
-</file>
-
-<file path=ppt/slides/slide36.xml><?xml version="1.0" encoding="utf-8"?>
-<p:sld xmlns:a="http://schemas.openxmlformats.org/drawingml/2006/main" xmlns:r="http://schemas.openxmlformats.org/officeDocument/2006/relationships" xmlns:p="http://schemas.openxmlformats.org/presentationml/2006/main">
-  <p:cSld>
-    <p:spTree>
-      <p:nvGrpSpPr>
-        <p:cNvPr id="1" name=""/>
-        <p:cNvGrpSpPr/>
-        <p:nvPr/>
-      </p:nvGrpSpPr>
-      <p:grpSpPr>
-        <a:xfrm>
-          <a:off x="0" y="0"/>
-          <a:ext cx="0" cy="0"/>
-          <a:chOff x="0" y="0"/>
-          <a:chExt cx="0" cy="0"/>
-        </a:xfrm>
-      </p:grpSpPr>
-      <p:sp>
-        <p:nvSpPr>
-          <p:cNvPr id="2" name="Title 1"/>
-          <p:cNvSpPr>
-            <a:spLocks noGrp="1"/>
-          </p:cNvSpPr>
-          <p:nvPr>
-            <p:ph type="title"/>
-          </p:nvPr>
-        </p:nvSpPr>
-        <p:spPr/>
-        <p:txBody>
-          <a:bodyPr/>
-          <a:lstStyle/>
-          <a:p>
-            <a:r>
-              <a:rPr lang="en-GB" dirty="0"/>
-              <a:t>Exercise: Fibonacci II</a:t>
-            </a:r>
-            <a:endParaRPr lang="de-DE" dirty="0"/>
-          </a:p>
-        </p:txBody>
-      </p:sp>
-      <p:pic>
-        <p:nvPicPr>
-          <p:cNvPr id="15" name="Content Placeholder 14"/>
-          <p:cNvPicPr>
-            <a:picLocks noGrp="1" noChangeAspect="1"/>
-          </p:cNvPicPr>
-          <p:nvPr>
-            <p:ph idx="1"/>
-          </p:nvPr>
-        </p:nvPicPr>
-        <p:blipFill>
-          <a:blip r:embed="rId2"/>
-          <a:stretch>
-            <a:fillRect/>
-          </a:stretch>
-        </p:blipFill>
-        <p:spPr>
-          <a:xfrm>
-            <a:off x="1371600" y="2171700"/>
-            <a:ext cx="9601200" cy="3000924"/>
-          </a:xfrm>
-          <a:prstGeom prst="rect">
-            <a:avLst/>
-          </a:prstGeom>
-        </p:spPr>
-      </p:pic>
-    </p:spTree>
-    <p:extLst>
-      <p:ext uri="{BB962C8B-B14F-4D97-AF65-F5344CB8AC3E}">
-        <p14:creationId xmlns:p14="http://schemas.microsoft.com/office/powerpoint/2010/main" val="2930773693"/>
-      </p:ext>
-    </p:extLst>
-  </p:cSld>
-  <p:clrMapOvr>
-    <a:masterClrMapping/>
-  </p:clrMapOvr>
-  <p:timing>
-    <p:tnLst>
-      <p:par>
-        <p:cTn id="1" dur="indefinite" restart="never" nodeType="tmRoot">
-          <p:childTnLst>
-            <p:seq concurrent="1" nextAc="seek">
-              <p:cTn id="2" dur="indefinite" nodeType="mainSeq">
-                <p:childTnLst>
-                  <p:par>
-                    <p:cTn id="3" fill="hold">
-                      <p:stCondLst>
-                        <p:cond delay="indefinite"/>
-                      </p:stCondLst>
-                      <p:childTnLst>
-                        <p:par>
-                          <p:cTn id="4" fill="hold">
-                            <p:stCondLst>
-                              <p:cond delay="0"/>
-                            </p:stCondLst>
-                            <p:childTnLst>
-                              <p:par>
-                                <p:cTn id="5" presetID="1" presetClass="entr" presetSubtype="0" fill="hold" nodeType="clickEffect">
-                                  <p:stCondLst>
-                                    <p:cond delay="0"/>
-                                  </p:stCondLst>
-                                  <p:childTnLst>
-                                    <p:set>
-                                      <p:cBhvr>
-                                        <p:cTn id="6" dur="1" fill="hold">
-                                          <p:stCondLst>
-                                            <p:cond delay="0"/>
-                                          </p:stCondLst>
-                                        </p:cTn>
-                                        <p:tgtEl>
-                                          <p:spTgt spid="15"/>
                                         </p:tgtEl>
                                         <p:attrNameLst>
                                           <p:attrName>style.visibility</p:attrName>
@@ -10199,7 +12751,7 @@
 </p:sld>
 </file>
 
-<file path=ppt/slides/slide37.xml><?xml version="1.0" encoding="utf-8"?>
+<file path=ppt/slides/slide51.xml><?xml version="1.0" encoding="utf-8"?>
 <p:sld xmlns:a="http://schemas.openxmlformats.org/drawingml/2006/main" xmlns:r="http://schemas.openxmlformats.org/officeDocument/2006/relationships" xmlns:p="http://schemas.openxmlformats.org/presentationml/2006/main">
   <p:cSld>
     <p:spTree>
@@ -10232,367 +12784,109 @@
           <a:lstStyle/>
           <a:p>
             <a:r>
+              <a:rPr lang="en-GB" dirty="0" err="1"/>
+              <a:t>TypeScript</a:t>
+            </a:r>
+            <a:endParaRPr lang="de-DE" dirty="0"/>
+          </a:p>
+        </p:txBody>
+      </p:sp>
+      <p:sp>
+        <p:nvSpPr>
+          <p:cNvPr id="4" name="Content Placeholder 3"/>
+          <p:cNvSpPr>
+            <a:spLocks noGrp="1"/>
+          </p:cNvSpPr>
+          <p:nvPr>
+            <p:ph sz="half" idx="1"/>
+          </p:nvPr>
+        </p:nvSpPr>
+        <p:spPr/>
+        <p:txBody>
+          <a:bodyPr/>
+          <a:lstStyle/>
+          <a:p>
+            <a:r>
               <a:rPr lang="en-GB" dirty="0"/>
-              <a:t>Arrays</a:t>
+              <a:t>Supports pure JS </a:t>
+            </a:r>
+            <a:r>
+              <a:rPr lang="en-GB"/>
+              <a:t>aswell</a:t>
+            </a:r>
+            <a:endParaRPr lang="en-GB"/>
+          </a:p>
+          <a:p>
+            <a:r>
+              <a:rPr lang="en-GB" dirty="0"/>
+              <a:t>Static typing reduces errors</a:t>
+            </a:r>
+          </a:p>
+          <a:p>
+            <a:r>
+              <a:rPr lang="en-GB" dirty="0"/>
+              <a:t>Better IDE support (e.g. autocomplete)</a:t>
+            </a:r>
+          </a:p>
+          <a:p>
+            <a:r>
+              <a:rPr lang="en-GB" dirty="0"/>
+              <a:t>Functional aspects combined with OOP</a:t>
+            </a:r>
+          </a:p>
+        </p:txBody>
+      </p:sp>
+      <p:sp>
+        <p:nvSpPr>
+          <p:cNvPr id="5" name="Content Placeholder 4"/>
+          <p:cNvSpPr>
+            <a:spLocks noGrp="1"/>
+          </p:cNvSpPr>
+          <p:nvPr>
+            <p:ph sz="half" idx="2"/>
+          </p:nvPr>
+        </p:nvSpPr>
+        <p:spPr/>
+        <p:txBody>
+          <a:bodyPr/>
+          <a:lstStyle/>
+          <a:p>
+            <a:pPr>
+              <a:buFont typeface="Symbol" panose="05050102010706020507" pitchFamily="18" charset="2"/>
+              <a:buChar char="-"/>
+            </a:pPr>
+            <a:r>
+              <a:rPr lang="en-GB" dirty="0"/>
+              <a:t>1 more step between written and running code</a:t>
+            </a:r>
+          </a:p>
+          <a:p>
+            <a:pPr>
+              <a:buFont typeface="Symbol" panose="05050102010706020507" pitchFamily="18" charset="2"/>
+              <a:buChar char="-"/>
+            </a:pPr>
+            <a:r>
+              <a:rPr lang="en-GB" dirty="0"/>
+              <a:t>Tooling not as sophisticated as JS yet (e.g. test coverage)</a:t>
+            </a:r>
+          </a:p>
+          <a:p>
+            <a:pPr>
+              <a:buFont typeface="Symbol" panose="05050102010706020507" pitchFamily="18" charset="2"/>
+              <a:buChar char="-"/>
+            </a:pPr>
+            <a:r>
+              <a:rPr lang="en-GB" dirty="0"/>
+              <a:t>Shared state often needed when building UI</a:t>
             </a:r>
             <a:endParaRPr lang="de-DE" dirty="0"/>
-          </a:p>
-        </p:txBody>
-      </p:sp>
-      <mc:AlternateContent xmlns:mc="http://schemas.openxmlformats.org/markup-compatibility/2006">
-        <mc:Choice xmlns:psuz="http://schemas.microsoft.com/office/powerpoint/2016/summaryzoom" Requires="psuz">
-          <p:graphicFrame>
-            <p:nvGraphicFramePr>
-              <p:cNvPr id="4" name="Summary Zoom 3"/>
-              <p:cNvGraphicFramePr>
-                <a:graphicFrameLocks noChangeAspect="1"/>
-              </p:cNvGraphicFramePr>
-              <p:nvPr>
-                <p:extLst>
-                  <p:ext uri="{D42A27DB-BD31-4B8C-83A1-F6EECF244321}">
-                    <p14:modId xmlns:p14="http://schemas.microsoft.com/office/powerpoint/2010/main" val="2543602497"/>
-                  </p:ext>
-                </p:extLst>
-              </p:nvPr>
-            </p:nvGraphicFramePr>
-            <p:xfrm>
-              <a:off x="1371600" y="2286000"/>
-              <a:ext cx="9601200" cy="3581400"/>
-            </p:xfrm>
-            <a:graphic>
-              <a:graphicData uri="http://schemas.microsoft.com/office/powerpoint/2016/summaryzoom">
-                <psuz:summaryZm>
-                  <psuz:gridLayout/>
-                </psuz:summaryZm>
-              </a:graphicData>
-            </a:graphic>
-          </p:graphicFrame>
-        </mc:Choice>
-        <mc:Fallback>
-          <p:grpSp>
-            <p:nvGrpSpPr>
-              <p:cNvPr id="4" name="Summary Zoom 3"/>
-              <p:cNvGrpSpPr>
-                <a:grpSpLocks noGrp="1" noUngrp="1" noRot="1" noChangeAspect="1" noMove="1" noResize="1"/>
-              </p:cNvGrpSpPr>
-              <p:nvPr/>
-            </p:nvGrpSpPr>
-            <p:grpSpPr>
-              <a:xfrm>
-                <a:off x="1371600" y="2286000"/>
-                <a:ext cx="9601200" cy="3581400"/>
-                <a:chOff x="1371600" y="2286000"/>
-                <a:chExt cx="9601200" cy="3581400"/>
-              </a:xfrm>
-            </p:grpSpPr>
-          </p:grpSp>
-        </mc:Fallback>
-      </mc:AlternateContent>
-      <mc:AlternateContent xmlns:mc="http://schemas.openxmlformats.org/markup-compatibility/2006">
-        <mc:Choice xmlns:psuz="http://schemas.microsoft.com/office/powerpoint/2016/summaryzoom" Requires="psuz">
-          <p:graphicFrame>
-            <p:nvGraphicFramePr>
-              <p:cNvPr id="6" name="Summary Zoom 5"/>
-              <p:cNvGraphicFramePr>
-                <a:graphicFrameLocks noChangeAspect="1"/>
-              </p:cNvGraphicFramePr>
-              <p:nvPr>
-                <p:extLst>
-                  <p:ext uri="{D42A27DB-BD31-4B8C-83A1-F6EECF244321}">
-                    <p14:modId xmlns:p14="http://schemas.microsoft.com/office/powerpoint/2010/main" val="2544437671"/>
-                  </p:ext>
-                </p:extLst>
-              </p:nvPr>
-            </p:nvGraphicFramePr>
-            <p:xfrm>
-              <a:off x="1524000" y="2438400"/>
-              <a:ext cx="9601200" cy="3581400"/>
-            </p:xfrm>
-            <a:graphic>
-              <a:graphicData uri="http://schemas.microsoft.com/office/powerpoint/2016/summaryzoom">
-                <psuz:summaryZm>
-                  <psuz:summaryZmObj sectionId="{53560B42-0755-411A-BE43-64585385B195}">
-                    <psuz:zmPr id="{AB19A1AA-591D-4187-99D4-102F97917EF3}" transitionDur="1000">
-                      <p166:blipFill xmlns:p166="http://schemas.microsoft.com/office/powerpoint/2016/6/main">
-                        <a:blip r:embed="rId2"/>
-                        <a:stretch>
-                          <a:fillRect/>
-                        </a:stretch>
-                      </p166:blipFill>
-                      <p166:spPr xmlns:p166="http://schemas.microsoft.com/office/powerpoint/2016/6/main">
-                        <a:xfrm>
-                          <a:off x="1881760" y="125349"/>
-                          <a:ext cx="2865119" cy="1611630"/>
-                        </a:xfrm>
-                        <a:prstGeom prst="rect">
-                          <a:avLst/>
-                        </a:prstGeom>
-                        <a:ln w="3175">
-                          <a:solidFill>
-                            <a:prstClr val="ltGray"/>
-                          </a:solidFill>
-                        </a:ln>
-                      </p166:spPr>
-                    </psuz:zmPr>
-                  </psuz:summaryZmObj>
-                  <psuz:summaryZmObj sectionId="{D9040914-A825-45D3-A1B0-0F1F7B6DAA89}">
-                    <psuz:zmPr id="{921CADEE-4E7C-4885-8ABA-8AE4388CBB01}" transitionDur="1000">
-                      <p166:blipFill xmlns:p166="http://schemas.microsoft.com/office/powerpoint/2016/6/main">
-                        <a:blip r:embed="rId3"/>
-                        <a:stretch>
-                          <a:fillRect/>
-                        </a:stretch>
-                      </p166:blipFill>
-                      <p166:spPr xmlns:p166="http://schemas.microsoft.com/office/powerpoint/2016/6/main">
-                        <a:xfrm>
-                          <a:off x="4854321" y="125349"/>
-                          <a:ext cx="2865119" cy="1611630"/>
-                        </a:xfrm>
-                        <a:prstGeom prst="rect">
-                          <a:avLst/>
-                        </a:prstGeom>
-                        <a:ln w="3175">
-                          <a:solidFill>
-                            <a:prstClr val="ltGray"/>
-                          </a:solidFill>
-                        </a:ln>
-                      </p166:spPr>
-                    </psuz:zmPr>
-                  </psuz:summaryZmObj>
-                  <psuz:summaryZmObj sectionId="{37FABDBF-9C64-496D-BE49-D1455AB6FE36}">
-                    <psuz:zmPr id="{0617311C-47D8-4946-91F0-0C916FB7A06E}" transitionDur="1000">
-                      <p166:blipFill xmlns:p166="http://schemas.microsoft.com/office/powerpoint/2016/6/main">
-                        <a:blip r:embed="rId4"/>
-                        <a:stretch>
-                          <a:fillRect/>
-                        </a:stretch>
-                      </p166:blipFill>
-                      <p166:spPr xmlns:p166="http://schemas.microsoft.com/office/powerpoint/2016/6/main">
-                        <a:xfrm>
-                          <a:off x="1881760" y="1844421"/>
-                          <a:ext cx="2865119" cy="1611630"/>
-                        </a:xfrm>
-                        <a:prstGeom prst="rect">
-                          <a:avLst/>
-                        </a:prstGeom>
-                        <a:ln w="3175">
-                          <a:solidFill>
-                            <a:prstClr val="ltGray"/>
-                          </a:solidFill>
-                        </a:ln>
-                      </p166:spPr>
-                    </psuz:zmPr>
-                  </psuz:summaryZmObj>
-                  <psuz:summaryZmObj sectionId="{5FA8F333-0FFA-49E3-B70B-F988FB93C4CF}">
-                    <psuz:zmPr id="{ED23CA34-9D93-4B5B-A1FD-5B8846D8798B}" transitionDur="1000">
-                      <p166:blipFill xmlns:p166="http://schemas.microsoft.com/office/powerpoint/2016/6/main">
-                        <a:blip r:embed="rId5"/>
-                        <a:stretch>
-                          <a:fillRect/>
-                        </a:stretch>
-                      </p166:blipFill>
-                      <p166:spPr xmlns:p166="http://schemas.microsoft.com/office/powerpoint/2016/6/main">
-                        <a:xfrm>
-                          <a:off x="4854321" y="1844421"/>
-                          <a:ext cx="2865119" cy="1611630"/>
-                        </a:xfrm>
-                        <a:prstGeom prst="rect">
-                          <a:avLst/>
-                        </a:prstGeom>
-                        <a:ln w="3175">
-                          <a:solidFill>
-                            <a:prstClr val="ltGray"/>
-                          </a:solidFill>
-                        </a:ln>
-                      </p166:spPr>
-                    </psuz:zmPr>
-                  </psuz:summaryZmObj>
-                  <psuz:gridLayout/>
-                </psuz:summaryZm>
-              </a:graphicData>
-            </a:graphic>
-          </p:graphicFrame>
-        </mc:Choice>
-        <mc:Fallback>
-          <p:grpSp>
-            <p:nvGrpSpPr>
-              <p:cNvPr id="6" name="Summary Zoom 5"/>
-              <p:cNvGrpSpPr>
-                <a:grpSpLocks noGrp="1" noUngrp="1" noRot="1" noChangeAspect="1" noMove="1" noResize="1"/>
-              </p:cNvGrpSpPr>
-              <p:nvPr/>
-            </p:nvGrpSpPr>
-            <p:grpSpPr>
-              <a:xfrm>
-                <a:off x="1524000" y="2438400"/>
-                <a:ext cx="9601200" cy="3581400"/>
-                <a:chOff x="1524000" y="2438400"/>
-                <a:chExt cx="9601200" cy="3581400"/>
-              </a:xfrm>
-            </p:grpSpPr>
-            <p:pic>
-              <p:nvPicPr>
-                <p:cNvPr id="3" name="Picture 3">
-                  <a:hlinkClick r:id="rId6" action="ppaction://hlinksldjump"/>
-                </p:cNvPr>
-                <p:cNvPicPr>
-                  <a:picLocks noSelect="1" noRot="1" noChangeAspect="1" noMove="1" noResize="1" noEditPoints="1" noAdjustHandles="1" noChangeArrowheads="1" noChangeShapeType="1"/>
-                </p:cNvPicPr>
-                <p:nvPr/>
-              </p:nvPicPr>
-              <p:blipFill>
-                <a:blip r:embed="rId2"/>
-                <a:stretch>
-                  <a:fillRect/>
-                </a:stretch>
-              </p:blipFill>
-              <p:spPr>
-                <a:xfrm>
-                  <a:off x="3405760" y="2563749"/>
-                  <a:ext cx="2865119" cy="1611630"/>
-                </a:xfrm>
-                <a:prstGeom prst="rect">
-                  <a:avLst/>
-                </a:prstGeom>
-                <a:ln w="3175">
-                  <a:solidFill>
-                    <a:prstClr val="ltGray"/>
-                  </a:solidFill>
-                </a:ln>
-              </p:spPr>
-            </p:pic>
-            <p:pic>
-              <p:nvPicPr>
-                <p:cNvPr id="5" name="Picture 5">
-                  <a:hlinkClick r:id="rId7" action="ppaction://hlinksldjump"/>
-                </p:cNvPr>
-                <p:cNvPicPr>
-                  <a:picLocks noSelect="1" noRot="1" noChangeAspect="1" noMove="1" noResize="1" noEditPoints="1" noAdjustHandles="1" noChangeArrowheads="1" noChangeShapeType="1"/>
-                </p:cNvPicPr>
-                <p:nvPr/>
-              </p:nvPicPr>
-              <p:blipFill>
-                <a:blip r:embed="rId3"/>
-                <a:stretch>
-                  <a:fillRect/>
-                </a:stretch>
-              </p:blipFill>
-              <p:spPr>
-                <a:xfrm>
-                  <a:off x="6378321" y="2563749"/>
-                  <a:ext cx="2865119" cy="1611630"/>
-                </a:xfrm>
-                <a:prstGeom prst="rect">
-                  <a:avLst/>
-                </a:prstGeom>
-                <a:ln w="3175">
-                  <a:solidFill>
-                    <a:prstClr val="ltGray"/>
-                  </a:solidFill>
-                </a:ln>
-              </p:spPr>
-            </p:pic>
-            <p:pic>
-              <p:nvPicPr>
-                <p:cNvPr id="7" name="Picture 7">
-                  <a:hlinkClick r:id="rId8" action="ppaction://hlinksldjump"/>
-                </p:cNvPr>
-                <p:cNvPicPr>
-                  <a:picLocks noSelect="1" noRot="1" noChangeAspect="1" noMove="1" noResize="1" noEditPoints="1" noAdjustHandles="1" noChangeArrowheads="1" noChangeShapeType="1"/>
-                </p:cNvPicPr>
-                <p:nvPr/>
-              </p:nvPicPr>
-              <p:blipFill>
-                <a:blip r:embed="rId4"/>
-                <a:stretch>
-                  <a:fillRect/>
-                </a:stretch>
-              </p:blipFill>
-              <p:spPr>
-                <a:xfrm>
-                  <a:off x="3405760" y="4282821"/>
-                  <a:ext cx="2865119" cy="1611630"/>
-                </a:xfrm>
-                <a:prstGeom prst="rect">
-                  <a:avLst/>
-                </a:prstGeom>
-                <a:ln w="3175">
-                  <a:solidFill>
-                    <a:prstClr val="ltGray"/>
-                  </a:solidFill>
-                </a:ln>
-              </p:spPr>
-            </p:pic>
-            <p:pic>
-              <p:nvPicPr>
-                <p:cNvPr id="8" name="Picture 8">
-                  <a:hlinkClick r:id="rId9" action="ppaction://hlinksldjump"/>
-                </p:cNvPr>
-                <p:cNvPicPr>
-                  <a:picLocks noSelect="1" noRot="1" noChangeAspect="1" noMove="1" noResize="1" noEditPoints="1" noAdjustHandles="1" noChangeArrowheads="1" noChangeShapeType="1"/>
-                </p:cNvPicPr>
-                <p:nvPr/>
-              </p:nvPicPr>
-              <p:blipFill>
-                <a:blip r:embed="rId5"/>
-                <a:stretch>
-                  <a:fillRect/>
-                </a:stretch>
-              </p:blipFill>
-              <p:spPr>
-                <a:xfrm>
-                  <a:off x="6378321" y="4282821"/>
-                  <a:ext cx="2865119" cy="1611630"/>
-                </a:xfrm>
-                <a:prstGeom prst="rect">
-                  <a:avLst/>
-                </a:prstGeom>
-                <a:ln w="3175">
-                  <a:solidFill>
-                    <a:prstClr val="ltGray"/>
-                  </a:solidFill>
-                </a:ln>
-              </p:spPr>
-            </p:pic>
-          </p:grpSp>
-        </mc:Fallback>
-      </mc:AlternateContent>
-      <p:sp>
-        <p:nvSpPr>
-          <p:cNvPr id="9" name="TextBox 8">
-            <a:hlinkClick r:id="rId10" action="ppaction://hlinksldjump"/>
-          </p:cNvPr>
-          <p:cNvSpPr txBox="1"/>
-          <p:nvPr/>
-        </p:nvSpPr>
-        <p:spPr>
-          <a:xfrm>
-            <a:off x="712521" y="5938"/>
-            <a:ext cx="2054431" cy="400110"/>
-          </a:xfrm>
-          <a:prstGeom prst="rect">
-            <a:avLst/>
-          </a:prstGeom>
-          <a:noFill/>
-        </p:spPr>
-        <p:txBody>
-          <a:bodyPr wrap="square" rtlCol="0">
-            <a:spAutoFit/>
-          </a:bodyPr>
-          <a:lstStyle/>
-          <a:p>
-            <a:r>
-              <a:rPr lang="en-GB" sz="2000" dirty="0"/>
-              <a:t>Overview</a:t>
-            </a:r>
-            <a:endParaRPr lang="de-DE" sz="2000" dirty="0"/>
           </a:p>
         </p:txBody>
       </p:sp>
     </p:spTree>
     <p:extLst>
       <p:ext uri="{BB962C8B-B14F-4D97-AF65-F5344CB8AC3E}">
-        <p14:creationId xmlns:p14="http://schemas.microsoft.com/office/powerpoint/2010/main" val="4072313701"/>
+        <p14:creationId xmlns:p14="http://schemas.microsoft.com/office/powerpoint/2010/main" val="821006924"/>
       </p:ext>
     </p:extLst>
   </p:cSld>
@@ -10602,229 +12896,7 @@
 </p:sld>
 </file>
 
-<file path=ppt/slides/slide38.xml><?xml version="1.0" encoding="utf-8"?>
-<p:sld xmlns:a="http://schemas.openxmlformats.org/drawingml/2006/main" xmlns:r="http://schemas.openxmlformats.org/officeDocument/2006/relationships" xmlns:p="http://schemas.openxmlformats.org/presentationml/2006/main">
-  <p:cSld>
-    <p:spTree>
-      <p:nvGrpSpPr>
-        <p:cNvPr id="1" name=""/>
-        <p:cNvGrpSpPr/>
-        <p:nvPr/>
-      </p:nvGrpSpPr>
-      <p:grpSpPr>
-        <a:xfrm>
-          <a:off x="0" y="0"/>
-          <a:ext cx="0" cy="0"/>
-          <a:chOff x="0" y="0"/>
-          <a:chExt cx="0" cy="0"/>
-        </a:xfrm>
-      </p:grpSpPr>
-      <p:sp>
-        <p:nvSpPr>
-          <p:cNvPr id="10" name="Title 9"/>
-          <p:cNvSpPr>
-            <a:spLocks noGrp="1"/>
-          </p:cNvSpPr>
-          <p:nvPr>
-            <p:ph type="title"/>
-          </p:nvPr>
-        </p:nvSpPr>
-        <p:spPr/>
-        <p:txBody>
-          <a:bodyPr/>
-          <a:lstStyle/>
-          <a:p>
-            <a:r>
-              <a:rPr lang="en-GB" dirty="0"/>
-              <a:t>Operations – Part I</a:t>
-            </a:r>
-            <a:endParaRPr lang="de-DE" dirty="0"/>
-          </a:p>
-        </p:txBody>
-      </p:sp>
-      <p:pic>
-        <p:nvPicPr>
-          <p:cNvPr id="16" name="Content Placeholder 15"/>
-          <p:cNvPicPr>
-            <a:picLocks noGrp="1" noChangeAspect="1"/>
-          </p:cNvPicPr>
-          <p:nvPr>
-            <p:ph idx="1"/>
-          </p:nvPr>
-        </p:nvPicPr>
-        <p:blipFill>
-          <a:blip r:embed="rId2"/>
-          <a:stretch>
-            <a:fillRect/>
-          </a:stretch>
-        </p:blipFill>
-        <p:spPr>
-          <a:xfrm>
-            <a:off x="1371600" y="2171700"/>
-            <a:ext cx="10319882" cy="3250496"/>
-          </a:xfrm>
-          <a:prstGeom prst="rect">
-            <a:avLst/>
-          </a:prstGeom>
-        </p:spPr>
-      </p:pic>
-      <p:sp>
-        <p:nvSpPr>
-          <p:cNvPr id="15" name="TextBox 14">
-            <a:hlinkClick r:id="rId3" action="ppaction://hlinksldjump"/>
-          </p:cNvPr>
-          <p:cNvSpPr txBox="1"/>
-          <p:nvPr/>
-        </p:nvSpPr>
-        <p:spPr>
-          <a:xfrm>
-            <a:off x="706583" y="5938"/>
-            <a:ext cx="2054431" cy="400110"/>
-          </a:xfrm>
-          <a:prstGeom prst="rect">
-            <a:avLst/>
-          </a:prstGeom>
-          <a:noFill/>
-        </p:spPr>
-        <p:txBody>
-          <a:bodyPr wrap="square" rtlCol="0">
-            <a:spAutoFit/>
-          </a:bodyPr>
-          <a:lstStyle/>
-          <a:p>
-            <a:r>
-              <a:rPr lang="en-GB" sz="2000" dirty="0"/>
-              <a:t>Arrays</a:t>
-            </a:r>
-            <a:endParaRPr lang="de-DE" dirty="0"/>
-          </a:p>
-        </p:txBody>
-      </p:sp>
-    </p:spTree>
-    <p:extLst>
-      <p:ext uri="{BB962C8B-B14F-4D97-AF65-F5344CB8AC3E}">
-        <p14:creationId xmlns:p14="http://schemas.microsoft.com/office/powerpoint/2010/main" val="3113221104"/>
-      </p:ext>
-    </p:extLst>
-  </p:cSld>
-  <p:clrMapOvr>
-    <a:masterClrMapping/>
-  </p:clrMapOvr>
-</p:sld>
-</file>
-
-<file path=ppt/slides/slide39.xml><?xml version="1.0" encoding="utf-8"?>
-<p:sld xmlns:a="http://schemas.openxmlformats.org/drawingml/2006/main" xmlns:r="http://schemas.openxmlformats.org/officeDocument/2006/relationships" xmlns:p="http://schemas.openxmlformats.org/presentationml/2006/main">
-  <p:cSld>
-    <p:spTree>
-      <p:nvGrpSpPr>
-        <p:cNvPr id="1" name=""/>
-        <p:cNvGrpSpPr/>
-        <p:nvPr/>
-      </p:nvGrpSpPr>
-      <p:grpSpPr>
-        <a:xfrm>
-          <a:off x="0" y="0"/>
-          <a:ext cx="0" cy="0"/>
-          <a:chOff x="0" y="0"/>
-          <a:chExt cx="0" cy="0"/>
-        </a:xfrm>
-      </p:grpSpPr>
-      <p:sp>
-        <p:nvSpPr>
-          <p:cNvPr id="10" name="Title 9"/>
-          <p:cNvSpPr>
-            <a:spLocks noGrp="1"/>
-          </p:cNvSpPr>
-          <p:nvPr>
-            <p:ph type="title"/>
-          </p:nvPr>
-        </p:nvSpPr>
-        <p:spPr/>
-        <p:txBody>
-          <a:bodyPr/>
-          <a:lstStyle/>
-          <a:p>
-            <a:r>
-              <a:rPr lang="en-GB" dirty="0"/>
-              <a:t>Operations – Part II</a:t>
-            </a:r>
-            <a:endParaRPr lang="de-DE" dirty="0"/>
-          </a:p>
-        </p:txBody>
-      </p:sp>
-      <p:pic>
-        <p:nvPicPr>
-          <p:cNvPr id="3" name="Content Placeholder 2"/>
-          <p:cNvPicPr>
-            <a:picLocks noGrp="1" noChangeAspect="1"/>
-          </p:cNvPicPr>
-          <p:nvPr>
-            <p:ph idx="1"/>
-          </p:nvPr>
-        </p:nvPicPr>
-        <p:blipFill>
-          <a:blip r:embed="rId2"/>
-          <a:stretch>
-            <a:fillRect/>
-          </a:stretch>
-        </p:blipFill>
-        <p:spPr>
-          <a:xfrm>
-            <a:off x="1371600" y="2171700"/>
-            <a:ext cx="7739506" cy="2857502"/>
-          </a:xfrm>
-          <a:prstGeom prst="rect">
-            <a:avLst/>
-          </a:prstGeom>
-        </p:spPr>
-      </p:pic>
-      <p:sp>
-        <p:nvSpPr>
-          <p:cNvPr id="15" name="TextBox 14">
-            <a:hlinkClick r:id="rId3" action="ppaction://hlinksldjump"/>
-          </p:cNvPr>
-          <p:cNvSpPr txBox="1"/>
-          <p:nvPr/>
-        </p:nvSpPr>
-        <p:spPr>
-          <a:xfrm>
-            <a:off x="706583" y="5938"/>
-            <a:ext cx="2054431" cy="400110"/>
-          </a:xfrm>
-          <a:prstGeom prst="rect">
-            <a:avLst/>
-          </a:prstGeom>
-          <a:noFill/>
-        </p:spPr>
-        <p:txBody>
-          <a:bodyPr wrap="square" rtlCol="0">
-            <a:spAutoFit/>
-          </a:bodyPr>
-          <a:lstStyle/>
-          <a:p>
-            <a:r>
-              <a:rPr lang="en-GB" sz="2000" dirty="0"/>
-              <a:t>Arrays</a:t>
-            </a:r>
-            <a:endParaRPr lang="de-DE" dirty="0"/>
-          </a:p>
-        </p:txBody>
-      </p:sp>
-    </p:spTree>
-    <p:extLst>
-      <p:ext uri="{BB962C8B-B14F-4D97-AF65-F5344CB8AC3E}">
-        <p14:creationId xmlns:p14="http://schemas.microsoft.com/office/powerpoint/2010/main" val="947775739"/>
-      </p:ext>
-    </p:extLst>
-  </p:cSld>
-  <p:clrMapOvr>
-    <a:masterClrMapping/>
-  </p:clrMapOvr>
-</p:sld>
-</file>
-
-<file path=ppt/slides/slide4.xml><?xml version="1.0" encoding="utf-8"?>
+<file path=ppt/slides/slide6.xml><?xml version="1.0" encoding="utf-8"?>
 <p:sld xmlns:a="http://schemas.openxmlformats.org/drawingml/2006/main" xmlns:r="http://schemas.openxmlformats.org/officeDocument/2006/relationships" xmlns:p="http://schemas.openxmlformats.org/presentationml/2006/main">
   <p:cSld>
     <p:spTree>
@@ -11178,7 +13250,7 @@
 </p:sld>
 </file>
 
-<file path=ppt/slides/slide40.xml><?xml version="1.0" encoding="utf-8"?>
+<file path=ppt/slides/slide7.xml><?xml version="1.0" encoding="utf-8"?>
 <p:sld xmlns:a="http://schemas.openxmlformats.org/drawingml/2006/main" xmlns:r="http://schemas.openxmlformats.org/officeDocument/2006/relationships" xmlns:p="http://schemas.openxmlformats.org/presentationml/2006/main">
   <p:cSld>
     <p:spTree>
@@ -11197,1329 +13269,6 @@
       </p:grpSpPr>
       <p:sp>
         <p:nvSpPr>
-          <p:cNvPr id="10" name="Title 9"/>
-          <p:cNvSpPr>
-            <a:spLocks noGrp="1"/>
-          </p:cNvSpPr>
-          <p:nvPr>
-            <p:ph type="title"/>
-          </p:nvPr>
-        </p:nvSpPr>
-        <p:spPr/>
-        <p:txBody>
-          <a:bodyPr/>
-          <a:lstStyle/>
-          <a:p>
-            <a:r>
-              <a:rPr lang="en-GB" dirty="0"/>
-              <a:t>Operations – Part III</a:t>
-            </a:r>
-            <a:endParaRPr lang="de-DE" dirty="0"/>
-          </a:p>
-        </p:txBody>
-      </p:sp>
-      <p:sp>
-        <p:nvSpPr>
-          <p:cNvPr id="5" name="Text Placeholder 4"/>
-          <p:cNvSpPr>
-            <a:spLocks noGrp="1"/>
-          </p:cNvSpPr>
-          <p:nvPr>
-            <p:ph type="body" idx="1"/>
-          </p:nvPr>
-        </p:nvSpPr>
-        <p:spPr>
-          <a:xfrm>
-            <a:off x="1371600" y="1905000"/>
-            <a:ext cx="4443984" cy="616839"/>
-          </a:xfrm>
-        </p:spPr>
-        <p:txBody>
-          <a:bodyPr/>
-          <a:lstStyle/>
-          <a:p>
-            <a:r>
-              <a:rPr lang="en-GB" dirty="0"/>
-              <a:t>Spread</a:t>
-            </a:r>
-            <a:endParaRPr lang="de-DE" dirty="0"/>
-          </a:p>
-        </p:txBody>
-      </p:sp>
-      <p:pic>
-        <p:nvPicPr>
-          <p:cNvPr id="4" name="Content Placeholder 3"/>
-          <p:cNvPicPr>
-            <a:picLocks noGrp="1" noChangeAspect="1"/>
-          </p:cNvPicPr>
-          <p:nvPr>
-            <p:ph sz="half" idx="2"/>
-          </p:nvPr>
-        </p:nvPicPr>
-        <p:blipFill>
-          <a:blip r:embed="rId2"/>
-          <a:stretch>
-            <a:fillRect/>
-          </a:stretch>
-        </p:blipFill>
-        <p:spPr>
-          <a:xfrm>
-            <a:off x="1371599" y="2521839"/>
-            <a:ext cx="7136095" cy="1116747"/>
-          </a:xfrm>
-          <a:prstGeom prst="rect">
-            <a:avLst/>
-          </a:prstGeom>
-        </p:spPr>
-      </p:pic>
-      <p:sp>
-        <p:nvSpPr>
-          <p:cNvPr id="6" name="Text Placeholder 5"/>
-          <p:cNvSpPr>
-            <a:spLocks noGrp="1"/>
-          </p:cNvSpPr>
-          <p:nvPr>
-            <p:ph type="body" sz="quarter" idx="3"/>
-          </p:nvPr>
-        </p:nvSpPr>
-        <p:spPr>
-          <a:xfrm>
-            <a:off x="1371600" y="4131526"/>
-            <a:ext cx="4443984" cy="823912"/>
-          </a:xfrm>
-        </p:spPr>
-        <p:txBody>
-          <a:bodyPr/>
-          <a:lstStyle/>
-          <a:p>
-            <a:r>
-              <a:rPr lang="en-GB" dirty="0"/>
-              <a:t>Deconstructing</a:t>
-            </a:r>
-            <a:endParaRPr lang="de-DE" dirty="0"/>
-          </a:p>
-        </p:txBody>
-      </p:sp>
-      <p:pic>
-        <p:nvPicPr>
-          <p:cNvPr id="8" name="Content Placeholder 7"/>
-          <p:cNvPicPr>
-            <a:picLocks noGrp="1" noChangeAspect="1"/>
-          </p:cNvPicPr>
-          <p:nvPr>
-            <p:ph sz="quarter" idx="4"/>
-          </p:nvPr>
-        </p:nvPicPr>
-        <p:blipFill>
-          <a:blip r:embed="rId3"/>
-          <a:stretch>
-            <a:fillRect/>
-          </a:stretch>
-        </p:blipFill>
-        <p:spPr>
-          <a:xfrm>
-            <a:off x="1371599" y="4955438"/>
-            <a:ext cx="5625621" cy="779406"/>
-          </a:xfrm>
-          <a:prstGeom prst="rect">
-            <a:avLst/>
-          </a:prstGeom>
-        </p:spPr>
-      </p:pic>
-      <p:sp>
-        <p:nvSpPr>
-          <p:cNvPr id="15" name="TextBox 14">
-            <a:hlinkClick r:id="rId4" action="ppaction://hlinksldjump"/>
-          </p:cNvPr>
-          <p:cNvSpPr txBox="1"/>
-          <p:nvPr/>
-        </p:nvSpPr>
-        <p:spPr>
-          <a:xfrm>
-            <a:off x="706583" y="5938"/>
-            <a:ext cx="2054431" cy="400110"/>
-          </a:xfrm>
-          <a:prstGeom prst="rect">
-            <a:avLst/>
-          </a:prstGeom>
-          <a:noFill/>
-        </p:spPr>
-        <p:txBody>
-          <a:bodyPr wrap="square" rtlCol="0">
-            <a:spAutoFit/>
-          </a:bodyPr>
-          <a:lstStyle/>
-          <a:p>
-            <a:r>
-              <a:rPr lang="en-GB" sz="2000" dirty="0"/>
-              <a:t>Arrays</a:t>
-            </a:r>
-            <a:endParaRPr lang="de-DE" dirty="0"/>
-          </a:p>
-        </p:txBody>
-      </p:sp>
-    </p:spTree>
-    <p:extLst>
-      <p:ext uri="{BB962C8B-B14F-4D97-AF65-F5344CB8AC3E}">
-        <p14:creationId xmlns:p14="http://schemas.microsoft.com/office/powerpoint/2010/main" val="462913938"/>
-      </p:ext>
-    </p:extLst>
-  </p:cSld>
-  <p:clrMapOvr>
-    <a:masterClrMapping/>
-  </p:clrMapOvr>
-</p:sld>
-</file>
-
-<file path=ppt/slides/slide41.xml><?xml version="1.0" encoding="utf-8"?>
-<p:sld xmlns:a="http://schemas.openxmlformats.org/drawingml/2006/main" xmlns:r="http://schemas.openxmlformats.org/officeDocument/2006/relationships" xmlns:p="http://schemas.openxmlformats.org/presentationml/2006/main">
-  <p:cSld>
-    <p:spTree>
-      <p:nvGrpSpPr>
-        <p:cNvPr id="1" name=""/>
-        <p:cNvGrpSpPr/>
-        <p:nvPr/>
-      </p:nvGrpSpPr>
-      <p:grpSpPr>
-        <a:xfrm>
-          <a:off x="0" y="0"/>
-          <a:ext cx="0" cy="0"/>
-          <a:chOff x="0" y="0"/>
-          <a:chExt cx="0" cy="0"/>
-        </a:xfrm>
-      </p:grpSpPr>
-      <p:sp>
-        <p:nvSpPr>
-          <p:cNvPr id="10" name="Title 9"/>
-          <p:cNvSpPr>
-            <a:spLocks noGrp="1"/>
-          </p:cNvSpPr>
-          <p:nvPr>
-            <p:ph type="title"/>
-          </p:nvPr>
-        </p:nvSpPr>
-        <p:spPr/>
-        <p:txBody>
-          <a:bodyPr/>
-          <a:lstStyle/>
-          <a:p>
-            <a:r>
-              <a:rPr lang="en-GB" dirty="0"/>
-              <a:t>Filter</a:t>
-            </a:r>
-            <a:endParaRPr lang="de-DE" dirty="0"/>
-          </a:p>
-        </p:txBody>
-      </p:sp>
-      <p:pic>
-        <p:nvPicPr>
-          <p:cNvPr id="12" name="Content Placeholder 11"/>
-          <p:cNvPicPr>
-            <a:picLocks noGrp="1" noChangeAspect="1"/>
-          </p:cNvPicPr>
-          <p:nvPr>
-            <p:ph idx="1"/>
-          </p:nvPr>
-        </p:nvPicPr>
-        <p:blipFill>
-          <a:blip r:embed="rId2"/>
-          <a:stretch>
-            <a:fillRect/>
-          </a:stretch>
-        </p:blipFill>
-        <p:spPr>
-          <a:xfrm>
-            <a:off x="1371600" y="2171700"/>
-            <a:ext cx="9601200" cy="2648073"/>
-          </a:xfrm>
-          <a:prstGeom prst="rect">
-            <a:avLst/>
-          </a:prstGeom>
-        </p:spPr>
-      </p:pic>
-      <p:sp>
-        <p:nvSpPr>
-          <p:cNvPr id="15" name="TextBox 14">
-            <a:hlinkClick r:id="rId3" action="ppaction://hlinksldjump"/>
-          </p:cNvPr>
-          <p:cNvSpPr txBox="1"/>
-          <p:nvPr/>
-        </p:nvSpPr>
-        <p:spPr>
-          <a:xfrm>
-            <a:off x="706583" y="5938"/>
-            <a:ext cx="2054431" cy="400110"/>
-          </a:xfrm>
-          <a:prstGeom prst="rect">
-            <a:avLst/>
-          </a:prstGeom>
-          <a:noFill/>
-        </p:spPr>
-        <p:txBody>
-          <a:bodyPr wrap="square" rtlCol="0">
-            <a:spAutoFit/>
-          </a:bodyPr>
-          <a:lstStyle/>
-          <a:p>
-            <a:r>
-              <a:rPr lang="en-GB" sz="2000" dirty="0"/>
-              <a:t>Arrays</a:t>
-            </a:r>
-            <a:endParaRPr lang="de-DE" dirty="0"/>
-          </a:p>
-        </p:txBody>
-      </p:sp>
-    </p:spTree>
-    <p:extLst>
-      <p:ext uri="{BB962C8B-B14F-4D97-AF65-F5344CB8AC3E}">
-        <p14:creationId xmlns:p14="http://schemas.microsoft.com/office/powerpoint/2010/main" val="2787221191"/>
-      </p:ext>
-    </p:extLst>
-  </p:cSld>
-  <p:clrMapOvr>
-    <a:masterClrMapping/>
-  </p:clrMapOvr>
-</p:sld>
-</file>
-
-<file path=ppt/slides/slide42.xml><?xml version="1.0" encoding="utf-8"?>
-<p:sld xmlns:a="http://schemas.openxmlformats.org/drawingml/2006/main" xmlns:r="http://schemas.openxmlformats.org/officeDocument/2006/relationships" xmlns:p="http://schemas.openxmlformats.org/presentationml/2006/main">
-  <p:cSld>
-    <p:spTree>
-      <p:nvGrpSpPr>
-        <p:cNvPr id="1" name=""/>
-        <p:cNvGrpSpPr/>
-        <p:nvPr/>
-      </p:nvGrpSpPr>
-      <p:grpSpPr>
-        <a:xfrm>
-          <a:off x="0" y="0"/>
-          <a:ext cx="0" cy="0"/>
-          <a:chOff x="0" y="0"/>
-          <a:chExt cx="0" cy="0"/>
-        </a:xfrm>
-      </p:grpSpPr>
-      <p:sp>
-        <p:nvSpPr>
-          <p:cNvPr id="10" name="Title 9"/>
-          <p:cNvSpPr>
-            <a:spLocks noGrp="1"/>
-          </p:cNvSpPr>
-          <p:nvPr>
-            <p:ph type="title"/>
-          </p:nvPr>
-        </p:nvSpPr>
-        <p:spPr/>
-        <p:txBody>
-          <a:bodyPr/>
-          <a:lstStyle/>
-          <a:p>
-            <a:r>
-              <a:rPr lang="en-GB" dirty="0"/>
-              <a:t>Map</a:t>
-            </a:r>
-            <a:endParaRPr lang="de-DE" dirty="0"/>
-          </a:p>
-        </p:txBody>
-      </p:sp>
-      <p:pic>
-        <p:nvPicPr>
-          <p:cNvPr id="3" name="Content Placeholder 2"/>
-          <p:cNvPicPr>
-            <a:picLocks noGrp="1" noChangeAspect="1"/>
-          </p:cNvPicPr>
-          <p:nvPr>
-            <p:ph idx="1"/>
-          </p:nvPr>
-        </p:nvPicPr>
-        <p:blipFill>
-          <a:blip r:embed="rId2"/>
-          <a:stretch>
-            <a:fillRect/>
-          </a:stretch>
-        </p:blipFill>
-        <p:spPr>
-          <a:xfrm>
-            <a:off x="1371600" y="2171699"/>
-            <a:ext cx="8353425" cy="4305511"/>
-          </a:xfrm>
-          <a:prstGeom prst="rect">
-            <a:avLst/>
-          </a:prstGeom>
-        </p:spPr>
-      </p:pic>
-      <p:sp>
-        <p:nvSpPr>
-          <p:cNvPr id="15" name="TextBox 14">
-            <a:hlinkClick r:id="rId3" action="ppaction://hlinksldjump"/>
-          </p:cNvPr>
-          <p:cNvSpPr txBox="1"/>
-          <p:nvPr/>
-        </p:nvSpPr>
-        <p:spPr>
-          <a:xfrm>
-            <a:off x="706583" y="5938"/>
-            <a:ext cx="2054431" cy="400110"/>
-          </a:xfrm>
-          <a:prstGeom prst="rect">
-            <a:avLst/>
-          </a:prstGeom>
-          <a:noFill/>
-        </p:spPr>
-        <p:txBody>
-          <a:bodyPr wrap="square" rtlCol="0">
-            <a:spAutoFit/>
-          </a:bodyPr>
-          <a:lstStyle/>
-          <a:p>
-            <a:r>
-              <a:rPr lang="en-GB" sz="2000" dirty="0"/>
-              <a:t>Arrays</a:t>
-            </a:r>
-            <a:endParaRPr lang="de-DE" dirty="0"/>
-          </a:p>
-        </p:txBody>
-      </p:sp>
-    </p:spTree>
-    <p:extLst>
-      <p:ext uri="{BB962C8B-B14F-4D97-AF65-F5344CB8AC3E}">
-        <p14:creationId xmlns:p14="http://schemas.microsoft.com/office/powerpoint/2010/main" val="1077145192"/>
-      </p:ext>
-    </p:extLst>
-  </p:cSld>
-  <p:clrMapOvr>
-    <a:masterClrMapping/>
-  </p:clrMapOvr>
-</p:sld>
-</file>
-
-<file path=ppt/slides/slide43.xml><?xml version="1.0" encoding="utf-8"?>
-<p:sld xmlns:a="http://schemas.openxmlformats.org/drawingml/2006/main" xmlns:r="http://schemas.openxmlformats.org/officeDocument/2006/relationships" xmlns:p="http://schemas.openxmlformats.org/presentationml/2006/main">
-  <p:cSld>
-    <p:spTree>
-      <p:nvGrpSpPr>
-        <p:cNvPr id="1" name=""/>
-        <p:cNvGrpSpPr/>
-        <p:nvPr/>
-      </p:nvGrpSpPr>
-      <p:grpSpPr>
-        <a:xfrm>
-          <a:off x="0" y="0"/>
-          <a:ext cx="0" cy="0"/>
-          <a:chOff x="0" y="0"/>
-          <a:chExt cx="0" cy="0"/>
-        </a:xfrm>
-      </p:grpSpPr>
-      <p:sp>
-        <p:nvSpPr>
-          <p:cNvPr id="10" name="Title 9"/>
-          <p:cNvSpPr>
-            <a:spLocks noGrp="1"/>
-          </p:cNvSpPr>
-          <p:nvPr>
-            <p:ph type="title"/>
-          </p:nvPr>
-        </p:nvSpPr>
-        <p:spPr/>
-        <p:txBody>
-          <a:bodyPr/>
-          <a:lstStyle/>
-          <a:p>
-            <a:r>
-              <a:rPr lang="en-GB" dirty="0"/>
-              <a:t>Reduce</a:t>
-            </a:r>
-            <a:endParaRPr lang="de-DE" dirty="0"/>
-          </a:p>
-        </p:txBody>
-      </p:sp>
-      <p:pic>
-        <p:nvPicPr>
-          <p:cNvPr id="4" name="Content Placeholder 3"/>
-          <p:cNvPicPr>
-            <a:picLocks noGrp="1" noChangeAspect="1"/>
-          </p:cNvPicPr>
-          <p:nvPr>
-            <p:ph idx="1"/>
-          </p:nvPr>
-        </p:nvPicPr>
-        <p:blipFill>
-          <a:blip r:embed="rId2"/>
-          <a:stretch>
-            <a:fillRect/>
-          </a:stretch>
-        </p:blipFill>
-        <p:spPr>
-          <a:xfrm>
-            <a:off x="1371600" y="3023818"/>
-            <a:ext cx="9601200" cy="2105763"/>
-          </a:xfrm>
-          <a:prstGeom prst="rect">
-            <a:avLst/>
-          </a:prstGeom>
-        </p:spPr>
-      </p:pic>
-      <p:sp>
-        <p:nvSpPr>
-          <p:cNvPr id="15" name="TextBox 14">
-            <a:hlinkClick r:id="rId3" action="ppaction://hlinksldjump"/>
-          </p:cNvPr>
-          <p:cNvSpPr txBox="1"/>
-          <p:nvPr/>
-        </p:nvSpPr>
-        <p:spPr>
-          <a:xfrm>
-            <a:off x="706583" y="5938"/>
-            <a:ext cx="2054431" cy="400110"/>
-          </a:xfrm>
-          <a:prstGeom prst="rect">
-            <a:avLst/>
-          </a:prstGeom>
-          <a:noFill/>
-        </p:spPr>
-        <p:txBody>
-          <a:bodyPr wrap="square" rtlCol="0">
-            <a:spAutoFit/>
-          </a:bodyPr>
-          <a:lstStyle/>
-          <a:p>
-            <a:r>
-              <a:rPr lang="en-GB" sz="2000" dirty="0"/>
-              <a:t>Arrays</a:t>
-            </a:r>
-            <a:endParaRPr lang="de-DE" dirty="0"/>
-          </a:p>
-        </p:txBody>
-      </p:sp>
-      <p:pic>
-        <p:nvPicPr>
-          <p:cNvPr id="6" name="Picture 5"/>
-          <p:cNvPicPr>
-            <a:picLocks noChangeAspect="1"/>
-          </p:cNvPicPr>
-          <p:nvPr/>
-        </p:nvPicPr>
-        <p:blipFill>
-          <a:blip r:embed="rId4"/>
-          <a:stretch>
-            <a:fillRect/>
-          </a:stretch>
-        </p:blipFill>
-        <p:spPr>
-          <a:xfrm>
-            <a:off x="1371600" y="2171700"/>
-            <a:ext cx="10509847" cy="838164"/>
-          </a:xfrm>
-          <a:prstGeom prst="rect">
-            <a:avLst/>
-          </a:prstGeom>
-        </p:spPr>
-      </p:pic>
-      <p:sp>
-        <p:nvSpPr>
-          <p:cNvPr id="8" name="TextBox 7"/>
-          <p:cNvSpPr txBox="1"/>
-          <p:nvPr/>
-        </p:nvSpPr>
-        <p:spPr>
-          <a:xfrm>
-            <a:off x="1200150" y="4533900"/>
-            <a:ext cx="10763250" cy="1704975"/>
-          </a:xfrm>
-          <a:prstGeom prst="rect">
-            <a:avLst/>
-          </a:prstGeom>
-          <a:solidFill>
-            <a:schemeClr val="bg2"/>
-          </a:solidFill>
-        </p:spPr>
-        <p:txBody>
-          <a:bodyPr wrap="square" rtlCol="0">
-            <a:spAutoFit/>
-          </a:bodyPr>
-          <a:lstStyle/>
-          <a:p>
-            <a:endParaRPr lang="de-DE" dirty="0"/>
-          </a:p>
-        </p:txBody>
-      </p:sp>
-    </p:spTree>
-    <p:extLst>
-      <p:ext uri="{BB962C8B-B14F-4D97-AF65-F5344CB8AC3E}">
-        <p14:creationId xmlns:p14="http://schemas.microsoft.com/office/powerpoint/2010/main" val="1655869116"/>
-      </p:ext>
-    </p:extLst>
-  </p:cSld>
-  <p:clrMapOvr>
-    <a:masterClrMapping/>
-  </p:clrMapOvr>
-  <p:timing>
-    <p:tnLst>
-      <p:par>
-        <p:cTn id="1" dur="indefinite" restart="never" nodeType="tmRoot">
-          <p:childTnLst>
-            <p:seq concurrent="1" nextAc="seek">
-              <p:cTn id="2" dur="indefinite" nodeType="mainSeq">
-                <p:childTnLst>
-                  <p:par>
-                    <p:cTn id="3" fill="hold">
-                      <p:stCondLst>
-                        <p:cond delay="indefinite"/>
-                      </p:stCondLst>
-                      <p:childTnLst>
-                        <p:par>
-                          <p:cTn id="4" fill="hold">
-                            <p:stCondLst>
-                              <p:cond delay="0"/>
-                            </p:stCondLst>
-                            <p:childTnLst>
-                              <p:par>
-                                <p:cTn id="5" presetID="1" presetClass="entr" presetSubtype="0" fill="hold" nodeType="clickEffect">
-                                  <p:stCondLst>
-                                    <p:cond delay="0"/>
-                                  </p:stCondLst>
-                                  <p:childTnLst>
-                                    <p:set>
-                                      <p:cBhvr>
-                                        <p:cTn id="6" dur="1" fill="hold">
-                                          <p:stCondLst>
-                                            <p:cond delay="0"/>
-                                          </p:stCondLst>
-                                        </p:cTn>
-                                        <p:tgtEl>
-                                          <p:spTgt spid="4"/>
-                                        </p:tgtEl>
-                                        <p:attrNameLst>
-                                          <p:attrName>style.visibility</p:attrName>
-                                        </p:attrNameLst>
-                                      </p:cBhvr>
-                                      <p:to>
-                                        <p:strVal val="visible"/>
-                                      </p:to>
-                                    </p:set>
-                                  </p:childTnLst>
-                                </p:cTn>
-                              </p:par>
-                            </p:childTnLst>
-                          </p:cTn>
-                        </p:par>
-                      </p:childTnLst>
-                    </p:cTn>
-                  </p:par>
-                  <p:par>
-                    <p:cTn id="7" fill="hold">
-                      <p:stCondLst>
-                        <p:cond delay="indefinite"/>
-                      </p:stCondLst>
-                      <p:childTnLst>
-                        <p:par>
-                          <p:cTn id="8" fill="hold">
-                            <p:stCondLst>
-                              <p:cond delay="0"/>
-                            </p:stCondLst>
-                            <p:childTnLst>
-                              <p:par>
-                                <p:cTn id="9" presetID="1" presetClass="exit" presetSubtype="0" fill="hold" grpId="0" nodeType="clickEffect">
-                                  <p:stCondLst>
-                                    <p:cond delay="0"/>
-                                  </p:stCondLst>
-                                  <p:childTnLst>
-                                    <p:set>
-                                      <p:cBhvr>
-                                        <p:cTn id="10" dur="1" fill="hold">
-                                          <p:stCondLst>
-                                            <p:cond delay="0"/>
-                                          </p:stCondLst>
-                                        </p:cTn>
-                                        <p:tgtEl>
-                                          <p:spTgt spid="8"/>
-                                        </p:tgtEl>
-                                        <p:attrNameLst>
-                                          <p:attrName>style.visibility</p:attrName>
-                                        </p:attrNameLst>
-                                      </p:cBhvr>
-                                      <p:to>
-                                        <p:strVal val="hidden"/>
-                                      </p:to>
-                                    </p:set>
-                                  </p:childTnLst>
-                                </p:cTn>
-                              </p:par>
-                            </p:childTnLst>
-                          </p:cTn>
-                        </p:par>
-                      </p:childTnLst>
-                    </p:cTn>
-                  </p:par>
-                </p:childTnLst>
-              </p:cTn>
-              <p:prevCondLst>
-                <p:cond evt="onPrev" delay="0">
-                  <p:tgtEl>
-                    <p:sldTgt/>
-                  </p:tgtEl>
-                </p:cond>
-              </p:prevCondLst>
-              <p:nextCondLst>
-                <p:cond evt="onNext" delay="0">
-                  <p:tgtEl>
-                    <p:sldTgt/>
-                  </p:tgtEl>
-                </p:cond>
-              </p:nextCondLst>
-            </p:seq>
-          </p:childTnLst>
-        </p:cTn>
-      </p:par>
-    </p:tnLst>
-    <p:bldLst>
-      <p:bldP spid="8" grpId="0" animBg="1"/>
-    </p:bldLst>
-  </p:timing>
-</p:sld>
-</file>
-
-<file path=ppt/slides/slide44.xml><?xml version="1.0" encoding="utf-8"?>
-<p:sld xmlns:a="http://schemas.openxmlformats.org/drawingml/2006/main" xmlns:r="http://schemas.openxmlformats.org/officeDocument/2006/relationships" xmlns:p="http://schemas.openxmlformats.org/presentationml/2006/main">
-  <p:cSld>
-    <p:spTree>
-      <p:nvGrpSpPr>
-        <p:cNvPr id="1" name=""/>
-        <p:cNvGrpSpPr/>
-        <p:nvPr/>
-      </p:nvGrpSpPr>
-      <p:grpSpPr>
-        <a:xfrm>
-          <a:off x="0" y="0"/>
-          <a:ext cx="0" cy="0"/>
-          <a:chOff x="0" y="0"/>
-          <a:chExt cx="0" cy="0"/>
-        </a:xfrm>
-      </p:grpSpPr>
-      <p:sp>
-        <p:nvSpPr>
-          <p:cNvPr id="4" name="Title 3"/>
-          <p:cNvSpPr>
-            <a:spLocks noGrp="1"/>
-          </p:cNvSpPr>
-          <p:nvPr>
-            <p:ph type="title"/>
-          </p:nvPr>
-        </p:nvSpPr>
-        <p:spPr>
-          <a:xfrm>
-            <a:off x="800100" y="342900"/>
-            <a:ext cx="10715625" cy="1514476"/>
-          </a:xfrm>
-        </p:spPr>
-        <p:txBody>
-          <a:bodyPr>
-            <a:normAutofit/>
-          </a:bodyPr>
-          <a:lstStyle/>
-          <a:p>
-            <a:pPr algn="l"/>
-            <a:r>
-              <a:rPr lang="en-GB" dirty="0"/>
-              <a:t>Exercises</a:t>
-            </a:r>
-            <a:endParaRPr lang="de-DE" dirty="0"/>
-          </a:p>
-        </p:txBody>
-      </p:sp>
-      <p:sp>
-        <p:nvSpPr>
-          <p:cNvPr id="5" name="Text Placeholder 4"/>
-          <p:cNvSpPr>
-            <a:spLocks noGrp="1"/>
-          </p:cNvSpPr>
-          <p:nvPr>
-            <p:ph type="body" idx="1"/>
-          </p:nvPr>
-        </p:nvSpPr>
-        <p:spPr>
-          <a:xfrm>
-            <a:off x="800100" y="1981200"/>
-            <a:ext cx="8920671" cy="3378452"/>
-          </a:xfrm>
-        </p:spPr>
-        <p:txBody>
-          <a:bodyPr>
-            <a:normAutofit/>
-          </a:bodyPr>
-          <a:lstStyle/>
-          <a:p>
-            <a:pPr marL="342900" indent="-342900" algn="l">
-              <a:buFont typeface="Wingdings" panose="05000000000000000000" pitchFamily="2" charset="2"/>
-              <a:buChar char="§"/>
-            </a:pPr>
-            <a:r>
-              <a:rPr lang="en-GB" dirty="0"/>
-              <a:t>MapReduce</a:t>
-            </a:r>
-          </a:p>
-          <a:p>
-            <a:pPr marL="342900" indent="-342900" algn="l">
-              <a:buFont typeface="Wingdings" panose="05000000000000000000" pitchFamily="2" charset="2"/>
-              <a:buChar char="§"/>
-            </a:pPr>
-            <a:r>
-              <a:rPr lang="en-GB" dirty="0" err="1"/>
-              <a:t>MergeSort</a:t>
-            </a:r>
-            <a:endParaRPr lang="en-GB" dirty="0"/>
-          </a:p>
-          <a:p>
-            <a:pPr marL="342900" indent="-342900" algn="l">
-              <a:buFont typeface="Wingdings" panose="05000000000000000000" pitchFamily="2" charset="2"/>
-              <a:buChar char="§"/>
-            </a:pPr>
-            <a:r>
-              <a:rPr lang="en-GB" dirty="0"/>
-              <a:t>Refactoring</a:t>
-            </a:r>
-          </a:p>
-        </p:txBody>
-      </p:sp>
-    </p:spTree>
-    <p:extLst>
-      <p:ext uri="{BB962C8B-B14F-4D97-AF65-F5344CB8AC3E}">
-        <p14:creationId xmlns:p14="http://schemas.microsoft.com/office/powerpoint/2010/main" val="4149060222"/>
-      </p:ext>
-    </p:extLst>
-  </p:cSld>
-  <p:clrMapOvr>
-    <a:masterClrMapping/>
-  </p:clrMapOvr>
-</p:sld>
-</file>
-
-<file path=ppt/slides/slide45.xml><?xml version="1.0" encoding="utf-8"?>
-<p:sld xmlns:a="http://schemas.openxmlformats.org/drawingml/2006/main" xmlns:r="http://schemas.openxmlformats.org/officeDocument/2006/relationships" xmlns:p="http://schemas.openxmlformats.org/presentationml/2006/main">
-  <p:cSld>
-    <p:spTree>
-      <p:nvGrpSpPr>
-        <p:cNvPr id="1" name=""/>
-        <p:cNvGrpSpPr/>
-        <p:nvPr/>
-      </p:nvGrpSpPr>
-      <p:grpSpPr>
-        <a:xfrm>
-          <a:off x="0" y="0"/>
-          <a:ext cx="0" cy="0"/>
-          <a:chOff x="0" y="0"/>
-          <a:chExt cx="0" cy="0"/>
-        </a:xfrm>
-      </p:grpSpPr>
-      <p:sp>
-        <p:nvSpPr>
-          <p:cNvPr id="2" name="Title 1"/>
-          <p:cNvSpPr>
-            <a:spLocks noGrp="1"/>
-          </p:cNvSpPr>
-          <p:nvPr>
-            <p:ph type="title"/>
-          </p:nvPr>
-        </p:nvSpPr>
-        <p:spPr/>
-        <p:txBody>
-          <a:bodyPr/>
-          <a:lstStyle/>
-          <a:p>
-            <a:r>
-              <a:rPr lang="en-GB" dirty="0"/>
-              <a:t>MapReduce</a:t>
-            </a:r>
-            <a:endParaRPr lang="de-DE" dirty="0"/>
-          </a:p>
-        </p:txBody>
-      </p:sp>
-      <p:pic>
-        <p:nvPicPr>
-          <p:cNvPr id="4" name="Content Placeholder 3"/>
-          <p:cNvPicPr>
-            <a:picLocks noGrp="1" noChangeAspect="1"/>
-          </p:cNvPicPr>
-          <p:nvPr>
-            <p:ph idx="1"/>
-          </p:nvPr>
-        </p:nvPicPr>
-        <p:blipFill>
-          <a:blip r:embed="rId2"/>
-          <a:stretch>
-            <a:fillRect/>
-          </a:stretch>
-        </p:blipFill>
-        <p:spPr>
-          <a:xfrm>
-            <a:off x="1371600" y="2171700"/>
-            <a:ext cx="10476650" cy="2459610"/>
-          </a:xfrm>
-          <a:prstGeom prst="rect">
-            <a:avLst/>
-          </a:prstGeom>
-        </p:spPr>
-      </p:pic>
-    </p:spTree>
-    <p:extLst>
-      <p:ext uri="{BB962C8B-B14F-4D97-AF65-F5344CB8AC3E}">
-        <p14:creationId xmlns:p14="http://schemas.microsoft.com/office/powerpoint/2010/main" val="2766716416"/>
-      </p:ext>
-    </p:extLst>
-  </p:cSld>
-  <p:clrMapOvr>
-    <a:masterClrMapping/>
-  </p:clrMapOvr>
-</p:sld>
-</file>
-
-<file path=ppt/slides/slide46.xml><?xml version="1.0" encoding="utf-8"?>
-<p:sld xmlns:a="http://schemas.openxmlformats.org/drawingml/2006/main" xmlns:r="http://schemas.openxmlformats.org/officeDocument/2006/relationships" xmlns:p="http://schemas.openxmlformats.org/presentationml/2006/main">
-  <p:cSld>
-    <p:spTree>
-      <p:nvGrpSpPr>
-        <p:cNvPr id="1" name=""/>
-        <p:cNvGrpSpPr/>
-        <p:nvPr/>
-      </p:nvGrpSpPr>
-      <p:grpSpPr>
-        <a:xfrm>
-          <a:off x="0" y="0"/>
-          <a:ext cx="0" cy="0"/>
-          <a:chOff x="0" y="0"/>
-          <a:chExt cx="0" cy="0"/>
-        </a:xfrm>
-      </p:grpSpPr>
-      <p:sp>
-        <p:nvSpPr>
-          <p:cNvPr id="2" name="Title 1"/>
-          <p:cNvSpPr>
-            <a:spLocks noGrp="1"/>
-          </p:cNvSpPr>
-          <p:nvPr>
-            <p:ph type="title"/>
-          </p:nvPr>
-        </p:nvSpPr>
-        <p:spPr/>
-        <p:txBody>
-          <a:bodyPr/>
-          <a:lstStyle/>
-          <a:p>
-            <a:r>
-              <a:rPr lang="en-GB" dirty="0" err="1"/>
-              <a:t>MergeSort</a:t>
-            </a:r>
-            <a:endParaRPr lang="de-DE" dirty="0"/>
-          </a:p>
-        </p:txBody>
-      </p:sp>
-      <p:pic>
-        <p:nvPicPr>
-          <p:cNvPr id="6" name="Content Placeholder 5"/>
-          <p:cNvPicPr>
-            <a:picLocks noGrp="1" noChangeAspect="1"/>
-          </p:cNvPicPr>
-          <p:nvPr>
-            <p:ph sz="half" idx="1"/>
-          </p:nvPr>
-        </p:nvPicPr>
-        <p:blipFill>
-          <a:blip r:embed="rId2"/>
-          <a:stretch>
-            <a:fillRect/>
-          </a:stretch>
-        </p:blipFill>
-        <p:spPr>
-          <a:xfrm>
-            <a:off x="1371600" y="3054312"/>
-            <a:ext cx="4448175" cy="2044776"/>
-          </a:xfrm>
-          <a:prstGeom prst="rect">
-            <a:avLst/>
-          </a:prstGeom>
-        </p:spPr>
-      </p:pic>
-      <p:pic>
-        <p:nvPicPr>
-          <p:cNvPr id="7" name="Content Placeholder 6"/>
-          <p:cNvPicPr>
-            <a:picLocks noGrp="1" noChangeAspect="1"/>
-          </p:cNvPicPr>
-          <p:nvPr>
-            <p:ph sz="half" idx="2"/>
-          </p:nvPr>
-        </p:nvPicPr>
-        <p:blipFill>
-          <a:blip r:embed="rId3"/>
-          <a:stretch>
-            <a:fillRect/>
-          </a:stretch>
-        </p:blipFill>
-        <p:spPr>
-          <a:xfrm>
-            <a:off x="6524625" y="2896770"/>
-            <a:ext cx="4448175" cy="2359859"/>
-          </a:xfrm>
-          <a:prstGeom prst="rect">
-            <a:avLst/>
-          </a:prstGeom>
-        </p:spPr>
-      </p:pic>
-    </p:spTree>
-    <p:extLst>
-      <p:ext uri="{BB962C8B-B14F-4D97-AF65-F5344CB8AC3E}">
-        <p14:creationId xmlns:p14="http://schemas.microsoft.com/office/powerpoint/2010/main" val="1252093353"/>
-      </p:ext>
-    </p:extLst>
-  </p:cSld>
-  <p:clrMapOvr>
-    <a:masterClrMapping/>
-  </p:clrMapOvr>
-</p:sld>
-</file>
-
-<file path=ppt/slides/slide47.xml><?xml version="1.0" encoding="utf-8"?>
-<p:sld xmlns:a="http://schemas.openxmlformats.org/drawingml/2006/main" xmlns:r="http://schemas.openxmlformats.org/officeDocument/2006/relationships" xmlns:p="http://schemas.openxmlformats.org/presentationml/2006/main">
-  <p:cSld>
-    <p:spTree>
-      <p:nvGrpSpPr>
-        <p:cNvPr id="1" name=""/>
-        <p:cNvGrpSpPr/>
-        <p:nvPr/>
-      </p:nvGrpSpPr>
-      <p:grpSpPr>
-        <a:xfrm>
-          <a:off x="0" y="0"/>
-          <a:ext cx="0" cy="0"/>
-          <a:chOff x="0" y="0"/>
-          <a:chExt cx="0" cy="0"/>
-        </a:xfrm>
-      </p:grpSpPr>
-      <p:sp>
-        <p:nvSpPr>
-          <p:cNvPr id="5" name="Title 4"/>
-          <p:cNvSpPr>
-            <a:spLocks noGrp="1"/>
-          </p:cNvSpPr>
-          <p:nvPr>
-            <p:ph type="title"/>
-          </p:nvPr>
-        </p:nvSpPr>
-        <p:spPr/>
-        <p:txBody>
-          <a:bodyPr/>
-          <a:lstStyle/>
-          <a:p>
-            <a:r>
-              <a:rPr lang="de-DE" dirty="0" err="1"/>
-              <a:t>Refactoring</a:t>
-            </a:r>
-            <a:r>
-              <a:rPr lang="de-DE" dirty="0"/>
-              <a:t>	</a:t>
-            </a:r>
-          </a:p>
-        </p:txBody>
-      </p:sp>
-      <p:sp>
-        <p:nvSpPr>
-          <p:cNvPr id="6" name="Content Placeholder 5"/>
-          <p:cNvSpPr>
-            <a:spLocks noGrp="1"/>
-          </p:cNvSpPr>
-          <p:nvPr>
-            <p:ph idx="1"/>
-          </p:nvPr>
-        </p:nvSpPr>
-        <p:spPr/>
-        <p:txBody>
-          <a:bodyPr/>
-          <a:lstStyle/>
-          <a:p>
-            <a:r>
-              <a:rPr lang="de-DE" dirty="0"/>
-              <a:t>Live!</a:t>
-            </a:r>
-          </a:p>
-        </p:txBody>
-      </p:sp>
-    </p:spTree>
-    <p:extLst>
-      <p:ext uri="{BB962C8B-B14F-4D97-AF65-F5344CB8AC3E}">
-        <p14:creationId xmlns:p14="http://schemas.microsoft.com/office/powerpoint/2010/main" val="193731151"/>
-      </p:ext>
-    </p:extLst>
-  </p:cSld>
-  <p:clrMapOvr>
-    <a:masterClrMapping/>
-  </p:clrMapOvr>
-</p:sld>
-</file>
-
-<file path=ppt/slides/slide48.xml><?xml version="1.0" encoding="utf-8"?>
-<p:sld xmlns:a="http://schemas.openxmlformats.org/drawingml/2006/main" xmlns:r="http://schemas.openxmlformats.org/officeDocument/2006/relationships" xmlns:p="http://schemas.openxmlformats.org/presentationml/2006/main">
-  <p:cSld>
-    <p:spTree>
-      <p:nvGrpSpPr>
-        <p:cNvPr id="1" name=""/>
-        <p:cNvGrpSpPr/>
-        <p:nvPr/>
-      </p:nvGrpSpPr>
-      <p:grpSpPr>
-        <a:xfrm>
-          <a:off x="0" y="0"/>
-          <a:ext cx="0" cy="0"/>
-          <a:chOff x="0" y="0"/>
-          <a:chExt cx="0" cy="0"/>
-        </a:xfrm>
-      </p:grpSpPr>
-      <p:sp>
-        <p:nvSpPr>
-          <p:cNvPr id="2" name="Title 1"/>
-          <p:cNvSpPr>
-            <a:spLocks noGrp="1"/>
-          </p:cNvSpPr>
-          <p:nvPr>
-            <p:ph type="title"/>
-          </p:nvPr>
-        </p:nvSpPr>
-        <p:spPr/>
-        <p:txBody>
-          <a:bodyPr/>
-          <a:lstStyle/>
-          <a:p>
-            <a:r>
-              <a:rPr lang="de-DE" dirty="0" err="1"/>
-              <a:t>parseInt</a:t>
-            </a:r>
-            <a:endParaRPr lang="de-DE" dirty="0"/>
-          </a:p>
-        </p:txBody>
-      </p:sp>
-      <p:pic>
-        <p:nvPicPr>
-          <p:cNvPr id="4" name="Picture 3"/>
-          <p:cNvPicPr>
-            <a:picLocks noChangeAspect="1"/>
-          </p:cNvPicPr>
-          <p:nvPr/>
-        </p:nvPicPr>
-        <p:blipFill>
-          <a:blip r:embed="rId2"/>
-          <a:stretch>
-            <a:fillRect/>
-          </a:stretch>
-        </p:blipFill>
-        <p:spPr>
-          <a:xfrm>
-            <a:off x="1371600" y="2171700"/>
-            <a:ext cx="7802064" cy="457264"/>
-          </a:xfrm>
-          <a:prstGeom prst="rect">
-            <a:avLst/>
-          </a:prstGeom>
-        </p:spPr>
-      </p:pic>
-      <p:pic>
-        <p:nvPicPr>
-          <p:cNvPr id="5" name="Picture 4"/>
-          <p:cNvPicPr>
-            <a:picLocks noChangeAspect="1"/>
-          </p:cNvPicPr>
-          <p:nvPr/>
-        </p:nvPicPr>
-        <p:blipFill>
-          <a:blip r:embed="rId3"/>
-          <a:stretch>
-            <a:fillRect/>
-          </a:stretch>
-        </p:blipFill>
-        <p:spPr>
-          <a:xfrm>
-            <a:off x="1371600" y="3939703"/>
-            <a:ext cx="8735736" cy="350322"/>
-          </a:xfrm>
-          <a:prstGeom prst="rect">
-            <a:avLst/>
-          </a:prstGeom>
-        </p:spPr>
-      </p:pic>
-      <p:pic>
-        <p:nvPicPr>
-          <p:cNvPr id="6" name="Picture 5"/>
-          <p:cNvPicPr>
-            <a:picLocks noChangeAspect="1"/>
-          </p:cNvPicPr>
-          <p:nvPr/>
-        </p:nvPicPr>
-        <p:blipFill>
-          <a:blip r:embed="rId4"/>
-          <a:stretch>
-            <a:fillRect/>
-          </a:stretch>
-        </p:blipFill>
-        <p:spPr>
-          <a:xfrm>
-            <a:off x="1371600" y="3282839"/>
-            <a:ext cx="7041910" cy="399200"/>
-          </a:xfrm>
-          <a:prstGeom prst="rect">
-            <a:avLst/>
-          </a:prstGeom>
-        </p:spPr>
-      </p:pic>
-    </p:spTree>
-    <p:extLst>
-      <p:ext uri="{BB962C8B-B14F-4D97-AF65-F5344CB8AC3E}">
-        <p14:creationId xmlns:p14="http://schemas.microsoft.com/office/powerpoint/2010/main" val="3092542509"/>
-      </p:ext>
-    </p:extLst>
-  </p:cSld>
-  <p:clrMapOvr>
-    <a:masterClrMapping/>
-  </p:clrMapOvr>
-  <p:timing>
-    <p:tnLst>
-      <p:par>
-        <p:cTn id="1" dur="indefinite" restart="never" nodeType="tmRoot">
-          <p:childTnLst>
-            <p:seq concurrent="1" nextAc="seek">
-              <p:cTn id="2" dur="indefinite" nodeType="mainSeq">
-                <p:childTnLst>
-                  <p:par>
-                    <p:cTn id="3" fill="hold">
-                      <p:stCondLst>
-                        <p:cond delay="indefinite"/>
-                      </p:stCondLst>
-                      <p:childTnLst>
-                        <p:par>
-                          <p:cTn id="4" fill="hold">
-                            <p:stCondLst>
-                              <p:cond delay="0"/>
-                            </p:stCondLst>
-                            <p:childTnLst>
-                              <p:par>
-                                <p:cTn id="5" presetID="1" presetClass="entr" presetSubtype="0" fill="hold" nodeType="clickEffect">
-                                  <p:stCondLst>
-                                    <p:cond delay="0"/>
-                                  </p:stCondLst>
-                                  <p:childTnLst>
-                                    <p:set>
-                                      <p:cBhvr>
-                                        <p:cTn id="6" dur="1" fill="hold">
-                                          <p:stCondLst>
-                                            <p:cond delay="0"/>
-                                          </p:stCondLst>
-                                        </p:cTn>
-                                        <p:tgtEl>
-                                          <p:spTgt spid="6"/>
-                                        </p:tgtEl>
-                                        <p:attrNameLst>
-                                          <p:attrName>style.visibility</p:attrName>
-                                        </p:attrNameLst>
-                                      </p:cBhvr>
-                                      <p:to>
-                                        <p:strVal val="visible"/>
-                                      </p:to>
-                                    </p:set>
-                                  </p:childTnLst>
-                                </p:cTn>
-                              </p:par>
-                            </p:childTnLst>
-                          </p:cTn>
-                        </p:par>
-                      </p:childTnLst>
-                    </p:cTn>
-                  </p:par>
-                  <p:par>
-                    <p:cTn id="7" fill="hold">
-                      <p:stCondLst>
-                        <p:cond delay="indefinite"/>
-                      </p:stCondLst>
-                      <p:childTnLst>
-                        <p:par>
-                          <p:cTn id="8" fill="hold">
-                            <p:stCondLst>
-                              <p:cond delay="0"/>
-                            </p:stCondLst>
-                            <p:childTnLst>
-                              <p:par>
-                                <p:cTn id="9" presetID="1" presetClass="entr" presetSubtype="0" fill="hold" nodeType="clickEffect">
-                                  <p:stCondLst>
-                                    <p:cond delay="0"/>
-                                  </p:stCondLst>
-                                  <p:childTnLst>
-                                    <p:set>
-                                      <p:cBhvr>
-                                        <p:cTn id="10" dur="1" fill="hold">
-                                          <p:stCondLst>
-                                            <p:cond delay="0"/>
-                                          </p:stCondLst>
-                                        </p:cTn>
-                                        <p:tgtEl>
-                                          <p:spTgt spid="5"/>
-                                        </p:tgtEl>
-                                        <p:attrNameLst>
-                                          <p:attrName>style.visibility</p:attrName>
-                                        </p:attrNameLst>
-                                      </p:cBhvr>
-                                      <p:to>
-                                        <p:strVal val="visible"/>
-                                      </p:to>
-                                    </p:set>
-                                  </p:childTnLst>
-                                </p:cTn>
-                              </p:par>
-                            </p:childTnLst>
-                          </p:cTn>
-                        </p:par>
-                      </p:childTnLst>
-                    </p:cTn>
-                  </p:par>
-                </p:childTnLst>
-              </p:cTn>
-              <p:prevCondLst>
-                <p:cond evt="onPrev" delay="0">
-                  <p:tgtEl>
-                    <p:sldTgt/>
-                  </p:tgtEl>
-                </p:cond>
-              </p:prevCondLst>
-              <p:nextCondLst>
-                <p:cond evt="onNext" delay="0">
-                  <p:tgtEl>
-                    <p:sldTgt/>
-                  </p:tgtEl>
-                </p:cond>
-              </p:nextCondLst>
-            </p:seq>
-          </p:childTnLst>
-        </p:cTn>
-      </p:par>
-    </p:tnLst>
-  </p:timing>
-</p:sld>
-</file>
-
-<file path=ppt/slides/slide5.xml><?xml version="1.0" encoding="utf-8"?>
-<p:sld xmlns:a="http://schemas.openxmlformats.org/drawingml/2006/main" xmlns:r="http://schemas.openxmlformats.org/officeDocument/2006/relationships" xmlns:p="http://schemas.openxmlformats.org/presentationml/2006/main">
-  <p:cSld>
-    <p:spTree>
-      <p:nvGrpSpPr>
-        <p:cNvPr id="1" name=""/>
-        <p:cNvGrpSpPr/>
-        <p:nvPr/>
-      </p:nvGrpSpPr>
-      <p:grpSpPr>
-        <a:xfrm>
-          <a:off x="0" y="0"/>
-          <a:ext cx="0" cy="0"/>
-          <a:chOff x="0" y="0"/>
-          <a:chExt cx="0" cy="0"/>
-        </a:xfrm>
-      </p:grpSpPr>
-      <p:sp>
-        <p:nvSpPr>
           <p:cNvPr id="2" name="Title 1"/>
           <p:cNvSpPr>
             <a:spLocks noGrp="1"/>
@@ -12612,7 +13361,7 @@
 </p:sld>
 </file>
 
-<file path=ppt/slides/slide6.xml><?xml version="1.0" encoding="utf-8"?>
+<file path=ppt/slides/slide8.xml><?xml version="1.0" encoding="utf-8"?>
 <p:sld xmlns:a="http://schemas.openxmlformats.org/drawingml/2006/main" xmlns:r="http://schemas.openxmlformats.org/officeDocument/2006/relationships" xmlns:p="http://schemas.openxmlformats.org/presentationml/2006/main">
   <p:cSld>
     <p:spTree>
@@ -12855,311 +13604,6 @@
 </p:sld>
 </file>
 
-<file path=ppt/slides/slide7.xml><?xml version="1.0" encoding="utf-8"?>
-<p:sld xmlns:a="http://schemas.openxmlformats.org/drawingml/2006/main" xmlns:r="http://schemas.openxmlformats.org/officeDocument/2006/relationships" xmlns:p="http://schemas.openxmlformats.org/presentationml/2006/main">
-  <p:cSld>
-    <p:spTree>
-      <p:nvGrpSpPr>
-        <p:cNvPr id="1" name=""/>
-        <p:cNvGrpSpPr/>
-        <p:nvPr/>
-      </p:nvGrpSpPr>
-      <p:grpSpPr>
-        <a:xfrm>
-          <a:off x="0" y="0"/>
-          <a:ext cx="0" cy="0"/>
-          <a:chOff x="0" y="0"/>
-          <a:chExt cx="0" cy="0"/>
-        </a:xfrm>
-      </p:grpSpPr>
-      <p:sp>
-        <p:nvSpPr>
-          <p:cNvPr id="2" name="Title 1"/>
-          <p:cNvSpPr>
-            <a:spLocks noGrp="1"/>
-          </p:cNvSpPr>
-          <p:nvPr>
-            <p:ph type="title"/>
-          </p:nvPr>
-        </p:nvSpPr>
-        <p:spPr/>
-        <p:txBody>
-          <a:bodyPr/>
-          <a:lstStyle/>
-          <a:p>
-            <a:r>
-              <a:rPr lang="en-GB" dirty="0"/>
-              <a:t>Types – </a:t>
-            </a:r>
-            <a:r>
-              <a:rPr lang="en-GB"/>
-              <a:t>Part I</a:t>
-            </a:r>
-            <a:endParaRPr lang="de-DE" dirty="0"/>
-          </a:p>
-        </p:txBody>
-      </p:sp>
-      <p:sp>
-        <p:nvSpPr>
-          <p:cNvPr id="3" name="Content Placeholder 2"/>
-          <p:cNvSpPr>
-            <a:spLocks noGrp="1"/>
-          </p:cNvSpPr>
-          <p:nvPr>
-            <p:ph sz="half" idx="1"/>
-          </p:nvPr>
-        </p:nvSpPr>
-        <p:spPr/>
-        <p:txBody>
-          <a:bodyPr anchor="ctr">
-            <a:normAutofit/>
-          </a:bodyPr>
-          <a:lstStyle/>
-          <a:p>
-            <a:r>
-              <a:rPr lang="en-GB" sz="2800" dirty="0"/>
-              <a:t>Strings</a:t>
-            </a:r>
-          </a:p>
-          <a:p>
-            <a:r>
-              <a:rPr lang="en-GB" sz="2800" dirty="0"/>
-              <a:t>Boolean</a:t>
-            </a:r>
-          </a:p>
-          <a:p>
-            <a:r>
-              <a:rPr lang="en-GB" sz="2800" dirty="0"/>
-              <a:t>Number</a:t>
-            </a:r>
-          </a:p>
-        </p:txBody>
-      </p:sp>
-      <p:pic>
-        <p:nvPicPr>
-          <p:cNvPr id="6" name="Content Placeholder 5"/>
-          <p:cNvPicPr>
-            <a:picLocks noGrp="1" noChangeAspect="1"/>
-          </p:cNvPicPr>
-          <p:nvPr>
-            <p:ph sz="half" idx="2"/>
-          </p:nvPr>
-        </p:nvPicPr>
-        <p:blipFill>
-          <a:blip r:embed="rId2"/>
-          <a:stretch>
-            <a:fillRect/>
-          </a:stretch>
-        </p:blipFill>
-        <p:spPr>
-          <a:xfrm>
-            <a:off x="6524625" y="2778120"/>
-            <a:ext cx="4448175" cy="2597160"/>
-          </a:xfrm>
-          <a:prstGeom prst="rect">
-            <a:avLst/>
-          </a:prstGeom>
-        </p:spPr>
-      </p:pic>
-      <p:sp>
-        <p:nvSpPr>
-          <p:cNvPr id="7" name="TextBox 6">
-            <a:hlinkClick r:id="rId3" action="ppaction://hlinksldjump"/>
-          </p:cNvPr>
-          <p:cNvSpPr txBox="1"/>
-          <p:nvPr/>
-        </p:nvSpPr>
-        <p:spPr>
-          <a:xfrm>
-            <a:off x="712521" y="5938"/>
-            <a:ext cx="2054431" cy="400110"/>
-          </a:xfrm>
-          <a:prstGeom prst="rect">
-            <a:avLst/>
-          </a:prstGeom>
-          <a:noFill/>
-        </p:spPr>
-        <p:txBody>
-          <a:bodyPr wrap="square" rtlCol="0">
-            <a:spAutoFit/>
-          </a:bodyPr>
-          <a:lstStyle/>
-          <a:p>
-            <a:r>
-              <a:rPr lang="en-GB" sz="2000" dirty="0"/>
-              <a:t>Basics</a:t>
-            </a:r>
-            <a:endParaRPr lang="de-DE" sz="2000" dirty="0"/>
-          </a:p>
-        </p:txBody>
-      </p:sp>
-    </p:spTree>
-    <p:extLst>
-      <p:ext uri="{BB962C8B-B14F-4D97-AF65-F5344CB8AC3E}">
-        <p14:creationId xmlns:p14="http://schemas.microsoft.com/office/powerpoint/2010/main" val="1525262803"/>
-      </p:ext>
-    </p:extLst>
-  </p:cSld>
-  <p:clrMapOvr>
-    <a:masterClrMapping/>
-  </p:clrMapOvr>
-</p:sld>
-</file>
-
-<file path=ppt/slides/slide8.xml><?xml version="1.0" encoding="utf-8"?>
-<p:sld xmlns:a="http://schemas.openxmlformats.org/drawingml/2006/main" xmlns:r="http://schemas.openxmlformats.org/officeDocument/2006/relationships" xmlns:p="http://schemas.openxmlformats.org/presentationml/2006/main">
-  <p:cSld>
-    <p:spTree>
-      <p:nvGrpSpPr>
-        <p:cNvPr id="1" name=""/>
-        <p:cNvGrpSpPr/>
-        <p:nvPr/>
-      </p:nvGrpSpPr>
-      <p:grpSpPr>
-        <a:xfrm>
-          <a:off x="0" y="0"/>
-          <a:ext cx="0" cy="0"/>
-          <a:chOff x="0" y="0"/>
-          <a:chExt cx="0" cy="0"/>
-        </a:xfrm>
-      </p:grpSpPr>
-      <p:sp>
-        <p:nvSpPr>
-          <p:cNvPr id="2" name="Title 1"/>
-          <p:cNvSpPr>
-            <a:spLocks noGrp="1"/>
-          </p:cNvSpPr>
-          <p:nvPr>
-            <p:ph type="title"/>
-          </p:nvPr>
-        </p:nvSpPr>
-        <p:spPr/>
-        <p:txBody>
-          <a:bodyPr/>
-          <a:lstStyle/>
-          <a:p>
-            <a:r>
-              <a:rPr lang="en-GB" dirty="0"/>
-              <a:t>Types – Part II</a:t>
-            </a:r>
-            <a:endParaRPr lang="de-DE" dirty="0"/>
-          </a:p>
-        </p:txBody>
-      </p:sp>
-      <p:sp>
-        <p:nvSpPr>
-          <p:cNvPr id="3" name="Content Placeholder 2"/>
-          <p:cNvSpPr>
-            <a:spLocks noGrp="1"/>
-          </p:cNvSpPr>
-          <p:nvPr>
-            <p:ph sz="half" idx="1"/>
-          </p:nvPr>
-        </p:nvSpPr>
-        <p:spPr/>
-        <p:txBody>
-          <a:bodyPr anchor="ctr">
-            <a:normAutofit/>
-          </a:bodyPr>
-          <a:lstStyle/>
-          <a:p>
-            <a:r>
-              <a:rPr lang="en-GB" sz="2800" dirty="0"/>
-              <a:t>Arrays</a:t>
-            </a:r>
-          </a:p>
-          <a:p>
-            <a:r>
-              <a:rPr lang="en-GB" sz="2800" dirty="0"/>
-              <a:t>Tuples</a:t>
-            </a:r>
-          </a:p>
-          <a:p>
-            <a:r>
-              <a:rPr lang="en-GB" sz="2800" dirty="0" err="1"/>
-              <a:t>Enums</a:t>
-            </a:r>
-            <a:endParaRPr lang="en-GB" sz="2800" dirty="0"/>
-          </a:p>
-          <a:p>
-            <a:r>
-              <a:rPr lang="en-GB" sz="2800" dirty="0"/>
-              <a:t>Any</a:t>
-            </a:r>
-          </a:p>
-        </p:txBody>
-      </p:sp>
-      <p:pic>
-        <p:nvPicPr>
-          <p:cNvPr id="9" name="Content Placeholder 8"/>
-          <p:cNvPicPr>
-            <a:picLocks noGrp="1" noChangeAspect="1"/>
-          </p:cNvPicPr>
-          <p:nvPr>
-            <p:ph sz="half" idx="2"/>
-          </p:nvPr>
-        </p:nvPicPr>
-        <p:blipFill>
-          <a:blip r:embed="rId2"/>
-          <a:stretch>
-            <a:fillRect/>
-          </a:stretch>
-        </p:blipFill>
-        <p:spPr>
-          <a:xfrm>
-            <a:off x="6796969" y="2286000"/>
-            <a:ext cx="3903486" cy="3581400"/>
-          </a:xfrm>
-          <a:prstGeom prst="rect">
-            <a:avLst/>
-          </a:prstGeom>
-        </p:spPr>
-      </p:pic>
-      <p:sp>
-        <p:nvSpPr>
-          <p:cNvPr id="6" name="TextBox 5">
-            <a:hlinkClick r:id="rId3" action="ppaction://hlinksldjump"/>
-          </p:cNvPr>
-          <p:cNvSpPr txBox="1"/>
-          <p:nvPr/>
-        </p:nvSpPr>
-        <p:spPr>
-          <a:xfrm>
-            <a:off x="712521" y="5938"/>
-            <a:ext cx="2054431" cy="400110"/>
-          </a:xfrm>
-          <a:prstGeom prst="rect">
-            <a:avLst/>
-          </a:prstGeom>
-          <a:noFill/>
-        </p:spPr>
-        <p:txBody>
-          <a:bodyPr wrap="square" rtlCol="0">
-            <a:spAutoFit/>
-          </a:bodyPr>
-          <a:lstStyle/>
-          <a:p>
-            <a:r>
-              <a:rPr lang="en-GB" sz="2000" dirty="0"/>
-              <a:t>Basics</a:t>
-            </a:r>
-            <a:endParaRPr lang="de-DE" sz="2000" dirty="0"/>
-          </a:p>
-        </p:txBody>
-      </p:sp>
-    </p:spTree>
-    <p:extLst>
-      <p:ext uri="{BB962C8B-B14F-4D97-AF65-F5344CB8AC3E}">
-        <p14:creationId xmlns:p14="http://schemas.microsoft.com/office/powerpoint/2010/main" val="296295431"/>
-      </p:ext>
-    </p:extLst>
-  </p:cSld>
-  <p:clrMapOvr>
-    <a:masterClrMapping/>
-  </p:clrMapOvr>
-</p:sld>
-</file>
-
 <file path=ppt/slides/slide9.xml><?xml version="1.0" encoding="utf-8"?>
 <p:sld xmlns:a="http://schemas.openxmlformats.org/drawingml/2006/main" xmlns:r="http://schemas.openxmlformats.org/officeDocument/2006/relationships" xmlns:p="http://schemas.openxmlformats.org/presentationml/2006/main">
   <p:cSld>
@@ -13194,20 +13638,60 @@
           <a:p>
             <a:r>
               <a:rPr lang="en-GB" dirty="0"/>
-              <a:t>Types – Part III</a:t>
+              <a:t>Types – </a:t>
+            </a:r>
+            <a:r>
+              <a:rPr lang="en-GB"/>
+              <a:t>Part I</a:t>
             </a:r>
             <a:endParaRPr lang="de-DE" dirty="0"/>
+          </a:p>
+        </p:txBody>
+      </p:sp>
+      <p:sp>
+        <p:nvSpPr>
+          <p:cNvPr id="3" name="Content Placeholder 2"/>
+          <p:cNvSpPr>
+            <a:spLocks noGrp="1"/>
+          </p:cNvSpPr>
+          <p:nvPr>
+            <p:ph sz="half" idx="1"/>
+          </p:nvPr>
+        </p:nvSpPr>
+        <p:spPr/>
+        <p:txBody>
+          <a:bodyPr anchor="ctr">
+            <a:normAutofit/>
+          </a:bodyPr>
+          <a:lstStyle/>
+          <a:p>
+            <a:r>
+              <a:rPr lang="en-GB" sz="2800" dirty="0"/>
+              <a:t>Strings</a:t>
+            </a:r>
+          </a:p>
+          <a:p>
+            <a:r>
+              <a:rPr lang="en-GB" sz="2800" dirty="0"/>
+              <a:t>Boolean</a:t>
+            </a:r>
+          </a:p>
+          <a:p>
+            <a:r>
+              <a:rPr lang="en-GB" sz="2800" dirty="0"/>
+              <a:t>Number</a:t>
+            </a:r>
           </a:p>
         </p:txBody>
       </p:sp>
       <p:pic>
         <p:nvPicPr>
-          <p:cNvPr id="4" name="Content Placeholder 3"/>
+          <p:cNvPr id="6" name="Content Placeholder 5"/>
           <p:cNvPicPr>
             <a:picLocks noGrp="1" noChangeAspect="1"/>
           </p:cNvPicPr>
           <p:nvPr>
-            <p:ph idx="1"/>
+            <p:ph sz="half" idx="2"/>
           </p:nvPr>
         </p:nvPicPr>
         <p:blipFill>
@@ -13218,8 +13702,8 @@
         </p:blipFill>
         <p:spPr>
           <a:xfrm>
-            <a:off x="2433115" y="3624199"/>
-            <a:ext cx="7478169" cy="905001"/>
+            <a:off x="6524625" y="2778120"/>
+            <a:ext cx="4448175" cy="2597160"/>
           </a:xfrm>
           <a:prstGeom prst="rect">
             <a:avLst/>
@@ -13228,7 +13712,7 @@
       </p:pic>
       <p:sp>
         <p:nvSpPr>
-          <p:cNvPr id="6" name="TextBox 5">
+          <p:cNvPr id="7" name="TextBox 6">
             <a:hlinkClick r:id="rId3" action="ppaction://hlinksldjump"/>
           </p:cNvPr>
           <p:cNvSpPr txBox="1"/>
@@ -13261,7 +13745,7 @@
     </p:spTree>
     <p:extLst>
       <p:ext uri="{BB962C8B-B14F-4D97-AF65-F5344CB8AC3E}">
-        <p14:creationId xmlns:p14="http://schemas.microsoft.com/office/powerpoint/2010/main" val="3439936945"/>
+        <p14:creationId xmlns:p14="http://schemas.microsoft.com/office/powerpoint/2010/main" val="1525262803"/>
       </p:ext>
     </p:extLst>
   </p:cSld>

--- a/Typescript.pptx
+++ b/Typescript.pptx
@@ -12811,10 +12811,10 @@
               <a:t>Supports pure JS </a:t>
             </a:r>
             <a:r>
-              <a:rPr lang="en-GB"/>
+              <a:rPr lang="en-GB" dirty="0" err="1"/>
               <a:t>aswell</a:t>
             </a:r>
-            <a:endParaRPr lang="en-GB"/>
+            <a:endParaRPr lang="en-GB" dirty="0"/>
           </a:p>
           <a:p>
             <a:r>
